--- a/2番ペゲーロとは何だったのか.pptx
+++ b/2番ペゲーロとは何だったのか.pptx
@@ -7,21 +7,27 @@
   <p:sldIdLst>
     <p:sldId id="256" r:id="rId2"/>
     <p:sldId id="257" r:id="rId3"/>
-    <p:sldId id="267" r:id="rId4"/>
-    <p:sldId id="260" r:id="rId5"/>
-    <p:sldId id="262" r:id="rId6"/>
-    <p:sldId id="263" r:id="rId7"/>
-    <p:sldId id="264" r:id="rId8"/>
-    <p:sldId id="265" r:id="rId9"/>
-    <p:sldId id="266" r:id="rId10"/>
-    <p:sldId id="268" r:id="rId11"/>
-    <p:sldId id="269" r:id="rId12"/>
-    <p:sldId id="270" r:id="rId13"/>
-    <p:sldId id="271" r:id="rId14"/>
-    <p:sldId id="272" r:id="rId15"/>
-    <p:sldId id="273" r:id="rId16"/>
-    <p:sldId id="274" r:id="rId17"/>
-    <p:sldId id="261" r:id="rId18"/>
+    <p:sldId id="280" r:id="rId4"/>
+    <p:sldId id="267" r:id="rId5"/>
+    <p:sldId id="275" r:id="rId6"/>
+    <p:sldId id="260" r:id="rId7"/>
+    <p:sldId id="262" r:id="rId8"/>
+    <p:sldId id="263" r:id="rId9"/>
+    <p:sldId id="264" r:id="rId10"/>
+    <p:sldId id="265" r:id="rId11"/>
+    <p:sldId id="266" r:id="rId12"/>
+    <p:sldId id="268" r:id="rId13"/>
+    <p:sldId id="269" r:id="rId14"/>
+    <p:sldId id="277" r:id="rId15"/>
+    <p:sldId id="270" r:id="rId16"/>
+    <p:sldId id="276" r:id="rId17"/>
+    <p:sldId id="279" r:id="rId18"/>
+    <p:sldId id="271" r:id="rId19"/>
+    <p:sldId id="272" r:id="rId20"/>
+    <p:sldId id="273" r:id="rId21"/>
+    <p:sldId id="274" r:id="rId22"/>
+    <p:sldId id="261" r:id="rId23"/>
+    <p:sldId id="278" r:id="rId24"/>
   </p:sldIdLst>
   <p:sldSz cx="12192000" cy="6858000"/>
   <p:notesSz cx="6858000" cy="9144000"/>
@@ -120,6 +126,11 @@
       </a:defRPr>
     </a:lvl9pPr>
   </p:defaultTextStyle>
+  <p:extLst>
+    <p:ext uri="{EFAFB233-063F-42B5-8137-9DF3F51BA10A}">
+      <p15:sldGuideLst xmlns:p15="http://schemas.microsoft.com/office/powerpoint/2012/main"/>
+    </p:ext>
+  </p:extLst>
 </p:presentation>
 </file>
 
@@ -11911,7 +11922,7 @@
                   <a:bodyPr/>
                   <a:lstStyle/>
                   <a:p>
-                    <a:fld id="{3401F1C2-4BAA-4C4E-A599-E6EBECAB9D81}" type="CELLRANGE">
+                    <a:fld id="{7E9C4251-1831-48D2-80AC-F7DDD75D6A75}" type="CELLRANGE">
                       <a:rPr lang="en-US" altLang="ja-JP"/>
                       <a:pPr/>
                       <a:t>[CELLRANGE]</a:t>
@@ -11944,7 +11955,7 @@
                   <a:bodyPr/>
                   <a:lstStyle/>
                   <a:p>
-                    <a:fld id="{7CC01723-CDDA-4BCE-8CB3-AC7E37A866E4}" type="CELLRANGE">
+                    <a:fld id="{56B962F2-F50E-4913-9C82-082BB270ED5E}" type="CELLRANGE">
                       <a:rPr lang="ja-JP" altLang="en-US"/>
                       <a:pPr/>
                       <a:t>[CELLRANGE]</a:t>
@@ -11978,7 +11989,7 @@
                   <a:bodyPr/>
                   <a:lstStyle/>
                   <a:p>
-                    <a:fld id="{8FF691ED-07B6-4954-8B9F-78E67FB35FF4}" type="CELLRANGE">
+                    <a:fld id="{4976B390-7A30-4DAF-AC54-59E9D8DA9D9A}" type="CELLRANGE">
                       <a:rPr lang="ja-JP" altLang="en-US"/>
                       <a:pPr/>
                       <a:t>[CELLRANGE]</a:t>
@@ -12012,7 +12023,7 @@
                   <a:bodyPr/>
                   <a:lstStyle/>
                   <a:p>
-                    <a:fld id="{1E984E6A-9C7D-47E2-B7CB-4CF5A9C7D62D}" type="CELLRANGE">
+                    <a:fld id="{276D976D-D164-4029-8022-39438A752D98}" type="CELLRANGE">
                       <a:rPr lang="ja-JP" altLang="en-US"/>
                       <a:pPr/>
                       <a:t>[CELLRANGE]</a:t>
@@ -12046,7 +12057,7 @@
                   <a:bodyPr/>
                   <a:lstStyle/>
                   <a:p>
-                    <a:fld id="{99D0E9F7-D4F5-49ED-947B-5B3A8113C633}" type="CELLRANGE">
+                    <a:fld id="{6D9E80DD-77F9-4C2D-989B-A7B81AED109A}" type="CELLRANGE">
                       <a:rPr lang="ja-JP" altLang="en-US"/>
                       <a:pPr/>
                       <a:t>[CELLRANGE]</a:t>
@@ -12080,7 +12091,7 @@
                   <a:bodyPr/>
                   <a:lstStyle/>
                   <a:p>
-                    <a:fld id="{33625C4D-44D6-40D5-BFC1-8DED920A30AD}" type="CELLRANGE">
+                    <a:fld id="{4F61F5E6-F5A9-470B-91BA-0B9F7FC073CE}" type="CELLRANGE">
                       <a:rPr lang="ja-JP" altLang="en-US"/>
                       <a:pPr/>
                       <a:t>[CELLRANGE]</a:t>
@@ -12114,7 +12125,7 @@
                   <a:bodyPr/>
                   <a:lstStyle/>
                   <a:p>
-                    <a:fld id="{486F1011-0039-40C8-8361-462F5AE8AFC5}" type="CELLRANGE">
+                    <a:fld id="{29D8467B-6D0A-49DA-8EBA-E9019B11442F}" type="CELLRANGE">
                       <a:rPr lang="ja-JP" altLang="en-US"/>
                       <a:pPr/>
                       <a:t>[CELLRANGE]</a:t>
@@ -12148,7 +12159,7 @@
                   <a:bodyPr/>
                   <a:lstStyle/>
                   <a:p>
-                    <a:fld id="{B5542191-ADD7-4FE2-A937-6F7016B83312}" type="CELLRANGE">
+                    <a:fld id="{52FFF490-0E48-4658-BC33-902685B9D5D0}" type="CELLRANGE">
                       <a:rPr lang="ja-JP" altLang="en-US"/>
                       <a:pPr/>
                       <a:t>[CELLRANGE]</a:t>
@@ -12182,7 +12193,7 @@
                   <a:bodyPr/>
                   <a:lstStyle/>
                   <a:p>
-                    <a:fld id="{14ACEAA6-C6B0-4E99-8496-BFF90010D08E}" type="CELLRANGE">
+                    <a:fld id="{3CD89E11-2E33-4771-96BA-A2A2ECEEEE4B}" type="CELLRANGE">
                       <a:rPr lang="ja-JP" altLang="en-US"/>
                       <a:pPr/>
                       <a:t>[CELLRANGE]</a:t>
@@ -12216,7 +12227,7 @@
                   <a:bodyPr/>
                   <a:lstStyle/>
                   <a:p>
-                    <a:fld id="{F1F970C6-F5B5-4AF3-8F8B-B513038D557C}" type="CELLRANGE">
+                    <a:fld id="{A15614C9-9962-4357-8F25-091C11083CDF}" type="CELLRANGE">
                       <a:rPr lang="ja-JP" altLang="en-US"/>
                       <a:pPr/>
                       <a:t>[CELLRANGE]</a:t>
@@ -12250,7 +12261,7 @@
                   <a:bodyPr/>
                   <a:lstStyle/>
                   <a:p>
-                    <a:fld id="{2FB6CC91-C273-4622-94DD-A55FA3BC88BF}" type="CELLRANGE">
+                    <a:fld id="{741A9528-D711-408D-976C-A8E9A291D836}" type="CELLRANGE">
                       <a:rPr lang="ja-JP" altLang="en-US"/>
                       <a:pPr/>
                       <a:t>[CELLRANGE]</a:t>
@@ -12284,7 +12295,7 @@
                   <a:bodyPr/>
                   <a:lstStyle/>
                   <a:p>
-                    <a:fld id="{6B1DA507-24C3-4DD6-BA30-8E6CF0334341}" type="CELLRANGE">
+                    <a:fld id="{61BEED22-690D-4336-AD60-3A49F4A39484}" type="CELLRANGE">
                       <a:rPr lang="ja-JP" altLang="en-US"/>
                       <a:pPr/>
                       <a:t>[CELLRANGE]</a:t>
@@ -13294,6 +13305,2032 @@
     </mc:Fallback>
   </mc:AlternateContent>
   <c:chart>
+    <c:autoTitleDeleted val="0"/>
+    <c:plotArea>
+      <c:layout/>
+      <c:scatterChart>
+        <c:scatterStyle val="lineMarker"/>
+        <c:varyColors val="0"/>
+        <c:ser>
+          <c:idx val="0"/>
+          <c:order val="0"/>
+          <c:spPr>
+            <a:ln w="25400">
+              <a:noFill/>
+            </a:ln>
+            <a:effectLst/>
+          </c:spPr>
+          <c:marker>
+            <c:symbol val="circle"/>
+            <c:size val="4"/>
+            <c:spPr>
+              <a:solidFill>
+                <a:schemeClr val="accent1"/>
+              </a:solidFill>
+              <a:ln w="9525" cap="flat" cmpd="sng" algn="ctr">
+                <a:solidFill>
+                  <a:schemeClr val="accent1"/>
+                </a:solidFill>
+                <a:round/>
+              </a:ln>
+              <a:effectLst/>
+            </c:spPr>
+          </c:marker>
+          <c:dPt>
+            <c:idx val="1"/>
+            <c:marker>
+              <c:symbol val="circle"/>
+              <c:size val="4"/>
+              <c:spPr>
+                <a:solidFill>
+                  <a:schemeClr val="accent1"/>
+                </a:solidFill>
+                <a:ln w="9525" cap="flat" cmpd="sng" algn="ctr">
+                  <a:solidFill>
+                    <a:schemeClr val="accent1"/>
+                  </a:solidFill>
+                  <a:round/>
+                </a:ln>
+                <a:effectLst/>
+              </c:spPr>
+            </c:marker>
+            <c:bubble3D val="0"/>
+            <c:extLst>
+              <c:ext xmlns:c16="http://schemas.microsoft.com/office/drawing/2014/chart" uri="{C3380CC4-5D6E-409C-BE32-E72D297353CC}">
+                <c16:uniqueId val="{00000000-5D2E-416C-A311-C138DD8C0CCE}"/>
+              </c:ext>
+            </c:extLst>
+          </c:dPt>
+          <c:dLbls>
+            <c:dLbl>
+              <c:idx val="0"/>
+              <c:tx>
+                <c:rich>
+                  <a:bodyPr/>
+                  <a:lstStyle/>
+                  <a:p>
+                    <a:fld id="{0FC79048-06E7-4B5C-8523-5ADFEC31E405}" type="CELLRANGE">
+                      <a:rPr lang="en-US" altLang="ja-JP"/>
+                      <a:pPr/>
+                      <a:t>[CELLRANGE]</a:t>
+                    </a:fld>
+                    <a:endParaRPr lang="ja-JP" altLang="en-US"/>
+                  </a:p>
+                </c:rich>
+              </c:tx>
+              <c:dLblPos val="t"/>
+              <c:showLegendKey val="0"/>
+              <c:showVal val="0"/>
+              <c:showCatName val="0"/>
+              <c:showSerName val="0"/>
+              <c:showPercent val="0"/>
+              <c:showBubbleSize val="0"/>
+              <c:extLst>
+                <c:ext xmlns:c15="http://schemas.microsoft.com/office/drawing/2012/chart" uri="{CE6537A1-D6FC-4f65-9D91-7224C49458BB}">
+                  <c15:dlblFieldTable/>
+                  <c15:showDataLabelsRange val="1"/>
+                </c:ext>
+                <c:ext xmlns:c16="http://schemas.microsoft.com/office/drawing/2014/chart" uri="{C3380CC4-5D6E-409C-BE32-E72D297353CC}">
+                  <c16:uniqueId val="{00000001-5D2E-416C-A311-C138DD8C0CCE}"/>
+                </c:ext>
+              </c:extLst>
+            </c:dLbl>
+            <c:dLbl>
+              <c:idx val="1"/>
+              <c:tx>
+                <c:rich>
+                  <a:bodyPr/>
+                  <a:lstStyle/>
+                  <a:p>
+                    <a:fld id="{E8392FC6-6275-474F-955C-17F382C3DFD3}" type="CELLRANGE">
+                      <a:rPr lang="ja-JP" altLang="en-US"/>
+                      <a:pPr/>
+                      <a:t>[CELLRANGE]</a:t>
+                    </a:fld>
+                    <a:endParaRPr lang="ja-JP" altLang="en-US"/>
+                  </a:p>
+                </c:rich>
+              </c:tx>
+              <c:dLblPos val="t"/>
+              <c:showLegendKey val="0"/>
+              <c:showVal val="0"/>
+              <c:showCatName val="0"/>
+              <c:showSerName val="0"/>
+              <c:showPercent val="0"/>
+              <c:showBubbleSize val="0"/>
+              <c:extLst>
+                <c:ext xmlns:c15="http://schemas.microsoft.com/office/drawing/2012/chart" uri="{CE6537A1-D6FC-4f65-9D91-7224C49458BB}">
+                  <c15:dlblFieldTable/>
+                  <c15:xForSave val="1"/>
+                  <c15:showDataLabelsRange val="1"/>
+                </c:ext>
+                <c:ext xmlns:c16="http://schemas.microsoft.com/office/drawing/2014/chart" uri="{C3380CC4-5D6E-409C-BE32-E72D297353CC}">
+                  <c16:uniqueId val="{00000000-5D2E-416C-A311-C138DD8C0CCE}"/>
+                </c:ext>
+              </c:extLst>
+            </c:dLbl>
+            <c:dLbl>
+              <c:idx val="2"/>
+              <c:tx>
+                <c:rich>
+                  <a:bodyPr/>
+                  <a:lstStyle/>
+                  <a:p>
+                    <a:fld id="{BD4A2C8B-F72B-45B3-A7D2-BBC44953C6FB}" type="CELLRANGE">
+                      <a:rPr lang="ja-JP" altLang="en-US"/>
+                      <a:pPr/>
+                      <a:t>[CELLRANGE]</a:t>
+                    </a:fld>
+                    <a:endParaRPr lang="ja-JP" altLang="en-US"/>
+                  </a:p>
+                </c:rich>
+              </c:tx>
+              <c:dLblPos val="t"/>
+              <c:showLegendKey val="0"/>
+              <c:showVal val="0"/>
+              <c:showCatName val="0"/>
+              <c:showSerName val="0"/>
+              <c:showPercent val="0"/>
+              <c:showBubbleSize val="0"/>
+              <c:extLst>
+                <c:ext xmlns:c15="http://schemas.microsoft.com/office/drawing/2012/chart" uri="{CE6537A1-D6FC-4f65-9D91-7224C49458BB}">
+                  <c15:dlblFieldTable/>
+                  <c15:xForSave val="1"/>
+                  <c15:showDataLabelsRange val="1"/>
+                </c:ext>
+                <c:ext xmlns:c16="http://schemas.microsoft.com/office/drawing/2014/chart" uri="{C3380CC4-5D6E-409C-BE32-E72D297353CC}">
+                  <c16:uniqueId val="{00000002-5D2E-416C-A311-C138DD8C0CCE}"/>
+                </c:ext>
+              </c:extLst>
+            </c:dLbl>
+            <c:dLbl>
+              <c:idx val="3"/>
+              <c:tx>
+                <c:rich>
+                  <a:bodyPr/>
+                  <a:lstStyle/>
+                  <a:p>
+                    <a:fld id="{77F37166-AA49-4D6A-AA79-CC540F5F109C}" type="CELLRANGE">
+                      <a:rPr lang="ja-JP" altLang="en-US"/>
+                      <a:pPr/>
+                      <a:t>[CELLRANGE]</a:t>
+                    </a:fld>
+                    <a:endParaRPr lang="ja-JP" altLang="en-US"/>
+                  </a:p>
+                </c:rich>
+              </c:tx>
+              <c:dLblPos val="t"/>
+              <c:showLegendKey val="0"/>
+              <c:showVal val="0"/>
+              <c:showCatName val="0"/>
+              <c:showSerName val="0"/>
+              <c:showPercent val="0"/>
+              <c:showBubbleSize val="0"/>
+              <c:extLst>
+                <c:ext xmlns:c15="http://schemas.microsoft.com/office/drawing/2012/chart" uri="{CE6537A1-D6FC-4f65-9D91-7224C49458BB}">
+                  <c15:dlblFieldTable/>
+                  <c15:xForSave val="1"/>
+                  <c15:showDataLabelsRange val="1"/>
+                </c:ext>
+                <c:ext xmlns:c16="http://schemas.microsoft.com/office/drawing/2014/chart" uri="{C3380CC4-5D6E-409C-BE32-E72D297353CC}">
+                  <c16:uniqueId val="{00000003-5D2E-416C-A311-C138DD8C0CCE}"/>
+                </c:ext>
+              </c:extLst>
+            </c:dLbl>
+            <c:dLbl>
+              <c:idx val="4"/>
+              <c:tx>
+                <c:rich>
+                  <a:bodyPr/>
+                  <a:lstStyle/>
+                  <a:p>
+                    <a:fld id="{E1B66C04-0FDB-4F92-8AA1-E30351A296A5}" type="CELLRANGE">
+                      <a:rPr lang="ja-JP" altLang="en-US"/>
+                      <a:pPr/>
+                      <a:t>[CELLRANGE]</a:t>
+                    </a:fld>
+                    <a:endParaRPr lang="ja-JP" altLang="en-US"/>
+                  </a:p>
+                </c:rich>
+              </c:tx>
+              <c:dLblPos val="t"/>
+              <c:showLegendKey val="0"/>
+              <c:showVal val="0"/>
+              <c:showCatName val="0"/>
+              <c:showSerName val="0"/>
+              <c:showPercent val="0"/>
+              <c:showBubbleSize val="0"/>
+              <c:extLst>
+                <c:ext xmlns:c15="http://schemas.microsoft.com/office/drawing/2012/chart" uri="{CE6537A1-D6FC-4f65-9D91-7224C49458BB}">
+                  <c15:dlblFieldTable/>
+                  <c15:xForSave val="1"/>
+                  <c15:showDataLabelsRange val="1"/>
+                </c:ext>
+                <c:ext xmlns:c16="http://schemas.microsoft.com/office/drawing/2014/chart" uri="{C3380CC4-5D6E-409C-BE32-E72D297353CC}">
+                  <c16:uniqueId val="{00000004-5D2E-416C-A311-C138DD8C0CCE}"/>
+                </c:ext>
+              </c:extLst>
+            </c:dLbl>
+            <c:dLbl>
+              <c:idx val="5"/>
+              <c:tx>
+                <c:rich>
+                  <a:bodyPr/>
+                  <a:lstStyle/>
+                  <a:p>
+                    <a:fld id="{D21A6C5D-6D22-452F-BA38-72860A8351C9}" type="CELLRANGE">
+                      <a:rPr lang="ja-JP" altLang="en-US"/>
+                      <a:pPr/>
+                      <a:t>[CELLRANGE]</a:t>
+                    </a:fld>
+                    <a:endParaRPr lang="ja-JP" altLang="en-US"/>
+                  </a:p>
+                </c:rich>
+              </c:tx>
+              <c:dLblPos val="t"/>
+              <c:showLegendKey val="0"/>
+              <c:showVal val="0"/>
+              <c:showCatName val="0"/>
+              <c:showSerName val="0"/>
+              <c:showPercent val="0"/>
+              <c:showBubbleSize val="0"/>
+              <c:extLst>
+                <c:ext xmlns:c15="http://schemas.microsoft.com/office/drawing/2012/chart" uri="{CE6537A1-D6FC-4f65-9D91-7224C49458BB}">
+                  <c15:dlblFieldTable/>
+                  <c15:xForSave val="1"/>
+                  <c15:showDataLabelsRange val="1"/>
+                </c:ext>
+                <c:ext xmlns:c16="http://schemas.microsoft.com/office/drawing/2014/chart" uri="{C3380CC4-5D6E-409C-BE32-E72D297353CC}">
+                  <c16:uniqueId val="{00000005-5D2E-416C-A311-C138DD8C0CCE}"/>
+                </c:ext>
+              </c:extLst>
+            </c:dLbl>
+            <c:dLbl>
+              <c:idx val="6"/>
+              <c:tx>
+                <c:rich>
+                  <a:bodyPr/>
+                  <a:lstStyle/>
+                  <a:p>
+                    <a:fld id="{5F0E1BE5-E5E3-4360-B99E-B2ED7BB35278}" type="CELLRANGE">
+                      <a:rPr lang="ja-JP" altLang="en-US"/>
+                      <a:pPr/>
+                      <a:t>[CELLRANGE]</a:t>
+                    </a:fld>
+                    <a:endParaRPr lang="ja-JP" altLang="en-US"/>
+                  </a:p>
+                </c:rich>
+              </c:tx>
+              <c:dLblPos val="t"/>
+              <c:showLegendKey val="0"/>
+              <c:showVal val="0"/>
+              <c:showCatName val="0"/>
+              <c:showSerName val="0"/>
+              <c:showPercent val="0"/>
+              <c:showBubbleSize val="0"/>
+              <c:extLst>
+                <c:ext xmlns:c15="http://schemas.microsoft.com/office/drawing/2012/chart" uri="{CE6537A1-D6FC-4f65-9D91-7224C49458BB}">
+                  <c15:dlblFieldTable/>
+                  <c15:xForSave val="1"/>
+                  <c15:showDataLabelsRange val="1"/>
+                </c:ext>
+                <c:ext xmlns:c16="http://schemas.microsoft.com/office/drawing/2014/chart" uri="{C3380CC4-5D6E-409C-BE32-E72D297353CC}">
+                  <c16:uniqueId val="{00000006-5D2E-416C-A311-C138DD8C0CCE}"/>
+                </c:ext>
+              </c:extLst>
+            </c:dLbl>
+            <c:dLbl>
+              <c:idx val="7"/>
+              <c:tx>
+                <c:rich>
+                  <a:bodyPr/>
+                  <a:lstStyle/>
+                  <a:p>
+                    <a:fld id="{0490150F-1C82-46D0-8ABF-633B4BB69F33}" type="CELLRANGE">
+                      <a:rPr lang="ja-JP" altLang="en-US"/>
+                      <a:pPr/>
+                      <a:t>[CELLRANGE]</a:t>
+                    </a:fld>
+                    <a:endParaRPr lang="ja-JP" altLang="en-US"/>
+                  </a:p>
+                </c:rich>
+              </c:tx>
+              <c:dLblPos val="t"/>
+              <c:showLegendKey val="0"/>
+              <c:showVal val="0"/>
+              <c:showCatName val="0"/>
+              <c:showSerName val="0"/>
+              <c:showPercent val="0"/>
+              <c:showBubbleSize val="0"/>
+              <c:extLst>
+                <c:ext xmlns:c15="http://schemas.microsoft.com/office/drawing/2012/chart" uri="{CE6537A1-D6FC-4f65-9D91-7224C49458BB}">
+                  <c15:dlblFieldTable/>
+                  <c15:xForSave val="1"/>
+                  <c15:showDataLabelsRange val="1"/>
+                </c:ext>
+                <c:ext xmlns:c16="http://schemas.microsoft.com/office/drawing/2014/chart" uri="{C3380CC4-5D6E-409C-BE32-E72D297353CC}">
+                  <c16:uniqueId val="{00000007-5D2E-416C-A311-C138DD8C0CCE}"/>
+                </c:ext>
+              </c:extLst>
+            </c:dLbl>
+            <c:dLbl>
+              <c:idx val="8"/>
+              <c:tx>
+                <c:rich>
+                  <a:bodyPr/>
+                  <a:lstStyle/>
+                  <a:p>
+                    <a:fld id="{6C14C982-0DD9-467A-86E1-B24ED37F154E}" type="CELLRANGE">
+                      <a:rPr lang="ja-JP" altLang="en-US"/>
+                      <a:pPr/>
+                      <a:t>[CELLRANGE]</a:t>
+                    </a:fld>
+                    <a:endParaRPr lang="ja-JP" altLang="en-US"/>
+                  </a:p>
+                </c:rich>
+              </c:tx>
+              <c:dLblPos val="t"/>
+              <c:showLegendKey val="0"/>
+              <c:showVal val="0"/>
+              <c:showCatName val="0"/>
+              <c:showSerName val="0"/>
+              <c:showPercent val="0"/>
+              <c:showBubbleSize val="0"/>
+              <c:extLst>
+                <c:ext xmlns:c15="http://schemas.microsoft.com/office/drawing/2012/chart" uri="{CE6537A1-D6FC-4f65-9D91-7224C49458BB}">
+                  <c15:dlblFieldTable/>
+                  <c15:xForSave val="1"/>
+                  <c15:showDataLabelsRange val="1"/>
+                </c:ext>
+                <c:ext xmlns:c16="http://schemas.microsoft.com/office/drawing/2014/chart" uri="{C3380CC4-5D6E-409C-BE32-E72D297353CC}">
+                  <c16:uniqueId val="{00000008-5D2E-416C-A311-C138DD8C0CCE}"/>
+                </c:ext>
+              </c:extLst>
+            </c:dLbl>
+            <c:dLbl>
+              <c:idx val="9"/>
+              <c:tx>
+                <c:rich>
+                  <a:bodyPr/>
+                  <a:lstStyle/>
+                  <a:p>
+                    <a:fld id="{96D6FDBD-2482-45CF-9EE8-0E67A7D918D5}" type="CELLRANGE">
+                      <a:rPr lang="ja-JP" altLang="en-US"/>
+                      <a:pPr/>
+                      <a:t>[CELLRANGE]</a:t>
+                    </a:fld>
+                    <a:endParaRPr lang="ja-JP" altLang="en-US"/>
+                  </a:p>
+                </c:rich>
+              </c:tx>
+              <c:dLblPos val="t"/>
+              <c:showLegendKey val="0"/>
+              <c:showVal val="0"/>
+              <c:showCatName val="0"/>
+              <c:showSerName val="0"/>
+              <c:showPercent val="0"/>
+              <c:showBubbleSize val="0"/>
+              <c:extLst>
+                <c:ext xmlns:c15="http://schemas.microsoft.com/office/drawing/2012/chart" uri="{CE6537A1-D6FC-4f65-9D91-7224C49458BB}">
+                  <c15:dlblFieldTable/>
+                  <c15:xForSave val="1"/>
+                  <c15:showDataLabelsRange val="1"/>
+                </c:ext>
+                <c:ext xmlns:c16="http://schemas.microsoft.com/office/drawing/2014/chart" uri="{C3380CC4-5D6E-409C-BE32-E72D297353CC}">
+                  <c16:uniqueId val="{00000009-5D2E-416C-A311-C138DD8C0CCE}"/>
+                </c:ext>
+              </c:extLst>
+            </c:dLbl>
+            <c:dLbl>
+              <c:idx val="10"/>
+              <c:tx>
+                <c:rich>
+                  <a:bodyPr/>
+                  <a:lstStyle/>
+                  <a:p>
+                    <a:fld id="{D048D0C6-69A6-41D0-892D-5598B0DE3515}" type="CELLRANGE">
+                      <a:rPr lang="ja-JP" altLang="en-US"/>
+                      <a:pPr/>
+                      <a:t>[CELLRANGE]</a:t>
+                    </a:fld>
+                    <a:endParaRPr lang="ja-JP" altLang="en-US"/>
+                  </a:p>
+                </c:rich>
+              </c:tx>
+              <c:dLblPos val="t"/>
+              <c:showLegendKey val="0"/>
+              <c:showVal val="0"/>
+              <c:showCatName val="0"/>
+              <c:showSerName val="0"/>
+              <c:showPercent val="0"/>
+              <c:showBubbleSize val="0"/>
+              <c:extLst>
+                <c:ext xmlns:c15="http://schemas.microsoft.com/office/drawing/2012/chart" uri="{CE6537A1-D6FC-4f65-9D91-7224C49458BB}">
+                  <c15:dlblFieldTable/>
+                  <c15:xForSave val="1"/>
+                  <c15:showDataLabelsRange val="1"/>
+                </c:ext>
+                <c:ext xmlns:c16="http://schemas.microsoft.com/office/drawing/2014/chart" uri="{C3380CC4-5D6E-409C-BE32-E72D297353CC}">
+                  <c16:uniqueId val="{0000000A-5D2E-416C-A311-C138DD8C0CCE}"/>
+                </c:ext>
+              </c:extLst>
+            </c:dLbl>
+            <c:dLbl>
+              <c:idx val="11"/>
+              <c:tx>
+                <c:rich>
+                  <a:bodyPr/>
+                  <a:lstStyle/>
+                  <a:p>
+                    <a:fld id="{2B2D774A-0F44-470C-B620-B8A34090E19C}" type="CELLRANGE">
+                      <a:rPr lang="ja-JP" altLang="en-US"/>
+                      <a:pPr/>
+                      <a:t>[CELLRANGE]</a:t>
+                    </a:fld>
+                    <a:endParaRPr lang="ja-JP" altLang="en-US"/>
+                  </a:p>
+                </c:rich>
+              </c:tx>
+              <c:dLblPos val="t"/>
+              <c:showLegendKey val="0"/>
+              <c:showVal val="0"/>
+              <c:showCatName val="0"/>
+              <c:showSerName val="0"/>
+              <c:showPercent val="0"/>
+              <c:showBubbleSize val="0"/>
+              <c:extLst>
+                <c:ext xmlns:c15="http://schemas.microsoft.com/office/drawing/2012/chart" uri="{CE6537A1-D6FC-4f65-9D91-7224C49458BB}">
+                  <c15:dlblFieldTable/>
+                  <c15:xForSave val="1"/>
+                  <c15:showDataLabelsRange val="1"/>
+                </c:ext>
+                <c:ext xmlns:c16="http://schemas.microsoft.com/office/drawing/2014/chart" uri="{C3380CC4-5D6E-409C-BE32-E72D297353CC}">
+                  <c16:uniqueId val="{0000000B-5D2E-416C-A311-C138DD8C0CCE}"/>
+                </c:ext>
+              </c:extLst>
+            </c:dLbl>
+            <c:spPr>
+              <a:noFill/>
+              <a:ln>
+                <a:noFill/>
+              </a:ln>
+              <a:effectLst/>
+            </c:spPr>
+            <c:txPr>
+              <a:bodyPr rot="0" spcFirstLastPara="1" vertOverflow="ellipsis" vert="horz" wrap="square" lIns="38100" tIns="19050" rIns="38100" bIns="19050" anchor="ctr" anchorCtr="1">
+                <a:spAutoFit/>
+              </a:bodyPr>
+              <a:lstStyle/>
+              <a:p>
+                <a:pPr>
+                  <a:defRPr sz="1197" b="0" i="0" u="none" strike="noStrike" kern="1200" baseline="0">
+                    <a:solidFill>
+                      <a:schemeClr val="dk1">
+                        <a:lumMod val="50000"/>
+                        <a:lumOff val="50000"/>
+                      </a:schemeClr>
+                    </a:solidFill>
+                    <a:latin typeface="+mn-lt"/>
+                    <a:ea typeface="+mn-ea"/>
+                    <a:cs typeface="+mn-cs"/>
+                  </a:defRPr>
+                </a:pPr>
+                <a:endParaRPr lang="ja-JP"/>
+              </a:p>
+            </c:txPr>
+            <c:dLblPos val="t"/>
+            <c:showLegendKey val="0"/>
+            <c:showVal val="0"/>
+            <c:showCatName val="0"/>
+            <c:showSerName val="0"/>
+            <c:showPercent val="0"/>
+            <c:showBubbleSize val="0"/>
+            <c:showLeaderLines val="0"/>
+            <c:extLst>
+              <c:ext xmlns:c15="http://schemas.microsoft.com/office/drawing/2012/chart" uri="{CE6537A1-D6FC-4f65-9D91-7224C49458BB}">
+                <c15:showDataLabelsRange val="1"/>
+                <c15:showLeaderLines val="1"/>
+                <c15:leaderLines>
+                  <c:spPr>
+                    <a:ln w="9525">
+                      <a:solidFill>
+                        <a:schemeClr val="dk1">
+                          <a:lumMod val="35000"/>
+                          <a:lumOff val="65000"/>
+                        </a:schemeClr>
+                      </a:solidFill>
+                    </a:ln>
+                    <a:effectLst/>
+                  </c:spPr>
+                </c15:leaderLines>
+              </c:ext>
+            </c:extLst>
+          </c:dLbls>
+          <c:xVal>
+            <c:numRef>
+              <c:f>打点!$C$17:$C$28</c:f>
+              <c:numCache>
+                <c:formatCode>General</c:formatCode>
+                <c:ptCount val="12"/>
+                <c:pt idx="0">
+                  <c:v>9.44</c:v>
+                </c:pt>
+                <c:pt idx="1">
+                  <c:v>5.3789731051344738</c:v>
+                </c:pt>
+                <c:pt idx="2">
+                  <c:v>17.20226843100189</c:v>
+                </c:pt>
+                <c:pt idx="3">
+                  <c:v>8.8362068965517242</c:v>
+                </c:pt>
+                <c:pt idx="4">
+                  <c:v>9.8501070663811561</c:v>
+                </c:pt>
+                <c:pt idx="5">
+                  <c:v>11.301369863013697</c:v>
+                </c:pt>
+                <c:pt idx="6">
+                  <c:v>8.4260731319554854</c:v>
+                </c:pt>
+                <c:pt idx="7">
+                  <c:v>8.4745762711864394</c:v>
+                </c:pt>
+                <c:pt idx="8">
+                  <c:v>5.8455114822546967</c:v>
+                </c:pt>
+                <c:pt idx="9">
+                  <c:v>7.3710073710073711</c:v>
+                </c:pt>
+                <c:pt idx="10">
+                  <c:v>7.6171875</c:v>
+                </c:pt>
+                <c:pt idx="11">
+                  <c:v>10.669077757685352</c:v>
+                </c:pt>
+              </c:numCache>
+            </c:numRef>
+          </c:xVal>
+          <c:yVal>
+            <c:numRef>
+              <c:f>打点!$D$17:$D$28</c:f>
+              <c:numCache>
+                <c:formatCode>General</c:formatCode>
+                <c:ptCount val="12"/>
+                <c:pt idx="0">
+                  <c:v>14.719999999999999</c:v>
+                </c:pt>
+                <c:pt idx="1">
+                  <c:v>10.024449877750612</c:v>
+                </c:pt>
+                <c:pt idx="2">
+                  <c:v>11.342155009451796</c:v>
+                </c:pt>
+                <c:pt idx="3">
+                  <c:v>17.672413793103448</c:v>
+                </c:pt>
+                <c:pt idx="4">
+                  <c:v>12.847965738758029</c:v>
+                </c:pt>
+                <c:pt idx="5">
+                  <c:v>16.952054794520549</c:v>
+                </c:pt>
+                <c:pt idx="6">
+                  <c:v>17.806041335453099</c:v>
+                </c:pt>
+                <c:pt idx="7">
+                  <c:v>12.106537530266344</c:v>
+                </c:pt>
+                <c:pt idx="8">
+                  <c:v>13.569937369519833</c:v>
+                </c:pt>
+                <c:pt idx="9">
+                  <c:v>21.13022113022113</c:v>
+                </c:pt>
+                <c:pt idx="10">
+                  <c:v>16.40625</c:v>
+                </c:pt>
+                <c:pt idx="11">
+                  <c:v>18.44484629294756</c:v>
+                </c:pt>
+              </c:numCache>
+            </c:numRef>
+          </c:yVal>
+          <c:smooth val="0"/>
+          <c:extLst>
+            <c:ext xmlns:c15="http://schemas.microsoft.com/office/drawing/2012/chart" uri="{02D57815-91ED-43cb-92C2-25804820EDAC}">
+              <c15:datalabelsRange>
+                <c15:f>打点!$A$17:$A$28</c15:f>
+                <c15:dlblRangeCache>
+                  <c:ptCount val="12"/>
+                  <c:pt idx="0">
+                    <c:v>C</c:v>
+                  </c:pt>
+                  <c:pt idx="1">
+                    <c:v>D</c:v>
+                  </c:pt>
+                  <c:pt idx="2">
+                    <c:v>E</c:v>
+                  </c:pt>
+                  <c:pt idx="3">
+                    <c:v>F</c:v>
+                  </c:pt>
+                  <c:pt idx="4">
+                    <c:v>G</c:v>
+                  </c:pt>
+                  <c:pt idx="5">
+                    <c:v>H</c:v>
+                  </c:pt>
+                  <c:pt idx="6">
+                    <c:v>L</c:v>
+                  </c:pt>
+                  <c:pt idx="7">
+                    <c:v>M</c:v>
+                  </c:pt>
+                  <c:pt idx="8">
+                    <c:v>Bs</c:v>
+                  </c:pt>
+                  <c:pt idx="9">
+                    <c:v>S</c:v>
+                  </c:pt>
+                  <c:pt idx="10">
+                    <c:v>T</c:v>
+                  </c:pt>
+                  <c:pt idx="11">
+                    <c:v>DB</c:v>
+                  </c:pt>
+                </c15:dlblRangeCache>
+              </c15:datalabelsRange>
+            </c:ext>
+            <c:ext xmlns:c16="http://schemas.microsoft.com/office/drawing/2014/chart" uri="{C3380CC4-5D6E-409C-BE32-E72D297353CC}">
+              <c16:uniqueId val="{0000000C-5D2E-416C-A311-C138DD8C0CCE}"/>
+            </c:ext>
+          </c:extLst>
+        </c:ser>
+        <c:dLbls>
+          <c:dLblPos val="t"/>
+          <c:showLegendKey val="0"/>
+          <c:showVal val="1"/>
+          <c:showCatName val="0"/>
+          <c:showSerName val="0"/>
+          <c:showPercent val="0"/>
+          <c:showBubbleSize val="0"/>
+        </c:dLbls>
+        <c:axId val="760022560"/>
+        <c:axId val="760024200"/>
+      </c:scatterChart>
+      <c:valAx>
+        <c:axId val="760022560"/>
+        <c:scaling>
+          <c:orientation val="minMax"/>
+        </c:scaling>
+        <c:delete val="0"/>
+        <c:axPos val="b"/>
+        <c:majorGridlines>
+          <c:spPr>
+            <a:ln w="9525" cap="flat" cmpd="sng" algn="ctr">
+              <a:solidFill>
+                <a:schemeClr val="dk1">
+                  <a:lumMod val="15000"/>
+                  <a:lumOff val="85000"/>
+                </a:schemeClr>
+              </a:solidFill>
+              <a:round/>
+            </a:ln>
+            <a:effectLst/>
+          </c:spPr>
+        </c:majorGridlines>
+        <c:title>
+          <c:tx>
+            <c:rich>
+              <a:bodyPr rot="0" spcFirstLastPara="1" vertOverflow="ellipsis" vert="horz" wrap="square" anchor="ctr" anchorCtr="1"/>
+              <a:lstStyle/>
+              <a:p>
+                <a:pPr>
+                  <a:defRPr sz="1197" b="1" i="0" u="none" strike="noStrike" kern="1200" baseline="0">
+                    <a:solidFill>
+                      <a:schemeClr val="dk1">
+                        <a:lumMod val="50000"/>
+                        <a:lumOff val="50000"/>
+                      </a:schemeClr>
+                    </a:solidFill>
+                    <a:latin typeface="+mn-lt"/>
+                    <a:ea typeface="+mn-ea"/>
+                    <a:cs typeface="+mn-cs"/>
+                  </a:defRPr>
+                </a:pPr>
+                <a:r>
+                  <a:rPr lang="en-US"/>
+                  <a:t>2</a:t>
+                </a:r>
+                <a:r>
+                  <a:rPr lang="ja-JP"/>
+                  <a:t>番</a:t>
+                </a:r>
+                <a:endParaRPr lang="en-US"/>
+              </a:p>
+            </c:rich>
+          </c:tx>
+          <c:overlay val="0"/>
+          <c:spPr>
+            <a:noFill/>
+            <a:ln>
+              <a:noFill/>
+            </a:ln>
+            <a:effectLst/>
+          </c:spPr>
+          <c:txPr>
+            <a:bodyPr rot="0" spcFirstLastPara="1" vertOverflow="ellipsis" vert="horz" wrap="square" anchor="ctr" anchorCtr="1"/>
+            <a:lstStyle/>
+            <a:p>
+              <a:pPr>
+                <a:defRPr sz="1197" b="1" i="0" u="none" strike="noStrike" kern="1200" baseline="0">
+                  <a:solidFill>
+                    <a:schemeClr val="dk1">
+                      <a:lumMod val="50000"/>
+                      <a:lumOff val="50000"/>
+                    </a:schemeClr>
+                  </a:solidFill>
+                  <a:latin typeface="+mn-lt"/>
+                  <a:ea typeface="+mn-ea"/>
+                  <a:cs typeface="+mn-cs"/>
+                </a:defRPr>
+              </a:pPr>
+              <a:endParaRPr lang="ja-JP"/>
+            </a:p>
+          </c:txPr>
+        </c:title>
+        <c:numFmt formatCode="General" sourceLinked="1"/>
+        <c:majorTickMark val="none"/>
+        <c:minorTickMark val="none"/>
+        <c:tickLblPos val="nextTo"/>
+        <c:spPr>
+          <a:noFill/>
+          <a:ln>
+            <a:noFill/>
+          </a:ln>
+          <a:effectLst/>
+        </c:spPr>
+        <c:txPr>
+          <a:bodyPr rot="-60000000" spcFirstLastPara="1" vertOverflow="ellipsis" vert="horz" wrap="square" anchor="ctr" anchorCtr="1"/>
+          <a:lstStyle/>
+          <a:p>
+            <a:pPr>
+              <a:defRPr sz="1197" b="0" i="0" u="none" strike="noStrike" kern="1200" baseline="0">
+                <a:solidFill>
+                  <a:schemeClr val="dk1">
+                    <a:lumMod val="50000"/>
+                    <a:lumOff val="50000"/>
+                  </a:schemeClr>
+                </a:solidFill>
+                <a:latin typeface="+mn-lt"/>
+                <a:ea typeface="+mn-ea"/>
+                <a:cs typeface="+mn-cs"/>
+              </a:defRPr>
+            </a:pPr>
+            <a:endParaRPr lang="ja-JP"/>
+          </a:p>
+        </c:txPr>
+        <c:crossAx val="760024200"/>
+        <c:crosses val="autoZero"/>
+        <c:crossBetween val="midCat"/>
+      </c:valAx>
+      <c:valAx>
+        <c:axId val="760024200"/>
+        <c:scaling>
+          <c:orientation val="minMax"/>
+        </c:scaling>
+        <c:delete val="0"/>
+        <c:axPos val="l"/>
+        <c:majorGridlines>
+          <c:spPr>
+            <a:ln w="9525" cap="flat" cmpd="sng" algn="ctr">
+              <a:solidFill>
+                <a:schemeClr val="dk1">
+                  <a:lumMod val="15000"/>
+                  <a:lumOff val="85000"/>
+                </a:schemeClr>
+              </a:solidFill>
+              <a:round/>
+            </a:ln>
+            <a:effectLst/>
+          </c:spPr>
+        </c:majorGridlines>
+        <c:title>
+          <c:tx>
+            <c:rich>
+              <a:bodyPr rot="-5400000" spcFirstLastPara="1" vertOverflow="ellipsis" vert="horz" wrap="square" anchor="ctr" anchorCtr="1"/>
+              <a:lstStyle/>
+              <a:p>
+                <a:pPr>
+                  <a:defRPr sz="1197" b="1" i="0" u="none" strike="noStrike" kern="1200" baseline="0">
+                    <a:solidFill>
+                      <a:schemeClr val="dk1">
+                        <a:lumMod val="50000"/>
+                        <a:lumOff val="50000"/>
+                      </a:schemeClr>
+                    </a:solidFill>
+                    <a:latin typeface="+mn-lt"/>
+                    <a:ea typeface="+mn-ea"/>
+                    <a:cs typeface="+mn-cs"/>
+                  </a:defRPr>
+                </a:pPr>
+                <a:r>
+                  <a:rPr lang="en-US"/>
+                  <a:t>3</a:t>
+                </a:r>
+                <a:r>
+                  <a:rPr lang="ja-JP"/>
+                  <a:t>番</a:t>
+                </a:r>
+                <a:endParaRPr lang="en-US"/>
+              </a:p>
+            </c:rich>
+          </c:tx>
+          <c:overlay val="0"/>
+          <c:spPr>
+            <a:noFill/>
+            <a:ln>
+              <a:noFill/>
+            </a:ln>
+            <a:effectLst/>
+          </c:spPr>
+          <c:txPr>
+            <a:bodyPr rot="-5400000" spcFirstLastPara="1" vertOverflow="ellipsis" vert="horz" wrap="square" anchor="ctr" anchorCtr="1"/>
+            <a:lstStyle/>
+            <a:p>
+              <a:pPr>
+                <a:defRPr sz="1197" b="1" i="0" u="none" strike="noStrike" kern="1200" baseline="0">
+                  <a:solidFill>
+                    <a:schemeClr val="dk1">
+                      <a:lumMod val="50000"/>
+                      <a:lumOff val="50000"/>
+                    </a:schemeClr>
+                  </a:solidFill>
+                  <a:latin typeface="+mn-lt"/>
+                  <a:ea typeface="+mn-ea"/>
+                  <a:cs typeface="+mn-cs"/>
+                </a:defRPr>
+              </a:pPr>
+              <a:endParaRPr lang="ja-JP"/>
+            </a:p>
+          </c:txPr>
+        </c:title>
+        <c:numFmt formatCode="General" sourceLinked="1"/>
+        <c:majorTickMark val="none"/>
+        <c:minorTickMark val="none"/>
+        <c:tickLblPos val="nextTo"/>
+        <c:spPr>
+          <a:noFill/>
+          <a:ln>
+            <a:noFill/>
+          </a:ln>
+          <a:effectLst/>
+        </c:spPr>
+        <c:txPr>
+          <a:bodyPr rot="-60000000" spcFirstLastPara="1" vertOverflow="ellipsis" vert="horz" wrap="square" anchor="ctr" anchorCtr="1"/>
+          <a:lstStyle/>
+          <a:p>
+            <a:pPr>
+              <a:defRPr sz="1197" b="0" i="0" u="none" strike="noStrike" kern="1200" baseline="0">
+                <a:solidFill>
+                  <a:schemeClr val="dk1">
+                    <a:lumMod val="50000"/>
+                    <a:lumOff val="50000"/>
+                  </a:schemeClr>
+                </a:solidFill>
+                <a:latin typeface="+mn-lt"/>
+                <a:ea typeface="+mn-ea"/>
+                <a:cs typeface="+mn-cs"/>
+              </a:defRPr>
+            </a:pPr>
+            <a:endParaRPr lang="ja-JP"/>
+          </a:p>
+        </c:txPr>
+        <c:crossAx val="760022560"/>
+        <c:crosses val="autoZero"/>
+        <c:crossBetween val="midCat"/>
+      </c:valAx>
+      <c:spPr>
+        <a:noFill/>
+        <a:ln>
+          <a:noFill/>
+        </a:ln>
+        <a:effectLst/>
+      </c:spPr>
+    </c:plotArea>
+    <c:plotVisOnly val="1"/>
+    <c:dispBlanksAs val="gap"/>
+    <c:showDLblsOverMax val="0"/>
+  </c:chart>
+  <c:spPr>
+    <a:gradFill flip="none" rotWithShape="1">
+      <a:gsLst>
+        <a:gs pos="100000">
+          <a:schemeClr val="lt1">
+            <a:lumMod val="95000"/>
+          </a:schemeClr>
+        </a:gs>
+        <a:gs pos="43000">
+          <a:schemeClr val="lt1"/>
+        </a:gs>
+      </a:gsLst>
+      <a:path path="circle">
+        <a:fillToRect l="50000" t="50000" r="50000" b="50000"/>
+      </a:path>
+      <a:tileRect/>
+    </a:gradFill>
+    <a:ln w="9525" cap="flat" cmpd="sng" algn="ctr">
+      <a:solidFill>
+        <a:schemeClr val="dk1">
+          <a:lumMod val="15000"/>
+          <a:lumOff val="85000"/>
+        </a:schemeClr>
+      </a:solidFill>
+      <a:round/>
+    </a:ln>
+    <a:effectLst/>
+  </c:spPr>
+  <c:txPr>
+    <a:bodyPr/>
+    <a:lstStyle/>
+    <a:p>
+      <a:pPr>
+        <a:defRPr/>
+      </a:pPr>
+      <a:endParaRPr lang="ja-JP"/>
+    </a:p>
+  </c:txPr>
+  <c:externalData r:id="rId3">
+    <c:autoUpdate val="0"/>
+  </c:externalData>
+</c:chartSpace>
+</file>
+
+<file path=ppt/charts/chart31.xml><?xml version="1.0" encoding="utf-8"?>
+<c:chartSpace xmlns:c="http://schemas.openxmlformats.org/drawingml/2006/chart" xmlns:a="http://schemas.openxmlformats.org/drawingml/2006/main" xmlns:r="http://schemas.openxmlformats.org/officeDocument/2006/relationships" xmlns:c16r2="http://schemas.microsoft.com/office/drawing/2015/06/chart">
+  <c:date1904 val="0"/>
+  <c:lang val="en-US"/>
+  <c:roundedCorners val="0"/>
+  <mc:AlternateContent xmlns:mc="http://schemas.openxmlformats.org/markup-compatibility/2006">
+    <mc:Choice xmlns:c14="http://schemas.microsoft.com/office/drawing/2007/8/2/chart" Requires="c14">
+      <c14:style val="102"/>
+    </mc:Choice>
+    <mc:Fallback>
+      <c:style val="2"/>
+    </mc:Fallback>
+  </mc:AlternateContent>
+  <c:chart>
+    <c:autoTitleDeleted val="1"/>
+    <c:plotArea>
+      <c:layout/>
+      <c:lineChart>
+        <c:grouping val="standard"/>
+        <c:varyColors val="0"/>
+        <c:ser>
+          <c:idx val="0"/>
+          <c:order val="0"/>
+          <c:tx>
+            <c:strRef>
+              <c:f>打点!$A$17</c:f>
+              <c:strCache>
+                <c:ptCount val="1"/>
+                <c:pt idx="0">
+                  <c:v>C</c:v>
+                </c:pt>
+              </c:strCache>
+            </c:strRef>
+          </c:tx>
+          <c:spPr>
+            <a:ln w="22225" cap="rnd" cmpd="sng" algn="ctr">
+              <a:solidFill>
+                <a:srgbClr val="FF2B06"/>
+              </a:solidFill>
+              <a:round/>
+            </a:ln>
+            <a:effectLst/>
+          </c:spPr>
+          <c:marker>
+            <c:symbol val="none"/>
+          </c:marker>
+          <c:val>
+            <c:numRef>
+              <c:f>打点!$B$17:$J$17</c:f>
+              <c:numCache>
+                <c:formatCode>General</c:formatCode>
+                <c:ptCount val="9"/>
+                <c:pt idx="0">
+                  <c:v>9.6</c:v>
+                </c:pt>
+                <c:pt idx="1">
+                  <c:v>9.44</c:v>
+                </c:pt>
+                <c:pt idx="2">
+                  <c:v>14.719999999999999</c:v>
+                </c:pt>
+                <c:pt idx="3">
+                  <c:v>19.2</c:v>
+                </c:pt>
+                <c:pt idx="4">
+                  <c:v>14.24</c:v>
+                </c:pt>
+                <c:pt idx="5">
+                  <c:v>16.16</c:v>
+                </c:pt>
+                <c:pt idx="6">
+                  <c:v>7.84</c:v>
+                </c:pt>
+                <c:pt idx="7">
+                  <c:v>6.5600000000000005</c:v>
+                </c:pt>
+                <c:pt idx="8">
+                  <c:v>2.2399999999999998</c:v>
+                </c:pt>
+              </c:numCache>
+            </c:numRef>
+          </c:val>
+          <c:smooth val="0"/>
+          <c:extLst>
+            <c:ext xmlns:c16="http://schemas.microsoft.com/office/drawing/2014/chart" uri="{C3380CC4-5D6E-409C-BE32-E72D297353CC}">
+              <c16:uniqueId val="{00000000-3670-4CE7-95CF-4862CEE8D6BE}"/>
+            </c:ext>
+          </c:extLst>
+        </c:ser>
+        <c:ser>
+          <c:idx val="1"/>
+          <c:order val="1"/>
+          <c:tx>
+            <c:strRef>
+              <c:f>打点!$A$18</c:f>
+              <c:strCache>
+                <c:ptCount val="1"/>
+                <c:pt idx="0">
+                  <c:v>D</c:v>
+                </c:pt>
+              </c:strCache>
+            </c:strRef>
+          </c:tx>
+          <c:spPr>
+            <a:ln w="114300" cap="rnd" cmpd="sng" algn="ctr">
+              <a:solidFill>
+                <a:srgbClr val="0055A5"/>
+              </a:solidFill>
+              <a:round/>
+            </a:ln>
+            <a:effectLst/>
+          </c:spPr>
+          <c:marker>
+            <c:symbol val="none"/>
+          </c:marker>
+          <c:val>
+            <c:numRef>
+              <c:f>打点!$B$18:$J$18</c:f>
+              <c:numCache>
+                <c:formatCode>General</c:formatCode>
+                <c:ptCount val="9"/>
+                <c:pt idx="0">
+                  <c:v>9.0464547677261606</c:v>
+                </c:pt>
+                <c:pt idx="1">
+                  <c:v>5.3789731051344738</c:v>
+                </c:pt>
+                <c:pt idx="2">
+                  <c:v>10.024449877750612</c:v>
+                </c:pt>
+                <c:pt idx="3">
+                  <c:v>23.471882640586799</c:v>
+                </c:pt>
+                <c:pt idx="4">
+                  <c:v>14.91442542787286</c:v>
+                </c:pt>
+                <c:pt idx="5">
+                  <c:v>11.735941320293399</c:v>
+                </c:pt>
+                <c:pt idx="6">
+                  <c:v>14.425427872860636</c:v>
+                </c:pt>
+                <c:pt idx="7">
+                  <c:v>7.3349633251833746</c:v>
+                </c:pt>
+                <c:pt idx="8">
+                  <c:v>3.6674816625916873</c:v>
+                </c:pt>
+              </c:numCache>
+            </c:numRef>
+          </c:val>
+          <c:smooth val="0"/>
+          <c:extLst>
+            <c:ext xmlns:c16="http://schemas.microsoft.com/office/drawing/2014/chart" uri="{C3380CC4-5D6E-409C-BE32-E72D297353CC}">
+              <c16:uniqueId val="{00000001-3670-4CE7-95CF-4862CEE8D6BE}"/>
+            </c:ext>
+          </c:extLst>
+        </c:ser>
+        <c:ser>
+          <c:idx val="2"/>
+          <c:order val="2"/>
+          <c:tx>
+            <c:strRef>
+              <c:f>打点!$A$19</c:f>
+              <c:strCache>
+                <c:ptCount val="1"/>
+                <c:pt idx="0">
+                  <c:v>E</c:v>
+                </c:pt>
+              </c:strCache>
+            </c:strRef>
+          </c:tx>
+          <c:spPr>
+            <a:ln w="22225" cap="rnd" cmpd="sng" algn="ctr">
+              <a:solidFill>
+                <a:srgbClr val="860010"/>
+              </a:solidFill>
+              <a:round/>
+            </a:ln>
+            <a:effectLst/>
+          </c:spPr>
+          <c:marker>
+            <c:symbol val="none"/>
+          </c:marker>
+          <c:val>
+            <c:numRef>
+              <c:f>打点!$B$19:$J$19</c:f>
+              <c:numCache>
+                <c:formatCode>General</c:formatCode>
+                <c:ptCount val="9"/>
+                <c:pt idx="0">
+                  <c:v>13.23251417769376</c:v>
+                </c:pt>
+                <c:pt idx="1">
+                  <c:v>17.20226843100189</c:v>
+                </c:pt>
+                <c:pt idx="2">
+                  <c:v>11.342155009451796</c:v>
+                </c:pt>
+                <c:pt idx="3">
+                  <c:v>14.744801512287333</c:v>
+                </c:pt>
+                <c:pt idx="4">
+                  <c:v>10.207939508506616</c:v>
+                </c:pt>
+                <c:pt idx="5">
+                  <c:v>10.964083175803403</c:v>
+                </c:pt>
+                <c:pt idx="6">
+                  <c:v>8.695652173913043</c:v>
+                </c:pt>
+                <c:pt idx="7">
+                  <c:v>7.3724007561436666</c:v>
+                </c:pt>
+                <c:pt idx="8">
+                  <c:v>6.2381852551984878</c:v>
+                </c:pt>
+              </c:numCache>
+            </c:numRef>
+          </c:val>
+          <c:smooth val="0"/>
+          <c:extLst>
+            <c:ext xmlns:c16="http://schemas.microsoft.com/office/drawing/2014/chart" uri="{C3380CC4-5D6E-409C-BE32-E72D297353CC}">
+              <c16:uniqueId val="{00000002-3670-4CE7-95CF-4862CEE8D6BE}"/>
+            </c:ext>
+          </c:extLst>
+        </c:ser>
+        <c:ser>
+          <c:idx val="3"/>
+          <c:order val="3"/>
+          <c:tx>
+            <c:strRef>
+              <c:f>打点!$A$20</c:f>
+              <c:strCache>
+                <c:ptCount val="1"/>
+                <c:pt idx="0">
+                  <c:v>F</c:v>
+                </c:pt>
+              </c:strCache>
+            </c:strRef>
+          </c:tx>
+          <c:spPr>
+            <a:ln w="22225" cap="rnd" cmpd="sng" algn="ctr">
+              <a:solidFill>
+                <a:srgbClr val="4C7B98"/>
+              </a:solidFill>
+              <a:round/>
+            </a:ln>
+            <a:effectLst/>
+          </c:spPr>
+          <c:marker>
+            <c:symbol val="none"/>
+          </c:marker>
+          <c:val>
+            <c:numRef>
+              <c:f>打点!$B$20:$J$20</c:f>
+              <c:numCache>
+                <c:formatCode>General</c:formatCode>
+                <c:ptCount val="9"/>
+                <c:pt idx="0">
+                  <c:v>9.4827586206896548</c:v>
+                </c:pt>
+                <c:pt idx="1">
+                  <c:v>8.8362068965517242</c:v>
+                </c:pt>
+                <c:pt idx="2">
+                  <c:v>17.672413793103448</c:v>
+                </c:pt>
+                <c:pt idx="3">
+                  <c:v>17.241379310344829</c:v>
+                </c:pt>
+                <c:pt idx="4">
+                  <c:v>17.025862068965516</c:v>
+                </c:pt>
+                <c:pt idx="5">
+                  <c:v>8.6206896551724146</c:v>
+                </c:pt>
+                <c:pt idx="6">
+                  <c:v>8.8362068965517242</c:v>
+                </c:pt>
+                <c:pt idx="7">
+                  <c:v>6.6810344827586201</c:v>
+                </c:pt>
+                <c:pt idx="8">
+                  <c:v>5.6034482758620694</c:v>
+                </c:pt>
+              </c:numCache>
+            </c:numRef>
+          </c:val>
+          <c:smooth val="0"/>
+          <c:extLst>
+            <c:ext xmlns:c16="http://schemas.microsoft.com/office/drawing/2014/chart" uri="{C3380CC4-5D6E-409C-BE32-E72D297353CC}">
+              <c16:uniqueId val="{00000003-3670-4CE7-95CF-4862CEE8D6BE}"/>
+            </c:ext>
+          </c:extLst>
+        </c:ser>
+        <c:ser>
+          <c:idx val="4"/>
+          <c:order val="4"/>
+          <c:tx>
+            <c:strRef>
+              <c:f>打点!$A$21</c:f>
+              <c:strCache>
+                <c:ptCount val="1"/>
+                <c:pt idx="0">
+                  <c:v>G</c:v>
+                </c:pt>
+              </c:strCache>
+            </c:strRef>
+          </c:tx>
+          <c:spPr>
+            <a:ln w="22225" cap="rnd" cmpd="sng" algn="ctr">
+              <a:solidFill>
+                <a:srgbClr val="F97709"/>
+              </a:solidFill>
+              <a:round/>
+            </a:ln>
+            <a:effectLst/>
+          </c:spPr>
+          <c:marker>
+            <c:symbol val="none"/>
+          </c:marker>
+          <c:val>
+            <c:numRef>
+              <c:f>打点!$B$21:$J$21</c:f>
+              <c:numCache>
+                <c:formatCode>General</c:formatCode>
+                <c:ptCount val="9"/>
+                <c:pt idx="0">
+                  <c:v>10.492505353319057</c:v>
+                </c:pt>
+                <c:pt idx="1">
+                  <c:v>9.8501070663811561</c:v>
+                </c:pt>
+                <c:pt idx="2">
+                  <c:v>12.847965738758029</c:v>
+                </c:pt>
+                <c:pt idx="3">
+                  <c:v>18.843683083511777</c:v>
+                </c:pt>
+                <c:pt idx="4">
+                  <c:v>17.130620985010705</c:v>
+                </c:pt>
+                <c:pt idx="5">
+                  <c:v>9.2077087794432551</c:v>
+                </c:pt>
+                <c:pt idx="6">
+                  <c:v>12.847965738758029</c:v>
+                </c:pt>
+                <c:pt idx="7">
+                  <c:v>6.209850107066381</c:v>
+                </c:pt>
+                <c:pt idx="8">
+                  <c:v>2.5695931477516059</c:v>
+                </c:pt>
+              </c:numCache>
+            </c:numRef>
+          </c:val>
+          <c:smooth val="0"/>
+          <c:extLst>
+            <c:ext xmlns:c16="http://schemas.microsoft.com/office/drawing/2014/chart" uri="{C3380CC4-5D6E-409C-BE32-E72D297353CC}">
+              <c16:uniqueId val="{00000004-3670-4CE7-95CF-4862CEE8D6BE}"/>
+            </c:ext>
+          </c:extLst>
+        </c:ser>
+        <c:ser>
+          <c:idx val="5"/>
+          <c:order val="5"/>
+          <c:tx>
+            <c:strRef>
+              <c:f>打点!$A$22</c:f>
+              <c:strCache>
+                <c:ptCount val="1"/>
+                <c:pt idx="0">
+                  <c:v>H</c:v>
+                </c:pt>
+              </c:strCache>
+            </c:strRef>
+          </c:tx>
+          <c:spPr>
+            <a:ln w="22225" cap="rnd" cmpd="sng" algn="ctr">
+              <a:solidFill>
+                <a:srgbClr val="F5C700"/>
+              </a:solidFill>
+              <a:round/>
+            </a:ln>
+            <a:effectLst/>
+          </c:spPr>
+          <c:marker>
+            <c:symbol val="none"/>
+          </c:marker>
+          <c:val>
+            <c:numRef>
+              <c:f>打点!$B$22:$J$22</c:f>
+              <c:numCache>
+                <c:formatCode>General</c:formatCode>
+                <c:ptCount val="9"/>
+                <c:pt idx="0">
+                  <c:v>5.4794520547945202</c:v>
+                </c:pt>
+                <c:pt idx="1">
+                  <c:v>11.301369863013697</c:v>
+                </c:pt>
+                <c:pt idx="2">
+                  <c:v>16.952054794520549</c:v>
+                </c:pt>
+                <c:pt idx="3">
+                  <c:v>15.41095890410959</c:v>
+                </c:pt>
+                <c:pt idx="4">
+                  <c:v>18.664383561643834</c:v>
+                </c:pt>
+                <c:pt idx="5">
+                  <c:v>6.6780821917808222</c:v>
+                </c:pt>
+                <c:pt idx="6">
+                  <c:v>10.616438356164384</c:v>
+                </c:pt>
+                <c:pt idx="7">
+                  <c:v>7.5342465753424657</c:v>
+                </c:pt>
+                <c:pt idx="8">
+                  <c:v>7.3630136986301373</c:v>
+                </c:pt>
+              </c:numCache>
+            </c:numRef>
+          </c:val>
+          <c:smooth val="0"/>
+          <c:extLst>
+            <c:ext xmlns:c16="http://schemas.microsoft.com/office/drawing/2014/chart" uri="{C3380CC4-5D6E-409C-BE32-E72D297353CC}">
+              <c16:uniqueId val="{00000005-3670-4CE7-95CF-4862CEE8D6BE}"/>
+            </c:ext>
+          </c:extLst>
+        </c:ser>
+        <c:ser>
+          <c:idx val="6"/>
+          <c:order val="6"/>
+          <c:tx>
+            <c:strRef>
+              <c:f>打点!$A$23</c:f>
+              <c:strCache>
+                <c:ptCount val="1"/>
+                <c:pt idx="0">
+                  <c:v>L</c:v>
+                </c:pt>
+              </c:strCache>
+            </c:strRef>
+          </c:tx>
+          <c:spPr>
+            <a:ln w="22225" cap="rnd" cmpd="sng" algn="ctr">
+              <a:solidFill>
+                <a:srgbClr val="1F366A"/>
+              </a:solidFill>
+              <a:round/>
+            </a:ln>
+            <a:effectLst/>
+          </c:spPr>
+          <c:marker>
+            <c:symbol val="none"/>
+          </c:marker>
+          <c:val>
+            <c:numRef>
+              <c:f>打点!$B$23:$J$23</c:f>
+              <c:numCache>
+                <c:formatCode>General</c:formatCode>
+                <c:ptCount val="9"/>
+                <c:pt idx="0">
+                  <c:v>12.559618441971383</c:v>
+                </c:pt>
+                <c:pt idx="1">
+                  <c:v>8.4260731319554854</c:v>
+                </c:pt>
+                <c:pt idx="2">
+                  <c:v>17.806041335453099</c:v>
+                </c:pt>
+                <c:pt idx="3">
+                  <c:v>14.785373608903022</c:v>
+                </c:pt>
+                <c:pt idx="4">
+                  <c:v>11.128775834658187</c:v>
+                </c:pt>
+                <c:pt idx="5">
+                  <c:v>11.446740858505565</c:v>
+                </c:pt>
+                <c:pt idx="6">
+                  <c:v>9.0620031796502385</c:v>
+                </c:pt>
+                <c:pt idx="7">
+                  <c:v>7.1542130365659773</c:v>
+                </c:pt>
+                <c:pt idx="8">
+                  <c:v>7.6311605723370421</c:v>
+                </c:pt>
+              </c:numCache>
+            </c:numRef>
+          </c:val>
+          <c:smooth val="0"/>
+          <c:extLst>
+            <c:ext xmlns:c16="http://schemas.microsoft.com/office/drawing/2014/chart" uri="{C3380CC4-5D6E-409C-BE32-E72D297353CC}">
+              <c16:uniqueId val="{00000006-3670-4CE7-95CF-4862CEE8D6BE}"/>
+            </c:ext>
+          </c:extLst>
+        </c:ser>
+        <c:ser>
+          <c:idx val="7"/>
+          <c:order val="7"/>
+          <c:tx>
+            <c:strRef>
+              <c:f>打点!$A$24</c:f>
+              <c:strCache>
+                <c:ptCount val="1"/>
+                <c:pt idx="0">
+                  <c:v>M</c:v>
+                </c:pt>
+              </c:strCache>
+            </c:strRef>
+          </c:tx>
+          <c:spPr>
+            <a:ln w="22225" cap="rnd" cmpd="sng" algn="ctr">
+              <a:solidFill>
+                <a:srgbClr val="221815"/>
+              </a:solidFill>
+              <a:round/>
+            </a:ln>
+            <a:effectLst/>
+          </c:spPr>
+          <c:marker>
+            <c:symbol val="none"/>
+          </c:marker>
+          <c:val>
+            <c:numRef>
+              <c:f>打点!$B$24:$J$24</c:f>
+              <c:numCache>
+                <c:formatCode>General</c:formatCode>
+                <c:ptCount val="9"/>
+                <c:pt idx="0">
+                  <c:v>8.4745762711864394</c:v>
+                </c:pt>
+                <c:pt idx="1">
+                  <c:v>8.4745762711864394</c:v>
+                </c:pt>
+                <c:pt idx="2">
+                  <c:v>12.106537530266344</c:v>
+                </c:pt>
+                <c:pt idx="3">
+                  <c:v>14.043583535108958</c:v>
+                </c:pt>
+                <c:pt idx="4">
+                  <c:v>15.49636803874092</c:v>
+                </c:pt>
+                <c:pt idx="5">
+                  <c:v>13.801452784503631</c:v>
+                </c:pt>
+                <c:pt idx="6">
+                  <c:v>11.864406779661017</c:v>
+                </c:pt>
+                <c:pt idx="7">
+                  <c:v>9.9273607748184016</c:v>
+                </c:pt>
+                <c:pt idx="8">
+                  <c:v>5.8111380145278453</c:v>
+                </c:pt>
+              </c:numCache>
+            </c:numRef>
+          </c:val>
+          <c:smooth val="0"/>
+          <c:extLst>
+            <c:ext xmlns:c16="http://schemas.microsoft.com/office/drawing/2014/chart" uri="{C3380CC4-5D6E-409C-BE32-E72D297353CC}">
+              <c16:uniqueId val="{00000007-3670-4CE7-95CF-4862CEE8D6BE}"/>
+            </c:ext>
+          </c:extLst>
+        </c:ser>
+        <c:ser>
+          <c:idx val="8"/>
+          <c:order val="8"/>
+          <c:tx>
+            <c:strRef>
+              <c:f>打点!$A$25</c:f>
+              <c:strCache>
+                <c:ptCount val="1"/>
+                <c:pt idx="0">
+                  <c:v>Bs</c:v>
+                </c:pt>
+              </c:strCache>
+            </c:strRef>
+          </c:tx>
+          <c:spPr>
+            <a:ln w="22225" cap="rnd" cmpd="sng" algn="ctr">
+              <a:solidFill>
+                <a:srgbClr val="000013"/>
+              </a:solidFill>
+              <a:round/>
+            </a:ln>
+            <a:effectLst/>
+          </c:spPr>
+          <c:marker>
+            <c:symbol val="none"/>
+          </c:marker>
+          <c:val>
+            <c:numRef>
+              <c:f>打点!$B$25:$J$25</c:f>
+              <c:numCache>
+                <c:formatCode>General</c:formatCode>
+                <c:ptCount val="9"/>
+                <c:pt idx="0">
+                  <c:v>13.152400835073069</c:v>
+                </c:pt>
+                <c:pt idx="1">
+                  <c:v>5.8455114822546967</c:v>
+                </c:pt>
+                <c:pt idx="2">
+                  <c:v>13.569937369519833</c:v>
+                </c:pt>
+                <c:pt idx="3">
+                  <c:v>17.536534446764094</c:v>
+                </c:pt>
+                <c:pt idx="4">
+                  <c:v>8.3507306889352826</c:v>
+                </c:pt>
+                <c:pt idx="5">
+                  <c:v>14.613778705636744</c:v>
+                </c:pt>
+                <c:pt idx="6">
+                  <c:v>11.064718162839249</c:v>
+                </c:pt>
+                <c:pt idx="7">
+                  <c:v>8.559498956158663</c:v>
+                </c:pt>
+                <c:pt idx="8">
+                  <c:v>7.3068893528183718</c:v>
+                </c:pt>
+              </c:numCache>
+            </c:numRef>
+          </c:val>
+          <c:smooth val="0"/>
+          <c:extLst>
+            <c:ext xmlns:c16="http://schemas.microsoft.com/office/drawing/2014/chart" uri="{C3380CC4-5D6E-409C-BE32-E72D297353CC}">
+              <c16:uniqueId val="{00000008-3670-4CE7-95CF-4862CEE8D6BE}"/>
+            </c:ext>
+          </c:extLst>
+        </c:ser>
+        <c:ser>
+          <c:idx val="9"/>
+          <c:order val="9"/>
+          <c:tx>
+            <c:strRef>
+              <c:f>打点!$A$26</c:f>
+              <c:strCache>
+                <c:ptCount val="1"/>
+                <c:pt idx="0">
+                  <c:v>S</c:v>
+                </c:pt>
+              </c:strCache>
+            </c:strRef>
+          </c:tx>
+          <c:spPr>
+            <a:ln w="22225" cap="rnd" cmpd="sng" algn="ctr">
+              <a:solidFill>
+                <a:srgbClr val="00AB5C"/>
+              </a:solidFill>
+              <a:round/>
+            </a:ln>
+            <a:effectLst/>
+          </c:spPr>
+          <c:marker>
+            <c:symbol val="none"/>
+          </c:marker>
+          <c:val>
+            <c:numRef>
+              <c:f>打点!$B$26:$J$26</c:f>
+              <c:numCache>
+                <c:formatCode>General</c:formatCode>
+                <c:ptCount val="9"/>
+                <c:pt idx="0">
+                  <c:v>10.565110565110565</c:v>
+                </c:pt>
+                <c:pt idx="1">
+                  <c:v>7.3710073710073711</c:v>
+                </c:pt>
+                <c:pt idx="2">
+                  <c:v>21.13022113022113</c:v>
+                </c:pt>
+                <c:pt idx="3">
+                  <c:v>19.41031941031941</c:v>
+                </c:pt>
+                <c:pt idx="4">
+                  <c:v>13.267813267813267</c:v>
+                </c:pt>
+                <c:pt idx="5">
+                  <c:v>7.8624078624078626</c:v>
+                </c:pt>
+                <c:pt idx="6">
+                  <c:v>7.8624078624078626</c:v>
+                </c:pt>
+                <c:pt idx="7">
+                  <c:v>10.810810810810811</c:v>
+                </c:pt>
+                <c:pt idx="8">
+                  <c:v>1.7199017199017199</c:v>
+                </c:pt>
+              </c:numCache>
+            </c:numRef>
+          </c:val>
+          <c:smooth val="0"/>
+          <c:extLst>
+            <c:ext xmlns:c16="http://schemas.microsoft.com/office/drawing/2014/chart" uri="{C3380CC4-5D6E-409C-BE32-E72D297353CC}">
+              <c16:uniqueId val="{00000009-3670-4CE7-95CF-4862CEE8D6BE}"/>
+            </c:ext>
+          </c:extLst>
+        </c:ser>
+        <c:ser>
+          <c:idx val="10"/>
+          <c:order val="10"/>
+          <c:tx>
+            <c:strRef>
+              <c:f>打点!$A$27</c:f>
+              <c:strCache>
+                <c:ptCount val="1"/>
+                <c:pt idx="0">
+                  <c:v>T</c:v>
+                </c:pt>
+              </c:strCache>
+            </c:strRef>
+          </c:tx>
+          <c:spPr>
+            <a:ln w="22225" cap="rnd" cmpd="sng" algn="ctr">
+              <a:solidFill>
+                <a:srgbClr val="FFE201"/>
+              </a:solidFill>
+              <a:round/>
+            </a:ln>
+            <a:effectLst/>
+          </c:spPr>
+          <c:marker>
+            <c:symbol val="none"/>
+          </c:marker>
+          <c:val>
+            <c:numRef>
+              <c:f>打点!$B$27:$J$27</c:f>
+              <c:numCache>
+                <c:formatCode>General</c:formatCode>
+                <c:ptCount val="9"/>
+                <c:pt idx="0">
+                  <c:v>10.546875</c:v>
+                </c:pt>
+                <c:pt idx="1">
+                  <c:v>7.6171875</c:v>
+                </c:pt>
+                <c:pt idx="2">
+                  <c:v>16.40625</c:v>
+                </c:pt>
+                <c:pt idx="3">
+                  <c:v>14.0625</c:v>
+                </c:pt>
+                <c:pt idx="4">
+                  <c:v>16.015625</c:v>
+                </c:pt>
+                <c:pt idx="5">
+                  <c:v>9.375</c:v>
+                </c:pt>
+                <c:pt idx="6">
+                  <c:v>12.890625</c:v>
+                </c:pt>
+                <c:pt idx="7">
+                  <c:v>10.15625</c:v>
+                </c:pt>
+                <c:pt idx="8">
+                  <c:v>2.9296875</c:v>
+                </c:pt>
+              </c:numCache>
+            </c:numRef>
+          </c:val>
+          <c:smooth val="0"/>
+          <c:extLst>
+            <c:ext xmlns:c16="http://schemas.microsoft.com/office/drawing/2014/chart" uri="{C3380CC4-5D6E-409C-BE32-E72D297353CC}">
+              <c16:uniqueId val="{0000000A-3670-4CE7-95CF-4862CEE8D6BE}"/>
+            </c:ext>
+          </c:extLst>
+        </c:ser>
+        <c:ser>
+          <c:idx val="11"/>
+          <c:order val="11"/>
+          <c:tx>
+            <c:strRef>
+              <c:f>打点!$A$28</c:f>
+              <c:strCache>
+                <c:ptCount val="1"/>
+                <c:pt idx="0">
+                  <c:v>DB</c:v>
+                </c:pt>
+              </c:strCache>
+            </c:strRef>
+          </c:tx>
+          <c:spPr>
+            <a:ln w="22225" cap="rnd" cmpd="sng" algn="ctr">
+              <a:solidFill>
+                <a:srgbClr val="0055A5"/>
+              </a:solidFill>
+              <a:round/>
+            </a:ln>
+            <a:effectLst/>
+          </c:spPr>
+          <c:marker>
+            <c:symbol val="none"/>
+          </c:marker>
+          <c:val>
+            <c:numRef>
+              <c:f>打点!$B$28:$J$28</c:f>
+              <c:numCache>
+                <c:formatCode>General</c:formatCode>
+                <c:ptCount val="9"/>
+                <c:pt idx="0">
+                  <c:v>9.4032549728752262</c:v>
+                </c:pt>
+                <c:pt idx="1">
+                  <c:v>10.669077757685352</c:v>
+                </c:pt>
+                <c:pt idx="2">
+                  <c:v>18.44484629294756</c:v>
+                </c:pt>
+                <c:pt idx="3">
+                  <c:v>16.817359855334537</c:v>
+                </c:pt>
+                <c:pt idx="4">
+                  <c:v>13.743218806509946</c:v>
+                </c:pt>
+                <c:pt idx="5">
+                  <c:v>9.5840867992766725</c:v>
+                </c:pt>
+                <c:pt idx="6">
+                  <c:v>7.9566003616636527</c:v>
+                </c:pt>
+                <c:pt idx="7">
+                  <c:v>4.1591320072332731</c:v>
+                </c:pt>
+                <c:pt idx="8">
+                  <c:v>9.2224231464737798</c:v>
+                </c:pt>
+              </c:numCache>
+            </c:numRef>
+          </c:val>
+          <c:smooth val="0"/>
+          <c:extLst>
+            <c:ext xmlns:c16="http://schemas.microsoft.com/office/drawing/2014/chart" uri="{C3380CC4-5D6E-409C-BE32-E72D297353CC}">
+              <c16:uniqueId val="{0000000B-3670-4CE7-95CF-4862CEE8D6BE}"/>
+            </c:ext>
+          </c:extLst>
+        </c:ser>
+        <c:dLbls>
+          <c:showLegendKey val="0"/>
+          <c:showVal val="0"/>
+          <c:showCatName val="0"/>
+          <c:showSerName val="0"/>
+          <c:showPercent val="0"/>
+          <c:showBubbleSize val="0"/>
+        </c:dLbls>
+        <c:dropLines>
+          <c:spPr>
+            <a:ln w="9525" cap="flat" cmpd="sng" algn="ctr">
+              <a:solidFill>
+                <a:schemeClr val="dk1">
+                  <a:lumMod val="35000"/>
+                  <a:lumOff val="65000"/>
+                  <a:alpha val="33000"/>
+                </a:schemeClr>
+              </a:solidFill>
+              <a:round/>
+            </a:ln>
+            <a:effectLst/>
+          </c:spPr>
+        </c:dropLines>
+        <c:smooth val="0"/>
+        <c:axId val="757224552"/>
+        <c:axId val="757225864"/>
+      </c:lineChart>
+      <c:catAx>
+        <c:axId val="757224552"/>
+        <c:scaling>
+          <c:orientation val="minMax"/>
+        </c:scaling>
+        <c:delete val="0"/>
+        <c:axPos val="b"/>
+        <c:numFmt formatCode="General" sourceLinked="1"/>
+        <c:majorTickMark val="none"/>
+        <c:minorTickMark val="none"/>
+        <c:tickLblPos val="nextTo"/>
+        <c:spPr>
+          <a:noFill/>
+          <a:ln w="9525" cap="flat" cmpd="sng" algn="ctr">
+            <a:solidFill>
+              <a:schemeClr val="dk1">
+                <a:lumMod val="15000"/>
+                <a:lumOff val="85000"/>
+              </a:schemeClr>
+            </a:solidFill>
+            <a:round/>
+          </a:ln>
+          <a:effectLst/>
+        </c:spPr>
+        <c:txPr>
+          <a:bodyPr rot="-60000000" spcFirstLastPara="1" vertOverflow="ellipsis" vert="horz" wrap="square" anchor="ctr" anchorCtr="1"/>
+          <a:lstStyle/>
+          <a:p>
+            <a:pPr>
+              <a:defRPr sz="1197" b="0" i="0" u="none" strike="noStrike" kern="1200" spc="20" baseline="0">
+                <a:solidFill>
+                  <a:schemeClr val="dk1">
+                    <a:lumMod val="65000"/>
+                    <a:lumOff val="35000"/>
+                  </a:schemeClr>
+                </a:solidFill>
+                <a:latin typeface="+mn-lt"/>
+                <a:ea typeface="+mn-ea"/>
+                <a:cs typeface="+mn-cs"/>
+              </a:defRPr>
+            </a:pPr>
+            <a:endParaRPr lang="ja-JP"/>
+          </a:p>
+        </c:txPr>
+        <c:crossAx val="757225864"/>
+        <c:crosses val="autoZero"/>
+        <c:auto val="1"/>
+        <c:lblAlgn val="ctr"/>
+        <c:lblOffset val="100"/>
+        <c:noMultiLvlLbl val="0"/>
+      </c:catAx>
+      <c:valAx>
+        <c:axId val="757225864"/>
+        <c:scaling>
+          <c:orientation val="minMax"/>
+        </c:scaling>
+        <c:delete val="0"/>
+        <c:axPos val="l"/>
+        <c:numFmt formatCode="General" sourceLinked="1"/>
+        <c:majorTickMark val="none"/>
+        <c:minorTickMark val="none"/>
+        <c:tickLblPos val="nextTo"/>
+        <c:spPr>
+          <a:noFill/>
+          <a:ln>
+            <a:noFill/>
+          </a:ln>
+          <a:effectLst/>
+        </c:spPr>
+        <c:txPr>
+          <a:bodyPr rot="-60000000" spcFirstLastPara="1" vertOverflow="ellipsis" vert="horz" wrap="square" anchor="ctr" anchorCtr="1"/>
+          <a:lstStyle/>
+          <a:p>
+            <a:pPr>
+              <a:defRPr sz="1197" b="0" i="0" u="none" strike="noStrike" kern="1200" spc="20" baseline="0">
+                <a:solidFill>
+                  <a:schemeClr val="dk1">
+                    <a:lumMod val="65000"/>
+                    <a:lumOff val="35000"/>
+                  </a:schemeClr>
+                </a:solidFill>
+                <a:latin typeface="+mn-lt"/>
+                <a:ea typeface="+mn-ea"/>
+                <a:cs typeface="+mn-cs"/>
+              </a:defRPr>
+            </a:pPr>
+            <a:endParaRPr lang="ja-JP"/>
+          </a:p>
+        </c:txPr>
+        <c:crossAx val="757224552"/>
+        <c:crosses val="autoZero"/>
+        <c:crossBetween val="between"/>
+      </c:valAx>
+      <c:spPr>
+        <a:gradFill>
+          <a:gsLst>
+            <a:gs pos="100000">
+              <a:schemeClr val="lt1">
+                <a:lumMod val="95000"/>
+              </a:schemeClr>
+            </a:gs>
+            <a:gs pos="0">
+              <a:schemeClr val="lt1"/>
+            </a:gs>
+          </a:gsLst>
+          <a:lin ang="5400000" scaled="0"/>
+        </a:gradFill>
+        <a:ln>
+          <a:noFill/>
+        </a:ln>
+        <a:effectLst/>
+      </c:spPr>
+    </c:plotArea>
+    <c:legend>
+      <c:legendPos val="b"/>
+      <c:overlay val="0"/>
+      <c:spPr>
+        <a:noFill/>
+        <a:ln>
+          <a:noFill/>
+        </a:ln>
+        <a:effectLst/>
+      </c:spPr>
+      <c:txPr>
+        <a:bodyPr rot="0" spcFirstLastPara="1" vertOverflow="ellipsis" vert="horz" wrap="square" anchor="ctr" anchorCtr="1"/>
+        <a:lstStyle/>
+        <a:p>
+          <a:pPr>
+            <a:defRPr sz="1197" b="0" i="0" u="none" strike="noStrike" kern="1200" baseline="0">
+              <a:solidFill>
+                <a:schemeClr val="dk1">
+                  <a:lumMod val="65000"/>
+                  <a:lumOff val="35000"/>
+                </a:schemeClr>
+              </a:solidFill>
+              <a:latin typeface="+mn-lt"/>
+              <a:ea typeface="+mn-ea"/>
+              <a:cs typeface="+mn-cs"/>
+            </a:defRPr>
+          </a:pPr>
+          <a:endParaRPr lang="ja-JP"/>
+        </a:p>
+      </c:txPr>
+    </c:legend>
+    <c:plotVisOnly val="1"/>
+    <c:dispBlanksAs val="gap"/>
+    <c:showDLblsOverMax val="0"/>
+  </c:chart>
+  <c:spPr>
+    <a:solidFill>
+      <a:schemeClr val="lt1"/>
+    </a:solidFill>
+    <a:ln>
+      <a:solidFill>
+        <a:schemeClr val="accent1"/>
+      </a:solidFill>
+    </a:ln>
+    <a:effectLst/>
+  </c:spPr>
+  <c:txPr>
+    <a:bodyPr/>
+    <a:lstStyle/>
+    <a:p>
+      <a:pPr>
+        <a:defRPr/>
+      </a:pPr>
+      <a:endParaRPr lang="ja-JP"/>
+    </a:p>
+  </c:txPr>
+  <c:externalData r:id="rId3">
+    <c:autoUpdate val="0"/>
+  </c:externalData>
+</c:chartSpace>
+</file>
+
+<file path=ppt/charts/chart32.xml><?xml version="1.0" encoding="utf-8"?>
+<c:chartSpace xmlns:c="http://schemas.openxmlformats.org/drawingml/2006/chart" xmlns:a="http://schemas.openxmlformats.org/drawingml/2006/main" xmlns:r="http://schemas.openxmlformats.org/officeDocument/2006/relationships" xmlns:c16r2="http://schemas.microsoft.com/office/drawing/2015/06/chart">
+  <c:date1904 val="0"/>
+  <c:lang val="en-US"/>
+  <c:roundedCorners val="0"/>
+  <mc:AlternateContent xmlns:mc="http://schemas.openxmlformats.org/markup-compatibility/2006">
+    <mc:Choice xmlns:c14="http://schemas.microsoft.com/office/drawing/2007/8/2/chart" Requires="c14">
+      <c14:style val="102"/>
+    </mc:Choice>
+    <mc:Fallback>
+      <c:style val="2"/>
+    </mc:Fallback>
+  </mc:AlternateContent>
+  <c:chart>
     <c:title>
       <c:tx>
         <c:rich>
@@ -13751,7 +15788,7 @@
 </c:chartSpace>
 </file>
 
-<file path=ppt/charts/chart31.xml><?xml version="1.0" encoding="utf-8"?>
+<file path=ppt/charts/chart33.xml><?xml version="1.0" encoding="utf-8"?>
 <c:chartSpace xmlns:c="http://schemas.openxmlformats.org/drawingml/2006/chart" xmlns:a="http://schemas.openxmlformats.org/drawingml/2006/main" xmlns:r="http://schemas.openxmlformats.org/officeDocument/2006/relationships" xmlns:c16r2="http://schemas.microsoft.com/office/drawing/2015/06/chart">
   <c:date1904 val="0"/>
   <c:lang val="en-US"/>
@@ -18494,6 +20531,86 @@
 </file>
 
 <file path=ppt/charts/colors30.xml><?xml version="1.0" encoding="utf-8"?>
+<cs:colorStyle xmlns:cs="http://schemas.microsoft.com/office/drawing/2012/chartStyle" xmlns:a="http://schemas.openxmlformats.org/drawingml/2006/main" meth="cycle" id="10">
+  <a:schemeClr val="accent1"/>
+  <a:schemeClr val="accent2"/>
+  <a:schemeClr val="accent3"/>
+  <a:schemeClr val="accent4"/>
+  <a:schemeClr val="accent5"/>
+  <a:schemeClr val="accent6"/>
+  <cs:variation/>
+  <cs:variation>
+    <a:lumMod val="60000"/>
+  </cs:variation>
+  <cs:variation>
+    <a:lumMod val="80000"/>
+    <a:lumOff val="20000"/>
+  </cs:variation>
+  <cs:variation>
+    <a:lumMod val="80000"/>
+  </cs:variation>
+  <cs:variation>
+    <a:lumMod val="60000"/>
+    <a:lumOff val="40000"/>
+  </cs:variation>
+  <cs:variation>
+    <a:lumMod val="50000"/>
+  </cs:variation>
+  <cs:variation>
+    <a:lumMod val="70000"/>
+    <a:lumOff val="30000"/>
+  </cs:variation>
+  <cs:variation>
+    <a:lumMod val="70000"/>
+  </cs:variation>
+  <cs:variation>
+    <a:lumMod val="50000"/>
+    <a:lumOff val="50000"/>
+  </cs:variation>
+</cs:colorStyle>
+</file>
+
+<file path=ppt/charts/colors31.xml><?xml version="1.0" encoding="utf-8"?>
+<cs:colorStyle xmlns:cs="http://schemas.microsoft.com/office/drawing/2012/chartStyle" xmlns:a="http://schemas.openxmlformats.org/drawingml/2006/main" meth="cycle" id="10">
+  <a:schemeClr val="accent1"/>
+  <a:schemeClr val="accent2"/>
+  <a:schemeClr val="accent3"/>
+  <a:schemeClr val="accent4"/>
+  <a:schemeClr val="accent5"/>
+  <a:schemeClr val="accent6"/>
+  <cs:variation/>
+  <cs:variation>
+    <a:lumMod val="60000"/>
+  </cs:variation>
+  <cs:variation>
+    <a:lumMod val="80000"/>
+    <a:lumOff val="20000"/>
+  </cs:variation>
+  <cs:variation>
+    <a:lumMod val="80000"/>
+  </cs:variation>
+  <cs:variation>
+    <a:lumMod val="60000"/>
+    <a:lumOff val="40000"/>
+  </cs:variation>
+  <cs:variation>
+    <a:lumMod val="50000"/>
+  </cs:variation>
+  <cs:variation>
+    <a:lumMod val="70000"/>
+    <a:lumOff val="30000"/>
+  </cs:variation>
+  <cs:variation>
+    <a:lumMod val="70000"/>
+  </cs:variation>
+  <cs:variation>
+    <a:lumMod val="50000"/>
+    <a:lumOff val="50000"/>
+  </cs:variation>
+</cs:colorStyle>
+</file>
+
+<file path=ppt/charts/colors32.xml><?xml version="1.0" encoding="utf-8"?>
 <cs:colorStyle xmlns:cs="http://schemas.microsoft.com/office/drawing/2012/chartStyle" xmlns:a="http://schemas.openxmlformats.org/drawingml/2006/main" meth="cycle" id="11">
   <a:schemeClr val="accent1"/>
   <a:schemeClr val="accent3"/>
@@ -18530,7 +20647,7 @@
 </cs:colorStyle>
 </file>
 
-<file path=ppt/charts/colors31.xml><?xml version="1.0" encoding="utf-8"?>
+<file path=ppt/charts/colors33.xml><?xml version="1.0" encoding="utf-8"?>
 <cs:colorStyle xmlns:cs="http://schemas.microsoft.com/office/drawing/2012/chartStyle" xmlns:a="http://schemas.openxmlformats.org/drawingml/2006/main" meth="cycle" id="10">
   <a:schemeClr val="accent1"/>
   <a:schemeClr val="accent2"/>
@@ -31149,6 +33266,526 @@
 </file>
 
 <file path=ppt/charts/style30.xml><?xml version="1.0" encoding="utf-8"?>
+<cs:chartStyle xmlns:cs="http://schemas.microsoft.com/office/drawing/2012/chartStyle" xmlns:a="http://schemas.openxmlformats.org/drawingml/2006/main" id="244">
+  <cs:axisTitle>
+    <cs:lnRef idx="0"/>
+    <cs:fillRef idx="0"/>
+    <cs:effectRef idx="0"/>
+    <cs:fontRef idx="minor">
+      <a:schemeClr val="dk1">
+        <a:lumMod val="50000"/>
+        <a:lumOff val="50000"/>
+      </a:schemeClr>
+    </cs:fontRef>
+    <cs:defRPr sz="1197" b="1" kern="1200"/>
+  </cs:axisTitle>
+  <cs:categoryAxis>
+    <cs:lnRef idx="0"/>
+    <cs:fillRef idx="0"/>
+    <cs:effectRef idx="0"/>
+    <cs:fontRef idx="minor">
+      <a:schemeClr val="dk1">
+        <a:lumMod val="50000"/>
+        <a:lumOff val="50000"/>
+      </a:schemeClr>
+    </cs:fontRef>
+    <cs:spPr>
+      <a:ln w="9525" cap="flat" cmpd="sng" algn="ctr">
+        <a:solidFill>
+          <a:schemeClr val="dk1">
+            <a:lumMod val="15000"/>
+            <a:lumOff val="85000"/>
+          </a:schemeClr>
+        </a:solidFill>
+        <a:round/>
+      </a:ln>
+    </cs:spPr>
+    <cs:defRPr sz="1197" kern="1200"/>
+  </cs:categoryAxis>
+  <cs:chartArea>
+    <cs:lnRef idx="0"/>
+    <cs:fillRef idx="0"/>
+    <cs:effectRef idx="0"/>
+    <cs:fontRef idx="minor">
+      <a:schemeClr val="dk1"/>
+    </cs:fontRef>
+    <cs:spPr>
+      <a:gradFill flip="none" rotWithShape="1">
+        <a:gsLst>
+          <a:gs pos="100000">
+            <a:schemeClr val="lt1">
+              <a:lumMod val="95000"/>
+            </a:schemeClr>
+          </a:gs>
+          <a:gs pos="43000">
+            <a:schemeClr val="lt1"/>
+          </a:gs>
+        </a:gsLst>
+        <a:path path="circle">
+          <a:fillToRect l="50000" t="50000" r="50000" b="50000"/>
+        </a:path>
+        <a:tileRect/>
+      </a:gradFill>
+      <a:ln w="9525" cap="flat" cmpd="sng" algn="ctr">
+        <a:solidFill>
+          <a:schemeClr val="dk1">
+            <a:lumMod val="15000"/>
+            <a:lumOff val="85000"/>
+          </a:schemeClr>
+        </a:solidFill>
+        <a:round/>
+      </a:ln>
+    </cs:spPr>
+    <cs:defRPr sz="1197" kern="1200"/>
+  </cs:chartArea>
+  <cs:dataLabel>
+    <cs:lnRef idx="0"/>
+    <cs:fillRef idx="0"/>
+    <cs:effectRef idx="0"/>
+    <cs:fontRef idx="minor">
+      <a:schemeClr val="dk1">
+        <a:lumMod val="50000"/>
+        <a:lumOff val="50000"/>
+      </a:schemeClr>
+    </cs:fontRef>
+    <cs:defRPr sz="1197" kern="1200"/>
+  </cs:dataLabel>
+  <cs:dataLabelCallout>
+    <cs:lnRef idx="0"/>
+    <cs:fillRef idx="0"/>
+    <cs:effectRef idx="0"/>
+    <cs:fontRef idx="minor">
+      <a:schemeClr val="dk1">
+        <a:lumMod val="65000"/>
+        <a:lumOff val="35000"/>
+      </a:schemeClr>
+    </cs:fontRef>
+    <cs:spPr>
+      <a:solidFill>
+        <a:schemeClr val="dk1">
+          <a:lumMod val="15000"/>
+          <a:lumOff val="85000"/>
+        </a:schemeClr>
+      </a:solidFill>
+    </cs:spPr>
+    <cs:defRPr sz="1197" kern="1200"/>
+    <cs:bodyPr rot="0" spcFirstLastPara="1" vertOverflow="clip" horzOverflow="clip" vert="horz" wrap="square" lIns="36576" tIns="18288" rIns="36576" bIns="18288" anchor="ctr" anchorCtr="1">
+      <a:spAutoFit/>
+    </cs:bodyPr>
+  </cs:dataLabelCallout>
+  <cs:dataPoint>
+    <cs:lnRef idx="0"/>
+    <cs:fillRef idx="0">
+      <cs:styleClr val="auto"/>
+    </cs:fillRef>
+    <cs:effectRef idx="0"/>
+    <cs:fontRef idx="minor">
+      <a:schemeClr val="tx1"/>
+    </cs:fontRef>
+    <cs:spPr>
+      <a:solidFill>
+        <a:schemeClr val="phClr"/>
+      </a:solidFill>
+    </cs:spPr>
+  </cs:dataPoint>
+  <cs:dataPoint3D>
+    <cs:lnRef idx="0"/>
+    <cs:fillRef idx="0">
+      <cs:styleClr val="auto"/>
+    </cs:fillRef>
+    <cs:effectRef idx="0"/>
+    <cs:fontRef idx="minor">
+      <a:schemeClr val="tx1"/>
+    </cs:fontRef>
+    <cs:spPr>
+      <a:solidFill>
+        <a:schemeClr val="phClr"/>
+      </a:solidFill>
+    </cs:spPr>
+  </cs:dataPoint3D>
+  <cs:dataPointLine>
+    <cs:lnRef idx="0">
+      <cs:styleClr val="auto"/>
+    </cs:lnRef>
+    <cs:fillRef idx="0"/>
+    <cs:effectRef idx="0"/>
+    <cs:fontRef idx="minor">
+      <a:schemeClr val="tx1"/>
+    </cs:fontRef>
+    <cs:spPr>
+      <a:ln w="28575">
+        <a:solidFill>
+          <a:schemeClr val="phClr">
+            <a:alpha val="20000"/>
+          </a:schemeClr>
+        </a:solidFill>
+      </a:ln>
+    </cs:spPr>
+  </cs:dataPointLine>
+  <cs:dataPointMarker>
+    <cs:lnRef idx="0">
+      <cs:styleClr val="auto"/>
+    </cs:lnRef>
+    <cs:fillRef idx="0">
+      <cs:styleClr val="auto"/>
+    </cs:fillRef>
+    <cs:effectRef idx="0"/>
+    <cs:fontRef idx="minor">
+      <a:schemeClr val="tx1"/>
+    </cs:fontRef>
+    <cs:spPr>
+      <a:solidFill>
+        <a:schemeClr val="phClr"/>
+      </a:solidFill>
+      <a:ln w="9525" cap="flat" cmpd="sng" algn="ctr">
+        <a:solidFill>
+          <a:schemeClr val="phClr"/>
+        </a:solidFill>
+        <a:round/>
+      </a:ln>
+    </cs:spPr>
+  </cs:dataPointMarker>
+  <cs:dataPointMarkerLayout symbol="circle" size="4"/>
+  <cs:dataPointWireframe>
+    <cs:lnRef idx="0">
+      <cs:styleClr val="auto"/>
+    </cs:lnRef>
+    <cs:fillRef idx="0"/>
+    <cs:effectRef idx="0"/>
+    <cs:fontRef idx="minor">
+      <a:schemeClr val="tx1"/>
+    </cs:fontRef>
+    <cs:spPr>
+      <a:ln w="9525" cap="rnd">
+        <a:solidFill>
+          <a:schemeClr val="phClr"/>
+        </a:solidFill>
+        <a:round/>
+      </a:ln>
+    </cs:spPr>
+  </cs:dataPointWireframe>
+  <cs:dataTable>
+    <cs:lnRef idx="0"/>
+    <cs:fillRef idx="0"/>
+    <cs:effectRef idx="0"/>
+    <cs:fontRef idx="minor">
+      <a:schemeClr val="dk1">
+        <a:lumMod val="50000"/>
+        <a:lumOff val="50000"/>
+      </a:schemeClr>
+    </cs:fontRef>
+    <cs:spPr>
+      <a:ln w="9525" cap="rnd">
+        <a:solidFill>
+          <a:schemeClr val="dk1">
+            <a:lumMod val="15000"/>
+            <a:lumOff val="85000"/>
+          </a:schemeClr>
+        </a:solidFill>
+        <a:round/>
+      </a:ln>
+    </cs:spPr>
+    <cs:defRPr sz="1197" kern="1200"/>
+  </cs:dataTable>
+  <cs:downBar>
+    <cs:lnRef idx="0"/>
+    <cs:fillRef idx="0"/>
+    <cs:effectRef idx="0"/>
+    <cs:fontRef idx="minor">
+      <a:schemeClr val="tx1"/>
+    </cs:fontRef>
+    <cs:spPr>
+      <a:solidFill>
+        <a:schemeClr val="dk1">
+          <a:lumMod val="75000"/>
+          <a:lumOff val="25000"/>
+        </a:schemeClr>
+      </a:solidFill>
+      <a:ln w="9525">
+        <a:solidFill>
+          <a:schemeClr val="dk1">
+            <a:lumMod val="50000"/>
+            <a:lumOff val="50000"/>
+          </a:schemeClr>
+        </a:solidFill>
+      </a:ln>
+    </cs:spPr>
+  </cs:downBar>
+  <cs:dropLine>
+    <cs:lnRef idx="0"/>
+    <cs:fillRef idx="0"/>
+    <cs:effectRef idx="0"/>
+    <cs:fontRef idx="minor">
+      <a:schemeClr val="tx1"/>
+    </cs:fontRef>
+    <cs:spPr>
+      <a:ln w="9525">
+        <a:solidFill>
+          <a:schemeClr val="dk1">
+            <a:lumMod val="35000"/>
+            <a:lumOff val="65000"/>
+          </a:schemeClr>
+        </a:solidFill>
+      </a:ln>
+    </cs:spPr>
+  </cs:dropLine>
+  <cs:errorBar>
+    <cs:lnRef idx="0"/>
+    <cs:fillRef idx="0"/>
+    <cs:effectRef idx="0"/>
+    <cs:fontRef idx="minor">
+      <a:schemeClr val="tx1"/>
+    </cs:fontRef>
+    <cs:spPr>
+      <a:ln w="9525">
+        <a:solidFill>
+          <a:schemeClr val="dk1">
+            <a:lumMod val="50000"/>
+            <a:lumOff val="50000"/>
+          </a:schemeClr>
+        </a:solidFill>
+      </a:ln>
+    </cs:spPr>
+  </cs:errorBar>
+  <cs:floor>
+    <cs:lnRef idx="0"/>
+    <cs:fillRef idx="0"/>
+    <cs:effectRef idx="0"/>
+    <cs:fontRef idx="minor">
+      <a:schemeClr val="tx1"/>
+    </cs:fontRef>
+  </cs:floor>
+  <cs:gridlineMajor>
+    <cs:lnRef idx="0"/>
+    <cs:fillRef idx="0"/>
+    <cs:effectRef idx="0"/>
+    <cs:fontRef idx="minor">
+      <a:schemeClr val="tx1"/>
+    </cs:fontRef>
+    <cs:spPr>
+      <a:ln w="9525" cap="flat" cmpd="sng" algn="ctr">
+        <a:solidFill>
+          <a:schemeClr val="dk1">
+            <a:lumMod val="15000"/>
+            <a:lumOff val="85000"/>
+          </a:schemeClr>
+        </a:solidFill>
+        <a:round/>
+      </a:ln>
+    </cs:spPr>
+  </cs:gridlineMajor>
+  <cs:gridlineMinor>
+    <cs:lnRef idx="0"/>
+    <cs:fillRef idx="0"/>
+    <cs:effectRef idx="0"/>
+    <cs:fontRef idx="minor">
+      <a:schemeClr val="tx1"/>
+    </cs:fontRef>
+    <cs:spPr>
+      <a:ln w="9525" cap="flat" cmpd="sng" algn="ctr">
+        <a:solidFill>
+          <a:schemeClr val="dk1">
+            <a:lumMod val="5000"/>
+            <a:lumOff val="95000"/>
+          </a:schemeClr>
+        </a:solidFill>
+        <a:round/>
+      </a:ln>
+    </cs:spPr>
+  </cs:gridlineMinor>
+  <cs:hiLoLine>
+    <cs:lnRef idx="0"/>
+    <cs:fillRef idx="0"/>
+    <cs:effectRef idx="0"/>
+    <cs:fontRef idx="minor">
+      <a:schemeClr val="tx1"/>
+    </cs:fontRef>
+    <cs:spPr>
+      <a:ln w="9525">
+        <a:solidFill>
+          <a:schemeClr val="dk1">
+            <a:lumMod val="35000"/>
+            <a:lumOff val="65000"/>
+          </a:schemeClr>
+        </a:solidFill>
+      </a:ln>
+    </cs:spPr>
+  </cs:hiLoLine>
+  <cs:leaderLine>
+    <cs:lnRef idx="0"/>
+    <cs:fillRef idx="0"/>
+    <cs:effectRef idx="0"/>
+    <cs:fontRef idx="minor">
+      <a:schemeClr val="tx1"/>
+    </cs:fontRef>
+    <cs:spPr>
+      <a:ln w="9525">
+        <a:solidFill>
+          <a:schemeClr val="dk1">
+            <a:lumMod val="35000"/>
+            <a:lumOff val="65000"/>
+          </a:schemeClr>
+        </a:solidFill>
+      </a:ln>
+    </cs:spPr>
+  </cs:leaderLine>
+  <cs:legend>
+    <cs:lnRef idx="0"/>
+    <cs:fillRef idx="0"/>
+    <cs:effectRef idx="0"/>
+    <cs:fontRef idx="minor">
+      <a:schemeClr val="dk1">
+        <a:lumMod val="50000"/>
+        <a:lumOff val="50000"/>
+      </a:schemeClr>
+    </cs:fontRef>
+    <cs:defRPr sz="1197" kern="1200"/>
+  </cs:legend>
+  <cs:plotArea>
+    <cs:lnRef idx="0"/>
+    <cs:fillRef idx="0"/>
+    <cs:effectRef idx="0"/>
+    <cs:fontRef idx="minor">
+      <a:schemeClr val="tx1"/>
+    </cs:fontRef>
+  </cs:plotArea>
+  <cs:plotArea3D>
+    <cs:lnRef idx="0"/>
+    <cs:fillRef idx="0"/>
+    <cs:effectRef idx="0"/>
+    <cs:fontRef idx="minor">
+      <a:schemeClr val="tx1"/>
+    </cs:fontRef>
+  </cs:plotArea3D>
+  <cs:seriesAxis>
+    <cs:lnRef idx="0"/>
+    <cs:fillRef idx="0"/>
+    <cs:effectRef idx="0"/>
+    <cs:fontRef idx="minor">
+      <a:schemeClr val="tx1">
+        <a:lumMod val="50000"/>
+        <a:lumOff val="50000"/>
+      </a:schemeClr>
+    </cs:fontRef>
+    <cs:spPr>
+      <a:ln w="9525">
+        <a:solidFill>
+          <a:schemeClr val="dk1">
+            <a:lumMod val="15000"/>
+            <a:lumOff val="85000"/>
+          </a:schemeClr>
+        </a:solidFill>
+      </a:ln>
+    </cs:spPr>
+    <cs:defRPr sz="1197" kern="1200"/>
+  </cs:seriesAxis>
+  <cs:seriesLine>
+    <cs:lnRef idx="0"/>
+    <cs:fillRef idx="0"/>
+    <cs:effectRef idx="0"/>
+    <cs:fontRef idx="minor">
+      <a:schemeClr val="tx1"/>
+    </cs:fontRef>
+    <cs:spPr>
+      <a:ln w="9525">
+        <a:solidFill>
+          <a:schemeClr val="dk1">
+            <a:lumMod val="35000"/>
+            <a:lumOff val="65000"/>
+          </a:schemeClr>
+        </a:solidFill>
+      </a:ln>
+    </cs:spPr>
+  </cs:seriesLine>
+  <cs:title>
+    <cs:lnRef idx="0"/>
+    <cs:fillRef idx="0"/>
+    <cs:effectRef idx="0"/>
+    <cs:fontRef idx="minor">
+      <a:schemeClr val="dk1">
+        <a:lumMod val="50000"/>
+        <a:lumOff val="50000"/>
+      </a:schemeClr>
+    </cs:fontRef>
+    <cs:defRPr sz="2128" b="0" kern="1200" spc="70" baseline="0"/>
+  </cs:title>
+  <cs:trendline>
+    <cs:lnRef idx="0">
+      <cs:styleClr val="0"/>
+    </cs:lnRef>
+    <cs:fillRef idx="0"/>
+    <cs:effectRef idx="0"/>
+    <cs:fontRef idx="minor">
+      <a:schemeClr val="tx1"/>
+    </cs:fontRef>
+    <cs:spPr>
+      <a:ln w="63500" cap="rnd" cmpd="sng" algn="ctr">
+        <a:solidFill>
+          <a:schemeClr val="phClr">
+            <a:alpha val="25000"/>
+          </a:schemeClr>
+        </a:solidFill>
+        <a:round/>
+      </a:ln>
+    </cs:spPr>
+  </cs:trendline>
+  <cs:trendlineLabel>
+    <cs:lnRef idx="0"/>
+    <cs:fillRef idx="0"/>
+    <cs:effectRef idx="0"/>
+    <cs:fontRef idx="minor">
+      <a:schemeClr val="dk1">
+        <a:lumMod val="50000"/>
+        <a:lumOff val="50000"/>
+      </a:schemeClr>
+    </cs:fontRef>
+    <cs:defRPr sz="1197" kern="1200"/>
+  </cs:trendlineLabel>
+  <cs:upBar>
+    <cs:lnRef idx="0"/>
+    <cs:fillRef idx="0"/>
+    <cs:effectRef idx="0"/>
+    <cs:fontRef idx="minor">
+      <a:schemeClr val="tx1"/>
+    </cs:fontRef>
+    <cs:spPr>
+      <a:solidFill>
+        <a:schemeClr val="lt1"/>
+      </a:solidFill>
+      <a:ln w="9525">
+        <a:solidFill>
+          <a:schemeClr val="dk1">
+            <a:lumMod val="50000"/>
+            <a:lumOff val="50000"/>
+          </a:schemeClr>
+        </a:solidFill>
+      </a:ln>
+    </cs:spPr>
+  </cs:upBar>
+  <cs:valueAxis>
+    <cs:lnRef idx="0"/>
+    <cs:fillRef idx="0"/>
+    <cs:effectRef idx="0"/>
+    <cs:fontRef idx="minor">
+      <a:schemeClr val="dk1">
+        <a:lumMod val="50000"/>
+        <a:lumOff val="50000"/>
+      </a:schemeClr>
+    </cs:fontRef>
+    <cs:defRPr sz="1197" kern="1200"/>
+  </cs:valueAxis>
+  <cs:wall>
+    <cs:lnRef idx="0"/>
+    <cs:fillRef idx="0"/>
+    <cs:effectRef idx="0"/>
+    <cs:fontRef idx="minor">
+      <a:schemeClr val="tx1"/>
+    </cs:fontRef>
+  </cs:wall>
+</cs:chartStyle>
+</file>
+
+<file path=ppt/charts/style31.xml><?xml version="1.0" encoding="utf-8"?>
 <cs:chartStyle xmlns:cs="http://schemas.microsoft.com/office/drawing/2012/chartStyle" xmlns:a="http://schemas.openxmlformats.org/drawingml/2006/main" id="230">
   <cs:axisTitle>
     <cs:lnRef idx="0"/>
@@ -31686,7 +34323,545 @@
 </cs:chartStyle>
 </file>
 
-<file path=ppt/charts/style31.xml><?xml version="1.0" encoding="utf-8"?>
+<file path=ppt/charts/style32.xml><?xml version="1.0" encoding="utf-8"?>
+<cs:chartStyle xmlns:cs="http://schemas.microsoft.com/office/drawing/2012/chartStyle" xmlns:a="http://schemas.openxmlformats.org/drawingml/2006/main" id="230">
+  <cs:axisTitle>
+    <cs:lnRef idx="0"/>
+    <cs:fillRef idx="0"/>
+    <cs:effectRef idx="0"/>
+    <cs:fontRef idx="minor">
+      <a:schemeClr val="dk1">
+        <a:lumMod val="65000"/>
+        <a:lumOff val="35000"/>
+      </a:schemeClr>
+    </cs:fontRef>
+    <cs:defRPr sz="1197" kern="1200" cap="all"/>
+  </cs:axisTitle>
+  <cs:categoryAxis>
+    <cs:lnRef idx="0"/>
+    <cs:fillRef idx="0"/>
+    <cs:effectRef idx="0"/>
+    <cs:fontRef idx="minor">
+      <a:schemeClr val="dk1">
+        <a:lumMod val="65000"/>
+        <a:lumOff val="35000"/>
+      </a:schemeClr>
+    </cs:fontRef>
+    <cs:spPr>
+      <a:ln w="9525" cap="flat" cmpd="sng" algn="ctr">
+        <a:solidFill>
+          <a:schemeClr val="dk1">
+            <a:lumMod val="15000"/>
+            <a:lumOff val="85000"/>
+          </a:schemeClr>
+        </a:solidFill>
+        <a:round/>
+      </a:ln>
+    </cs:spPr>
+    <cs:defRPr sz="1197" b="0" kern="1200" spc="20" baseline="0"/>
+  </cs:categoryAxis>
+  <cs:chartArea mods="allowNoLineOverride">
+    <cs:lnRef idx="0"/>
+    <cs:fillRef idx="0"/>
+    <cs:effectRef idx="0"/>
+    <cs:fontRef idx="minor">
+      <a:schemeClr val="dk1"/>
+    </cs:fontRef>
+    <cs:spPr>
+      <a:solidFill>
+        <a:schemeClr val="lt1"/>
+      </a:solidFill>
+      <a:ln w="9525" cap="flat" cmpd="sng" algn="ctr">
+        <a:solidFill>
+          <a:schemeClr val="dk1">
+            <a:lumMod val="15000"/>
+            <a:lumOff val="85000"/>
+          </a:schemeClr>
+        </a:solidFill>
+        <a:round/>
+      </a:ln>
+    </cs:spPr>
+    <cs:defRPr sz="1197" kern="1200"/>
+  </cs:chartArea>
+  <cs:dataLabel>
+    <cs:lnRef idx="0"/>
+    <cs:fillRef idx="0"/>
+    <cs:effectRef idx="0"/>
+    <cs:fontRef idx="minor">
+      <a:schemeClr val="dk1">
+        <a:lumMod val="65000"/>
+        <a:lumOff val="35000"/>
+      </a:schemeClr>
+    </cs:fontRef>
+    <cs:defRPr sz="1197" kern="1200"/>
+  </cs:dataLabel>
+  <cs:dataLabelCallout>
+    <cs:lnRef idx="0"/>
+    <cs:fillRef idx="0"/>
+    <cs:effectRef idx="0"/>
+    <cs:fontRef idx="minor">
+      <a:schemeClr val="dk1">
+        <a:lumMod val="65000"/>
+        <a:lumOff val="35000"/>
+      </a:schemeClr>
+    </cs:fontRef>
+    <cs:spPr>
+      <a:solidFill>
+        <a:schemeClr val="lt1"/>
+      </a:solidFill>
+      <a:ln>
+        <a:solidFill>
+          <a:schemeClr val="dk1">
+            <a:lumMod val="25000"/>
+            <a:lumOff val="75000"/>
+          </a:schemeClr>
+        </a:solidFill>
+      </a:ln>
+    </cs:spPr>
+    <cs:defRPr sz="1197" kern="1200"/>
+    <cs:bodyPr rot="0" spcFirstLastPara="1" vertOverflow="clip" horzOverflow="clip" vert="horz" wrap="square" lIns="36576" tIns="18288" rIns="36576" bIns="18288" anchor="ctr" anchorCtr="1">
+      <a:spAutoFit/>
+    </cs:bodyPr>
+  </cs:dataLabelCallout>
+  <cs:dataPoint>
+    <cs:lnRef idx="0">
+      <cs:styleClr val="auto"/>
+    </cs:lnRef>
+    <cs:fillRef idx="2">
+      <cs:styleClr val="auto"/>
+    </cs:fillRef>
+    <cs:effectRef idx="1"/>
+    <cs:fontRef idx="minor">
+      <a:schemeClr val="dk1"/>
+    </cs:fontRef>
+    <cs:spPr>
+      <a:ln w="9525" cap="flat" cmpd="sng" algn="ctr">
+        <a:solidFill>
+          <a:schemeClr val="phClr">
+            <a:shade val="95000"/>
+          </a:schemeClr>
+        </a:solidFill>
+        <a:round/>
+      </a:ln>
+    </cs:spPr>
+  </cs:dataPoint>
+  <cs:dataPoint3D>
+    <cs:lnRef idx="0">
+      <cs:styleClr val="auto"/>
+    </cs:lnRef>
+    <cs:fillRef idx="2">
+      <cs:styleClr val="auto"/>
+    </cs:fillRef>
+    <cs:effectRef idx="1"/>
+    <cs:fontRef idx="minor">
+      <a:schemeClr val="dk1"/>
+    </cs:fontRef>
+    <cs:spPr>
+      <a:ln w="9525" cap="flat" cmpd="sng" algn="ctr">
+        <a:solidFill>
+          <a:schemeClr val="phClr">
+            <a:shade val="95000"/>
+          </a:schemeClr>
+        </a:solidFill>
+        <a:round/>
+      </a:ln>
+    </cs:spPr>
+  </cs:dataPoint3D>
+  <cs:dataPointLine>
+    <cs:lnRef idx="0">
+      <cs:styleClr val="auto"/>
+    </cs:lnRef>
+    <cs:fillRef idx="0"/>
+    <cs:effectRef idx="0"/>
+    <cs:fontRef idx="minor">
+      <a:schemeClr val="dk1"/>
+    </cs:fontRef>
+    <cs:spPr>
+      <a:ln w="22225" cap="rnd" cmpd="sng" algn="ctr">
+        <a:solidFill>
+          <a:schemeClr val="phClr"/>
+        </a:solidFill>
+        <a:round/>
+      </a:ln>
+    </cs:spPr>
+  </cs:dataPointLine>
+  <cs:dataPointMarker>
+    <cs:lnRef idx="0">
+      <cs:styleClr val="auto"/>
+    </cs:lnRef>
+    <cs:fillRef idx="0">
+      <cs:styleClr val="auto"/>
+    </cs:fillRef>
+    <cs:effectRef idx="0"/>
+    <cs:fontRef idx="minor">
+      <a:schemeClr val="dk1"/>
+    </cs:fontRef>
+    <cs:spPr>
+      <a:solidFill>
+        <a:schemeClr val="phClr"/>
+      </a:solidFill>
+      <a:ln w="9525" cap="flat" cmpd="sng" algn="ctr">
+        <a:solidFill>
+          <a:schemeClr val="phClr"/>
+        </a:solidFill>
+        <a:round/>
+      </a:ln>
+    </cs:spPr>
+  </cs:dataPointMarker>
+  <cs:dataPointMarkerLayout symbol="circle" size="4"/>
+  <cs:dataPointWireframe>
+    <cs:lnRef idx="0">
+      <cs:styleClr val="auto"/>
+    </cs:lnRef>
+    <cs:fillRef idx="0"/>
+    <cs:effectRef idx="0"/>
+    <cs:fontRef idx="minor">
+      <a:schemeClr val="dk1"/>
+    </cs:fontRef>
+    <cs:spPr>
+      <a:ln w="9525" cap="rnd">
+        <a:solidFill>
+          <a:schemeClr val="phClr"/>
+        </a:solidFill>
+        <a:round/>
+      </a:ln>
+    </cs:spPr>
+  </cs:dataPointWireframe>
+  <cs:dataTable>
+    <cs:lnRef idx="0"/>
+    <cs:fillRef idx="0"/>
+    <cs:effectRef idx="0"/>
+    <cs:fontRef idx="minor">
+      <a:schemeClr val="dk1">
+        <a:lumMod val="65000"/>
+        <a:lumOff val="35000"/>
+      </a:schemeClr>
+    </cs:fontRef>
+    <cs:spPr>
+      <a:ln w="9525">
+        <a:solidFill>
+          <a:schemeClr val="dk1">
+            <a:lumMod val="15000"/>
+            <a:lumOff val="85000"/>
+          </a:schemeClr>
+        </a:solidFill>
+      </a:ln>
+    </cs:spPr>
+    <cs:defRPr sz="1197" kern="1200"/>
+  </cs:dataTable>
+  <cs:downBar>
+    <cs:lnRef idx="0"/>
+    <cs:fillRef idx="0"/>
+    <cs:effectRef idx="0"/>
+    <cs:fontRef idx="minor">
+      <a:schemeClr val="dk1"/>
+    </cs:fontRef>
+    <cs:spPr>
+      <a:solidFill>
+        <a:schemeClr val="dk1">
+          <a:lumMod val="75000"/>
+          <a:lumOff val="25000"/>
+        </a:schemeClr>
+      </a:solidFill>
+      <a:ln w="9525">
+        <a:solidFill>
+          <a:schemeClr val="dk1">
+            <a:lumMod val="65000"/>
+            <a:lumOff val="35000"/>
+          </a:schemeClr>
+        </a:solidFill>
+      </a:ln>
+    </cs:spPr>
+  </cs:downBar>
+  <cs:dropLine>
+    <cs:lnRef idx="0"/>
+    <cs:fillRef idx="0"/>
+    <cs:effectRef idx="0"/>
+    <cs:fontRef idx="minor">
+      <a:schemeClr val="dk1"/>
+    </cs:fontRef>
+    <cs:spPr>
+      <a:ln w="9525" cap="flat" cmpd="sng" algn="ctr">
+        <a:solidFill>
+          <a:schemeClr val="dk1">
+            <a:lumMod val="35000"/>
+            <a:lumOff val="65000"/>
+            <a:alpha val="33000"/>
+          </a:schemeClr>
+        </a:solidFill>
+        <a:round/>
+      </a:ln>
+    </cs:spPr>
+  </cs:dropLine>
+  <cs:errorBar>
+    <cs:lnRef idx="0"/>
+    <cs:fillRef idx="0"/>
+    <cs:effectRef idx="0"/>
+    <cs:fontRef idx="minor">
+      <a:schemeClr val="dk1"/>
+    </cs:fontRef>
+    <cs:spPr>
+      <a:ln w="9525">
+        <a:solidFill>
+          <a:schemeClr val="dk1">
+            <a:lumMod val="65000"/>
+            <a:lumOff val="35000"/>
+          </a:schemeClr>
+        </a:solidFill>
+      </a:ln>
+    </cs:spPr>
+  </cs:errorBar>
+  <cs:floor>
+    <cs:lnRef idx="0"/>
+    <cs:fillRef idx="0"/>
+    <cs:effectRef idx="0"/>
+    <cs:fontRef idx="minor">
+      <a:schemeClr val="dk1"/>
+    </cs:fontRef>
+  </cs:floor>
+  <cs:gridlineMajor>
+    <cs:lnRef idx="0"/>
+    <cs:fillRef idx="0"/>
+    <cs:effectRef idx="0"/>
+    <cs:fontRef idx="minor">
+      <a:schemeClr val="dk1"/>
+    </cs:fontRef>
+    <cs:spPr>
+      <a:ln>
+        <a:solidFill>
+          <a:schemeClr val="dk1">
+            <a:lumMod val="15000"/>
+            <a:lumOff val="85000"/>
+          </a:schemeClr>
+        </a:solidFill>
+      </a:ln>
+    </cs:spPr>
+  </cs:gridlineMajor>
+  <cs:gridlineMinor>
+    <cs:lnRef idx="0"/>
+    <cs:fillRef idx="0"/>
+    <cs:effectRef idx="0"/>
+    <cs:fontRef idx="minor">
+      <a:schemeClr val="dk1"/>
+    </cs:fontRef>
+    <cs:spPr>
+      <a:ln>
+        <a:solidFill>
+          <a:schemeClr val="dk1">
+            <a:lumMod val="5000"/>
+            <a:lumOff val="95000"/>
+          </a:schemeClr>
+        </a:solidFill>
+      </a:ln>
+    </cs:spPr>
+  </cs:gridlineMinor>
+  <cs:hiLoLine>
+    <cs:lnRef idx="0"/>
+    <cs:fillRef idx="0"/>
+    <cs:effectRef idx="0"/>
+    <cs:fontRef idx="minor">
+      <a:schemeClr val="dk1"/>
+    </cs:fontRef>
+    <cs:spPr>
+      <a:ln w="9525">
+        <a:solidFill>
+          <a:schemeClr val="dk1">
+            <a:lumMod val="35000"/>
+            <a:lumOff val="65000"/>
+          </a:schemeClr>
+        </a:solidFill>
+      </a:ln>
+    </cs:spPr>
+  </cs:hiLoLine>
+  <cs:leaderLine>
+    <cs:lnRef idx="0"/>
+    <cs:fillRef idx="0"/>
+    <cs:effectRef idx="0"/>
+    <cs:fontRef idx="minor">
+      <a:schemeClr val="dk1"/>
+    </cs:fontRef>
+    <cs:spPr>
+      <a:ln w="9525">
+        <a:solidFill>
+          <a:schemeClr val="dk1">
+            <a:lumMod val="35000"/>
+            <a:lumOff val="65000"/>
+          </a:schemeClr>
+        </a:solidFill>
+      </a:ln>
+    </cs:spPr>
+  </cs:leaderLine>
+  <cs:legend>
+    <cs:lnRef idx="0"/>
+    <cs:fillRef idx="0"/>
+    <cs:effectRef idx="0"/>
+    <cs:fontRef idx="minor">
+      <a:schemeClr val="dk1">
+        <a:lumMod val="65000"/>
+        <a:lumOff val="35000"/>
+      </a:schemeClr>
+    </cs:fontRef>
+    <cs:defRPr sz="1197" kern="1200"/>
+  </cs:legend>
+  <cs:plotArea>
+    <cs:lnRef idx="0"/>
+    <cs:fillRef idx="0"/>
+    <cs:effectRef idx="0"/>
+    <cs:fontRef idx="minor">
+      <a:schemeClr val="dk1"/>
+    </cs:fontRef>
+    <cs:spPr>
+      <a:gradFill>
+        <a:gsLst>
+          <a:gs pos="100000">
+            <a:schemeClr val="lt1">
+              <a:lumMod val="95000"/>
+            </a:schemeClr>
+          </a:gs>
+          <a:gs pos="0">
+            <a:schemeClr val="lt1"/>
+          </a:gs>
+        </a:gsLst>
+        <a:lin ang="5400000" scaled="0"/>
+      </a:gradFill>
+    </cs:spPr>
+  </cs:plotArea>
+  <cs:plotArea3D>
+    <cs:lnRef idx="0"/>
+    <cs:fillRef idx="0"/>
+    <cs:effectRef idx="0"/>
+    <cs:fontRef idx="minor">
+      <a:schemeClr val="dk1"/>
+    </cs:fontRef>
+  </cs:plotArea3D>
+  <cs:seriesAxis>
+    <cs:lnRef idx="0"/>
+    <cs:fillRef idx="0"/>
+    <cs:effectRef idx="0"/>
+    <cs:fontRef idx="minor">
+      <a:schemeClr val="dk1">
+        <a:lumMod val="65000"/>
+        <a:lumOff val="35000"/>
+      </a:schemeClr>
+    </cs:fontRef>
+    <cs:spPr>
+      <a:ln w="9525" cap="flat" cmpd="sng" algn="ctr">
+        <a:solidFill>
+          <a:schemeClr val="dk1">
+            <a:lumMod val="15000"/>
+            <a:lumOff val="85000"/>
+          </a:schemeClr>
+        </a:solidFill>
+        <a:round/>
+      </a:ln>
+    </cs:spPr>
+    <cs:defRPr sz="1197" kern="1200"/>
+  </cs:seriesAxis>
+  <cs:seriesLine>
+    <cs:lnRef idx="0"/>
+    <cs:fillRef idx="0"/>
+    <cs:effectRef idx="0"/>
+    <cs:fontRef idx="minor">
+      <a:schemeClr val="dk1"/>
+    </cs:fontRef>
+    <cs:spPr>
+      <a:ln w="9525">
+        <a:solidFill>
+          <a:schemeClr val="dk1">
+            <a:lumMod val="35000"/>
+            <a:lumOff val="65000"/>
+          </a:schemeClr>
+        </a:solidFill>
+        <a:prstDash val="dash"/>
+      </a:ln>
+    </cs:spPr>
+  </cs:seriesLine>
+  <cs:title>
+    <cs:lnRef idx="0"/>
+    <cs:fillRef idx="0"/>
+    <cs:effectRef idx="0"/>
+    <cs:fontRef idx="minor">
+      <a:schemeClr val="dk1">
+        <a:lumMod val="50000"/>
+        <a:lumOff val="50000"/>
+      </a:schemeClr>
+    </cs:fontRef>
+    <cs:defRPr sz="1862" kern="1200" cap="none" spc="20" baseline="0"/>
+  </cs:title>
+  <cs:trendline>
+    <cs:lnRef idx="0">
+      <cs:styleClr val="auto"/>
+    </cs:lnRef>
+    <cs:fillRef idx="0"/>
+    <cs:effectRef idx="0"/>
+    <cs:fontRef idx="minor">
+      <a:schemeClr val="dk1"/>
+    </cs:fontRef>
+    <cs:spPr>
+      <a:ln w="9525" cap="rnd">
+        <a:solidFill>
+          <a:schemeClr val="phClr"/>
+        </a:solidFill>
+      </a:ln>
+    </cs:spPr>
+  </cs:trendline>
+  <cs:trendlineLabel>
+    <cs:lnRef idx="0"/>
+    <cs:fillRef idx="0"/>
+    <cs:effectRef idx="0"/>
+    <cs:fontRef idx="minor">
+      <a:schemeClr val="dk1">
+        <a:lumMod val="65000"/>
+        <a:lumOff val="35000"/>
+      </a:schemeClr>
+    </cs:fontRef>
+    <cs:defRPr sz="1197" kern="1200"/>
+  </cs:trendlineLabel>
+  <cs:upBar>
+    <cs:lnRef idx="0"/>
+    <cs:fillRef idx="0"/>
+    <cs:effectRef idx="0"/>
+    <cs:fontRef idx="minor">
+      <a:schemeClr val="dk1"/>
+    </cs:fontRef>
+    <cs:spPr>
+      <a:solidFill>
+        <a:schemeClr val="lt1"/>
+      </a:solidFill>
+      <a:ln w="9525">
+        <a:solidFill>
+          <a:schemeClr val="dk1">
+            <a:lumMod val="65000"/>
+            <a:lumOff val="35000"/>
+          </a:schemeClr>
+        </a:solidFill>
+      </a:ln>
+    </cs:spPr>
+  </cs:upBar>
+  <cs:valueAxis>
+    <cs:lnRef idx="0"/>
+    <cs:fillRef idx="0"/>
+    <cs:effectRef idx="0"/>
+    <cs:fontRef idx="minor">
+      <a:schemeClr val="dk1">
+        <a:lumMod val="65000"/>
+        <a:lumOff val="35000"/>
+      </a:schemeClr>
+    </cs:fontRef>
+    <cs:defRPr sz="1197" kern="1200" spc="20" baseline="0"/>
+  </cs:valueAxis>
+  <cs:wall>
+    <cs:lnRef idx="0"/>
+    <cs:fillRef idx="0"/>
+    <cs:effectRef idx="0"/>
+    <cs:fontRef idx="minor">
+      <a:schemeClr val="dk1"/>
+    </cs:fontRef>
+  </cs:wall>
+</cs:chartStyle>
+</file>
+
+<file path=ppt/charts/style33.xml><?xml version="1.0" encoding="utf-8"?>
 <cs:chartStyle xmlns:cs="http://schemas.microsoft.com/office/drawing/2012/chartStyle" xmlns:a="http://schemas.openxmlformats.org/drawingml/2006/main" id="230">
   <cs:axisTitle>
     <cs:lnRef idx="0"/>
@@ -35785,7 +38960,7 @@
           <a:p>
             <a:fld id="{78ABE3C1-DBE1-495D-B57B-2849774B866A}" type="datetimeFigureOut">
               <a:rPr lang="en-US" dirty="0"/>
-              <a:t>12/2/2017</a:t>
+              <a:t>12/4/2017</a:t>
             </a:fld>
             <a:endParaRPr lang="en-US" dirty="0"/>
           </a:p>
@@ -36194,7 +39369,7 @@
           <a:p>
             <a:fld id="{446C117F-5CCF-4837-BE5F-2B92066CAFAF}" type="datetimeFigureOut">
               <a:rPr lang="en-US" dirty="0"/>
-              <a:t>12/2/2017</a:t>
+              <a:t>12/4/2017</a:t>
             </a:fld>
             <a:endParaRPr lang="en-US" dirty="0"/>
           </a:p>
@@ -36525,7 +39700,7 @@
           <a:p>
             <a:fld id="{84EB90BD-B6CE-46B7-997F-7313B992CCDC}" type="datetimeFigureOut">
               <a:rPr lang="en-US" dirty="0"/>
-              <a:t>12/2/2017</a:t>
+              <a:t>12/4/2017</a:t>
             </a:fld>
             <a:endParaRPr lang="en-US" dirty="0"/>
           </a:p>
@@ -36925,7 +40100,7 @@
           <a:p>
             <a:fld id="{CDB9D11F-B188-461D-B23F-39381795C052}" type="datetimeFigureOut">
               <a:rPr lang="en-US" dirty="0"/>
-              <a:t>12/2/2017</a:t>
+              <a:t>12/4/2017</a:t>
             </a:fld>
             <a:endParaRPr lang="en-US" dirty="0"/>
           </a:p>
@@ -37488,7 +40663,7 @@
           <a:p>
             <a:fld id="{52E6D8D9-55A2-4063-B0F3-121F44549695}" type="datetimeFigureOut">
               <a:rPr lang="en-US" dirty="0"/>
-              <a:t>12/2/2017</a:t>
+              <a:t>12/4/2017</a:t>
             </a:fld>
             <a:endParaRPr lang="en-US" dirty="0"/>
           </a:p>
@@ -38164,7 +41339,7 @@
           <a:p>
             <a:fld id="{D4B24536-994D-4021-A283-9F449C0DB509}" type="datetimeFigureOut">
               <a:rPr lang="en-US" dirty="0"/>
-              <a:t>12/2/2017</a:t>
+              <a:t>12/4/2017</a:t>
             </a:fld>
             <a:endParaRPr lang="en-US" dirty="0"/>
           </a:p>
@@ -39072,7 +42247,7 @@
           <a:p>
             <a:fld id="{3CBBBB78-C96F-47B7-AB17-D852CA960AC9}" type="datetimeFigureOut">
               <a:rPr lang="en-US" dirty="0"/>
-              <a:t>12/2/2017</a:t>
+              <a:t>12/4/2017</a:t>
             </a:fld>
             <a:endParaRPr lang="en-US" dirty="0"/>
           </a:p>
@@ -39380,7 +42555,7 @@
           <a:p>
             <a:fld id="{1FA3F48C-C7C6-4055-9F49-3777875E72AE}" type="datetimeFigureOut">
               <a:rPr lang="en-US" dirty="0"/>
-              <a:t>12/2/2017</a:t>
+              <a:t>12/4/2017</a:t>
             </a:fld>
             <a:endParaRPr lang="en-US" dirty="0"/>
           </a:p>
@@ -39639,7 +42814,7 @@
           <a:p>
             <a:fld id="{6178E61D-D431-422C-9764-11DAFE33AB63}" type="datetimeFigureOut">
               <a:rPr lang="en-US" dirty="0"/>
-              <a:t>12/2/2017</a:t>
+              <a:t>12/4/2017</a:t>
             </a:fld>
             <a:endParaRPr lang="en-US" dirty="0"/>
           </a:p>
@@ -39958,7 +43133,7 @@
           <a:p>
             <a:fld id="{12DE42F4-6EEF-4EF7-8ED4-2208F0F89A08}" type="datetimeFigureOut">
               <a:rPr lang="en-US" dirty="0"/>
-              <a:t>12/2/2017</a:t>
+              <a:t>12/4/2017</a:t>
             </a:fld>
             <a:endParaRPr lang="en-US" dirty="0"/>
           </a:p>
@@ -40342,7 +43517,7 @@
           <a:p>
             <a:fld id="{30578ACC-22D6-47C1-A373-4FD133E34F3C}" type="datetimeFigureOut">
               <a:rPr lang="en-US" dirty="0"/>
-              <a:t>12/2/2017</a:t>
+              <a:t>12/4/2017</a:t>
             </a:fld>
             <a:endParaRPr lang="en-US" dirty="0"/>
           </a:p>
@@ -40713,7 +43888,7 @@
           <a:p>
             <a:fld id="{4E5A6C69-6797-4E8A-BF37-F2C3751466E9}" type="datetimeFigureOut">
               <a:rPr lang="en-US" dirty="0"/>
-              <a:t>12/2/2017</a:t>
+              <a:t>12/4/2017</a:t>
             </a:fld>
             <a:endParaRPr lang="en-US" dirty="0"/>
           </a:p>
@@ -41214,7 +44389,7 @@
           <a:p>
             <a:fld id="{D82014A1-A632-4878-A0D3-F52BA7563730}" type="datetimeFigureOut">
               <a:rPr lang="en-US" dirty="0"/>
-              <a:t>12/2/2017</a:t>
+              <a:t>12/4/2017</a:t>
             </a:fld>
             <a:endParaRPr lang="en-US" dirty="0"/>
           </a:p>
@@ -41466,7 +44641,7 @@
           <a:p>
             <a:fld id="{CE99F462-093F-4566-844B-4C71F2739DA5}" type="datetimeFigureOut">
               <a:rPr lang="en-US" dirty="0"/>
-              <a:t>12/2/2017</a:t>
+              <a:t>12/4/2017</a:t>
             </a:fld>
             <a:endParaRPr lang="en-US" dirty="0"/>
           </a:p>
@@ -41624,7 +44799,7 @@
           <a:p>
             <a:fld id="{3D24A7AC-904D-4781-85BA-7D10C17ED021}" type="datetimeFigureOut">
               <a:rPr lang="en-US" dirty="0"/>
-              <a:t>12/2/2017</a:t>
+              <a:t>12/4/2017</a:t>
             </a:fld>
             <a:endParaRPr lang="en-US" dirty="0"/>
           </a:p>
@@ -42009,7 +45184,7 @@
           <a:p>
             <a:fld id="{E331444B-B92B-4E27-8C94-BB93EAF5CB18}" type="datetimeFigureOut">
               <a:rPr lang="en-US" dirty="0"/>
-              <a:t>12/2/2017</a:t>
+              <a:t>12/4/2017</a:t>
             </a:fld>
             <a:endParaRPr lang="en-US" dirty="0"/>
           </a:p>
@@ -42413,7 +45588,7 @@
           <a:p>
             <a:fld id="{363EFA5E-FA76-400D-B3DC-F0BA90E6D107}" type="datetimeFigureOut">
               <a:rPr lang="en-US" dirty="0"/>
-              <a:t>12/2/2017</a:t>
+              <a:t>12/4/2017</a:t>
             </a:fld>
             <a:endParaRPr lang="en-US" dirty="0"/>
           </a:p>
@@ -42652,7 +45827,7 @@
           <a:p>
             <a:fld id="{9D6E9DEC-419B-4CC5-A080-3B06BD5A8291}" type="datetimeFigureOut">
               <a:rPr lang="en-US" dirty="0"/>
-              <a:t>12/2/2017</a:t>
+              <a:t>12/4/2017</a:t>
             </a:fld>
             <a:endParaRPr lang="en-US" dirty="0"/>
           </a:p>
@@ -43145,6 +46320,348 @@
 </file>
 
 <file path=ppt/slides/slide10.xml><?xml version="1.0" encoding="utf-8"?>
+<p:sld xmlns:a="http://schemas.openxmlformats.org/drawingml/2006/main" xmlns:r="http://schemas.openxmlformats.org/officeDocument/2006/relationships" xmlns:p="http://schemas.openxmlformats.org/presentationml/2006/main">
+  <p:cSld>
+    <p:spTree>
+      <p:nvGrpSpPr>
+        <p:cNvPr id="1" name=""/>
+        <p:cNvGrpSpPr/>
+        <p:nvPr/>
+      </p:nvGrpSpPr>
+      <p:grpSpPr>
+        <a:xfrm>
+          <a:off x="0" y="0"/>
+          <a:ext cx="0" cy="0"/>
+          <a:chOff x="0" y="0"/>
+          <a:chExt cx="0" cy="0"/>
+        </a:xfrm>
+      </p:grpSpPr>
+      <p:graphicFrame>
+        <p:nvGraphicFramePr>
+          <p:cNvPr id="18" name="Chart 17"/>
+          <p:cNvGraphicFramePr>
+            <a:graphicFrameLocks/>
+          </p:cNvGraphicFramePr>
+          <p:nvPr>
+            <p:extLst>
+              <p:ext uri="{D42A27DB-BD31-4B8C-83A1-F6EECF244321}">
+                <p14:modId xmlns:p14="http://schemas.microsoft.com/office/powerpoint/2010/main" val="3395968642"/>
+              </p:ext>
+            </p:extLst>
+          </p:nvPr>
+        </p:nvGraphicFramePr>
+        <p:xfrm>
+          <a:off x="7898603" y="1988820"/>
+          <a:ext cx="4138124" cy="2545435"/>
+        </p:xfrm>
+        <a:graphic>
+          <a:graphicData uri="http://schemas.openxmlformats.org/drawingml/2006/chart">
+            <c:chart xmlns:c="http://schemas.openxmlformats.org/drawingml/2006/chart" xmlns:r="http://schemas.openxmlformats.org/officeDocument/2006/relationships" r:id="rId2"/>
+          </a:graphicData>
+        </a:graphic>
+      </p:graphicFrame>
+      <p:graphicFrame>
+        <p:nvGraphicFramePr>
+          <p:cNvPr id="19" name="Chart 18"/>
+          <p:cNvGraphicFramePr>
+            <a:graphicFrameLocks/>
+          </p:cNvGraphicFramePr>
+          <p:nvPr>
+            <p:extLst>
+              <p:ext uri="{D42A27DB-BD31-4B8C-83A1-F6EECF244321}">
+                <p14:modId xmlns:p14="http://schemas.microsoft.com/office/powerpoint/2010/main" val="4255141205"/>
+              </p:ext>
+            </p:extLst>
+          </p:nvPr>
+        </p:nvGraphicFramePr>
+        <p:xfrm>
+          <a:off x="4071690" y="1988820"/>
+          <a:ext cx="4138122" cy="2545435"/>
+        </p:xfrm>
+        <a:graphic>
+          <a:graphicData uri="http://schemas.openxmlformats.org/drawingml/2006/chart">
+            <c:chart xmlns:c="http://schemas.openxmlformats.org/drawingml/2006/chart" xmlns:r="http://schemas.openxmlformats.org/officeDocument/2006/relationships" r:id="rId3"/>
+          </a:graphicData>
+        </a:graphic>
+      </p:graphicFrame>
+      <p:graphicFrame>
+        <p:nvGraphicFramePr>
+          <p:cNvPr id="20" name="Chart 19"/>
+          <p:cNvGraphicFramePr>
+            <a:graphicFrameLocks/>
+          </p:cNvGraphicFramePr>
+          <p:nvPr>
+            <p:extLst>
+              <p:ext uri="{D42A27DB-BD31-4B8C-83A1-F6EECF244321}">
+                <p14:modId xmlns:p14="http://schemas.microsoft.com/office/powerpoint/2010/main" val="1520122330"/>
+              </p:ext>
+            </p:extLst>
+          </p:nvPr>
+        </p:nvGraphicFramePr>
+        <p:xfrm>
+          <a:off x="110490" y="1988820"/>
+          <a:ext cx="4242391" cy="2545435"/>
+        </p:xfrm>
+        <a:graphic>
+          <a:graphicData uri="http://schemas.openxmlformats.org/drawingml/2006/chart">
+            <c:chart xmlns:c="http://schemas.openxmlformats.org/drawingml/2006/chart" xmlns:r="http://schemas.openxmlformats.org/officeDocument/2006/relationships" r:id="rId4"/>
+          </a:graphicData>
+        </a:graphic>
+      </p:graphicFrame>
+      <p:graphicFrame>
+        <p:nvGraphicFramePr>
+          <p:cNvPr id="21" name="Chart 20"/>
+          <p:cNvGraphicFramePr>
+            <a:graphicFrameLocks/>
+          </p:cNvGraphicFramePr>
+          <p:nvPr>
+            <p:extLst>
+              <p:ext uri="{D42A27DB-BD31-4B8C-83A1-F6EECF244321}">
+                <p14:modId xmlns:p14="http://schemas.microsoft.com/office/powerpoint/2010/main" val="2826454154"/>
+              </p:ext>
+            </p:extLst>
+          </p:nvPr>
+        </p:nvGraphicFramePr>
+        <p:xfrm>
+          <a:off x="7898605" y="4213682"/>
+          <a:ext cx="4138122" cy="2644318"/>
+        </p:xfrm>
+        <a:graphic>
+          <a:graphicData uri="http://schemas.openxmlformats.org/drawingml/2006/chart">
+            <c:chart xmlns:c="http://schemas.openxmlformats.org/drawingml/2006/chart" xmlns:r="http://schemas.openxmlformats.org/officeDocument/2006/relationships" r:id="rId5"/>
+          </a:graphicData>
+        </a:graphic>
+      </p:graphicFrame>
+      <p:graphicFrame>
+        <p:nvGraphicFramePr>
+          <p:cNvPr id="22" name="Chart 21"/>
+          <p:cNvGraphicFramePr>
+            <a:graphicFrameLocks/>
+          </p:cNvGraphicFramePr>
+          <p:nvPr>
+            <p:extLst>
+              <p:ext uri="{D42A27DB-BD31-4B8C-83A1-F6EECF244321}">
+                <p14:modId xmlns:p14="http://schemas.microsoft.com/office/powerpoint/2010/main" val="4249598475"/>
+              </p:ext>
+            </p:extLst>
+          </p:nvPr>
+        </p:nvGraphicFramePr>
+        <p:xfrm>
+          <a:off x="4071689" y="4213682"/>
+          <a:ext cx="4138123" cy="2644318"/>
+        </p:xfrm>
+        <a:graphic>
+          <a:graphicData uri="http://schemas.openxmlformats.org/drawingml/2006/chart">
+            <c:chart xmlns:c="http://schemas.openxmlformats.org/drawingml/2006/chart" xmlns:r="http://schemas.openxmlformats.org/officeDocument/2006/relationships" r:id="rId6"/>
+          </a:graphicData>
+        </a:graphic>
+      </p:graphicFrame>
+      <p:graphicFrame>
+        <p:nvGraphicFramePr>
+          <p:cNvPr id="23" name="Chart 22"/>
+          <p:cNvGraphicFramePr>
+            <a:graphicFrameLocks/>
+          </p:cNvGraphicFramePr>
+          <p:nvPr>
+            <p:extLst>
+              <p:ext uri="{D42A27DB-BD31-4B8C-83A1-F6EECF244321}">
+                <p14:modId xmlns:p14="http://schemas.microsoft.com/office/powerpoint/2010/main" val="1939495653"/>
+              </p:ext>
+            </p:extLst>
+          </p:nvPr>
+        </p:nvGraphicFramePr>
+        <p:xfrm>
+          <a:off x="110490" y="4213682"/>
+          <a:ext cx="4242391" cy="2644318"/>
+        </p:xfrm>
+        <a:graphic>
+          <a:graphicData uri="http://schemas.openxmlformats.org/drawingml/2006/chart">
+            <c:chart xmlns:c="http://schemas.openxmlformats.org/drawingml/2006/chart" xmlns:r="http://schemas.openxmlformats.org/officeDocument/2006/relationships" r:id="rId7"/>
+          </a:graphicData>
+        </a:graphic>
+      </p:graphicFrame>
+      <p:sp>
+        <p:nvSpPr>
+          <p:cNvPr id="2" name="Title 1"/>
+          <p:cNvSpPr>
+            <a:spLocks noGrp="1"/>
+          </p:cNvSpPr>
+          <p:nvPr>
+            <p:ph type="title"/>
+          </p:nvPr>
+        </p:nvSpPr>
+        <p:spPr/>
+        <p:txBody>
+          <a:bodyPr/>
+          <a:lstStyle/>
+          <a:p>
+            <a:r>
+              <a:rPr kumimoji="1" lang="ja-JP" altLang="en-US" dirty="0"/>
+              <a:t>正解</a:t>
+            </a:r>
+          </a:p>
+        </p:txBody>
+      </p:sp>
+      <p:sp>
+        <p:nvSpPr>
+          <p:cNvPr id="3" name="Oval 2"/>
+          <p:cNvSpPr/>
+          <p:nvPr/>
+        </p:nvSpPr>
+        <p:spPr>
+          <a:xfrm>
+            <a:off x="927100" y="2768600"/>
+            <a:ext cx="381000" cy="1445082"/>
+          </a:xfrm>
+          <a:prstGeom prst="ellipse">
+            <a:avLst/>
+          </a:prstGeom>
+          <a:noFill/>
+          <a:ln w="63500">
+            <a:solidFill>
+              <a:srgbClr val="FF0000"/>
+            </a:solidFill>
+          </a:ln>
+        </p:spPr>
+        <p:style>
+          <a:lnRef idx="2">
+            <a:schemeClr val="accent1">
+              <a:shade val="50000"/>
+            </a:schemeClr>
+          </a:lnRef>
+          <a:fillRef idx="1">
+            <a:schemeClr val="accent1"/>
+          </a:fillRef>
+          <a:effectRef idx="0">
+            <a:schemeClr val="accent1"/>
+          </a:effectRef>
+          <a:fontRef idx="minor">
+            <a:schemeClr val="lt1"/>
+          </a:fontRef>
+        </p:style>
+        <p:txBody>
+          <a:bodyPr rtlCol="0" anchor="ctr"/>
+          <a:lstStyle/>
+          <a:p>
+            <a:pPr algn="ctr"/>
+            <a:endParaRPr kumimoji="1" lang="ja-JP" altLang="en-US"/>
+          </a:p>
+        </p:txBody>
+      </p:sp>
+    </p:spTree>
+    <p:extLst>
+      <p:ext uri="{BB962C8B-B14F-4D97-AF65-F5344CB8AC3E}">
+        <p14:creationId xmlns:p14="http://schemas.microsoft.com/office/powerpoint/2010/main" val="527623307"/>
+      </p:ext>
+    </p:extLst>
+  </p:cSld>
+  <p:clrMapOvr>
+    <a:masterClrMapping/>
+  </p:clrMapOvr>
+</p:sld>
+</file>
+
+<file path=ppt/slides/slide11.xml><?xml version="1.0" encoding="utf-8"?>
+<p:sld xmlns:a="http://schemas.openxmlformats.org/drawingml/2006/main" xmlns:r="http://schemas.openxmlformats.org/officeDocument/2006/relationships" xmlns:p="http://schemas.openxmlformats.org/presentationml/2006/main">
+  <p:cSld>
+    <p:spTree>
+      <p:nvGrpSpPr>
+        <p:cNvPr id="1" name=""/>
+        <p:cNvGrpSpPr/>
+        <p:nvPr/>
+      </p:nvGrpSpPr>
+      <p:grpSpPr>
+        <a:xfrm>
+          <a:off x="0" y="0"/>
+          <a:ext cx="0" cy="0"/>
+          <a:chOff x="0" y="0"/>
+          <a:chExt cx="0" cy="0"/>
+        </a:xfrm>
+      </p:grpSpPr>
+      <p:sp>
+        <p:nvSpPr>
+          <p:cNvPr id="2" name="Title 1"/>
+          <p:cNvSpPr>
+            <a:spLocks noGrp="1"/>
+          </p:cNvSpPr>
+          <p:nvPr>
+            <p:ph type="title"/>
+          </p:nvPr>
+        </p:nvSpPr>
+        <p:spPr/>
+        <p:txBody>
+          <a:bodyPr/>
+          <a:lstStyle/>
+          <a:p>
+            <a:r>
+              <a:rPr kumimoji="1" lang="ja-JP" altLang="en-US" dirty="0"/>
+              <a:t>打点の分布を見ると打線の特徴が見えそう！</a:t>
+            </a:r>
+          </a:p>
+        </p:txBody>
+      </p:sp>
+      <p:graphicFrame>
+        <p:nvGraphicFramePr>
+          <p:cNvPr id="4" name="Chart 3"/>
+          <p:cNvGraphicFramePr>
+            <a:graphicFrameLocks/>
+          </p:cNvGraphicFramePr>
+          <p:nvPr>
+            <p:extLst>
+              <p:ext uri="{D42A27DB-BD31-4B8C-83A1-F6EECF244321}">
+                <p14:modId xmlns:p14="http://schemas.microsoft.com/office/powerpoint/2010/main" val="2723605272"/>
+              </p:ext>
+            </p:extLst>
+          </p:nvPr>
+        </p:nvGraphicFramePr>
+        <p:xfrm>
+          <a:off x="25400" y="2099979"/>
+          <a:ext cx="6096000" cy="4577267"/>
+        </p:xfrm>
+        <a:graphic>
+          <a:graphicData uri="http://schemas.openxmlformats.org/drawingml/2006/chart">
+            <c:chart xmlns:c="http://schemas.openxmlformats.org/drawingml/2006/chart" xmlns:r="http://schemas.openxmlformats.org/officeDocument/2006/relationships" r:id="rId2"/>
+          </a:graphicData>
+        </a:graphic>
+      </p:graphicFrame>
+      <p:graphicFrame>
+        <p:nvGraphicFramePr>
+          <p:cNvPr id="5" name="Chart 4"/>
+          <p:cNvGraphicFramePr>
+            <a:graphicFrameLocks/>
+          </p:cNvGraphicFramePr>
+          <p:nvPr>
+            <p:extLst>
+              <p:ext uri="{D42A27DB-BD31-4B8C-83A1-F6EECF244321}">
+                <p14:modId xmlns:p14="http://schemas.microsoft.com/office/powerpoint/2010/main" val="2100826097"/>
+              </p:ext>
+            </p:extLst>
+          </p:nvPr>
+        </p:nvGraphicFramePr>
+        <p:xfrm>
+          <a:off x="6121400" y="2099978"/>
+          <a:ext cx="6019800" cy="4577267"/>
+        </p:xfrm>
+        <a:graphic>
+          <a:graphicData uri="http://schemas.openxmlformats.org/drawingml/2006/chart">
+            <c:chart xmlns:c="http://schemas.openxmlformats.org/drawingml/2006/chart" xmlns:r="http://schemas.openxmlformats.org/officeDocument/2006/relationships" r:id="rId3"/>
+          </a:graphicData>
+        </a:graphic>
+      </p:graphicFrame>
+    </p:spTree>
+    <p:extLst>
+      <p:ext uri="{BB962C8B-B14F-4D97-AF65-F5344CB8AC3E}">
+        <p14:creationId xmlns:p14="http://schemas.microsoft.com/office/powerpoint/2010/main" val="4127096434"/>
+      </p:ext>
+    </p:extLst>
+  </p:cSld>
+  <p:clrMapOvr>
+    <a:masterClrMapping/>
+  </p:clrMapOvr>
+</p:sld>
+</file>
+
+<file path=ppt/slides/slide12.xml><?xml version="1.0" encoding="utf-8"?>
 <p:sld xmlns:a="http://schemas.openxmlformats.org/drawingml/2006/main" xmlns:r="http://schemas.openxmlformats.org/officeDocument/2006/relationships" xmlns:p="http://schemas.openxmlformats.org/presentationml/2006/main">
   <p:cSld>
     <p:spTree>
@@ -43807,7 +47324,7 @@
 </p:sld>
 </file>
 
-<file path=ppt/slides/slide11.xml><?xml version="1.0" encoding="utf-8"?>
+<file path=ppt/slides/slide13.xml><?xml version="1.0" encoding="utf-8"?>
 <p:sld xmlns:a="http://schemas.openxmlformats.org/drawingml/2006/main" xmlns:r="http://schemas.openxmlformats.org/officeDocument/2006/relationships" xmlns:p="http://schemas.openxmlformats.org/presentationml/2006/main">
   <p:cSld>
     <p:spTree>
@@ -43870,6 +47387,177 @@
                 <p14:modId xmlns:p14="http://schemas.microsoft.com/office/powerpoint/2010/main" val="3977574882"/>
               </p:ext>
             </p:extLst>
+          </p:nvPr>
+        </p:nvGraphicFramePr>
+        <p:xfrm>
+          <a:off x="1143000" y="2205990"/>
+          <a:ext cx="9978390" cy="4274820"/>
+        </p:xfrm>
+        <a:graphic>
+          <a:graphicData uri="http://schemas.openxmlformats.org/drawingml/2006/chart">
+            <c:chart xmlns:c="http://schemas.openxmlformats.org/drawingml/2006/chart" xmlns:r="http://schemas.openxmlformats.org/officeDocument/2006/relationships" r:id="rId2"/>
+          </a:graphicData>
+        </a:graphic>
+      </p:graphicFrame>
+      <p:sp>
+        <p:nvSpPr>
+          <p:cNvPr id="5" name="Oval 4"/>
+          <p:cNvSpPr/>
+          <p:nvPr/>
+        </p:nvSpPr>
+        <p:spPr>
+          <a:xfrm>
+            <a:off x="8949690" y="3691890"/>
+            <a:ext cx="1360170" cy="1165860"/>
+          </a:xfrm>
+          <a:prstGeom prst="ellipse">
+            <a:avLst/>
+          </a:prstGeom>
+          <a:noFill/>
+          <a:ln w="66675">
+            <a:solidFill>
+              <a:srgbClr val="FF0000"/>
+            </a:solidFill>
+          </a:ln>
+        </p:spPr>
+        <p:style>
+          <a:lnRef idx="2">
+            <a:schemeClr val="accent1">
+              <a:shade val="50000"/>
+            </a:schemeClr>
+          </a:lnRef>
+          <a:fillRef idx="1">
+            <a:schemeClr val="accent1"/>
+          </a:fillRef>
+          <a:effectRef idx="0">
+            <a:schemeClr val="accent1"/>
+          </a:effectRef>
+          <a:fontRef idx="minor">
+            <a:schemeClr val="lt1"/>
+          </a:fontRef>
+        </p:style>
+        <p:txBody>
+          <a:bodyPr rtlCol="0" anchor="ctr"/>
+          <a:lstStyle/>
+          <a:p>
+            <a:pPr algn="ctr"/>
+            <a:endParaRPr kumimoji="1" lang="ja-JP" altLang="en-US"/>
+          </a:p>
+        </p:txBody>
+      </p:sp>
+      <p:sp>
+        <p:nvSpPr>
+          <p:cNvPr id="6" name="TextBox 5"/>
+          <p:cNvSpPr txBox="1"/>
+          <p:nvPr/>
+        </p:nvSpPr>
+        <p:spPr>
+          <a:xfrm>
+            <a:off x="8881110" y="3291780"/>
+            <a:ext cx="2000250" cy="400110"/>
+          </a:xfrm>
+          <a:prstGeom prst="rect">
+            <a:avLst/>
+          </a:prstGeom>
+          <a:noFill/>
+        </p:spPr>
+        <p:txBody>
+          <a:bodyPr wrap="square" rtlCol="0">
+            <a:spAutoFit/>
+          </a:bodyPr>
+          <a:lstStyle/>
+          <a:p>
+            <a:r>
+              <a:rPr kumimoji="1" lang="en-US" altLang="ja-JP" sz="2000" dirty="0">
+                <a:solidFill>
+                  <a:schemeClr val="bg1"/>
+                </a:solidFill>
+              </a:rPr>
+              <a:t>E: </a:t>
+            </a:r>
+            <a:r>
+              <a:rPr kumimoji="1" lang="ja-JP" altLang="en-US" sz="2000" dirty="0">
+                <a:solidFill>
+                  <a:schemeClr val="bg1"/>
+                </a:solidFill>
+              </a:rPr>
+              <a:t>明らかに異質</a:t>
+            </a:r>
+          </a:p>
+        </p:txBody>
+      </p:sp>
+    </p:spTree>
+    <p:extLst>
+      <p:ext uri="{BB962C8B-B14F-4D97-AF65-F5344CB8AC3E}">
+        <p14:creationId xmlns:p14="http://schemas.microsoft.com/office/powerpoint/2010/main" val="2006930026"/>
+      </p:ext>
+    </p:extLst>
+  </p:cSld>
+  <p:clrMapOvr>
+    <a:masterClrMapping/>
+  </p:clrMapOvr>
+</p:sld>
+</file>
+
+<file path=ppt/slides/slide14.xml><?xml version="1.0" encoding="utf-8"?>
+<p:sld xmlns:a="http://schemas.openxmlformats.org/drawingml/2006/main" xmlns:r="http://schemas.openxmlformats.org/officeDocument/2006/relationships" xmlns:p="http://schemas.openxmlformats.org/presentationml/2006/main">
+  <p:cSld>
+    <p:spTree>
+      <p:nvGrpSpPr>
+        <p:cNvPr id="1" name=""/>
+        <p:cNvGrpSpPr/>
+        <p:nvPr/>
+      </p:nvGrpSpPr>
+      <p:grpSpPr>
+        <a:xfrm>
+          <a:off x="0" y="0"/>
+          <a:ext cx="0" cy="0"/>
+          <a:chOff x="0" y="0"/>
+          <a:chExt cx="0" cy="0"/>
+        </a:xfrm>
+      </p:grpSpPr>
+      <p:sp>
+        <p:nvSpPr>
+          <p:cNvPr id="2" name="Title 1"/>
+          <p:cNvSpPr>
+            <a:spLocks noGrp="1"/>
+          </p:cNvSpPr>
+          <p:nvPr>
+            <p:ph type="title"/>
+          </p:nvPr>
+        </p:nvSpPr>
+        <p:spPr/>
+        <p:txBody>
+          <a:bodyPr/>
+          <a:lstStyle/>
+          <a:p>
+            <a:r>
+              <a:rPr kumimoji="1" lang="en-US" altLang="ja-JP" dirty="0"/>
+              <a:t>2</a:t>
+            </a:r>
+            <a:r>
+              <a:rPr kumimoji="1" lang="ja-JP" altLang="en-US" dirty="0"/>
+              <a:t>番</a:t>
+            </a:r>
+            <a:r>
+              <a:rPr kumimoji="1" lang="en-US" altLang="ja-JP" dirty="0"/>
+              <a:t>-3</a:t>
+            </a:r>
+            <a:r>
+              <a:rPr kumimoji="1" lang="ja-JP" altLang="en-US" dirty="0"/>
+              <a:t>番でプロットしてみた</a:t>
+            </a:r>
+          </a:p>
+        </p:txBody>
+      </p:sp>
+      <p:graphicFrame>
+        <p:nvGraphicFramePr>
+          <p:cNvPr id="4" name="Chart 3"/>
+          <p:cNvGraphicFramePr>
+            <a:graphicFrameLocks/>
+          </p:cNvGraphicFramePr>
+          <p:nvPr>
+            <p:extLst/>
           </p:nvPr>
         </p:nvGraphicFramePr>
         <p:xfrm>
@@ -44056,10 +47744,38 @@
           </a:p>
         </p:txBody>
       </p:sp>
+      <p:pic>
+        <p:nvPicPr>
+          <p:cNvPr id="3" name="Picture 2"/>
+          <p:cNvPicPr>
+            <a:picLocks noChangeAspect="1"/>
+          </p:cNvPicPr>
+          <p:nvPr/>
+        </p:nvPicPr>
+        <p:blipFill rotWithShape="1">
+          <a:blip r:embed="rId3"/>
+          <a:srcRect t="28586" r="64327" b="23110"/>
+          <a:stretch/>
+        </p:blipFill>
+        <p:spPr>
+          <a:xfrm>
+            <a:off x="1446131" y="1761607"/>
+            <a:ext cx="4732693" cy="4879223"/>
+          </a:xfrm>
+          <a:prstGeom prst="rect">
+            <a:avLst/>
+          </a:prstGeom>
+          <a:ln>
+            <a:solidFill>
+              <a:schemeClr val="accent1"/>
+            </a:solidFill>
+          </a:ln>
+        </p:spPr>
+      </p:pic>
     </p:spTree>
     <p:extLst>
       <p:ext uri="{BB962C8B-B14F-4D97-AF65-F5344CB8AC3E}">
-        <p14:creationId xmlns:p14="http://schemas.microsoft.com/office/powerpoint/2010/main" val="2006930026"/>
+        <p14:creationId xmlns:p14="http://schemas.microsoft.com/office/powerpoint/2010/main" val="3720715698"/>
       </p:ext>
     </p:extLst>
   </p:cSld>
@@ -44069,7 +47785,7 @@
 </p:sld>
 </file>
 
-<file path=ppt/slides/slide12.xml><?xml version="1.0" encoding="utf-8"?>
+<file path=ppt/slides/slide15.xml><?xml version="1.0" encoding="utf-8"?>
 <p:sld xmlns:a="http://schemas.openxmlformats.org/drawingml/2006/main" xmlns:r="http://schemas.openxmlformats.org/officeDocument/2006/relationships" xmlns:p="http://schemas.openxmlformats.org/presentationml/2006/main">
   <p:cSld>
     <p:spTree>
@@ -44109,27 +47825,8 @@
           <a:lstStyle/>
           <a:p>
             <a:r>
-              <a:rPr lang="en-US" altLang="ja-JP" dirty="0"/>
-              <a:t>9</a:t>
-            </a:r>
-            <a:r>
               <a:rPr kumimoji="1" lang="ja-JP" altLang="en-US" dirty="0"/>
-              <a:t>次元ベクトル間の</a:t>
-            </a:r>
-            <a:r>
-              <a:rPr lang="ja-JP" altLang="en-US" dirty="0"/>
-              <a:t>平方ユークリッド</a:t>
-            </a:r>
-            <a:r>
-              <a:rPr kumimoji="1" lang="ja-JP" altLang="en-US" dirty="0"/>
-              <a:t>距離を出して</a:t>
-            </a:r>
-            <a:br>
-              <a:rPr kumimoji="1" lang="en-US" altLang="ja-JP" dirty="0"/>
-            </a:br>
-            <a:r>
-              <a:rPr kumimoji="1" lang="ja-JP" altLang="en-US" dirty="0"/>
-              <a:t>グラフにしてみた</a:t>
+              <a:t>それぞれの「打点分布」の距離をだしてみた</a:t>
             </a:r>
           </a:p>
         </p:txBody>
@@ -44166,16 +47863,16 @@
         </p:nvSpPr>
         <p:spPr>
           <a:xfrm>
-            <a:off x="2160270" y="4160519"/>
+            <a:off x="2197315" y="4131485"/>
             <a:ext cx="1360170" cy="1165860"/>
           </a:xfrm>
           <a:prstGeom prst="ellipse">
             <a:avLst/>
           </a:prstGeom>
           <a:noFill/>
-          <a:ln w="66675">
+          <a:ln w="104775">
             <a:solidFill>
-              <a:srgbClr val="FF0000"/>
+              <a:schemeClr val="accent3"/>
             </a:solidFill>
           </a:ln>
         </p:spPr>
@@ -44206,19 +47903,21 @@
       </p:sp>
       <p:sp>
         <p:nvSpPr>
-          <p:cNvPr id="6" name="TextBox 5"/>
+          <p:cNvPr id="9" name="TextBox 8"/>
           <p:cNvSpPr txBox="1"/>
           <p:nvPr/>
         </p:nvSpPr>
         <p:spPr>
           <a:xfrm>
-            <a:off x="2708910" y="3799776"/>
-            <a:ext cx="468630" cy="400110"/>
+            <a:off x="7518496" y="5534561"/>
+            <a:ext cx="4673504" cy="1323439"/>
           </a:xfrm>
           <a:prstGeom prst="rect">
             <a:avLst/>
           </a:prstGeom>
-          <a:noFill/>
+          <a:solidFill>
+            <a:srgbClr val="FFC000"/>
+          </a:solidFill>
         </p:spPr>
         <p:txBody>
           <a:bodyPr wrap="square" rtlCol="0">
@@ -44232,123 +47931,37 @@
                   <a:schemeClr val="bg1"/>
                 </a:solidFill>
               </a:rPr>
-              <a:t>E</a:t>
+              <a:t>※</a:t>
             </a:r>
-            <a:endParaRPr kumimoji="1" lang="ja-JP" altLang="en-US" sz="2000" dirty="0">
+            <a:r>
+              <a:rPr kumimoji="1" lang="ja-JP" altLang="en-US" sz="2000" dirty="0">
+                <a:solidFill>
+                  <a:schemeClr val="bg1"/>
+                </a:solidFill>
+              </a:rPr>
+              <a:t>各チームの打点分布を９次元ベクトルと</a:t>
+            </a:r>
+            <a:br>
+              <a:rPr kumimoji="1" lang="en-US" altLang="ja-JP" sz="2000" dirty="0">
+                <a:solidFill>
+                  <a:schemeClr val="bg1"/>
+                </a:solidFill>
+              </a:rPr>
+            </a:br>
+            <a:r>
+              <a:rPr kumimoji="1" lang="ja-JP" altLang="en-US" sz="2000" dirty="0">
+                <a:solidFill>
+                  <a:schemeClr val="bg1"/>
+                </a:solidFill>
+              </a:rPr>
+              <a:t>　みなしてユークリッド距離を算出</a:t>
+            </a:r>
+            <a:endParaRPr kumimoji="1" lang="en-US" altLang="ja-JP" sz="2000" dirty="0">
               <a:solidFill>
                 <a:schemeClr val="bg1"/>
               </a:solidFill>
             </a:endParaRPr>
           </a:p>
-        </p:txBody>
-      </p:sp>
-      <p:sp>
-        <p:nvSpPr>
-          <p:cNvPr id="7" name="Oval 6"/>
-          <p:cNvSpPr/>
-          <p:nvPr/>
-        </p:nvSpPr>
-        <p:spPr>
-          <a:xfrm>
-            <a:off x="8124496" y="3757263"/>
-            <a:ext cx="1360170" cy="1165860"/>
-          </a:xfrm>
-          <a:prstGeom prst="ellipse">
-            <a:avLst/>
-          </a:prstGeom>
-          <a:noFill/>
-          <a:ln w="66675">
-            <a:solidFill>
-              <a:srgbClr val="FF0000"/>
-            </a:solidFill>
-          </a:ln>
-        </p:spPr>
-        <p:style>
-          <a:lnRef idx="2">
-            <a:schemeClr val="accent1">
-              <a:shade val="50000"/>
-            </a:schemeClr>
-          </a:lnRef>
-          <a:fillRef idx="1">
-            <a:schemeClr val="accent1"/>
-          </a:fillRef>
-          <a:effectRef idx="0">
-            <a:schemeClr val="accent1"/>
-          </a:effectRef>
-          <a:fontRef idx="minor">
-            <a:schemeClr val="lt1"/>
-          </a:fontRef>
-        </p:style>
-        <p:txBody>
-          <a:bodyPr rtlCol="0" anchor="ctr"/>
-          <a:lstStyle/>
-          <a:p>
-            <a:pPr algn="ctr"/>
-            <a:endParaRPr kumimoji="1" lang="ja-JP" altLang="en-US"/>
-          </a:p>
-        </p:txBody>
-      </p:sp>
-      <p:sp>
-        <p:nvSpPr>
-          <p:cNvPr id="8" name="TextBox 7"/>
-          <p:cNvSpPr txBox="1"/>
-          <p:nvPr/>
-        </p:nvSpPr>
-        <p:spPr>
-          <a:xfrm>
-            <a:off x="8535189" y="3357153"/>
-            <a:ext cx="877646" cy="400110"/>
-          </a:xfrm>
-          <a:prstGeom prst="rect">
-            <a:avLst/>
-          </a:prstGeom>
-          <a:noFill/>
-        </p:spPr>
-        <p:txBody>
-          <a:bodyPr wrap="square" rtlCol="0">
-            <a:spAutoFit/>
-          </a:bodyPr>
-          <a:lstStyle/>
-          <a:p>
-            <a:r>
-              <a:rPr kumimoji="1" lang="en-US" altLang="ja-JP" sz="2000" dirty="0">
-                <a:solidFill>
-                  <a:schemeClr val="bg1"/>
-                </a:solidFill>
-              </a:rPr>
-              <a:t>D…!?</a:t>
-            </a:r>
-            <a:endParaRPr kumimoji="1" lang="ja-JP" altLang="en-US" sz="2000" dirty="0">
-              <a:solidFill>
-                <a:schemeClr val="bg1"/>
-              </a:solidFill>
-            </a:endParaRPr>
-          </a:p>
-        </p:txBody>
-      </p:sp>
-      <p:sp>
-        <p:nvSpPr>
-          <p:cNvPr id="9" name="TextBox 8"/>
-          <p:cNvSpPr txBox="1"/>
-          <p:nvPr/>
-        </p:nvSpPr>
-        <p:spPr>
-          <a:xfrm>
-            <a:off x="6823940" y="5883668"/>
-            <a:ext cx="4572000" cy="707886"/>
-          </a:xfrm>
-          <a:prstGeom prst="rect">
-            <a:avLst/>
-          </a:prstGeom>
-          <a:solidFill>
-            <a:srgbClr val="FFC000"/>
-          </a:solidFill>
-        </p:spPr>
-        <p:txBody>
-          <a:bodyPr wrap="square" rtlCol="0">
-            <a:spAutoFit/>
-          </a:bodyPr>
-          <a:lstStyle/>
           <a:p>
             <a:r>
               <a:rPr kumimoji="1" lang="en-US" altLang="ja-JP" sz="2000" dirty="0">
@@ -44429,6 +48042,598 @@
           </a:p>
         </p:txBody>
       </p:sp>
+      <p:pic>
+        <p:nvPicPr>
+          <p:cNvPr id="3" name="Picture 2"/>
+          <p:cNvPicPr>
+            <a:picLocks noChangeAspect="1"/>
+          </p:cNvPicPr>
+          <p:nvPr/>
+        </p:nvPicPr>
+        <p:blipFill>
+          <a:blip r:embed="rId3"/>
+          <a:stretch>
+            <a:fillRect/>
+          </a:stretch>
+        </p:blipFill>
+        <p:spPr>
+          <a:xfrm>
+            <a:off x="188892" y="2006116"/>
+            <a:ext cx="2122432" cy="1614335"/>
+          </a:xfrm>
+          <a:prstGeom prst="rect">
+            <a:avLst/>
+          </a:prstGeom>
+        </p:spPr>
+      </p:pic>
+      <p:sp>
+        <p:nvSpPr>
+          <p:cNvPr id="13" name="Right Arrow 12"/>
+          <p:cNvSpPr/>
+          <p:nvPr/>
+        </p:nvSpPr>
+        <p:spPr>
+          <a:xfrm rot="1800000">
+            <a:off x="2089557" y="2947283"/>
+            <a:ext cx="1047749" cy="715530"/>
+          </a:xfrm>
+          <a:prstGeom prst="rightArrow">
+            <a:avLst/>
+          </a:prstGeom>
+        </p:spPr>
+        <p:style>
+          <a:lnRef idx="2">
+            <a:schemeClr val="accent1">
+              <a:shade val="50000"/>
+            </a:schemeClr>
+          </a:lnRef>
+          <a:fillRef idx="1">
+            <a:schemeClr val="accent1"/>
+          </a:fillRef>
+          <a:effectRef idx="0">
+            <a:schemeClr val="accent1"/>
+          </a:effectRef>
+          <a:fontRef idx="minor">
+            <a:schemeClr val="lt1"/>
+          </a:fontRef>
+        </p:style>
+        <p:txBody>
+          <a:bodyPr rtlCol="0" anchor="ctr"/>
+          <a:lstStyle/>
+          <a:p>
+            <a:pPr algn="ctr"/>
+            <a:endParaRPr kumimoji="1" lang="ja-JP" altLang="en-US"/>
+          </a:p>
+        </p:txBody>
+      </p:sp>
+      <p:sp>
+        <p:nvSpPr>
+          <p:cNvPr id="15" name="Oval 14"/>
+          <p:cNvSpPr/>
+          <p:nvPr/>
+        </p:nvSpPr>
+        <p:spPr>
+          <a:xfrm>
+            <a:off x="3480870" y="2928148"/>
+            <a:ext cx="692303" cy="692303"/>
+          </a:xfrm>
+          <a:prstGeom prst="ellipse">
+            <a:avLst/>
+          </a:prstGeom>
+        </p:spPr>
+        <p:style>
+          <a:lnRef idx="2">
+            <a:schemeClr val="accent1">
+              <a:shade val="50000"/>
+            </a:schemeClr>
+          </a:lnRef>
+          <a:fillRef idx="1">
+            <a:schemeClr val="accent1"/>
+          </a:fillRef>
+          <a:effectRef idx="0">
+            <a:schemeClr val="accent1"/>
+          </a:effectRef>
+          <a:fontRef idx="minor">
+            <a:schemeClr val="lt1"/>
+          </a:fontRef>
+        </p:style>
+        <p:txBody>
+          <a:bodyPr rtlCol="0" anchor="ctr"/>
+          <a:lstStyle/>
+          <a:p>
+            <a:pPr algn="ctr"/>
+            <a:r>
+              <a:rPr kumimoji="1" lang="en-US" altLang="ja-JP" sz="2000" dirty="0"/>
+              <a:t>DB</a:t>
+            </a:r>
+            <a:endParaRPr kumimoji="1" lang="ja-JP" altLang="en-US" sz="2000" dirty="0"/>
+          </a:p>
+        </p:txBody>
+      </p:sp>
+      <p:sp>
+        <p:nvSpPr>
+          <p:cNvPr id="16" name="Oval 15"/>
+          <p:cNvSpPr/>
+          <p:nvPr/>
+        </p:nvSpPr>
+        <p:spPr>
+          <a:xfrm>
+            <a:off x="2553622" y="4397297"/>
+            <a:ext cx="692303" cy="692303"/>
+          </a:xfrm>
+          <a:prstGeom prst="ellipse">
+            <a:avLst/>
+          </a:prstGeom>
+        </p:spPr>
+        <p:style>
+          <a:lnRef idx="2">
+            <a:schemeClr val="accent1">
+              <a:shade val="50000"/>
+            </a:schemeClr>
+          </a:lnRef>
+          <a:fillRef idx="1">
+            <a:schemeClr val="accent1"/>
+          </a:fillRef>
+          <a:effectRef idx="0">
+            <a:schemeClr val="accent1"/>
+          </a:effectRef>
+          <a:fontRef idx="minor">
+            <a:schemeClr val="lt1"/>
+          </a:fontRef>
+        </p:style>
+        <p:txBody>
+          <a:bodyPr rtlCol="0" anchor="ctr"/>
+          <a:lstStyle/>
+          <a:p>
+            <a:pPr algn="ctr"/>
+            <a:r>
+              <a:rPr kumimoji="1" lang="en-US" altLang="ja-JP" sz="2000" dirty="0"/>
+              <a:t>E</a:t>
+            </a:r>
+            <a:endParaRPr kumimoji="1" lang="ja-JP" altLang="en-US" sz="2000" dirty="0"/>
+          </a:p>
+        </p:txBody>
+      </p:sp>
+      <p:sp>
+        <p:nvSpPr>
+          <p:cNvPr id="17" name="Oval 16"/>
+          <p:cNvSpPr/>
+          <p:nvPr/>
+        </p:nvSpPr>
+        <p:spPr>
+          <a:xfrm>
+            <a:off x="4906368" y="2235845"/>
+            <a:ext cx="692303" cy="692303"/>
+          </a:xfrm>
+          <a:prstGeom prst="ellipse">
+            <a:avLst/>
+          </a:prstGeom>
+        </p:spPr>
+        <p:style>
+          <a:lnRef idx="2">
+            <a:schemeClr val="accent1">
+              <a:shade val="50000"/>
+            </a:schemeClr>
+          </a:lnRef>
+          <a:fillRef idx="1">
+            <a:schemeClr val="accent1"/>
+          </a:fillRef>
+          <a:effectRef idx="0">
+            <a:schemeClr val="accent1"/>
+          </a:effectRef>
+          <a:fontRef idx="minor">
+            <a:schemeClr val="lt1"/>
+          </a:fontRef>
+        </p:style>
+        <p:txBody>
+          <a:bodyPr rtlCol="0" anchor="ctr"/>
+          <a:lstStyle/>
+          <a:p>
+            <a:pPr algn="ctr"/>
+            <a:r>
+              <a:rPr kumimoji="1" lang="en-US" altLang="ja-JP" sz="2000" dirty="0"/>
+              <a:t>H</a:t>
+            </a:r>
+            <a:endParaRPr kumimoji="1" lang="ja-JP" altLang="en-US" sz="2000" dirty="0"/>
+          </a:p>
+        </p:txBody>
+      </p:sp>
+      <p:sp>
+        <p:nvSpPr>
+          <p:cNvPr id="18" name="Oval 17"/>
+          <p:cNvSpPr/>
+          <p:nvPr/>
+        </p:nvSpPr>
+        <p:spPr>
+          <a:xfrm>
+            <a:off x="7059018" y="3114752"/>
+            <a:ext cx="692303" cy="692303"/>
+          </a:xfrm>
+          <a:prstGeom prst="ellipse">
+            <a:avLst/>
+          </a:prstGeom>
+        </p:spPr>
+        <p:style>
+          <a:lnRef idx="2">
+            <a:schemeClr val="accent1">
+              <a:shade val="50000"/>
+            </a:schemeClr>
+          </a:lnRef>
+          <a:fillRef idx="1">
+            <a:schemeClr val="accent1"/>
+          </a:fillRef>
+          <a:effectRef idx="0">
+            <a:schemeClr val="accent1"/>
+          </a:effectRef>
+          <a:fontRef idx="minor">
+            <a:schemeClr val="lt1"/>
+          </a:fontRef>
+        </p:style>
+        <p:txBody>
+          <a:bodyPr rtlCol="0" anchor="ctr"/>
+          <a:lstStyle/>
+          <a:p>
+            <a:pPr algn="ctr"/>
+            <a:r>
+              <a:rPr kumimoji="1" lang="en-US" altLang="ja-JP" sz="2000" dirty="0"/>
+              <a:t>G</a:t>
+            </a:r>
+            <a:endParaRPr kumimoji="1" lang="ja-JP" altLang="en-US" sz="2000" dirty="0"/>
+          </a:p>
+        </p:txBody>
+      </p:sp>
+      <p:sp>
+        <p:nvSpPr>
+          <p:cNvPr id="19" name="Oval 18"/>
+          <p:cNvSpPr/>
+          <p:nvPr/>
+        </p:nvSpPr>
+        <p:spPr>
+          <a:xfrm>
+            <a:off x="8560158" y="3978505"/>
+            <a:ext cx="692303" cy="692303"/>
+          </a:xfrm>
+          <a:prstGeom prst="ellipse">
+            <a:avLst/>
+          </a:prstGeom>
+        </p:spPr>
+        <p:style>
+          <a:lnRef idx="2">
+            <a:schemeClr val="accent1">
+              <a:shade val="50000"/>
+            </a:schemeClr>
+          </a:lnRef>
+          <a:fillRef idx="1">
+            <a:schemeClr val="accent1"/>
+          </a:fillRef>
+          <a:effectRef idx="0">
+            <a:schemeClr val="accent1"/>
+          </a:effectRef>
+          <a:fontRef idx="minor">
+            <a:schemeClr val="lt1"/>
+          </a:fontRef>
+        </p:style>
+        <p:txBody>
+          <a:bodyPr rtlCol="0" anchor="ctr"/>
+          <a:lstStyle/>
+          <a:p>
+            <a:pPr algn="ctr"/>
+            <a:r>
+              <a:rPr kumimoji="1" lang="en-US" altLang="ja-JP" sz="2000" dirty="0"/>
+              <a:t>D</a:t>
+            </a:r>
+            <a:endParaRPr kumimoji="1" lang="ja-JP" altLang="en-US" sz="2000" dirty="0"/>
+          </a:p>
+        </p:txBody>
+      </p:sp>
+      <p:sp>
+        <p:nvSpPr>
+          <p:cNvPr id="20" name="Oval 19"/>
+          <p:cNvSpPr/>
+          <p:nvPr/>
+        </p:nvSpPr>
+        <p:spPr>
+          <a:xfrm>
+            <a:off x="6975198" y="4772079"/>
+            <a:ext cx="692303" cy="692303"/>
+          </a:xfrm>
+          <a:prstGeom prst="ellipse">
+            <a:avLst/>
+          </a:prstGeom>
+        </p:spPr>
+        <p:style>
+          <a:lnRef idx="2">
+            <a:schemeClr val="accent1">
+              <a:shade val="50000"/>
+            </a:schemeClr>
+          </a:lnRef>
+          <a:fillRef idx="1">
+            <a:schemeClr val="accent1"/>
+          </a:fillRef>
+          <a:effectRef idx="0">
+            <a:schemeClr val="accent1"/>
+          </a:effectRef>
+          <a:fontRef idx="minor">
+            <a:schemeClr val="lt1"/>
+          </a:fontRef>
+        </p:style>
+        <p:txBody>
+          <a:bodyPr rtlCol="0" anchor="ctr"/>
+          <a:lstStyle/>
+          <a:p>
+            <a:pPr algn="ctr"/>
+            <a:r>
+              <a:rPr kumimoji="1" lang="en-US" altLang="ja-JP" sz="2000" dirty="0"/>
+              <a:t>C</a:t>
+            </a:r>
+            <a:endParaRPr kumimoji="1" lang="ja-JP" altLang="en-US" sz="2000" dirty="0"/>
+          </a:p>
+        </p:txBody>
+      </p:sp>
+      <p:sp>
+        <p:nvSpPr>
+          <p:cNvPr id="21" name="Oval 20"/>
+          <p:cNvSpPr/>
+          <p:nvPr/>
+        </p:nvSpPr>
+        <p:spPr>
+          <a:xfrm>
+            <a:off x="6060133" y="3807055"/>
+            <a:ext cx="692303" cy="692303"/>
+          </a:xfrm>
+          <a:prstGeom prst="ellipse">
+            <a:avLst/>
+          </a:prstGeom>
+        </p:spPr>
+        <p:style>
+          <a:lnRef idx="2">
+            <a:schemeClr val="accent1">
+              <a:shade val="50000"/>
+            </a:schemeClr>
+          </a:lnRef>
+          <a:fillRef idx="1">
+            <a:schemeClr val="accent1"/>
+          </a:fillRef>
+          <a:effectRef idx="0">
+            <a:schemeClr val="accent1"/>
+          </a:effectRef>
+          <a:fontRef idx="minor">
+            <a:schemeClr val="lt1"/>
+          </a:fontRef>
+        </p:style>
+        <p:txBody>
+          <a:bodyPr rtlCol="0" anchor="ctr"/>
+          <a:lstStyle/>
+          <a:p>
+            <a:pPr algn="ctr"/>
+            <a:r>
+              <a:rPr kumimoji="1" lang="en-US" altLang="ja-JP" sz="2000" dirty="0"/>
+              <a:t>M</a:t>
+            </a:r>
+            <a:endParaRPr kumimoji="1" lang="ja-JP" altLang="en-US" sz="2000" dirty="0"/>
+          </a:p>
+        </p:txBody>
+      </p:sp>
+      <p:sp>
+        <p:nvSpPr>
+          <p:cNvPr id="22" name="Oval 21"/>
+          <p:cNvSpPr/>
+          <p:nvPr/>
+        </p:nvSpPr>
+        <p:spPr>
+          <a:xfrm>
+            <a:off x="5721411" y="2987419"/>
+            <a:ext cx="692303" cy="692303"/>
+          </a:xfrm>
+          <a:prstGeom prst="ellipse">
+            <a:avLst/>
+          </a:prstGeom>
+        </p:spPr>
+        <p:style>
+          <a:lnRef idx="2">
+            <a:schemeClr val="accent1">
+              <a:shade val="50000"/>
+            </a:schemeClr>
+          </a:lnRef>
+          <a:fillRef idx="1">
+            <a:schemeClr val="accent1"/>
+          </a:fillRef>
+          <a:effectRef idx="0">
+            <a:schemeClr val="accent1"/>
+          </a:effectRef>
+          <a:fontRef idx="minor">
+            <a:schemeClr val="lt1"/>
+          </a:fontRef>
+        </p:style>
+        <p:txBody>
+          <a:bodyPr rtlCol="0" anchor="ctr"/>
+          <a:lstStyle/>
+          <a:p>
+            <a:pPr algn="ctr"/>
+            <a:r>
+              <a:rPr kumimoji="1" lang="en-US" altLang="ja-JP" sz="2000" dirty="0"/>
+              <a:t>T</a:t>
+            </a:r>
+            <a:endParaRPr kumimoji="1" lang="ja-JP" altLang="en-US" sz="2000" dirty="0"/>
+          </a:p>
+        </p:txBody>
+      </p:sp>
+      <p:sp>
+        <p:nvSpPr>
+          <p:cNvPr id="23" name="Oval 22"/>
+          <p:cNvSpPr/>
+          <p:nvPr/>
+        </p:nvSpPr>
+        <p:spPr>
+          <a:xfrm>
+            <a:off x="3847905" y="3820263"/>
+            <a:ext cx="692303" cy="692303"/>
+          </a:xfrm>
+          <a:prstGeom prst="ellipse">
+            <a:avLst/>
+          </a:prstGeom>
+        </p:spPr>
+        <p:style>
+          <a:lnRef idx="2">
+            <a:schemeClr val="accent1">
+              <a:shade val="50000"/>
+            </a:schemeClr>
+          </a:lnRef>
+          <a:fillRef idx="1">
+            <a:schemeClr val="accent1"/>
+          </a:fillRef>
+          <a:effectRef idx="0">
+            <a:schemeClr val="accent1"/>
+          </a:effectRef>
+          <a:fontRef idx="minor">
+            <a:schemeClr val="lt1"/>
+          </a:fontRef>
+        </p:style>
+        <p:txBody>
+          <a:bodyPr rtlCol="0" anchor="ctr"/>
+          <a:lstStyle/>
+          <a:p>
+            <a:pPr algn="ctr"/>
+            <a:r>
+              <a:rPr kumimoji="1" lang="en-US" altLang="ja-JP" sz="2000" dirty="0"/>
+              <a:t>L</a:t>
+            </a:r>
+            <a:endParaRPr kumimoji="1" lang="ja-JP" altLang="en-US" sz="2000" dirty="0"/>
+          </a:p>
+        </p:txBody>
+      </p:sp>
+      <p:sp>
+        <p:nvSpPr>
+          <p:cNvPr id="24" name="Oval 23"/>
+          <p:cNvSpPr/>
+          <p:nvPr/>
+        </p:nvSpPr>
+        <p:spPr>
+          <a:xfrm>
+            <a:off x="4117818" y="4479311"/>
+            <a:ext cx="692303" cy="692303"/>
+          </a:xfrm>
+          <a:prstGeom prst="ellipse">
+            <a:avLst/>
+          </a:prstGeom>
+        </p:spPr>
+        <p:style>
+          <a:lnRef idx="2">
+            <a:schemeClr val="accent1">
+              <a:shade val="50000"/>
+            </a:schemeClr>
+          </a:lnRef>
+          <a:fillRef idx="1">
+            <a:schemeClr val="accent1"/>
+          </a:fillRef>
+          <a:effectRef idx="0">
+            <a:schemeClr val="accent1"/>
+          </a:effectRef>
+          <a:fontRef idx="minor">
+            <a:schemeClr val="lt1"/>
+          </a:fontRef>
+        </p:style>
+        <p:txBody>
+          <a:bodyPr rtlCol="0" anchor="ctr"/>
+          <a:lstStyle/>
+          <a:p>
+            <a:pPr algn="ctr"/>
+            <a:r>
+              <a:rPr kumimoji="1" lang="en-US" altLang="ja-JP" sz="2000" dirty="0"/>
+              <a:t>F</a:t>
+            </a:r>
+            <a:endParaRPr kumimoji="1" lang="ja-JP" altLang="en-US" sz="2000" dirty="0"/>
+          </a:p>
+        </p:txBody>
+      </p:sp>
+      <p:sp>
+        <p:nvSpPr>
+          <p:cNvPr id="25" name="Oval 24"/>
+          <p:cNvSpPr/>
+          <p:nvPr/>
+        </p:nvSpPr>
+        <p:spPr>
+          <a:xfrm>
+            <a:off x="4463969" y="5681776"/>
+            <a:ext cx="692303" cy="692303"/>
+          </a:xfrm>
+          <a:prstGeom prst="ellipse">
+            <a:avLst/>
+          </a:prstGeom>
+        </p:spPr>
+        <p:style>
+          <a:lnRef idx="2">
+            <a:schemeClr val="accent1">
+              <a:shade val="50000"/>
+            </a:schemeClr>
+          </a:lnRef>
+          <a:fillRef idx="1">
+            <a:schemeClr val="accent1"/>
+          </a:fillRef>
+          <a:effectRef idx="0">
+            <a:schemeClr val="accent1"/>
+          </a:effectRef>
+          <a:fontRef idx="minor">
+            <a:schemeClr val="lt1"/>
+          </a:fontRef>
+        </p:style>
+        <p:txBody>
+          <a:bodyPr rtlCol="0" anchor="ctr"/>
+          <a:lstStyle/>
+          <a:p>
+            <a:pPr algn="ctr"/>
+            <a:r>
+              <a:rPr kumimoji="1" lang="en-US" altLang="ja-JP" sz="2000" dirty="0"/>
+              <a:t>S</a:t>
+            </a:r>
+            <a:endParaRPr kumimoji="1" lang="ja-JP" altLang="en-US" sz="2000" dirty="0"/>
+          </a:p>
+        </p:txBody>
+      </p:sp>
+      <p:sp>
+        <p:nvSpPr>
+          <p:cNvPr id="26" name="Oval 25"/>
+          <p:cNvSpPr/>
+          <p:nvPr/>
+        </p:nvSpPr>
+        <p:spPr>
+          <a:xfrm>
+            <a:off x="5919709" y="5264689"/>
+            <a:ext cx="692303" cy="692303"/>
+          </a:xfrm>
+          <a:prstGeom prst="ellipse">
+            <a:avLst/>
+          </a:prstGeom>
+        </p:spPr>
+        <p:style>
+          <a:lnRef idx="2">
+            <a:schemeClr val="accent1">
+              <a:shade val="50000"/>
+            </a:schemeClr>
+          </a:lnRef>
+          <a:fillRef idx="1">
+            <a:schemeClr val="accent1"/>
+          </a:fillRef>
+          <a:effectRef idx="0">
+            <a:schemeClr val="accent1"/>
+          </a:effectRef>
+          <a:fontRef idx="minor">
+            <a:schemeClr val="lt1"/>
+          </a:fontRef>
+        </p:style>
+        <p:txBody>
+          <a:bodyPr rtlCol="0" anchor="ctr"/>
+          <a:lstStyle/>
+          <a:p>
+            <a:pPr algn="ctr"/>
+            <a:r>
+              <a:rPr kumimoji="1" lang="en-US" altLang="ja-JP" sz="2000" dirty="0" err="1"/>
+              <a:t>Bs</a:t>
+            </a:r>
+            <a:endParaRPr kumimoji="1" lang="en-US" altLang="ja-JP" sz="2000" dirty="0"/>
+          </a:p>
+        </p:txBody>
+      </p:sp>
     </p:spTree>
     <p:extLst>
       <p:ext uri="{BB962C8B-B14F-4D97-AF65-F5344CB8AC3E}">
@@ -44442,7 +48647,784 @@
 </p:sld>
 </file>
 
-<file path=ppt/slides/slide13.xml><?xml version="1.0" encoding="utf-8"?>
+<file path=ppt/slides/slide16.xml><?xml version="1.0" encoding="utf-8"?>
+<p:sld xmlns:a="http://schemas.openxmlformats.org/drawingml/2006/main" xmlns:r="http://schemas.openxmlformats.org/officeDocument/2006/relationships" xmlns:p="http://schemas.openxmlformats.org/presentationml/2006/main">
+  <p:cSld>
+    <p:spTree>
+      <p:nvGrpSpPr>
+        <p:cNvPr id="1" name=""/>
+        <p:cNvGrpSpPr/>
+        <p:nvPr/>
+      </p:nvGrpSpPr>
+      <p:grpSpPr>
+        <a:xfrm>
+          <a:off x="0" y="0"/>
+          <a:ext cx="0" cy="0"/>
+          <a:chOff x="0" y="0"/>
+          <a:chExt cx="0" cy="0"/>
+        </a:xfrm>
+      </p:grpSpPr>
+      <p:sp>
+        <p:nvSpPr>
+          <p:cNvPr id="2" name="Title 1"/>
+          <p:cNvSpPr>
+            <a:spLocks noGrp="1"/>
+          </p:cNvSpPr>
+          <p:nvPr>
+            <p:ph type="title"/>
+          </p:nvPr>
+        </p:nvSpPr>
+        <p:spPr>
+          <a:xfrm>
+            <a:off x="331471" y="753228"/>
+            <a:ext cx="9962712" cy="1080938"/>
+          </a:xfrm>
+        </p:spPr>
+        <p:txBody>
+          <a:bodyPr>
+            <a:normAutofit/>
+          </a:bodyPr>
+          <a:lstStyle/>
+          <a:p>
+            <a:r>
+              <a:rPr lang="ja-JP" altLang="en-US" dirty="0"/>
+              <a:t>それぞれの</a:t>
+            </a:r>
+            <a:r>
+              <a:rPr lang="ja-JP" altLang="en-US"/>
+              <a:t>「打点分布」</a:t>
+            </a:r>
+            <a:r>
+              <a:rPr lang="ja-JP" altLang="en-US" dirty="0"/>
+              <a:t>の距離をだしてみた</a:t>
+            </a:r>
+            <a:endParaRPr kumimoji="1" lang="ja-JP" altLang="en-US" dirty="0"/>
+          </a:p>
+        </p:txBody>
+      </p:sp>
+      <p:sp>
+        <p:nvSpPr>
+          <p:cNvPr id="8" name="TextBox 7"/>
+          <p:cNvSpPr txBox="1"/>
+          <p:nvPr/>
+        </p:nvSpPr>
+        <p:spPr>
+          <a:xfrm>
+            <a:off x="8535189" y="3357153"/>
+            <a:ext cx="877646" cy="400110"/>
+          </a:xfrm>
+          <a:prstGeom prst="rect">
+            <a:avLst/>
+          </a:prstGeom>
+          <a:noFill/>
+        </p:spPr>
+        <p:txBody>
+          <a:bodyPr wrap="square" rtlCol="0">
+            <a:spAutoFit/>
+          </a:bodyPr>
+          <a:lstStyle/>
+          <a:p>
+            <a:r>
+              <a:rPr kumimoji="1" lang="en-US" altLang="ja-JP" sz="2000" dirty="0">
+                <a:solidFill>
+                  <a:schemeClr val="bg1"/>
+                </a:solidFill>
+              </a:rPr>
+              <a:t>D…!?</a:t>
+            </a:r>
+            <a:endParaRPr kumimoji="1" lang="ja-JP" altLang="en-US" sz="2000" dirty="0">
+              <a:solidFill>
+                <a:schemeClr val="bg1"/>
+              </a:solidFill>
+            </a:endParaRPr>
+          </a:p>
+        </p:txBody>
+      </p:sp>
+      <p:pic>
+        <p:nvPicPr>
+          <p:cNvPr id="10" name="Picture 9"/>
+          <p:cNvPicPr>
+            <a:picLocks noChangeAspect="1"/>
+          </p:cNvPicPr>
+          <p:nvPr/>
+        </p:nvPicPr>
+        <p:blipFill>
+          <a:blip r:embed="rId2"/>
+          <a:stretch>
+            <a:fillRect/>
+          </a:stretch>
+        </p:blipFill>
+        <p:spPr>
+          <a:xfrm>
+            <a:off x="2462377" y="2088832"/>
+            <a:ext cx="6878626" cy="4143375"/>
+          </a:xfrm>
+          <a:prstGeom prst="rect">
+            <a:avLst/>
+          </a:prstGeom>
+        </p:spPr>
+      </p:pic>
+      <p:sp>
+        <p:nvSpPr>
+          <p:cNvPr id="12" name="Oval 11"/>
+          <p:cNvSpPr/>
+          <p:nvPr/>
+        </p:nvSpPr>
+        <p:spPr>
+          <a:xfrm>
+            <a:off x="3480870" y="2928148"/>
+            <a:ext cx="692303" cy="692303"/>
+          </a:xfrm>
+          <a:prstGeom prst="ellipse">
+            <a:avLst/>
+          </a:prstGeom>
+        </p:spPr>
+        <p:style>
+          <a:lnRef idx="2">
+            <a:schemeClr val="accent1">
+              <a:shade val="50000"/>
+            </a:schemeClr>
+          </a:lnRef>
+          <a:fillRef idx="1">
+            <a:schemeClr val="accent1"/>
+          </a:fillRef>
+          <a:effectRef idx="0">
+            <a:schemeClr val="accent1"/>
+          </a:effectRef>
+          <a:fontRef idx="minor">
+            <a:schemeClr val="lt1"/>
+          </a:fontRef>
+        </p:style>
+        <p:txBody>
+          <a:bodyPr rtlCol="0" anchor="ctr"/>
+          <a:lstStyle/>
+          <a:p>
+            <a:pPr algn="ctr"/>
+            <a:r>
+              <a:rPr kumimoji="1" lang="en-US" altLang="ja-JP" sz="2000" dirty="0"/>
+              <a:t>DB</a:t>
+            </a:r>
+            <a:endParaRPr kumimoji="1" lang="ja-JP" altLang="en-US" sz="2000" dirty="0"/>
+          </a:p>
+        </p:txBody>
+      </p:sp>
+      <p:sp>
+        <p:nvSpPr>
+          <p:cNvPr id="13" name="Oval 12"/>
+          <p:cNvSpPr/>
+          <p:nvPr/>
+        </p:nvSpPr>
+        <p:spPr>
+          <a:xfrm>
+            <a:off x="2553622" y="4397297"/>
+            <a:ext cx="692303" cy="692303"/>
+          </a:xfrm>
+          <a:prstGeom prst="ellipse">
+            <a:avLst/>
+          </a:prstGeom>
+        </p:spPr>
+        <p:style>
+          <a:lnRef idx="2">
+            <a:schemeClr val="accent1">
+              <a:shade val="50000"/>
+            </a:schemeClr>
+          </a:lnRef>
+          <a:fillRef idx="1">
+            <a:schemeClr val="accent1"/>
+          </a:fillRef>
+          <a:effectRef idx="0">
+            <a:schemeClr val="accent1"/>
+          </a:effectRef>
+          <a:fontRef idx="minor">
+            <a:schemeClr val="lt1"/>
+          </a:fontRef>
+        </p:style>
+        <p:txBody>
+          <a:bodyPr rtlCol="0" anchor="ctr"/>
+          <a:lstStyle/>
+          <a:p>
+            <a:pPr algn="ctr"/>
+            <a:r>
+              <a:rPr kumimoji="1" lang="en-US" altLang="ja-JP" sz="2000" dirty="0"/>
+              <a:t>E</a:t>
+            </a:r>
+            <a:endParaRPr kumimoji="1" lang="ja-JP" altLang="en-US" sz="2000" dirty="0"/>
+          </a:p>
+        </p:txBody>
+      </p:sp>
+      <p:sp>
+        <p:nvSpPr>
+          <p:cNvPr id="14" name="Oval 13"/>
+          <p:cNvSpPr/>
+          <p:nvPr/>
+        </p:nvSpPr>
+        <p:spPr>
+          <a:xfrm>
+            <a:off x="4906368" y="2235845"/>
+            <a:ext cx="692303" cy="692303"/>
+          </a:xfrm>
+          <a:prstGeom prst="ellipse">
+            <a:avLst/>
+          </a:prstGeom>
+        </p:spPr>
+        <p:style>
+          <a:lnRef idx="2">
+            <a:schemeClr val="accent1">
+              <a:shade val="50000"/>
+            </a:schemeClr>
+          </a:lnRef>
+          <a:fillRef idx="1">
+            <a:schemeClr val="accent1"/>
+          </a:fillRef>
+          <a:effectRef idx="0">
+            <a:schemeClr val="accent1"/>
+          </a:effectRef>
+          <a:fontRef idx="minor">
+            <a:schemeClr val="lt1"/>
+          </a:fontRef>
+        </p:style>
+        <p:txBody>
+          <a:bodyPr rtlCol="0" anchor="ctr"/>
+          <a:lstStyle/>
+          <a:p>
+            <a:pPr algn="ctr"/>
+            <a:r>
+              <a:rPr kumimoji="1" lang="en-US" altLang="ja-JP" sz="2000" dirty="0"/>
+              <a:t>H</a:t>
+            </a:r>
+            <a:endParaRPr kumimoji="1" lang="ja-JP" altLang="en-US" sz="2000" dirty="0"/>
+          </a:p>
+        </p:txBody>
+      </p:sp>
+      <p:sp>
+        <p:nvSpPr>
+          <p:cNvPr id="15" name="Oval 14"/>
+          <p:cNvSpPr/>
+          <p:nvPr/>
+        </p:nvSpPr>
+        <p:spPr>
+          <a:xfrm>
+            <a:off x="7059018" y="3114752"/>
+            <a:ext cx="692303" cy="692303"/>
+          </a:xfrm>
+          <a:prstGeom prst="ellipse">
+            <a:avLst/>
+          </a:prstGeom>
+        </p:spPr>
+        <p:style>
+          <a:lnRef idx="2">
+            <a:schemeClr val="accent1">
+              <a:shade val="50000"/>
+            </a:schemeClr>
+          </a:lnRef>
+          <a:fillRef idx="1">
+            <a:schemeClr val="accent1"/>
+          </a:fillRef>
+          <a:effectRef idx="0">
+            <a:schemeClr val="accent1"/>
+          </a:effectRef>
+          <a:fontRef idx="minor">
+            <a:schemeClr val="lt1"/>
+          </a:fontRef>
+        </p:style>
+        <p:txBody>
+          <a:bodyPr rtlCol="0" anchor="ctr"/>
+          <a:lstStyle/>
+          <a:p>
+            <a:pPr algn="ctr"/>
+            <a:r>
+              <a:rPr kumimoji="1" lang="en-US" altLang="ja-JP" sz="2000" dirty="0"/>
+              <a:t>G</a:t>
+            </a:r>
+            <a:endParaRPr kumimoji="1" lang="ja-JP" altLang="en-US" sz="2000" dirty="0"/>
+          </a:p>
+        </p:txBody>
+      </p:sp>
+      <p:sp>
+        <p:nvSpPr>
+          <p:cNvPr id="16" name="Oval 15"/>
+          <p:cNvSpPr/>
+          <p:nvPr/>
+        </p:nvSpPr>
+        <p:spPr>
+          <a:xfrm>
+            <a:off x="8560158" y="3978505"/>
+            <a:ext cx="692303" cy="692303"/>
+          </a:xfrm>
+          <a:prstGeom prst="ellipse">
+            <a:avLst/>
+          </a:prstGeom>
+        </p:spPr>
+        <p:style>
+          <a:lnRef idx="2">
+            <a:schemeClr val="accent1">
+              <a:shade val="50000"/>
+            </a:schemeClr>
+          </a:lnRef>
+          <a:fillRef idx="1">
+            <a:schemeClr val="accent1"/>
+          </a:fillRef>
+          <a:effectRef idx="0">
+            <a:schemeClr val="accent1"/>
+          </a:effectRef>
+          <a:fontRef idx="minor">
+            <a:schemeClr val="lt1"/>
+          </a:fontRef>
+        </p:style>
+        <p:txBody>
+          <a:bodyPr rtlCol="0" anchor="ctr"/>
+          <a:lstStyle/>
+          <a:p>
+            <a:pPr algn="ctr"/>
+            <a:r>
+              <a:rPr kumimoji="1" lang="en-US" altLang="ja-JP" sz="2000" dirty="0"/>
+              <a:t>D</a:t>
+            </a:r>
+            <a:endParaRPr kumimoji="1" lang="ja-JP" altLang="en-US" sz="2000" dirty="0"/>
+          </a:p>
+        </p:txBody>
+      </p:sp>
+      <p:sp>
+        <p:nvSpPr>
+          <p:cNvPr id="17" name="Oval 16"/>
+          <p:cNvSpPr/>
+          <p:nvPr/>
+        </p:nvSpPr>
+        <p:spPr>
+          <a:xfrm>
+            <a:off x="6975198" y="4772079"/>
+            <a:ext cx="692303" cy="692303"/>
+          </a:xfrm>
+          <a:prstGeom prst="ellipse">
+            <a:avLst/>
+          </a:prstGeom>
+        </p:spPr>
+        <p:style>
+          <a:lnRef idx="2">
+            <a:schemeClr val="accent1">
+              <a:shade val="50000"/>
+            </a:schemeClr>
+          </a:lnRef>
+          <a:fillRef idx="1">
+            <a:schemeClr val="accent1"/>
+          </a:fillRef>
+          <a:effectRef idx="0">
+            <a:schemeClr val="accent1"/>
+          </a:effectRef>
+          <a:fontRef idx="minor">
+            <a:schemeClr val="lt1"/>
+          </a:fontRef>
+        </p:style>
+        <p:txBody>
+          <a:bodyPr rtlCol="0" anchor="ctr"/>
+          <a:lstStyle/>
+          <a:p>
+            <a:pPr algn="ctr"/>
+            <a:r>
+              <a:rPr kumimoji="1" lang="en-US" altLang="ja-JP" sz="2000" dirty="0"/>
+              <a:t>C</a:t>
+            </a:r>
+            <a:endParaRPr kumimoji="1" lang="ja-JP" altLang="en-US" sz="2000" dirty="0"/>
+          </a:p>
+        </p:txBody>
+      </p:sp>
+      <p:sp>
+        <p:nvSpPr>
+          <p:cNvPr id="18" name="Oval 17"/>
+          <p:cNvSpPr/>
+          <p:nvPr/>
+        </p:nvSpPr>
+        <p:spPr>
+          <a:xfrm>
+            <a:off x="6060133" y="3807055"/>
+            <a:ext cx="692303" cy="692303"/>
+          </a:xfrm>
+          <a:prstGeom prst="ellipse">
+            <a:avLst/>
+          </a:prstGeom>
+        </p:spPr>
+        <p:style>
+          <a:lnRef idx="2">
+            <a:schemeClr val="accent1">
+              <a:shade val="50000"/>
+            </a:schemeClr>
+          </a:lnRef>
+          <a:fillRef idx="1">
+            <a:schemeClr val="accent1"/>
+          </a:fillRef>
+          <a:effectRef idx="0">
+            <a:schemeClr val="accent1"/>
+          </a:effectRef>
+          <a:fontRef idx="minor">
+            <a:schemeClr val="lt1"/>
+          </a:fontRef>
+        </p:style>
+        <p:txBody>
+          <a:bodyPr rtlCol="0" anchor="ctr"/>
+          <a:lstStyle/>
+          <a:p>
+            <a:pPr algn="ctr"/>
+            <a:r>
+              <a:rPr kumimoji="1" lang="en-US" altLang="ja-JP" sz="2000" dirty="0"/>
+              <a:t>M</a:t>
+            </a:r>
+            <a:endParaRPr kumimoji="1" lang="ja-JP" altLang="en-US" sz="2000" dirty="0"/>
+          </a:p>
+        </p:txBody>
+      </p:sp>
+      <p:sp>
+        <p:nvSpPr>
+          <p:cNvPr id="19" name="Oval 18"/>
+          <p:cNvSpPr/>
+          <p:nvPr/>
+        </p:nvSpPr>
+        <p:spPr>
+          <a:xfrm>
+            <a:off x="5721411" y="2987419"/>
+            <a:ext cx="692303" cy="692303"/>
+          </a:xfrm>
+          <a:prstGeom prst="ellipse">
+            <a:avLst/>
+          </a:prstGeom>
+        </p:spPr>
+        <p:style>
+          <a:lnRef idx="2">
+            <a:schemeClr val="accent1">
+              <a:shade val="50000"/>
+            </a:schemeClr>
+          </a:lnRef>
+          <a:fillRef idx="1">
+            <a:schemeClr val="accent1"/>
+          </a:fillRef>
+          <a:effectRef idx="0">
+            <a:schemeClr val="accent1"/>
+          </a:effectRef>
+          <a:fontRef idx="minor">
+            <a:schemeClr val="lt1"/>
+          </a:fontRef>
+        </p:style>
+        <p:txBody>
+          <a:bodyPr rtlCol="0" anchor="ctr"/>
+          <a:lstStyle/>
+          <a:p>
+            <a:pPr algn="ctr"/>
+            <a:r>
+              <a:rPr kumimoji="1" lang="en-US" altLang="ja-JP" sz="2000" dirty="0"/>
+              <a:t>T</a:t>
+            </a:r>
+            <a:endParaRPr kumimoji="1" lang="ja-JP" altLang="en-US" sz="2000" dirty="0"/>
+          </a:p>
+        </p:txBody>
+      </p:sp>
+      <p:sp>
+        <p:nvSpPr>
+          <p:cNvPr id="20" name="Oval 19"/>
+          <p:cNvSpPr/>
+          <p:nvPr/>
+        </p:nvSpPr>
+        <p:spPr>
+          <a:xfrm>
+            <a:off x="3847905" y="3820263"/>
+            <a:ext cx="692303" cy="692303"/>
+          </a:xfrm>
+          <a:prstGeom prst="ellipse">
+            <a:avLst/>
+          </a:prstGeom>
+        </p:spPr>
+        <p:style>
+          <a:lnRef idx="2">
+            <a:schemeClr val="accent1">
+              <a:shade val="50000"/>
+            </a:schemeClr>
+          </a:lnRef>
+          <a:fillRef idx="1">
+            <a:schemeClr val="accent1"/>
+          </a:fillRef>
+          <a:effectRef idx="0">
+            <a:schemeClr val="accent1"/>
+          </a:effectRef>
+          <a:fontRef idx="minor">
+            <a:schemeClr val="lt1"/>
+          </a:fontRef>
+        </p:style>
+        <p:txBody>
+          <a:bodyPr rtlCol="0" anchor="ctr"/>
+          <a:lstStyle/>
+          <a:p>
+            <a:pPr algn="ctr"/>
+            <a:r>
+              <a:rPr kumimoji="1" lang="en-US" altLang="ja-JP" sz="2000" dirty="0"/>
+              <a:t>L</a:t>
+            </a:r>
+            <a:endParaRPr kumimoji="1" lang="ja-JP" altLang="en-US" sz="2000" dirty="0"/>
+          </a:p>
+        </p:txBody>
+      </p:sp>
+      <p:sp>
+        <p:nvSpPr>
+          <p:cNvPr id="21" name="Oval 20"/>
+          <p:cNvSpPr/>
+          <p:nvPr/>
+        </p:nvSpPr>
+        <p:spPr>
+          <a:xfrm>
+            <a:off x="4117818" y="4479311"/>
+            <a:ext cx="692303" cy="692303"/>
+          </a:xfrm>
+          <a:prstGeom prst="ellipse">
+            <a:avLst/>
+          </a:prstGeom>
+        </p:spPr>
+        <p:style>
+          <a:lnRef idx="2">
+            <a:schemeClr val="accent1">
+              <a:shade val="50000"/>
+            </a:schemeClr>
+          </a:lnRef>
+          <a:fillRef idx="1">
+            <a:schemeClr val="accent1"/>
+          </a:fillRef>
+          <a:effectRef idx="0">
+            <a:schemeClr val="accent1"/>
+          </a:effectRef>
+          <a:fontRef idx="minor">
+            <a:schemeClr val="lt1"/>
+          </a:fontRef>
+        </p:style>
+        <p:txBody>
+          <a:bodyPr rtlCol="0" anchor="ctr"/>
+          <a:lstStyle/>
+          <a:p>
+            <a:pPr algn="ctr"/>
+            <a:r>
+              <a:rPr kumimoji="1" lang="en-US" altLang="ja-JP" sz="2000" dirty="0"/>
+              <a:t>F</a:t>
+            </a:r>
+            <a:endParaRPr kumimoji="1" lang="ja-JP" altLang="en-US" sz="2000" dirty="0"/>
+          </a:p>
+        </p:txBody>
+      </p:sp>
+      <p:sp>
+        <p:nvSpPr>
+          <p:cNvPr id="22" name="Oval 21"/>
+          <p:cNvSpPr/>
+          <p:nvPr/>
+        </p:nvSpPr>
+        <p:spPr>
+          <a:xfrm>
+            <a:off x="4463969" y="5681776"/>
+            <a:ext cx="692303" cy="692303"/>
+          </a:xfrm>
+          <a:prstGeom prst="ellipse">
+            <a:avLst/>
+          </a:prstGeom>
+        </p:spPr>
+        <p:style>
+          <a:lnRef idx="2">
+            <a:schemeClr val="accent1">
+              <a:shade val="50000"/>
+            </a:schemeClr>
+          </a:lnRef>
+          <a:fillRef idx="1">
+            <a:schemeClr val="accent1"/>
+          </a:fillRef>
+          <a:effectRef idx="0">
+            <a:schemeClr val="accent1"/>
+          </a:effectRef>
+          <a:fontRef idx="minor">
+            <a:schemeClr val="lt1"/>
+          </a:fontRef>
+        </p:style>
+        <p:txBody>
+          <a:bodyPr rtlCol="0" anchor="ctr"/>
+          <a:lstStyle/>
+          <a:p>
+            <a:pPr algn="ctr"/>
+            <a:r>
+              <a:rPr kumimoji="1" lang="en-US" altLang="ja-JP" sz="2000" dirty="0"/>
+              <a:t>S</a:t>
+            </a:r>
+            <a:endParaRPr kumimoji="1" lang="ja-JP" altLang="en-US" sz="2000" dirty="0"/>
+          </a:p>
+        </p:txBody>
+      </p:sp>
+      <p:sp>
+        <p:nvSpPr>
+          <p:cNvPr id="23" name="Oval 22"/>
+          <p:cNvSpPr/>
+          <p:nvPr/>
+        </p:nvSpPr>
+        <p:spPr>
+          <a:xfrm>
+            <a:off x="5919709" y="5264689"/>
+            <a:ext cx="692303" cy="692303"/>
+          </a:xfrm>
+          <a:prstGeom prst="ellipse">
+            <a:avLst/>
+          </a:prstGeom>
+        </p:spPr>
+        <p:style>
+          <a:lnRef idx="2">
+            <a:schemeClr val="accent1">
+              <a:shade val="50000"/>
+            </a:schemeClr>
+          </a:lnRef>
+          <a:fillRef idx="1">
+            <a:schemeClr val="accent1"/>
+          </a:fillRef>
+          <a:effectRef idx="0">
+            <a:schemeClr val="accent1"/>
+          </a:effectRef>
+          <a:fontRef idx="minor">
+            <a:schemeClr val="lt1"/>
+          </a:fontRef>
+        </p:style>
+        <p:txBody>
+          <a:bodyPr rtlCol="0" anchor="ctr"/>
+          <a:lstStyle/>
+          <a:p>
+            <a:pPr algn="ctr"/>
+            <a:r>
+              <a:rPr kumimoji="1" lang="en-US" altLang="ja-JP" sz="2000" dirty="0" err="1"/>
+              <a:t>Bs</a:t>
+            </a:r>
+            <a:endParaRPr kumimoji="1" lang="en-US" altLang="ja-JP" sz="2000" dirty="0"/>
+          </a:p>
+        </p:txBody>
+      </p:sp>
+      <p:sp>
+        <p:nvSpPr>
+          <p:cNvPr id="7" name="Oval 6"/>
+          <p:cNvSpPr/>
+          <p:nvPr/>
+        </p:nvSpPr>
+        <p:spPr>
+          <a:xfrm>
+            <a:off x="8124496" y="3679722"/>
+            <a:ext cx="1518614" cy="1345862"/>
+          </a:xfrm>
+          <a:prstGeom prst="ellipse">
+            <a:avLst/>
+          </a:prstGeom>
+          <a:noFill/>
+          <a:ln w="82550">
+            <a:solidFill>
+              <a:schemeClr val="accent3"/>
+            </a:solidFill>
+          </a:ln>
+        </p:spPr>
+        <p:style>
+          <a:lnRef idx="2">
+            <a:schemeClr val="accent1">
+              <a:shade val="50000"/>
+            </a:schemeClr>
+          </a:lnRef>
+          <a:fillRef idx="1">
+            <a:schemeClr val="accent1"/>
+          </a:fillRef>
+          <a:effectRef idx="0">
+            <a:schemeClr val="accent1"/>
+          </a:effectRef>
+          <a:fontRef idx="minor">
+            <a:schemeClr val="lt1"/>
+          </a:fontRef>
+        </p:style>
+        <p:txBody>
+          <a:bodyPr rtlCol="0" anchor="ctr"/>
+          <a:lstStyle/>
+          <a:p>
+            <a:pPr algn="ctr"/>
+            <a:endParaRPr kumimoji="1" lang="ja-JP" altLang="en-US"/>
+          </a:p>
+        </p:txBody>
+      </p:sp>
+    </p:spTree>
+    <p:extLst>
+      <p:ext uri="{BB962C8B-B14F-4D97-AF65-F5344CB8AC3E}">
+        <p14:creationId xmlns:p14="http://schemas.microsoft.com/office/powerpoint/2010/main" val="3226959073"/>
+      </p:ext>
+    </p:extLst>
+  </p:cSld>
+  <p:clrMapOvr>
+    <a:masterClrMapping/>
+  </p:clrMapOvr>
+</p:sld>
+</file>
+
+<file path=ppt/slides/slide17.xml><?xml version="1.0" encoding="utf-8"?>
+<p:sld xmlns:a="http://schemas.openxmlformats.org/drawingml/2006/main" xmlns:r="http://schemas.openxmlformats.org/officeDocument/2006/relationships" xmlns:p="http://schemas.openxmlformats.org/presentationml/2006/main">
+  <p:cSld>
+    <p:spTree>
+      <p:nvGrpSpPr>
+        <p:cNvPr id="1" name=""/>
+        <p:cNvGrpSpPr/>
+        <p:nvPr/>
+      </p:nvGrpSpPr>
+      <p:grpSpPr>
+        <a:xfrm>
+          <a:off x="0" y="0"/>
+          <a:ext cx="0" cy="0"/>
+          <a:chOff x="0" y="0"/>
+          <a:chExt cx="0" cy="0"/>
+        </a:xfrm>
+      </p:grpSpPr>
+      <p:sp>
+        <p:nvSpPr>
+          <p:cNvPr id="2" name="Title 1"/>
+          <p:cNvSpPr>
+            <a:spLocks noGrp="1"/>
+          </p:cNvSpPr>
+          <p:nvPr>
+            <p:ph type="title"/>
+          </p:nvPr>
+        </p:nvSpPr>
+        <p:spPr/>
+        <p:txBody>
+          <a:bodyPr/>
+          <a:lstStyle/>
+          <a:p>
+            <a:r>
+              <a:rPr kumimoji="1" lang="en-US" altLang="ja-JP" dirty="0"/>
+              <a:t>D</a:t>
+            </a:r>
+            <a:endParaRPr kumimoji="1" lang="ja-JP" altLang="en-US" dirty="0"/>
+          </a:p>
+        </p:txBody>
+      </p:sp>
+      <p:graphicFrame>
+        <p:nvGraphicFramePr>
+          <p:cNvPr id="4" name="Chart 3"/>
+          <p:cNvGraphicFramePr>
+            <a:graphicFrameLocks/>
+          </p:cNvGraphicFramePr>
+          <p:nvPr>
+            <p:extLst/>
+          </p:nvPr>
+        </p:nvGraphicFramePr>
+        <p:xfrm>
+          <a:off x="680321" y="1981646"/>
+          <a:ext cx="11098248" cy="4788056"/>
+        </p:xfrm>
+        <a:graphic>
+          <a:graphicData uri="http://schemas.openxmlformats.org/drawingml/2006/chart">
+            <c:chart xmlns:c="http://schemas.openxmlformats.org/drawingml/2006/chart" xmlns:r="http://schemas.openxmlformats.org/officeDocument/2006/relationships" r:id="rId2"/>
+          </a:graphicData>
+        </a:graphic>
+      </p:graphicFrame>
+    </p:spTree>
+    <p:extLst>
+      <p:ext uri="{BB962C8B-B14F-4D97-AF65-F5344CB8AC3E}">
+        <p14:creationId xmlns:p14="http://schemas.microsoft.com/office/powerpoint/2010/main" val="3644870717"/>
+      </p:ext>
+    </p:extLst>
+  </p:cSld>
+  <p:clrMapOvr>
+    <a:masterClrMapping/>
+  </p:clrMapOvr>
+</p:sld>
+</file>
+
+<file path=ppt/slides/slide18.xml><?xml version="1.0" encoding="utf-8"?>
 <p:sld xmlns:a="http://schemas.openxmlformats.org/drawingml/2006/main" xmlns:r="http://schemas.openxmlformats.org/officeDocument/2006/relationships" xmlns:p="http://schemas.openxmlformats.org/presentationml/2006/main">
   <p:cSld>
     <p:spTree>
@@ -44731,7 +49713,7 @@
 </p:sld>
 </file>
 
-<file path=ppt/slides/slide14.xml><?xml version="1.0" encoding="utf-8"?>
+<file path=ppt/slides/slide19.xml><?xml version="1.0" encoding="utf-8"?>
 <p:sld xmlns:a="http://schemas.openxmlformats.org/drawingml/2006/main" xmlns:r="http://schemas.openxmlformats.org/officeDocument/2006/relationships" xmlns:p="http://schemas.openxmlformats.org/presentationml/2006/main">
   <p:cSld>
     <p:spTree>
@@ -44816,7 +49798,232 @@
 </p:sld>
 </file>
 
-<file path=ppt/slides/slide15.xml><?xml version="1.0" encoding="utf-8"?>
+<file path=ppt/slides/slide2.xml><?xml version="1.0" encoding="utf-8"?>
+<p:sld xmlns:a="http://schemas.openxmlformats.org/drawingml/2006/main" xmlns:r="http://schemas.openxmlformats.org/officeDocument/2006/relationships" xmlns:p="http://schemas.openxmlformats.org/presentationml/2006/main">
+  <p:cSld>
+    <p:spTree>
+      <p:nvGrpSpPr>
+        <p:cNvPr id="1" name=""/>
+        <p:cNvGrpSpPr/>
+        <p:nvPr/>
+      </p:nvGrpSpPr>
+      <p:grpSpPr>
+        <a:xfrm>
+          <a:off x="0" y="0"/>
+          <a:ext cx="0" cy="0"/>
+          <a:chOff x="0" y="0"/>
+          <a:chExt cx="0" cy="0"/>
+        </a:xfrm>
+      </p:grpSpPr>
+      <p:sp>
+        <p:nvSpPr>
+          <p:cNvPr id="2" name="Title 1"/>
+          <p:cNvSpPr>
+            <a:spLocks noGrp="1"/>
+          </p:cNvSpPr>
+          <p:nvPr>
+            <p:ph type="title"/>
+          </p:nvPr>
+        </p:nvSpPr>
+        <p:spPr/>
+        <p:txBody>
+          <a:bodyPr/>
+          <a:lstStyle/>
+          <a:p>
+            <a:r>
+              <a:rPr kumimoji="1" lang="ja-JP" altLang="en-US" dirty="0"/>
+              <a:t>選手紹介</a:t>
+            </a:r>
+          </a:p>
+        </p:txBody>
+      </p:sp>
+      <p:sp>
+        <p:nvSpPr>
+          <p:cNvPr id="3" name="Content Placeholder 2"/>
+          <p:cNvSpPr>
+            <a:spLocks noGrp="1"/>
+          </p:cNvSpPr>
+          <p:nvPr>
+            <p:ph idx="1"/>
+          </p:nvPr>
+        </p:nvSpPr>
+        <p:spPr>
+          <a:xfrm>
+            <a:off x="680321" y="2336872"/>
+            <a:ext cx="9613861" cy="4292527"/>
+          </a:xfrm>
+        </p:spPr>
+        <p:txBody>
+          <a:bodyPr>
+            <a:normAutofit/>
+          </a:bodyPr>
+          <a:lstStyle/>
+          <a:p>
+            <a:r>
+              <a:rPr kumimoji="1" lang="ja-JP" altLang="en-US" dirty="0"/>
+              <a:t>渡邉太一 </a:t>
+            </a:r>
+            <a:r>
+              <a:rPr kumimoji="1" lang="en-US" altLang="ja-JP" dirty="0"/>
+              <a:t>(@taichiw0424)</a:t>
+            </a:r>
+            <a:endParaRPr lang="en-US" altLang="ja-JP" dirty="0"/>
+          </a:p>
+          <a:p>
+            <a:r>
+              <a:rPr lang="en-US" altLang="ja-JP" dirty="0"/>
+              <a:t>12</a:t>
+            </a:r>
+            <a:r>
+              <a:rPr lang="ja-JP" altLang="en-US" dirty="0"/>
+              <a:t>球団の監督の采配シミュレータを作るのが夢</a:t>
+            </a:r>
+            <a:br>
+              <a:rPr lang="en-US" altLang="ja-JP" dirty="0"/>
+            </a:br>
+            <a:r>
+              <a:rPr lang="ja-JP" altLang="en-US" dirty="0"/>
+              <a:t>（≠　良い采配）</a:t>
+            </a:r>
+            <a:endParaRPr lang="en-US" altLang="ja-JP" dirty="0"/>
+          </a:p>
+          <a:p>
+            <a:endParaRPr lang="en-US" altLang="ja-JP" dirty="0"/>
+          </a:p>
+          <a:p>
+            <a:r>
+              <a:rPr lang="ja-JP" altLang="en-US" dirty="0"/>
+              <a:t>過去発表</a:t>
+            </a:r>
+            <a:endParaRPr lang="en-US" altLang="ja-JP" dirty="0"/>
+          </a:p>
+          <a:p>
+            <a:pPr lvl="1"/>
+            <a:r>
+              <a:rPr lang="en-US" altLang="ja-JP" dirty="0"/>
+              <a:t>2014</a:t>
+            </a:r>
+            <a:r>
+              <a:rPr lang="ja-JP" altLang="en-US" dirty="0"/>
+              <a:t>年</a:t>
+            </a:r>
+            <a:r>
+              <a:rPr lang="en-US" altLang="ja-JP" dirty="0"/>
+              <a:t>NPB</a:t>
+            </a:r>
+            <a:r>
+              <a:rPr lang="ja-JP" altLang="en-US" dirty="0"/>
+              <a:t>たらいまわされ十傑 </a:t>
+            </a:r>
+            <a:r>
+              <a:rPr lang="en-US" altLang="ja-JP" dirty="0"/>
+              <a:t>:</a:t>
+            </a:r>
+            <a:r>
+              <a:rPr lang="ja-JP" altLang="en-US" dirty="0"/>
+              <a:t>　守備位置・打順が不定の皆様について</a:t>
+            </a:r>
+            <a:br>
+              <a:rPr lang="en-US" altLang="ja-JP" dirty="0"/>
+            </a:br>
+            <a:r>
+              <a:rPr lang="ja-JP" altLang="en-US" dirty="0"/>
+              <a:t>（</a:t>
+            </a:r>
+            <a:r>
+              <a:rPr lang="en-US" altLang="ja-JP" dirty="0">
+                <a:hlinkClick r:id="rId2"/>
+              </a:rPr>
+              <a:t>https://www.slideshare.net/TaichiWatanabe/bp-46218147</a:t>
+            </a:r>
+            <a:r>
+              <a:rPr lang="ja-JP" altLang="en-US" dirty="0"/>
+              <a:t>）</a:t>
+            </a:r>
+            <a:endParaRPr lang="en-US" altLang="ja-JP" dirty="0"/>
+          </a:p>
+          <a:p>
+            <a:pPr lvl="1"/>
+            <a:r>
+              <a:rPr lang="ja-JP" altLang="en-US" dirty="0"/>
+              <a:t>「エース」と「ローテーション」 </a:t>
+            </a:r>
+            <a:r>
+              <a:rPr lang="en-US" altLang="ja-JP" dirty="0"/>
+              <a:t>:</a:t>
+            </a:r>
+            <a:r>
+              <a:rPr lang="ja-JP" altLang="en-US" dirty="0"/>
+              <a:t>　エースは何曜日に投げるのか</a:t>
+            </a:r>
+            <a:br>
+              <a:rPr lang="en-US" altLang="ja-JP" dirty="0"/>
+            </a:br>
+            <a:r>
+              <a:rPr lang="ja-JP" altLang="en-US" dirty="0"/>
+              <a:t>（</a:t>
+            </a:r>
+            <a:r>
+              <a:rPr lang="en-US" altLang="ja-JP" dirty="0">
+                <a:hlinkClick r:id="rId3"/>
+              </a:rPr>
+              <a:t>https://www.slideshare.net/TaichiWatanabe/ss-59931194</a:t>
+            </a:r>
+            <a:r>
+              <a:rPr lang="ja-JP" altLang="en-US" dirty="0"/>
+              <a:t>）</a:t>
+            </a:r>
+            <a:endParaRPr lang="en-US" altLang="ja-JP" dirty="0"/>
+          </a:p>
+          <a:p>
+            <a:pPr lvl="1"/>
+            <a:r>
+              <a:rPr lang="ja-JP" altLang="en-US" dirty="0"/>
+              <a:t>あの選手なんでスタメン外されたん？ </a:t>
+            </a:r>
+            <a:r>
+              <a:rPr lang="en-US" altLang="ja-JP" dirty="0"/>
+              <a:t>:</a:t>
+            </a:r>
+            <a:r>
+              <a:rPr lang="ja-JP" altLang="en-US" dirty="0"/>
+              <a:t>　結論→梨田監督は左右病であった</a:t>
+            </a:r>
+            <a:br>
+              <a:rPr lang="en-US" altLang="ja-JP" dirty="0"/>
+            </a:br>
+            <a:r>
+              <a:rPr lang="ja-JP" altLang="en-US" dirty="0"/>
+              <a:t>（</a:t>
+            </a:r>
+            <a:r>
+              <a:rPr lang="en-US" altLang="ja-JP" dirty="0">
+                <a:hlinkClick r:id="rId4"/>
+              </a:rPr>
+              <a:t>https://www.slideshare.net/TaichiWatanabe/ss-70199200</a:t>
+            </a:r>
+            <a:r>
+              <a:rPr lang="ja-JP" altLang="en-US" dirty="0"/>
+              <a:t>）</a:t>
+            </a:r>
+            <a:endParaRPr lang="en-US" altLang="ja-JP" dirty="0"/>
+          </a:p>
+        </p:txBody>
+      </p:sp>
+    </p:spTree>
+    <p:extLst>
+      <p:ext uri="{BB962C8B-B14F-4D97-AF65-F5344CB8AC3E}">
+        <p14:creationId xmlns:p14="http://schemas.microsoft.com/office/powerpoint/2010/main" val="2885066667"/>
+      </p:ext>
+    </p:extLst>
+  </p:cSld>
+  <p:clrMapOvr>
+    <a:masterClrMapping/>
+  </p:clrMapOvr>
+</p:sld>
+</file>
+
+<file path=ppt/slides/slide20.xml><?xml version="1.0" encoding="utf-8"?>
 <p:sld xmlns:a="http://schemas.openxmlformats.org/drawingml/2006/main" xmlns:r="http://schemas.openxmlformats.org/officeDocument/2006/relationships" xmlns:p="http://schemas.openxmlformats.org/presentationml/2006/main">
   <p:cSld>
     <p:spTree>
@@ -45978,7 +51185,7 @@
 </p:sld>
 </file>
 
-<file path=ppt/slides/slide16.xml><?xml version="1.0" encoding="utf-8"?>
+<file path=ppt/slides/slide21.xml><?xml version="1.0" encoding="utf-8"?>
 <p:sld xmlns:a="http://schemas.openxmlformats.org/drawingml/2006/main" xmlns:r="http://schemas.openxmlformats.org/officeDocument/2006/relationships" xmlns:p="http://schemas.openxmlformats.org/presentationml/2006/main">
   <p:cSld>
     <p:spTree>
@@ -48012,7 +53219,132 @@
 </p:sld>
 </file>
 
-<file path=ppt/slides/slide17.xml><?xml version="1.0" encoding="utf-8"?>
+<file path=ppt/slides/slide22.xml><?xml version="1.0" encoding="utf-8"?>
+<p:sld xmlns:a="http://schemas.openxmlformats.org/drawingml/2006/main" xmlns:r="http://schemas.openxmlformats.org/officeDocument/2006/relationships" xmlns:p="http://schemas.openxmlformats.org/presentationml/2006/main">
+  <p:cSld>
+    <p:spTree>
+      <p:nvGrpSpPr>
+        <p:cNvPr id="1" name=""/>
+        <p:cNvGrpSpPr/>
+        <p:nvPr/>
+      </p:nvGrpSpPr>
+      <p:grpSpPr>
+        <a:xfrm>
+          <a:off x="0" y="0"/>
+          <a:ext cx="0" cy="0"/>
+          <a:chOff x="0" y="0"/>
+          <a:chExt cx="0" cy="0"/>
+        </a:xfrm>
+      </p:grpSpPr>
+      <p:sp>
+        <p:nvSpPr>
+          <p:cNvPr id="2" name="Title 1"/>
+          <p:cNvSpPr>
+            <a:spLocks noGrp="1"/>
+          </p:cNvSpPr>
+          <p:nvPr>
+            <p:ph type="title"/>
+          </p:nvPr>
+        </p:nvSpPr>
+        <p:spPr/>
+        <p:txBody>
+          <a:bodyPr/>
+          <a:lstStyle/>
+          <a:p>
+            <a:r>
+              <a:rPr kumimoji="1" lang="ja-JP" altLang="en-US" dirty="0"/>
+              <a:t>補足：プレゼン内の数値について</a:t>
+            </a:r>
+          </a:p>
+        </p:txBody>
+      </p:sp>
+      <p:sp>
+        <p:nvSpPr>
+          <p:cNvPr id="3" name="Content Placeholder 2"/>
+          <p:cNvSpPr>
+            <a:spLocks noGrp="1"/>
+          </p:cNvSpPr>
+          <p:nvPr>
+            <p:ph idx="1"/>
+          </p:nvPr>
+        </p:nvSpPr>
+        <p:spPr>
+          <a:xfrm>
+            <a:off x="680321" y="2165422"/>
+            <a:ext cx="10429639" cy="4315387"/>
+          </a:xfrm>
+        </p:spPr>
+        <p:txBody>
+          <a:bodyPr>
+            <a:normAutofit/>
+          </a:bodyPr>
+          <a:lstStyle/>
+          <a:p>
+            <a:pPr marL="0" indent="0">
+              <a:buNone/>
+            </a:pPr>
+            <a:r>
+              <a:rPr kumimoji="1" lang="ja-JP" altLang="en-US" dirty="0"/>
+              <a:t>得点・打点</a:t>
+            </a:r>
+            <a:endParaRPr kumimoji="1" lang="en-US" altLang="ja-JP" dirty="0"/>
+          </a:p>
+          <a:p>
+            <a:r>
+              <a:rPr kumimoji="1" lang="en-US" altLang="ja-JP" dirty="0"/>
+              <a:t>2017</a:t>
+            </a:r>
+            <a:r>
+              <a:rPr kumimoji="1" lang="ja-JP" altLang="en-US" dirty="0"/>
+              <a:t>年レギュラーシーズン</a:t>
+            </a:r>
+            <a:r>
+              <a:rPr kumimoji="1" lang="en-US" altLang="ja-JP" dirty="0"/>
+              <a:t>143</a:t>
+            </a:r>
+            <a:r>
+              <a:rPr kumimoji="1" lang="ja-JP" altLang="en-US" dirty="0"/>
+              <a:t>試合の成績を使用</a:t>
+            </a:r>
+            <a:endParaRPr kumimoji="1" lang="en-US" altLang="ja-JP" dirty="0"/>
+          </a:p>
+          <a:p>
+            <a:r>
+              <a:rPr lang="ja-JP" altLang="en-US" dirty="0"/>
+              <a:t>各打順で「スタメン出場した」選手の成績のみを使用</a:t>
+            </a:r>
+            <a:endParaRPr lang="en-US" altLang="ja-JP" dirty="0"/>
+          </a:p>
+          <a:p>
+            <a:r>
+              <a:rPr lang="ja-JP" altLang="en-US" dirty="0"/>
+              <a:t>途中交代選手の得点・打点は加算していない</a:t>
+            </a:r>
+            <a:endParaRPr lang="en-US" altLang="ja-JP" dirty="0"/>
+          </a:p>
+          <a:p>
+            <a:r>
+              <a:rPr lang="ja-JP" altLang="en-US" dirty="0"/>
+              <a:t>上記、スタメンの得点・打点の総計を算出し、打順ごとの割合を求めている</a:t>
+            </a:r>
+            <a:endParaRPr lang="en-US" altLang="ja-JP" dirty="0"/>
+          </a:p>
+        </p:txBody>
+      </p:sp>
+    </p:spTree>
+    <p:extLst>
+      <p:ext uri="{BB962C8B-B14F-4D97-AF65-F5344CB8AC3E}">
+        <p14:creationId xmlns:p14="http://schemas.microsoft.com/office/powerpoint/2010/main" val="3865547597"/>
+      </p:ext>
+    </p:extLst>
+  </p:cSld>
+  <p:clrMapOvr>
+    <a:masterClrMapping/>
+  </p:clrMapOvr>
+</p:sld>
+</file>
+
+<file path=ppt/slides/slide23.xml><?xml version="1.0" encoding="utf-8"?>
 <p:sld xmlns:a="http://schemas.openxmlformats.org/drawingml/2006/main" xmlns:r="http://schemas.openxmlformats.org/officeDocument/2006/relationships" xmlns:p="http://schemas.openxmlformats.org/presentationml/2006/main">
   <p:cSld>
     <p:spTree>
@@ -48077,50 +53409,69 @@
               <a:buNone/>
             </a:pPr>
             <a:r>
-              <a:rPr kumimoji="1" lang="ja-JP" altLang="en-US" dirty="0"/>
-              <a:t>得点・打点</a:t>
-            </a:r>
-            <a:endParaRPr kumimoji="1" lang="en-US" altLang="ja-JP" dirty="0"/>
-          </a:p>
-          <a:p>
-            <a:r>
-              <a:rPr kumimoji="1" lang="en-US" altLang="ja-JP" dirty="0"/>
-              <a:t>2017</a:t>
-            </a:r>
-            <a:r>
-              <a:rPr kumimoji="1" lang="ja-JP" altLang="en-US" dirty="0"/>
-              <a:t>年レギュラーシーズン</a:t>
-            </a:r>
-            <a:r>
-              <a:rPr kumimoji="1" lang="en-US" altLang="ja-JP" dirty="0"/>
-              <a:t>143</a:t>
-            </a:r>
-            <a:r>
-              <a:rPr kumimoji="1" lang="ja-JP" altLang="en-US" dirty="0"/>
-              <a:t>試合の成績を使用</a:t>
+              <a:rPr lang="ja-JP" altLang="en-US" dirty="0"/>
+              <a:t>打線分布の距離</a:t>
             </a:r>
             <a:endParaRPr kumimoji="1" lang="en-US" altLang="ja-JP" dirty="0"/>
           </a:p>
           <a:p>
             <a:r>
               <a:rPr lang="ja-JP" altLang="en-US" dirty="0"/>
-              <a:t>各打順で「スタメン出場した」選手の成績のみを使用</a:t>
+              <a:t>各チームの打線分布を９次元のベクトルとみなす</a:t>
             </a:r>
             <a:endParaRPr lang="en-US" altLang="ja-JP" dirty="0"/>
           </a:p>
           <a:p>
             <a:r>
               <a:rPr lang="ja-JP" altLang="en-US" dirty="0"/>
-              <a:t>途中交代選手の得点・打点は加算していない</a:t>
+              <a:t>平方ユークリッド距離をチーム間毎に算出</a:t>
             </a:r>
             <a:endParaRPr lang="en-US" altLang="ja-JP" dirty="0"/>
           </a:p>
           <a:p>
             <a:r>
               <a:rPr lang="ja-JP" altLang="en-US" dirty="0"/>
-              <a:t>上記、スタメンの得点・打点の総計を算出し、打順ごとの割合を求めている</a:t>
+              <a:t>無向グラフの描画には、</a:t>
+            </a:r>
+            <a:r>
+              <a:rPr lang="en-US" altLang="ja-JP" dirty="0"/>
+              <a:t>python3, </a:t>
+            </a:r>
+            <a:r>
+              <a:rPr lang="en-US" altLang="ja-JP" dirty="0" err="1"/>
+              <a:t>networkx</a:t>
+            </a:r>
+            <a:r>
+              <a:rPr lang="en-US" altLang="ja-JP" dirty="0"/>
+              <a:t>, </a:t>
+            </a:r>
+            <a:r>
+              <a:rPr lang="en-US" altLang="ja-JP" dirty="0" err="1"/>
+              <a:t>matplotlib</a:t>
+            </a:r>
+            <a:r>
+              <a:rPr lang="en-US" altLang="ja-JP" dirty="0"/>
+              <a:t> </a:t>
+            </a:r>
+            <a:r>
+              <a:rPr lang="ja-JP" altLang="en-US" dirty="0"/>
+              <a:t>を使用</a:t>
             </a:r>
             <a:endParaRPr lang="en-US" altLang="ja-JP" dirty="0"/>
+          </a:p>
+          <a:p>
+            <a:pPr lvl="1"/>
+            <a:r>
+              <a:rPr lang="en-US" altLang="ja-JP" dirty="0"/>
+              <a:t>https://github.com/taichiw/baseball201712/blob/master/python/networkx_test.py</a:t>
+            </a:r>
+          </a:p>
+          <a:p>
+            <a:r>
+              <a:rPr lang="ja-JP" altLang="en-US" dirty="0"/>
+              <a:t>何度か走らせて偶然描けた奇跡の一枚。再現性は「ない」</a:t>
+            </a:r>
+            <a:endParaRPr lang="en-US" altLang="ja-JP" b="1" dirty="0"/>
           </a:p>
           <a:p>
             <a:endParaRPr lang="en-US" altLang="ja-JP" dirty="0"/>
@@ -48138,30 +53489,7 @@
           <a:p>
             <a:r>
               <a:rPr lang="ja-JP" altLang="en-US" dirty="0"/>
-              <a:t>各球団の打順</a:t>
-            </a:r>
-            <a:r>
-              <a:rPr lang="en-US" altLang="ja-JP" dirty="0"/>
-              <a:t>-</a:t>
-            </a:r>
-            <a:r>
-              <a:rPr lang="ja-JP" altLang="en-US" dirty="0"/>
-              <a:t>打点分布を</a:t>
-            </a:r>
-            <a:r>
-              <a:rPr lang="en-US" altLang="ja-JP" dirty="0"/>
-              <a:t>9</a:t>
-            </a:r>
-            <a:r>
-              <a:rPr lang="ja-JP" altLang="en-US" dirty="0"/>
-              <a:t>次元のベクトルとする</a:t>
-            </a:r>
-            <a:endParaRPr lang="en-US" altLang="ja-JP" dirty="0"/>
-          </a:p>
-          <a:p>
-            <a:r>
-              <a:rPr lang="ja-JP" altLang="en-US" dirty="0"/>
-              <a:t>中日との平方ユークリッド距離をそれぞれ算出 </a:t>
+              <a:t>中日と各球団の平方ユークリッド距離をそれぞれ算出　</a:t>
             </a:r>
             <a:r>
               <a:rPr lang="en-US" altLang="ja-JP" dirty="0"/>
@@ -48208,7 +53536,7 @@
     </p:spTree>
     <p:extLst>
       <p:ext uri="{BB962C8B-B14F-4D97-AF65-F5344CB8AC3E}">
-        <p14:creationId xmlns:p14="http://schemas.microsoft.com/office/powerpoint/2010/main" val="3865547597"/>
+        <p14:creationId xmlns:p14="http://schemas.microsoft.com/office/powerpoint/2010/main" val="3135619047"/>
       </p:ext>
     </p:extLst>
   </p:cSld>
@@ -48218,7 +53546,7 @@
 </p:sld>
 </file>
 
-<file path=ppt/slides/slide2.xml><?xml version="1.0" encoding="utf-8"?>
+<file path=ppt/slides/slide3.xml><?xml version="1.0" encoding="utf-8"?>
 <p:sld xmlns:a="http://schemas.openxmlformats.org/drawingml/2006/main" xmlns:r="http://schemas.openxmlformats.org/officeDocument/2006/relationships" xmlns:p="http://schemas.openxmlformats.org/presentationml/2006/main">
   <p:cSld>
     <p:spTree>
@@ -48269,7 +53597,9 @@
         </p:nvSpPr>
         <p:spPr/>
         <p:txBody>
-          <a:bodyPr/>
+          <a:bodyPr>
+            <a:normAutofit/>
+          </a:bodyPr>
           <a:lstStyle/>
           <a:p>
             <a:r>
@@ -48279,24 +53609,6 @@
             <a:r>
               <a:rPr kumimoji="1" lang="en-US" altLang="ja-JP" dirty="0"/>
               <a:t>(@taichiw0424)</a:t>
-            </a:r>
-            <a:endParaRPr lang="en-US" altLang="ja-JP" dirty="0"/>
-          </a:p>
-          <a:p>
-            <a:r>
-              <a:rPr lang="en-US" altLang="ja-JP" dirty="0"/>
-              <a:t>12</a:t>
-            </a:r>
-            <a:r>
-              <a:rPr lang="ja-JP" altLang="en-US" dirty="0"/>
-              <a:t>球団の監督の采配シミュレータを作るのが夢</a:t>
-            </a:r>
-            <a:br>
-              <a:rPr lang="en-US" altLang="ja-JP" dirty="0"/>
-            </a:br>
-            <a:r>
-              <a:rPr lang="ja-JP" altLang="en-US" dirty="0"/>
-              <a:t>（≠　良い采配）</a:t>
             </a:r>
             <a:endParaRPr lang="en-US" altLang="ja-JP" dirty="0"/>
           </a:p>
@@ -48349,7 +53661,7 @@
     </p:spTree>
     <p:extLst>
       <p:ext uri="{BB962C8B-B14F-4D97-AF65-F5344CB8AC3E}">
-        <p14:creationId xmlns:p14="http://schemas.microsoft.com/office/powerpoint/2010/main" val="2885066667"/>
+        <p14:creationId xmlns:p14="http://schemas.microsoft.com/office/powerpoint/2010/main" val="1676833128"/>
       </p:ext>
     </p:extLst>
   </p:cSld>
@@ -48359,7 +53671,7 @@
 </p:sld>
 </file>
 
-<file path=ppt/slides/slide3.xml><?xml version="1.0" encoding="utf-8"?>
+<file path=ppt/slides/slide4.xml><?xml version="1.0" encoding="utf-8"?>
 <p:sld xmlns:a="http://schemas.openxmlformats.org/drawingml/2006/main" xmlns:r="http://schemas.openxmlformats.org/officeDocument/2006/relationships" xmlns:p="http://schemas.openxmlformats.org/presentationml/2006/main">
   <p:cSld>
     <p:spTree>
@@ -48454,28 +53766,6 @@
             <a:endParaRPr lang="en-US" altLang="ja-JP" dirty="0"/>
           </a:p>
           <a:p>
-            <a:r>
-              <a:rPr lang="ja-JP" altLang="en-US" dirty="0"/>
-              <a:t>８月の暗黒期を経て、２番藤田という「普通の打順」にした</a:t>
-            </a:r>
-            <a:br>
-              <a:rPr lang="en-US" altLang="ja-JP" dirty="0"/>
-            </a:br>
-            <a:r>
-              <a:rPr lang="ja-JP" altLang="en-US" dirty="0"/>
-              <a:t>９月は成績が</a:t>
-            </a:r>
-            <a:r>
-              <a:rPr lang="ja-JP" altLang="en-US" dirty="0" err="1"/>
-              <a:t>そこそこ</a:t>
-            </a:r>
-            <a:r>
-              <a:rPr lang="ja-JP" altLang="en-US" dirty="0"/>
-              <a:t>回復した理由</a:t>
-            </a:r>
-            <a:endParaRPr lang="en-US" altLang="ja-JP" dirty="0"/>
-          </a:p>
-          <a:p>
             <a:pPr marL="0" indent="0">
               <a:buNone/>
             </a:pPr>
@@ -48496,7 +53786,99 @@
 </p:sld>
 </file>
 
-<file path=ppt/slides/slide4.xml><?xml version="1.0" encoding="utf-8"?>
+<file path=ppt/slides/slide5.xml><?xml version="1.0" encoding="utf-8"?>
+<p:sld xmlns:a="http://schemas.openxmlformats.org/drawingml/2006/main" xmlns:r="http://schemas.openxmlformats.org/officeDocument/2006/relationships" xmlns:p="http://schemas.openxmlformats.org/presentationml/2006/main">
+  <p:cSld>
+    <p:spTree>
+      <p:nvGrpSpPr>
+        <p:cNvPr id="1" name=""/>
+        <p:cNvGrpSpPr/>
+        <p:nvPr/>
+      </p:nvGrpSpPr>
+      <p:grpSpPr>
+        <a:xfrm>
+          <a:off x="0" y="0"/>
+          <a:ext cx="0" cy="0"/>
+          <a:chOff x="0" y="0"/>
+          <a:chExt cx="0" cy="0"/>
+        </a:xfrm>
+      </p:grpSpPr>
+      <p:sp>
+        <p:nvSpPr>
+          <p:cNvPr id="2" name="Title 1"/>
+          <p:cNvSpPr>
+            <a:spLocks noGrp="1"/>
+          </p:cNvSpPr>
+          <p:nvPr>
+            <p:ph type="title"/>
+          </p:nvPr>
+        </p:nvSpPr>
+        <p:spPr/>
+        <p:txBody>
+          <a:bodyPr/>
+          <a:lstStyle/>
+          <a:p>
+            <a:r>
+              <a:rPr kumimoji="1" lang="ja-JP" altLang="en-US" dirty="0"/>
+              <a:t>「打線」を可視化してみる</a:t>
+            </a:r>
+          </a:p>
+        </p:txBody>
+      </p:sp>
+      <p:sp>
+        <p:nvSpPr>
+          <p:cNvPr id="3" name="Content Placeholder 2"/>
+          <p:cNvSpPr>
+            <a:spLocks noGrp="1"/>
+          </p:cNvSpPr>
+          <p:nvPr>
+            <p:ph idx="1"/>
+          </p:nvPr>
+        </p:nvSpPr>
+        <p:spPr/>
+        <p:txBody>
+          <a:bodyPr/>
+          <a:lstStyle/>
+          <a:p>
+            <a:pPr marL="0" indent="0">
+              <a:buNone/>
+            </a:pPr>
+            <a:r>
+              <a:rPr kumimoji="1" lang="ja-JP" altLang="en-US" dirty="0"/>
+              <a:t>この二者がいて点が取れる</a:t>
+            </a:r>
+            <a:endParaRPr kumimoji="1" lang="en-US" altLang="ja-JP" dirty="0"/>
+          </a:p>
+          <a:p>
+            <a:r>
+              <a:rPr kumimoji="1" lang="ja-JP" altLang="en-US" dirty="0"/>
+              <a:t>出塁してホームに帰る人</a:t>
+            </a:r>
+            <a:endParaRPr kumimoji="1" lang="en-US" altLang="ja-JP" dirty="0"/>
+          </a:p>
+          <a:p>
+            <a:r>
+              <a:rPr lang="ja-JP" altLang="en-US" dirty="0"/>
+              <a:t>バットでランナーをホームに帰す人</a:t>
+            </a:r>
+            <a:endParaRPr kumimoji="1" lang="ja-JP" altLang="en-US" dirty="0"/>
+          </a:p>
+        </p:txBody>
+      </p:sp>
+    </p:spTree>
+    <p:extLst>
+      <p:ext uri="{BB962C8B-B14F-4D97-AF65-F5344CB8AC3E}">
+        <p14:creationId xmlns:p14="http://schemas.microsoft.com/office/powerpoint/2010/main" val="3952998297"/>
+      </p:ext>
+    </p:extLst>
+  </p:cSld>
+  <p:clrMapOvr>
+    <a:masterClrMapping/>
+  </p:clrMapOvr>
+</p:sld>
+</file>
+
+<file path=ppt/slides/slide6.xml><?xml version="1.0" encoding="utf-8"?>
 <p:sld xmlns:a="http://schemas.openxmlformats.org/drawingml/2006/main" xmlns:r="http://schemas.openxmlformats.org/officeDocument/2006/relationships" xmlns:p="http://schemas.openxmlformats.org/presentationml/2006/main">
   <p:cSld>
     <p:spTree>
@@ -48815,7 +54197,7 @@
 </p:sld>
 </file>
 
-<file path=ppt/slides/slide5.xml><?xml version="1.0" encoding="utf-8"?>
+<file path=ppt/slides/slide7.xml><?xml version="1.0" encoding="utf-8"?>
 <p:sld xmlns:a="http://schemas.openxmlformats.org/drawingml/2006/main" xmlns:r="http://schemas.openxmlformats.org/officeDocument/2006/relationships" xmlns:p="http://schemas.openxmlformats.org/presentationml/2006/main">
   <p:cSld>
     <p:spTree>
@@ -49054,7 +54436,11 @@
           <a:lstStyle/>
           <a:p>
             <a:pPr algn="ctr"/>
-            <a:endParaRPr kumimoji="1" lang="ja-JP" altLang="en-US"/>
+            <a:r>
+              <a:rPr kumimoji="1" lang="en-US" altLang="ja-JP" dirty="0"/>
+              <a:t>A</a:t>
+            </a:r>
+            <a:endParaRPr kumimoji="1" lang="ja-JP" altLang="en-US" dirty="0"/>
           </a:p>
         </p:txBody>
       </p:sp>
@@ -49094,7 +54480,11 @@
           <a:lstStyle/>
           <a:p>
             <a:pPr algn="ctr"/>
-            <a:endParaRPr kumimoji="1" lang="ja-JP" altLang="en-US"/>
+            <a:r>
+              <a:rPr kumimoji="1" lang="en-US" altLang="ja-JP" dirty="0"/>
+              <a:t>D</a:t>
+            </a:r>
+            <a:endParaRPr kumimoji="1" lang="ja-JP" altLang="en-US" dirty="0"/>
           </a:p>
         </p:txBody>
       </p:sp>
@@ -49134,7 +54524,11 @@
           <a:lstStyle/>
           <a:p>
             <a:pPr algn="ctr"/>
-            <a:endParaRPr kumimoji="1" lang="ja-JP" altLang="en-US"/>
+            <a:r>
+              <a:rPr kumimoji="1" lang="en-US" altLang="ja-JP" b="1" dirty="0"/>
+              <a:t>B</a:t>
+            </a:r>
+            <a:endParaRPr kumimoji="1" lang="ja-JP" altLang="en-US" b="1" dirty="0"/>
           </a:p>
         </p:txBody>
       </p:sp>
@@ -49174,7 +54568,11 @@
           <a:lstStyle/>
           <a:p>
             <a:pPr algn="ctr"/>
-            <a:endParaRPr kumimoji="1" lang="ja-JP" altLang="en-US"/>
+            <a:r>
+              <a:rPr kumimoji="1" lang="en-US" altLang="ja-JP" dirty="0"/>
+              <a:t>E</a:t>
+            </a:r>
+            <a:endParaRPr kumimoji="1" lang="ja-JP" altLang="en-US" dirty="0"/>
           </a:p>
         </p:txBody>
       </p:sp>
@@ -49214,7 +54612,11 @@
           <a:lstStyle/>
           <a:p>
             <a:pPr algn="ctr"/>
-            <a:endParaRPr kumimoji="1" lang="ja-JP" altLang="en-US"/>
+            <a:r>
+              <a:rPr kumimoji="1" lang="en-US" altLang="ja-JP" dirty="0"/>
+              <a:t>C</a:t>
+            </a:r>
+            <a:endParaRPr kumimoji="1" lang="ja-JP" altLang="en-US" dirty="0"/>
           </a:p>
         </p:txBody>
       </p:sp>
@@ -49254,7 +54656,11 @@
           <a:lstStyle/>
           <a:p>
             <a:pPr algn="ctr"/>
-            <a:endParaRPr kumimoji="1" lang="ja-JP" altLang="en-US"/>
+            <a:r>
+              <a:rPr kumimoji="1" lang="en-US" altLang="ja-JP" dirty="0"/>
+              <a:t>F</a:t>
+            </a:r>
+            <a:endParaRPr kumimoji="1" lang="ja-JP" altLang="en-US" dirty="0"/>
           </a:p>
         </p:txBody>
       </p:sp>
@@ -49271,7 +54677,7 @@
 </p:sld>
 </file>
 
-<file path=ppt/slides/slide6.xml><?xml version="1.0" encoding="utf-8"?>
+<file path=ppt/slides/slide8.xml><?xml version="1.0" encoding="utf-8"?>
 <p:sld xmlns:a="http://schemas.openxmlformats.org/drawingml/2006/main" xmlns:r="http://schemas.openxmlformats.org/officeDocument/2006/relationships" xmlns:p="http://schemas.openxmlformats.org/presentationml/2006/main">
   <p:cSld>
     <p:spTree>
@@ -49516,7 +54922,7 @@
 </p:sld>
 </file>
 
-<file path=ppt/slides/slide7.xml><?xml version="1.0" encoding="utf-8"?>
+<file path=ppt/slides/slide9.xml><?xml version="1.0" encoding="utf-8"?>
 <p:sld xmlns:a="http://schemas.openxmlformats.org/drawingml/2006/main" xmlns:r="http://schemas.openxmlformats.org/officeDocument/2006/relationships" xmlns:p="http://schemas.openxmlformats.org/presentationml/2006/main">
   <p:cSld>
     <p:spTree>
@@ -49751,7 +55157,11 @@
           <a:lstStyle/>
           <a:p>
             <a:pPr algn="ctr"/>
-            <a:endParaRPr kumimoji="1" lang="ja-JP" altLang="en-US"/>
+            <a:r>
+              <a:rPr kumimoji="1" lang="en-US" altLang="ja-JP" dirty="0"/>
+              <a:t>A</a:t>
+            </a:r>
+            <a:endParaRPr kumimoji="1" lang="ja-JP" altLang="en-US" dirty="0"/>
           </a:p>
         </p:txBody>
       </p:sp>
@@ -49791,7 +55201,11 @@
           <a:lstStyle/>
           <a:p>
             <a:pPr algn="ctr"/>
-            <a:endParaRPr kumimoji="1" lang="ja-JP" altLang="en-US"/>
+            <a:r>
+              <a:rPr kumimoji="1" lang="en-US" altLang="ja-JP" dirty="0"/>
+              <a:t>D</a:t>
+            </a:r>
+            <a:endParaRPr kumimoji="1" lang="ja-JP" altLang="en-US" dirty="0"/>
           </a:p>
         </p:txBody>
       </p:sp>
@@ -49831,7 +55245,11 @@
           <a:lstStyle/>
           <a:p>
             <a:pPr algn="ctr"/>
-            <a:endParaRPr kumimoji="1" lang="ja-JP" altLang="en-US"/>
+            <a:r>
+              <a:rPr kumimoji="1" lang="en-US" altLang="ja-JP" dirty="0"/>
+              <a:t>B</a:t>
+            </a:r>
+            <a:endParaRPr kumimoji="1" lang="ja-JP" altLang="en-US" dirty="0"/>
           </a:p>
         </p:txBody>
       </p:sp>
@@ -49871,7 +55289,11 @@
           <a:lstStyle/>
           <a:p>
             <a:pPr algn="ctr"/>
-            <a:endParaRPr kumimoji="1" lang="ja-JP" altLang="en-US"/>
+            <a:r>
+              <a:rPr kumimoji="1" lang="en-US" altLang="ja-JP" dirty="0"/>
+              <a:t>E</a:t>
+            </a:r>
+            <a:endParaRPr kumimoji="1" lang="ja-JP" altLang="en-US" dirty="0"/>
           </a:p>
         </p:txBody>
       </p:sp>
@@ -49911,7 +55333,11 @@
           <a:lstStyle/>
           <a:p>
             <a:pPr algn="ctr"/>
-            <a:endParaRPr kumimoji="1" lang="ja-JP" altLang="en-US"/>
+            <a:r>
+              <a:rPr kumimoji="1" lang="en-US" altLang="ja-JP" dirty="0"/>
+              <a:t>C</a:t>
+            </a:r>
+            <a:endParaRPr kumimoji="1" lang="ja-JP" altLang="en-US" dirty="0"/>
           </a:p>
         </p:txBody>
       </p:sp>
@@ -49951,7 +55377,11 @@
           <a:lstStyle/>
           <a:p>
             <a:pPr algn="ctr"/>
-            <a:endParaRPr kumimoji="1" lang="ja-JP" altLang="en-US"/>
+            <a:r>
+              <a:rPr kumimoji="1" lang="en-US" altLang="ja-JP" dirty="0"/>
+              <a:t>F</a:t>
+            </a:r>
+            <a:endParaRPr kumimoji="1" lang="ja-JP" altLang="en-US" dirty="0"/>
           </a:p>
         </p:txBody>
       </p:sp>
@@ -49959,348 +55389,6 @@
     <p:extLst>
       <p:ext uri="{BB962C8B-B14F-4D97-AF65-F5344CB8AC3E}">
         <p14:creationId xmlns:p14="http://schemas.microsoft.com/office/powerpoint/2010/main" val="1565385462"/>
-      </p:ext>
-    </p:extLst>
-  </p:cSld>
-  <p:clrMapOvr>
-    <a:masterClrMapping/>
-  </p:clrMapOvr>
-</p:sld>
-</file>
-
-<file path=ppt/slides/slide8.xml><?xml version="1.0" encoding="utf-8"?>
-<p:sld xmlns:a="http://schemas.openxmlformats.org/drawingml/2006/main" xmlns:r="http://schemas.openxmlformats.org/officeDocument/2006/relationships" xmlns:p="http://schemas.openxmlformats.org/presentationml/2006/main">
-  <p:cSld>
-    <p:spTree>
-      <p:nvGrpSpPr>
-        <p:cNvPr id="1" name=""/>
-        <p:cNvGrpSpPr/>
-        <p:nvPr/>
-      </p:nvGrpSpPr>
-      <p:grpSpPr>
-        <a:xfrm>
-          <a:off x="0" y="0"/>
-          <a:ext cx="0" cy="0"/>
-          <a:chOff x="0" y="0"/>
-          <a:chExt cx="0" cy="0"/>
-        </a:xfrm>
-      </p:grpSpPr>
-      <p:graphicFrame>
-        <p:nvGraphicFramePr>
-          <p:cNvPr id="18" name="Chart 17"/>
-          <p:cNvGraphicFramePr>
-            <a:graphicFrameLocks/>
-          </p:cNvGraphicFramePr>
-          <p:nvPr>
-            <p:extLst>
-              <p:ext uri="{D42A27DB-BD31-4B8C-83A1-F6EECF244321}">
-                <p14:modId xmlns:p14="http://schemas.microsoft.com/office/powerpoint/2010/main" val="3395968642"/>
-              </p:ext>
-            </p:extLst>
-          </p:nvPr>
-        </p:nvGraphicFramePr>
-        <p:xfrm>
-          <a:off x="7898603" y="1988820"/>
-          <a:ext cx="4138124" cy="2545435"/>
-        </p:xfrm>
-        <a:graphic>
-          <a:graphicData uri="http://schemas.openxmlformats.org/drawingml/2006/chart">
-            <c:chart xmlns:c="http://schemas.openxmlformats.org/drawingml/2006/chart" xmlns:r="http://schemas.openxmlformats.org/officeDocument/2006/relationships" r:id="rId2"/>
-          </a:graphicData>
-        </a:graphic>
-      </p:graphicFrame>
-      <p:graphicFrame>
-        <p:nvGraphicFramePr>
-          <p:cNvPr id="19" name="Chart 18"/>
-          <p:cNvGraphicFramePr>
-            <a:graphicFrameLocks/>
-          </p:cNvGraphicFramePr>
-          <p:nvPr>
-            <p:extLst>
-              <p:ext uri="{D42A27DB-BD31-4B8C-83A1-F6EECF244321}">
-                <p14:modId xmlns:p14="http://schemas.microsoft.com/office/powerpoint/2010/main" val="4255141205"/>
-              </p:ext>
-            </p:extLst>
-          </p:nvPr>
-        </p:nvGraphicFramePr>
-        <p:xfrm>
-          <a:off x="4071690" y="1988820"/>
-          <a:ext cx="4138122" cy="2545435"/>
-        </p:xfrm>
-        <a:graphic>
-          <a:graphicData uri="http://schemas.openxmlformats.org/drawingml/2006/chart">
-            <c:chart xmlns:c="http://schemas.openxmlformats.org/drawingml/2006/chart" xmlns:r="http://schemas.openxmlformats.org/officeDocument/2006/relationships" r:id="rId3"/>
-          </a:graphicData>
-        </a:graphic>
-      </p:graphicFrame>
-      <p:graphicFrame>
-        <p:nvGraphicFramePr>
-          <p:cNvPr id="20" name="Chart 19"/>
-          <p:cNvGraphicFramePr>
-            <a:graphicFrameLocks/>
-          </p:cNvGraphicFramePr>
-          <p:nvPr>
-            <p:extLst>
-              <p:ext uri="{D42A27DB-BD31-4B8C-83A1-F6EECF244321}">
-                <p14:modId xmlns:p14="http://schemas.microsoft.com/office/powerpoint/2010/main" val="1520122330"/>
-              </p:ext>
-            </p:extLst>
-          </p:nvPr>
-        </p:nvGraphicFramePr>
-        <p:xfrm>
-          <a:off x="110490" y="1988820"/>
-          <a:ext cx="4242391" cy="2545435"/>
-        </p:xfrm>
-        <a:graphic>
-          <a:graphicData uri="http://schemas.openxmlformats.org/drawingml/2006/chart">
-            <c:chart xmlns:c="http://schemas.openxmlformats.org/drawingml/2006/chart" xmlns:r="http://schemas.openxmlformats.org/officeDocument/2006/relationships" r:id="rId4"/>
-          </a:graphicData>
-        </a:graphic>
-      </p:graphicFrame>
-      <p:graphicFrame>
-        <p:nvGraphicFramePr>
-          <p:cNvPr id="21" name="Chart 20"/>
-          <p:cNvGraphicFramePr>
-            <a:graphicFrameLocks/>
-          </p:cNvGraphicFramePr>
-          <p:nvPr>
-            <p:extLst>
-              <p:ext uri="{D42A27DB-BD31-4B8C-83A1-F6EECF244321}">
-                <p14:modId xmlns:p14="http://schemas.microsoft.com/office/powerpoint/2010/main" val="2826454154"/>
-              </p:ext>
-            </p:extLst>
-          </p:nvPr>
-        </p:nvGraphicFramePr>
-        <p:xfrm>
-          <a:off x="7898605" y="4213682"/>
-          <a:ext cx="4138122" cy="2644318"/>
-        </p:xfrm>
-        <a:graphic>
-          <a:graphicData uri="http://schemas.openxmlformats.org/drawingml/2006/chart">
-            <c:chart xmlns:c="http://schemas.openxmlformats.org/drawingml/2006/chart" xmlns:r="http://schemas.openxmlformats.org/officeDocument/2006/relationships" r:id="rId5"/>
-          </a:graphicData>
-        </a:graphic>
-      </p:graphicFrame>
-      <p:graphicFrame>
-        <p:nvGraphicFramePr>
-          <p:cNvPr id="22" name="Chart 21"/>
-          <p:cNvGraphicFramePr>
-            <a:graphicFrameLocks/>
-          </p:cNvGraphicFramePr>
-          <p:nvPr>
-            <p:extLst>
-              <p:ext uri="{D42A27DB-BD31-4B8C-83A1-F6EECF244321}">
-                <p14:modId xmlns:p14="http://schemas.microsoft.com/office/powerpoint/2010/main" val="4249598475"/>
-              </p:ext>
-            </p:extLst>
-          </p:nvPr>
-        </p:nvGraphicFramePr>
-        <p:xfrm>
-          <a:off x="4071689" y="4213682"/>
-          <a:ext cx="4138123" cy="2644318"/>
-        </p:xfrm>
-        <a:graphic>
-          <a:graphicData uri="http://schemas.openxmlformats.org/drawingml/2006/chart">
-            <c:chart xmlns:c="http://schemas.openxmlformats.org/drawingml/2006/chart" xmlns:r="http://schemas.openxmlformats.org/officeDocument/2006/relationships" r:id="rId6"/>
-          </a:graphicData>
-        </a:graphic>
-      </p:graphicFrame>
-      <p:graphicFrame>
-        <p:nvGraphicFramePr>
-          <p:cNvPr id="23" name="Chart 22"/>
-          <p:cNvGraphicFramePr>
-            <a:graphicFrameLocks/>
-          </p:cNvGraphicFramePr>
-          <p:nvPr>
-            <p:extLst>
-              <p:ext uri="{D42A27DB-BD31-4B8C-83A1-F6EECF244321}">
-                <p14:modId xmlns:p14="http://schemas.microsoft.com/office/powerpoint/2010/main" val="1939495653"/>
-              </p:ext>
-            </p:extLst>
-          </p:nvPr>
-        </p:nvGraphicFramePr>
-        <p:xfrm>
-          <a:off x="110490" y="4213682"/>
-          <a:ext cx="4242391" cy="2644318"/>
-        </p:xfrm>
-        <a:graphic>
-          <a:graphicData uri="http://schemas.openxmlformats.org/drawingml/2006/chart">
-            <c:chart xmlns:c="http://schemas.openxmlformats.org/drawingml/2006/chart" xmlns:r="http://schemas.openxmlformats.org/officeDocument/2006/relationships" r:id="rId7"/>
-          </a:graphicData>
-        </a:graphic>
-      </p:graphicFrame>
-      <p:sp>
-        <p:nvSpPr>
-          <p:cNvPr id="2" name="Title 1"/>
-          <p:cNvSpPr>
-            <a:spLocks noGrp="1"/>
-          </p:cNvSpPr>
-          <p:nvPr>
-            <p:ph type="title"/>
-          </p:nvPr>
-        </p:nvSpPr>
-        <p:spPr/>
-        <p:txBody>
-          <a:bodyPr/>
-          <a:lstStyle/>
-          <a:p>
-            <a:r>
-              <a:rPr kumimoji="1" lang="ja-JP" altLang="en-US" dirty="0"/>
-              <a:t>正解</a:t>
-            </a:r>
-          </a:p>
-        </p:txBody>
-      </p:sp>
-      <p:sp>
-        <p:nvSpPr>
-          <p:cNvPr id="3" name="Oval 2"/>
-          <p:cNvSpPr/>
-          <p:nvPr/>
-        </p:nvSpPr>
-        <p:spPr>
-          <a:xfrm>
-            <a:off x="927100" y="2768600"/>
-            <a:ext cx="381000" cy="1445082"/>
-          </a:xfrm>
-          <a:prstGeom prst="ellipse">
-            <a:avLst/>
-          </a:prstGeom>
-          <a:noFill/>
-          <a:ln w="63500">
-            <a:solidFill>
-              <a:srgbClr val="FF0000"/>
-            </a:solidFill>
-          </a:ln>
-        </p:spPr>
-        <p:style>
-          <a:lnRef idx="2">
-            <a:schemeClr val="accent1">
-              <a:shade val="50000"/>
-            </a:schemeClr>
-          </a:lnRef>
-          <a:fillRef idx="1">
-            <a:schemeClr val="accent1"/>
-          </a:fillRef>
-          <a:effectRef idx="0">
-            <a:schemeClr val="accent1"/>
-          </a:effectRef>
-          <a:fontRef idx="minor">
-            <a:schemeClr val="lt1"/>
-          </a:fontRef>
-        </p:style>
-        <p:txBody>
-          <a:bodyPr rtlCol="0" anchor="ctr"/>
-          <a:lstStyle/>
-          <a:p>
-            <a:pPr algn="ctr"/>
-            <a:endParaRPr kumimoji="1" lang="ja-JP" altLang="en-US"/>
-          </a:p>
-        </p:txBody>
-      </p:sp>
-    </p:spTree>
-    <p:extLst>
-      <p:ext uri="{BB962C8B-B14F-4D97-AF65-F5344CB8AC3E}">
-        <p14:creationId xmlns:p14="http://schemas.microsoft.com/office/powerpoint/2010/main" val="527623307"/>
-      </p:ext>
-    </p:extLst>
-  </p:cSld>
-  <p:clrMapOvr>
-    <a:masterClrMapping/>
-  </p:clrMapOvr>
-</p:sld>
-</file>
-
-<file path=ppt/slides/slide9.xml><?xml version="1.0" encoding="utf-8"?>
-<p:sld xmlns:a="http://schemas.openxmlformats.org/drawingml/2006/main" xmlns:r="http://schemas.openxmlformats.org/officeDocument/2006/relationships" xmlns:p="http://schemas.openxmlformats.org/presentationml/2006/main">
-  <p:cSld>
-    <p:spTree>
-      <p:nvGrpSpPr>
-        <p:cNvPr id="1" name=""/>
-        <p:cNvGrpSpPr/>
-        <p:nvPr/>
-      </p:nvGrpSpPr>
-      <p:grpSpPr>
-        <a:xfrm>
-          <a:off x="0" y="0"/>
-          <a:ext cx="0" cy="0"/>
-          <a:chOff x="0" y="0"/>
-          <a:chExt cx="0" cy="0"/>
-        </a:xfrm>
-      </p:grpSpPr>
-      <p:sp>
-        <p:nvSpPr>
-          <p:cNvPr id="2" name="Title 1"/>
-          <p:cNvSpPr>
-            <a:spLocks noGrp="1"/>
-          </p:cNvSpPr>
-          <p:nvPr>
-            <p:ph type="title"/>
-          </p:nvPr>
-        </p:nvSpPr>
-        <p:spPr/>
-        <p:txBody>
-          <a:bodyPr/>
-          <a:lstStyle/>
-          <a:p>
-            <a:r>
-              <a:rPr kumimoji="1" lang="ja-JP" altLang="en-US" dirty="0"/>
-              <a:t>打点の分布を見ると打線の特徴が見える？</a:t>
-            </a:r>
-          </a:p>
-        </p:txBody>
-      </p:sp>
-      <p:graphicFrame>
-        <p:nvGraphicFramePr>
-          <p:cNvPr id="4" name="Chart 3"/>
-          <p:cNvGraphicFramePr>
-            <a:graphicFrameLocks/>
-          </p:cNvGraphicFramePr>
-          <p:nvPr>
-            <p:extLst>
-              <p:ext uri="{D42A27DB-BD31-4B8C-83A1-F6EECF244321}">
-                <p14:modId xmlns:p14="http://schemas.microsoft.com/office/powerpoint/2010/main" val="2723605272"/>
-              </p:ext>
-            </p:extLst>
-          </p:nvPr>
-        </p:nvGraphicFramePr>
-        <p:xfrm>
-          <a:off x="25400" y="2099979"/>
-          <a:ext cx="6096000" cy="4577267"/>
-        </p:xfrm>
-        <a:graphic>
-          <a:graphicData uri="http://schemas.openxmlformats.org/drawingml/2006/chart">
-            <c:chart xmlns:c="http://schemas.openxmlformats.org/drawingml/2006/chart" xmlns:r="http://schemas.openxmlformats.org/officeDocument/2006/relationships" r:id="rId2"/>
-          </a:graphicData>
-        </a:graphic>
-      </p:graphicFrame>
-      <p:graphicFrame>
-        <p:nvGraphicFramePr>
-          <p:cNvPr id="5" name="Chart 4"/>
-          <p:cNvGraphicFramePr>
-            <a:graphicFrameLocks/>
-          </p:cNvGraphicFramePr>
-          <p:nvPr>
-            <p:extLst>
-              <p:ext uri="{D42A27DB-BD31-4B8C-83A1-F6EECF244321}">
-                <p14:modId xmlns:p14="http://schemas.microsoft.com/office/powerpoint/2010/main" val="2100826097"/>
-              </p:ext>
-            </p:extLst>
-          </p:nvPr>
-        </p:nvGraphicFramePr>
-        <p:xfrm>
-          <a:off x="6121400" y="2099978"/>
-          <a:ext cx="6019800" cy="4577267"/>
-        </p:xfrm>
-        <a:graphic>
-          <a:graphicData uri="http://schemas.openxmlformats.org/drawingml/2006/chart">
-            <c:chart xmlns:c="http://schemas.openxmlformats.org/drawingml/2006/chart" xmlns:r="http://schemas.openxmlformats.org/officeDocument/2006/relationships" r:id="rId3"/>
-          </a:graphicData>
-        </a:graphic>
-      </p:graphicFrame>
-    </p:spTree>
-    <p:extLst>
-      <p:ext uri="{BB962C8B-B14F-4D97-AF65-F5344CB8AC3E}">
-        <p14:creationId xmlns:p14="http://schemas.microsoft.com/office/powerpoint/2010/main" val="4127096434"/>
       </p:ext>
     </p:extLst>
   </p:cSld>

--- a/2番ペゲーロとは何だったのか.pptx
+++ b/2番ペゲーロとは何だったのか.pptx
@@ -4,30 +4,37 @@
   <p:sldMasterIdLst>
     <p:sldMasterId id="2147483648" r:id="rId1"/>
   </p:sldMasterIdLst>
+  <p:notesMasterIdLst>
+    <p:notesMasterId r:id="rId29"/>
+  </p:notesMasterIdLst>
   <p:sldIdLst>
     <p:sldId id="256" r:id="rId2"/>
     <p:sldId id="257" r:id="rId3"/>
-    <p:sldId id="280" r:id="rId4"/>
-    <p:sldId id="267" r:id="rId5"/>
-    <p:sldId id="275" r:id="rId6"/>
-    <p:sldId id="260" r:id="rId7"/>
-    <p:sldId id="262" r:id="rId8"/>
-    <p:sldId id="263" r:id="rId9"/>
-    <p:sldId id="264" r:id="rId10"/>
-    <p:sldId id="265" r:id="rId11"/>
-    <p:sldId id="266" r:id="rId12"/>
-    <p:sldId id="268" r:id="rId13"/>
-    <p:sldId id="269" r:id="rId14"/>
-    <p:sldId id="277" r:id="rId15"/>
-    <p:sldId id="270" r:id="rId16"/>
-    <p:sldId id="276" r:id="rId17"/>
-    <p:sldId id="279" r:id="rId18"/>
-    <p:sldId id="271" r:id="rId19"/>
-    <p:sldId id="272" r:id="rId20"/>
-    <p:sldId id="273" r:id="rId21"/>
-    <p:sldId id="274" r:id="rId22"/>
-    <p:sldId id="261" r:id="rId23"/>
-    <p:sldId id="278" r:id="rId24"/>
+    <p:sldId id="267" r:id="rId4"/>
+    <p:sldId id="275" r:id="rId5"/>
+    <p:sldId id="260" r:id="rId6"/>
+    <p:sldId id="262" r:id="rId7"/>
+    <p:sldId id="263" r:id="rId8"/>
+    <p:sldId id="264" r:id="rId9"/>
+    <p:sldId id="265" r:id="rId10"/>
+    <p:sldId id="266" r:id="rId11"/>
+    <p:sldId id="268" r:id="rId12"/>
+    <p:sldId id="269" r:id="rId13"/>
+    <p:sldId id="277" r:id="rId14"/>
+    <p:sldId id="270" r:id="rId15"/>
+    <p:sldId id="276" r:id="rId16"/>
+    <p:sldId id="279" r:id="rId17"/>
+    <p:sldId id="271" r:id="rId18"/>
+    <p:sldId id="282" r:id="rId19"/>
+    <p:sldId id="284" r:id="rId20"/>
+    <p:sldId id="281" r:id="rId21"/>
+    <p:sldId id="261" r:id="rId22"/>
+    <p:sldId id="278" r:id="rId23"/>
+    <p:sldId id="283" r:id="rId24"/>
+    <p:sldId id="280" r:id="rId25"/>
+    <p:sldId id="272" r:id="rId26"/>
+    <p:sldId id="273" r:id="rId27"/>
+    <p:sldId id="274" r:id="rId28"/>
   </p:sldIdLst>
   <p:sldSz cx="12192000" cy="6858000"/>
   <p:notesSz cx="6858000" cy="9144000"/>
@@ -11922,7 +11929,7 @@
                   <a:bodyPr/>
                   <a:lstStyle/>
                   <a:p>
-                    <a:fld id="{7E9C4251-1831-48D2-80AC-F7DDD75D6A75}" type="CELLRANGE">
+                    <a:fld id="{AF1EE0A5-37FD-4332-8A34-7D5A8032F4E5}" type="CELLRANGE">
                       <a:rPr lang="en-US" altLang="ja-JP"/>
                       <a:pPr/>
                       <a:t>[CELLRANGE]</a:t>
@@ -11955,7 +11962,7 @@
                   <a:bodyPr/>
                   <a:lstStyle/>
                   <a:p>
-                    <a:fld id="{56B962F2-F50E-4913-9C82-082BB270ED5E}" type="CELLRANGE">
+                    <a:fld id="{D74611B3-E9CB-4109-9707-90834EF4DC5E}" type="CELLRANGE">
                       <a:rPr lang="ja-JP" altLang="en-US"/>
                       <a:pPr/>
                       <a:t>[CELLRANGE]</a:t>
@@ -11989,7 +11996,7 @@
                   <a:bodyPr/>
                   <a:lstStyle/>
                   <a:p>
-                    <a:fld id="{4976B390-7A30-4DAF-AC54-59E9D8DA9D9A}" type="CELLRANGE">
+                    <a:fld id="{CED28D26-19D0-4673-91EA-E35759BC20E3}" type="CELLRANGE">
                       <a:rPr lang="ja-JP" altLang="en-US"/>
                       <a:pPr/>
                       <a:t>[CELLRANGE]</a:t>
@@ -12023,7 +12030,7 @@
                   <a:bodyPr/>
                   <a:lstStyle/>
                   <a:p>
-                    <a:fld id="{276D976D-D164-4029-8022-39438A752D98}" type="CELLRANGE">
+                    <a:fld id="{91386BCB-863B-499A-95EE-642698E7195C}" type="CELLRANGE">
                       <a:rPr lang="ja-JP" altLang="en-US"/>
                       <a:pPr/>
                       <a:t>[CELLRANGE]</a:t>
@@ -12057,7 +12064,7 @@
                   <a:bodyPr/>
                   <a:lstStyle/>
                   <a:p>
-                    <a:fld id="{6D9E80DD-77F9-4C2D-989B-A7B81AED109A}" type="CELLRANGE">
+                    <a:fld id="{CD583775-23D0-47C2-B429-E4BC68FF9094}" type="CELLRANGE">
                       <a:rPr lang="ja-JP" altLang="en-US"/>
                       <a:pPr/>
                       <a:t>[CELLRANGE]</a:t>
@@ -12091,7 +12098,7 @@
                   <a:bodyPr/>
                   <a:lstStyle/>
                   <a:p>
-                    <a:fld id="{4F61F5E6-F5A9-470B-91BA-0B9F7FC073CE}" type="CELLRANGE">
+                    <a:fld id="{6DA0392D-DBE8-4D52-8B46-66A1AD251340}" type="CELLRANGE">
                       <a:rPr lang="ja-JP" altLang="en-US"/>
                       <a:pPr/>
                       <a:t>[CELLRANGE]</a:t>
@@ -12125,7 +12132,7 @@
                   <a:bodyPr/>
                   <a:lstStyle/>
                   <a:p>
-                    <a:fld id="{29D8467B-6D0A-49DA-8EBA-E9019B11442F}" type="CELLRANGE">
+                    <a:fld id="{09CC4964-6FBA-47B8-BAA5-2704112D5E88}" type="CELLRANGE">
                       <a:rPr lang="ja-JP" altLang="en-US"/>
                       <a:pPr/>
                       <a:t>[CELLRANGE]</a:t>
@@ -12159,7 +12166,7 @@
                   <a:bodyPr/>
                   <a:lstStyle/>
                   <a:p>
-                    <a:fld id="{52FFF490-0E48-4658-BC33-902685B9D5D0}" type="CELLRANGE">
+                    <a:fld id="{EE317169-7B68-435A-A703-DF1AC81B7A95}" type="CELLRANGE">
                       <a:rPr lang="ja-JP" altLang="en-US"/>
                       <a:pPr/>
                       <a:t>[CELLRANGE]</a:t>
@@ -12193,7 +12200,7 @@
                   <a:bodyPr/>
                   <a:lstStyle/>
                   <a:p>
-                    <a:fld id="{3CD89E11-2E33-4771-96BA-A2A2ECEEEE4B}" type="CELLRANGE">
+                    <a:fld id="{BDDFCFA6-14C7-4A93-8AC0-34E0BA8CE666}" type="CELLRANGE">
                       <a:rPr lang="ja-JP" altLang="en-US"/>
                       <a:pPr/>
                       <a:t>[CELLRANGE]</a:t>
@@ -12227,7 +12234,7 @@
                   <a:bodyPr/>
                   <a:lstStyle/>
                   <a:p>
-                    <a:fld id="{A15614C9-9962-4357-8F25-091C11083CDF}" type="CELLRANGE">
+                    <a:fld id="{E7356D6F-8347-458D-B0F1-7833B9658E3C}" type="CELLRANGE">
                       <a:rPr lang="ja-JP" altLang="en-US"/>
                       <a:pPr/>
                       <a:t>[CELLRANGE]</a:t>
@@ -12261,7 +12268,7 @@
                   <a:bodyPr/>
                   <a:lstStyle/>
                   <a:p>
-                    <a:fld id="{741A9528-D711-408D-976C-A8E9A291D836}" type="CELLRANGE">
+                    <a:fld id="{02B80742-A189-4B4B-948B-D94D1767C11A}" type="CELLRANGE">
                       <a:rPr lang="ja-JP" altLang="en-US"/>
                       <a:pPr/>
                       <a:t>[CELLRANGE]</a:t>
@@ -12295,7 +12302,7 @@
                   <a:bodyPr/>
                   <a:lstStyle/>
                   <a:p>
-                    <a:fld id="{61BEED22-690D-4336-AD60-3A49F4A39484}" type="CELLRANGE">
+                    <a:fld id="{1913EFF8-0A12-4543-AD56-300E5349427D}" type="CELLRANGE">
                       <a:rPr lang="ja-JP" altLang="en-US"/>
                       <a:pPr/>
                       <a:t>[CELLRANGE]</a:t>
@@ -13369,7 +13376,7 @@
                   <a:bodyPr/>
                   <a:lstStyle/>
                   <a:p>
-                    <a:fld id="{0FC79048-06E7-4B5C-8523-5ADFEC31E405}" type="CELLRANGE">
+                    <a:fld id="{6DA82110-1DC7-4AAD-B4A3-8E109B877C3B}" type="CELLRANGE">
                       <a:rPr lang="en-US" altLang="ja-JP"/>
                       <a:pPr/>
                       <a:t>[CELLRANGE]</a:t>
@@ -13402,7 +13409,7 @@
                   <a:bodyPr/>
                   <a:lstStyle/>
                   <a:p>
-                    <a:fld id="{E8392FC6-6275-474F-955C-17F382C3DFD3}" type="CELLRANGE">
+                    <a:fld id="{3914DFC2-B57A-4EDD-9B4D-AEFA6CB416DA}" type="CELLRANGE">
                       <a:rPr lang="ja-JP" altLang="en-US"/>
                       <a:pPr/>
                       <a:t>[CELLRANGE]</a:t>
@@ -13436,7 +13443,7 @@
                   <a:bodyPr/>
                   <a:lstStyle/>
                   <a:p>
-                    <a:fld id="{BD4A2C8B-F72B-45B3-A7D2-BBC44953C6FB}" type="CELLRANGE">
+                    <a:fld id="{1B183EE7-4447-428C-BAC5-D070DF3B8205}" type="CELLRANGE">
                       <a:rPr lang="ja-JP" altLang="en-US"/>
                       <a:pPr/>
                       <a:t>[CELLRANGE]</a:t>
@@ -13470,7 +13477,7 @@
                   <a:bodyPr/>
                   <a:lstStyle/>
                   <a:p>
-                    <a:fld id="{77F37166-AA49-4D6A-AA79-CC540F5F109C}" type="CELLRANGE">
+                    <a:fld id="{5A429547-5EE9-46B2-8496-8878D6539C86}" type="CELLRANGE">
                       <a:rPr lang="ja-JP" altLang="en-US"/>
                       <a:pPr/>
                       <a:t>[CELLRANGE]</a:t>
@@ -13504,7 +13511,7 @@
                   <a:bodyPr/>
                   <a:lstStyle/>
                   <a:p>
-                    <a:fld id="{E1B66C04-0FDB-4F92-8AA1-E30351A296A5}" type="CELLRANGE">
+                    <a:fld id="{4C9AE528-4512-47B7-A02F-D83AAF50ED46}" type="CELLRANGE">
                       <a:rPr lang="ja-JP" altLang="en-US"/>
                       <a:pPr/>
                       <a:t>[CELLRANGE]</a:t>
@@ -13538,7 +13545,7 @@
                   <a:bodyPr/>
                   <a:lstStyle/>
                   <a:p>
-                    <a:fld id="{D21A6C5D-6D22-452F-BA38-72860A8351C9}" type="CELLRANGE">
+                    <a:fld id="{F36347F0-F90C-4CCE-856E-0D16DE179E23}" type="CELLRANGE">
                       <a:rPr lang="ja-JP" altLang="en-US"/>
                       <a:pPr/>
                       <a:t>[CELLRANGE]</a:t>
@@ -13572,7 +13579,7 @@
                   <a:bodyPr/>
                   <a:lstStyle/>
                   <a:p>
-                    <a:fld id="{5F0E1BE5-E5E3-4360-B99E-B2ED7BB35278}" type="CELLRANGE">
+                    <a:fld id="{1FEED27D-3E83-4B50-944E-6F862030AF88}" type="CELLRANGE">
                       <a:rPr lang="ja-JP" altLang="en-US"/>
                       <a:pPr/>
                       <a:t>[CELLRANGE]</a:t>
@@ -13606,7 +13613,7 @@
                   <a:bodyPr/>
                   <a:lstStyle/>
                   <a:p>
-                    <a:fld id="{0490150F-1C82-46D0-8ABF-633B4BB69F33}" type="CELLRANGE">
+                    <a:fld id="{2CED43EE-A0C9-4A1E-84AE-909F27E25624}" type="CELLRANGE">
                       <a:rPr lang="ja-JP" altLang="en-US"/>
                       <a:pPr/>
                       <a:t>[CELLRANGE]</a:t>
@@ -13640,7 +13647,7 @@
                   <a:bodyPr/>
                   <a:lstStyle/>
                   <a:p>
-                    <a:fld id="{6C14C982-0DD9-467A-86E1-B24ED37F154E}" type="CELLRANGE">
+                    <a:fld id="{0EC7D9C9-7704-45E5-8971-941F178D6378}" type="CELLRANGE">
                       <a:rPr lang="ja-JP" altLang="en-US"/>
                       <a:pPr/>
                       <a:t>[CELLRANGE]</a:t>
@@ -13674,7 +13681,7 @@
                   <a:bodyPr/>
                   <a:lstStyle/>
                   <a:p>
-                    <a:fld id="{96D6FDBD-2482-45CF-9EE8-0E67A7D918D5}" type="CELLRANGE">
+                    <a:fld id="{193B276B-9B75-48EC-8799-C84757CEBDCD}" type="CELLRANGE">
                       <a:rPr lang="ja-JP" altLang="en-US"/>
                       <a:pPr/>
                       <a:t>[CELLRANGE]</a:t>
@@ -13708,7 +13715,7 @@
                   <a:bodyPr/>
                   <a:lstStyle/>
                   <a:p>
-                    <a:fld id="{D048D0C6-69A6-41D0-892D-5598B0DE3515}" type="CELLRANGE">
+                    <a:fld id="{4E4FC81A-AF07-460F-A972-6A1B415A7D3E}" type="CELLRANGE">
                       <a:rPr lang="ja-JP" altLang="en-US"/>
                       <a:pPr/>
                       <a:t>[CELLRANGE]</a:t>
@@ -13742,7 +13749,7 @@
                   <a:bodyPr/>
                   <a:lstStyle/>
                   <a:p>
-                    <a:fld id="{2B2D774A-0F44-470C-B620-B8A34090E19C}" type="CELLRANGE">
+                    <a:fld id="{3F8D50DC-FF22-4F13-A9E6-E8543801BD82}" type="CELLRANGE">
                       <a:rPr lang="ja-JP" altLang="en-US"/>
                       <a:pPr/>
                       <a:t>[CELLRANGE]</a:t>
@@ -15789,6 +15796,923 @@
 </file>
 
 <file path=ppt/charts/chart33.xml><?xml version="1.0" encoding="utf-8"?>
+<c:chartSpace xmlns:c="http://schemas.openxmlformats.org/drawingml/2006/chart" xmlns:a="http://schemas.openxmlformats.org/drawingml/2006/main" xmlns:r="http://schemas.openxmlformats.org/officeDocument/2006/relationships" xmlns:c16r2="http://schemas.microsoft.com/office/drawing/2015/06/chart">
+  <c:date1904 val="0"/>
+  <c:lang val="en-US"/>
+  <c:roundedCorners val="0"/>
+  <mc:AlternateContent xmlns:mc="http://schemas.openxmlformats.org/markup-compatibility/2006">
+    <mc:Choice xmlns:c14="http://schemas.microsoft.com/office/drawing/2007/8/2/chart" Requires="c14">
+      <c14:style val="102"/>
+    </mc:Choice>
+    <mc:Fallback>
+      <c:style val="2"/>
+    </mc:Fallback>
+  </mc:AlternateContent>
+  <c:chart>
+    <c:title>
+      <c:tx>
+        <c:rich>
+          <a:bodyPr rot="0" spcFirstLastPara="1" vertOverflow="ellipsis" vert="horz" wrap="square" anchor="ctr" anchorCtr="1"/>
+          <a:lstStyle/>
+          <a:p>
+            <a:pPr>
+              <a:defRPr sz="1862" b="0" i="0" u="none" strike="noStrike" kern="1200" cap="none" spc="20" baseline="0">
+                <a:solidFill>
+                  <a:schemeClr val="dk1">
+                    <a:lumMod val="50000"/>
+                    <a:lumOff val="50000"/>
+                  </a:schemeClr>
+                </a:solidFill>
+                <a:latin typeface="+mn-lt"/>
+                <a:ea typeface="+mn-ea"/>
+                <a:cs typeface="+mn-cs"/>
+              </a:defRPr>
+            </a:pPr>
+            <a:r>
+              <a:rPr lang="en-US"/>
+              <a:t>Dragons</a:t>
+            </a:r>
+          </a:p>
+        </c:rich>
+      </c:tx>
+      <c:overlay val="0"/>
+      <c:spPr>
+        <a:noFill/>
+        <a:ln>
+          <a:noFill/>
+        </a:ln>
+        <a:effectLst/>
+      </c:spPr>
+      <c:txPr>
+        <a:bodyPr rot="0" spcFirstLastPara="1" vertOverflow="ellipsis" vert="horz" wrap="square" anchor="ctr" anchorCtr="1"/>
+        <a:lstStyle/>
+        <a:p>
+          <a:pPr>
+            <a:defRPr sz="1862" b="0" i="0" u="none" strike="noStrike" kern="1200" cap="none" spc="20" baseline="0">
+              <a:solidFill>
+                <a:schemeClr val="dk1">
+                  <a:lumMod val="50000"/>
+                  <a:lumOff val="50000"/>
+                </a:schemeClr>
+              </a:solidFill>
+              <a:latin typeface="+mn-lt"/>
+              <a:ea typeface="+mn-ea"/>
+              <a:cs typeface="+mn-cs"/>
+            </a:defRPr>
+          </a:pPr>
+          <a:endParaRPr lang="ja-JP"/>
+        </a:p>
+      </c:txPr>
+    </c:title>
+    <c:autoTitleDeleted val="0"/>
+    <c:plotArea>
+      <c:layout/>
+      <c:lineChart>
+        <c:grouping val="standard"/>
+        <c:varyColors val="0"/>
+        <c:ser>
+          <c:idx val="0"/>
+          <c:order val="0"/>
+          <c:tx>
+            <c:v>OPS（%）</c:v>
+          </c:tx>
+          <c:spPr>
+            <a:ln w="22225" cap="rnd" cmpd="sng" algn="ctr">
+              <a:solidFill>
+                <a:schemeClr val="accent1"/>
+              </a:solidFill>
+              <a:round/>
+            </a:ln>
+            <a:effectLst/>
+          </c:spPr>
+          <c:marker>
+            <c:symbol val="none"/>
+          </c:marker>
+          <c:val>
+            <c:numRef>
+              <c:f>'長打率, OPS'!$B$31:$J$31</c:f>
+              <c:numCache>
+                <c:formatCode>General</c:formatCode>
+                <c:ptCount val="9"/>
+                <c:pt idx="0">
+                  <c:v>11.562499999999998</c:v>
+                </c:pt>
+                <c:pt idx="1">
+                  <c:v>10.093749999999998</c:v>
+                </c:pt>
+                <c:pt idx="2">
+                  <c:v>11.218749999999996</c:v>
+                </c:pt>
+                <c:pt idx="3">
+                  <c:v>15.468749999999998</c:v>
+                </c:pt>
+                <c:pt idx="4">
+                  <c:v>14.249999999999998</c:v>
+                </c:pt>
+                <c:pt idx="5">
+                  <c:v>12.218749999999998</c:v>
+                </c:pt>
+                <c:pt idx="6">
+                  <c:v>12.937499999999996</c:v>
+                </c:pt>
+                <c:pt idx="7">
+                  <c:v>8.625</c:v>
+                </c:pt>
+                <c:pt idx="8">
+                  <c:v>3.6249999999999996</c:v>
+                </c:pt>
+              </c:numCache>
+            </c:numRef>
+          </c:val>
+          <c:smooth val="0"/>
+          <c:extLst>
+            <c:ext xmlns:c16="http://schemas.microsoft.com/office/drawing/2014/chart" uri="{C3380CC4-5D6E-409C-BE32-E72D297353CC}">
+              <c16:uniqueId val="{00000000-605F-48FA-AF05-1B49A4411B85}"/>
+            </c:ext>
+          </c:extLst>
+        </c:ser>
+        <c:ser>
+          <c:idx val="1"/>
+          <c:order val="1"/>
+          <c:tx>
+            <c:v>長打率（％）</c:v>
+          </c:tx>
+          <c:spPr>
+            <a:ln w="22225" cap="rnd" cmpd="sng" algn="ctr">
+              <a:solidFill>
+                <a:schemeClr val="accent2"/>
+              </a:solidFill>
+              <a:round/>
+            </a:ln>
+            <a:effectLst/>
+          </c:spPr>
+          <c:marker>
+            <c:symbol val="none"/>
+          </c:marker>
+          <c:val>
+            <c:numRef>
+              <c:f>'長打率, OPS'!$B$45:$J$45</c:f>
+              <c:numCache>
+                <c:formatCode>General</c:formatCode>
+                <c:ptCount val="9"/>
+                <c:pt idx="0">
+                  <c:v>11.854259322613752</c:v>
+                </c:pt>
+                <c:pt idx="1">
+                  <c:v>10.896339377352035</c:v>
+                </c:pt>
+                <c:pt idx="2">
+                  <c:v>11.751625042764283</c:v>
+                </c:pt>
+                <c:pt idx="3">
+                  <c:v>13.941156346219636</c:v>
+                </c:pt>
+                <c:pt idx="4">
+                  <c:v>13.530619226821758</c:v>
+                </c:pt>
+                <c:pt idx="5">
+                  <c:v>12.162162162162161</c:v>
+                </c:pt>
+                <c:pt idx="6">
+                  <c:v>12.230585015395141</c:v>
+                </c:pt>
+                <c:pt idx="7">
+                  <c:v>9.784468012316113</c:v>
+                </c:pt>
+                <c:pt idx="8">
+                  <c:v>3.848785494355115</c:v>
+                </c:pt>
+              </c:numCache>
+            </c:numRef>
+          </c:val>
+          <c:smooth val="0"/>
+          <c:extLst>
+            <c:ext xmlns:c16="http://schemas.microsoft.com/office/drawing/2014/chart" uri="{C3380CC4-5D6E-409C-BE32-E72D297353CC}">
+              <c16:uniqueId val="{00000001-605F-48FA-AF05-1B49A4411B85}"/>
+            </c:ext>
+          </c:extLst>
+        </c:ser>
+        <c:ser>
+          <c:idx val="2"/>
+          <c:order val="2"/>
+          <c:tx>
+            <c:v>打点（％）</c:v>
+          </c:tx>
+          <c:spPr>
+            <a:ln w="22225" cap="rnd" cmpd="sng" algn="ctr">
+              <a:solidFill>
+                <a:schemeClr val="accent3"/>
+              </a:solidFill>
+              <a:round/>
+            </a:ln>
+            <a:effectLst/>
+          </c:spPr>
+          <c:marker>
+            <c:symbol val="none"/>
+          </c:marker>
+          <c:val>
+            <c:numRef>
+              <c:f>'長打率, OPS'!$B$59:$J$59</c:f>
+              <c:numCache>
+                <c:formatCode>General</c:formatCode>
+                <c:ptCount val="9"/>
+                <c:pt idx="0">
+                  <c:v>9.0464547677261606</c:v>
+                </c:pt>
+                <c:pt idx="1">
+                  <c:v>5.3789731051344738</c:v>
+                </c:pt>
+                <c:pt idx="2">
+                  <c:v>10.024449877750612</c:v>
+                </c:pt>
+                <c:pt idx="3">
+                  <c:v>23.471882640586799</c:v>
+                </c:pt>
+                <c:pt idx="4">
+                  <c:v>14.91442542787286</c:v>
+                </c:pt>
+                <c:pt idx="5">
+                  <c:v>11.735941320293399</c:v>
+                </c:pt>
+                <c:pt idx="6">
+                  <c:v>14.425427872860636</c:v>
+                </c:pt>
+                <c:pt idx="7">
+                  <c:v>7.3349633251833746</c:v>
+                </c:pt>
+                <c:pt idx="8">
+                  <c:v>3.6674816625916873</c:v>
+                </c:pt>
+              </c:numCache>
+            </c:numRef>
+          </c:val>
+          <c:smooth val="0"/>
+          <c:extLst>
+            <c:ext xmlns:c16="http://schemas.microsoft.com/office/drawing/2014/chart" uri="{C3380CC4-5D6E-409C-BE32-E72D297353CC}">
+              <c16:uniqueId val="{00000002-605F-48FA-AF05-1B49A4411B85}"/>
+            </c:ext>
+          </c:extLst>
+        </c:ser>
+        <c:dLbls>
+          <c:showLegendKey val="0"/>
+          <c:showVal val="0"/>
+          <c:showCatName val="0"/>
+          <c:showSerName val="0"/>
+          <c:showPercent val="0"/>
+          <c:showBubbleSize val="0"/>
+        </c:dLbls>
+        <c:dropLines>
+          <c:spPr>
+            <a:ln w="9525" cap="flat" cmpd="sng" algn="ctr">
+              <a:solidFill>
+                <a:schemeClr val="dk1">
+                  <a:lumMod val="35000"/>
+                  <a:lumOff val="65000"/>
+                  <a:alpha val="33000"/>
+                </a:schemeClr>
+              </a:solidFill>
+              <a:round/>
+            </a:ln>
+            <a:effectLst/>
+          </c:spPr>
+        </c:dropLines>
+        <c:smooth val="0"/>
+        <c:axId val="611707088"/>
+        <c:axId val="611706760"/>
+      </c:lineChart>
+      <c:catAx>
+        <c:axId val="611707088"/>
+        <c:scaling>
+          <c:orientation val="minMax"/>
+        </c:scaling>
+        <c:delete val="0"/>
+        <c:axPos val="b"/>
+        <c:numFmt formatCode="General" sourceLinked="1"/>
+        <c:majorTickMark val="none"/>
+        <c:minorTickMark val="none"/>
+        <c:tickLblPos val="nextTo"/>
+        <c:spPr>
+          <a:noFill/>
+          <a:ln w="9525" cap="flat" cmpd="sng" algn="ctr">
+            <a:solidFill>
+              <a:schemeClr val="dk1">
+                <a:lumMod val="15000"/>
+                <a:lumOff val="85000"/>
+              </a:schemeClr>
+            </a:solidFill>
+            <a:round/>
+          </a:ln>
+          <a:effectLst/>
+        </c:spPr>
+        <c:txPr>
+          <a:bodyPr rot="-60000000" spcFirstLastPara="1" vertOverflow="ellipsis" vert="horz" wrap="square" anchor="ctr" anchorCtr="1"/>
+          <a:lstStyle/>
+          <a:p>
+            <a:pPr>
+              <a:defRPr sz="1197" b="0" i="0" u="none" strike="noStrike" kern="1200" spc="20" baseline="0">
+                <a:solidFill>
+                  <a:schemeClr val="dk1">
+                    <a:lumMod val="65000"/>
+                    <a:lumOff val="35000"/>
+                  </a:schemeClr>
+                </a:solidFill>
+                <a:latin typeface="+mn-lt"/>
+                <a:ea typeface="+mn-ea"/>
+                <a:cs typeface="+mn-cs"/>
+              </a:defRPr>
+            </a:pPr>
+            <a:endParaRPr lang="ja-JP"/>
+          </a:p>
+        </c:txPr>
+        <c:crossAx val="611706760"/>
+        <c:crosses val="autoZero"/>
+        <c:auto val="1"/>
+        <c:lblAlgn val="ctr"/>
+        <c:lblOffset val="100"/>
+        <c:noMultiLvlLbl val="0"/>
+      </c:catAx>
+      <c:valAx>
+        <c:axId val="611706760"/>
+        <c:scaling>
+          <c:orientation val="minMax"/>
+        </c:scaling>
+        <c:delete val="0"/>
+        <c:axPos val="l"/>
+        <c:numFmt formatCode="General" sourceLinked="1"/>
+        <c:majorTickMark val="none"/>
+        <c:minorTickMark val="none"/>
+        <c:tickLblPos val="nextTo"/>
+        <c:spPr>
+          <a:noFill/>
+          <a:ln>
+            <a:noFill/>
+          </a:ln>
+          <a:effectLst/>
+        </c:spPr>
+        <c:txPr>
+          <a:bodyPr rot="-60000000" spcFirstLastPara="1" vertOverflow="ellipsis" vert="horz" wrap="square" anchor="ctr" anchorCtr="1"/>
+          <a:lstStyle/>
+          <a:p>
+            <a:pPr>
+              <a:defRPr sz="1197" b="0" i="0" u="none" strike="noStrike" kern="1200" spc="20" baseline="0">
+                <a:solidFill>
+                  <a:schemeClr val="dk1">
+                    <a:lumMod val="65000"/>
+                    <a:lumOff val="35000"/>
+                  </a:schemeClr>
+                </a:solidFill>
+                <a:latin typeface="+mn-lt"/>
+                <a:ea typeface="+mn-ea"/>
+                <a:cs typeface="+mn-cs"/>
+              </a:defRPr>
+            </a:pPr>
+            <a:endParaRPr lang="ja-JP"/>
+          </a:p>
+        </c:txPr>
+        <c:crossAx val="611707088"/>
+        <c:crosses val="autoZero"/>
+        <c:crossBetween val="between"/>
+      </c:valAx>
+      <c:spPr>
+        <a:gradFill>
+          <a:gsLst>
+            <a:gs pos="100000">
+              <a:schemeClr val="lt1">
+                <a:lumMod val="95000"/>
+              </a:schemeClr>
+            </a:gs>
+            <a:gs pos="0">
+              <a:schemeClr val="lt1"/>
+            </a:gs>
+          </a:gsLst>
+          <a:lin ang="5400000" scaled="0"/>
+        </a:gradFill>
+        <a:ln>
+          <a:noFill/>
+        </a:ln>
+        <a:effectLst/>
+      </c:spPr>
+    </c:plotArea>
+    <c:legend>
+      <c:legendPos val="b"/>
+      <c:overlay val="0"/>
+      <c:spPr>
+        <a:noFill/>
+        <a:ln>
+          <a:noFill/>
+        </a:ln>
+        <a:effectLst/>
+      </c:spPr>
+      <c:txPr>
+        <a:bodyPr rot="0" spcFirstLastPara="1" vertOverflow="ellipsis" vert="horz" wrap="square" anchor="ctr" anchorCtr="1"/>
+        <a:lstStyle/>
+        <a:p>
+          <a:pPr>
+            <a:defRPr sz="1197" b="0" i="0" u="none" strike="noStrike" kern="1200" baseline="0">
+              <a:solidFill>
+                <a:schemeClr val="dk1">
+                  <a:lumMod val="65000"/>
+                  <a:lumOff val="35000"/>
+                </a:schemeClr>
+              </a:solidFill>
+              <a:latin typeface="+mn-lt"/>
+              <a:ea typeface="+mn-ea"/>
+              <a:cs typeface="+mn-cs"/>
+            </a:defRPr>
+          </a:pPr>
+          <a:endParaRPr lang="ja-JP"/>
+        </a:p>
+      </c:txPr>
+    </c:legend>
+    <c:plotVisOnly val="1"/>
+    <c:dispBlanksAs val="gap"/>
+    <c:showDLblsOverMax val="0"/>
+  </c:chart>
+  <c:spPr>
+    <a:solidFill>
+      <a:schemeClr val="lt1"/>
+    </a:solidFill>
+    <a:ln>
+      <a:noFill/>
+    </a:ln>
+    <a:effectLst/>
+  </c:spPr>
+  <c:txPr>
+    <a:bodyPr/>
+    <a:lstStyle/>
+    <a:p>
+      <a:pPr>
+        <a:defRPr/>
+      </a:pPr>
+      <a:endParaRPr lang="ja-JP"/>
+    </a:p>
+  </c:txPr>
+  <c:externalData r:id="rId3">
+    <c:autoUpdate val="0"/>
+  </c:externalData>
+</c:chartSpace>
+</file>
+
+<file path=ppt/charts/chart34.xml><?xml version="1.0" encoding="utf-8"?>
+<c:chartSpace xmlns:c="http://schemas.openxmlformats.org/drawingml/2006/chart" xmlns:a="http://schemas.openxmlformats.org/drawingml/2006/main" xmlns:r="http://schemas.openxmlformats.org/officeDocument/2006/relationships" xmlns:c16r2="http://schemas.microsoft.com/office/drawing/2015/06/chart">
+  <c:date1904 val="0"/>
+  <c:lang val="en-US"/>
+  <c:roundedCorners val="0"/>
+  <mc:AlternateContent xmlns:mc="http://schemas.openxmlformats.org/markup-compatibility/2006">
+    <mc:Choice xmlns:c14="http://schemas.microsoft.com/office/drawing/2007/8/2/chart" Requires="c14">
+      <c14:style val="102"/>
+    </mc:Choice>
+    <mc:Fallback>
+      <c:style val="2"/>
+    </mc:Fallback>
+  </mc:AlternateContent>
+  <c:chart>
+    <c:title>
+      <c:tx>
+        <c:rich>
+          <a:bodyPr rot="0" spcFirstLastPara="1" vertOverflow="ellipsis" vert="horz" wrap="square" anchor="ctr" anchorCtr="1"/>
+          <a:lstStyle/>
+          <a:p>
+            <a:pPr>
+              <a:defRPr sz="1862" b="0" i="0" u="none" strike="noStrike" kern="1200" cap="none" spc="20" baseline="0">
+                <a:solidFill>
+                  <a:schemeClr val="dk1">
+                    <a:lumMod val="50000"/>
+                    <a:lumOff val="50000"/>
+                  </a:schemeClr>
+                </a:solidFill>
+                <a:latin typeface="+mn-lt"/>
+                <a:ea typeface="+mn-ea"/>
+                <a:cs typeface="+mn-cs"/>
+              </a:defRPr>
+            </a:pPr>
+            <a:r>
+              <a:rPr lang="en-US"/>
+              <a:t>Eagles</a:t>
+            </a:r>
+          </a:p>
+        </c:rich>
+      </c:tx>
+      <c:overlay val="0"/>
+      <c:spPr>
+        <a:noFill/>
+        <a:ln>
+          <a:noFill/>
+        </a:ln>
+        <a:effectLst/>
+      </c:spPr>
+      <c:txPr>
+        <a:bodyPr rot="0" spcFirstLastPara="1" vertOverflow="ellipsis" vert="horz" wrap="square" anchor="ctr" anchorCtr="1"/>
+        <a:lstStyle/>
+        <a:p>
+          <a:pPr>
+            <a:defRPr sz="1862" b="0" i="0" u="none" strike="noStrike" kern="1200" cap="none" spc="20" baseline="0">
+              <a:solidFill>
+                <a:schemeClr val="dk1">
+                  <a:lumMod val="50000"/>
+                  <a:lumOff val="50000"/>
+                </a:schemeClr>
+              </a:solidFill>
+              <a:latin typeface="+mn-lt"/>
+              <a:ea typeface="+mn-ea"/>
+              <a:cs typeface="+mn-cs"/>
+            </a:defRPr>
+          </a:pPr>
+          <a:endParaRPr lang="ja-JP"/>
+        </a:p>
+      </c:txPr>
+    </c:title>
+    <c:autoTitleDeleted val="0"/>
+    <c:plotArea>
+      <c:layout/>
+      <c:lineChart>
+        <c:grouping val="standard"/>
+        <c:varyColors val="0"/>
+        <c:ser>
+          <c:idx val="0"/>
+          <c:order val="0"/>
+          <c:tx>
+            <c:v>OPS（％）</c:v>
+          </c:tx>
+          <c:spPr>
+            <a:ln w="22225" cap="rnd" cmpd="sng" algn="ctr">
+              <a:solidFill>
+                <a:schemeClr val="accent1"/>
+              </a:solidFill>
+              <a:round/>
+            </a:ln>
+            <a:effectLst/>
+          </c:spPr>
+          <c:marker>
+            <c:symbol val="none"/>
+          </c:marker>
+          <c:val>
+            <c:numRef>
+              <c:f>'長打率, OPS'!$B$32:$J$32</c:f>
+              <c:numCache>
+                <c:formatCode>General</c:formatCode>
+                <c:ptCount val="9"/>
+                <c:pt idx="0">
+                  <c:v>13.471945314725147</c:v>
+                </c:pt>
+                <c:pt idx="1">
+                  <c:v>13.073198518940474</c:v>
+                </c:pt>
+                <c:pt idx="2">
+                  <c:v>11.193392195955568</c:v>
+                </c:pt>
+                <c:pt idx="3">
+                  <c:v>11.9624038735403</c:v>
+                </c:pt>
+                <c:pt idx="4">
+                  <c:v>10.595272002278552</c:v>
+                </c:pt>
+                <c:pt idx="5">
+                  <c:v>11.763030475647962</c:v>
+                </c:pt>
+                <c:pt idx="6">
+                  <c:v>10.96553688407861</c:v>
+                </c:pt>
+                <c:pt idx="7">
+                  <c:v>8.6869837653090283</c:v>
+                </c:pt>
+                <c:pt idx="8">
+                  <c:v>8.2882369695243518</c:v>
+                </c:pt>
+              </c:numCache>
+            </c:numRef>
+          </c:val>
+          <c:smooth val="0"/>
+          <c:extLst>
+            <c:ext xmlns:c16="http://schemas.microsoft.com/office/drawing/2014/chart" uri="{C3380CC4-5D6E-409C-BE32-E72D297353CC}">
+              <c16:uniqueId val="{00000000-1A3C-421F-A266-8FA58BB63177}"/>
+            </c:ext>
+          </c:extLst>
+        </c:ser>
+        <c:ser>
+          <c:idx val="1"/>
+          <c:order val="1"/>
+          <c:tx>
+            <c:v>長打率（％）</c:v>
+          </c:tx>
+          <c:spPr>
+            <a:ln w="22225" cap="rnd" cmpd="sng" algn="ctr">
+              <a:solidFill>
+                <a:schemeClr val="accent2"/>
+              </a:solidFill>
+              <a:round/>
+            </a:ln>
+            <a:effectLst/>
+          </c:spPr>
+          <c:marker>
+            <c:symbol val="none"/>
+          </c:marker>
+          <c:val>
+            <c:numRef>
+              <c:f>'長打率, OPS'!$B$46:$J$46</c:f>
+              <c:numCache>
+                <c:formatCode>General</c:formatCode>
+                <c:ptCount val="9"/>
+                <c:pt idx="0">
+                  <c:v>13.022607618457727</c:v>
+                </c:pt>
+                <c:pt idx="1">
+                  <c:v>12.558067513161971</c:v>
+                </c:pt>
+                <c:pt idx="2">
+                  <c:v>11.009600495509446</c:v>
+                </c:pt>
+                <c:pt idx="3">
+                  <c:v>11.396717249922578</c:v>
+                </c:pt>
+                <c:pt idx="4">
+                  <c:v>11.303809228863425</c:v>
+                </c:pt>
+                <c:pt idx="5">
+                  <c:v>11.551563951687831</c:v>
+                </c:pt>
+                <c:pt idx="6">
+                  <c:v>10.653453081449365</c:v>
+                </c:pt>
+                <c:pt idx="7">
+                  <c:v>9.5385568287395479</c:v>
+                </c:pt>
+                <c:pt idx="8">
+                  <c:v>8.9656240322081135</c:v>
+                </c:pt>
+              </c:numCache>
+            </c:numRef>
+          </c:val>
+          <c:smooth val="0"/>
+          <c:extLst>
+            <c:ext xmlns:c16="http://schemas.microsoft.com/office/drawing/2014/chart" uri="{C3380CC4-5D6E-409C-BE32-E72D297353CC}">
+              <c16:uniqueId val="{00000001-1A3C-421F-A266-8FA58BB63177}"/>
+            </c:ext>
+          </c:extLst>
+        </c:ser>
+        <c:ser>
+          <c:idx val="2"/>
+          <c:order val="2"/>
+          <c:tx>
+            <c:v>打点（％）</c:v>
+          </c:tx>
+          <c:spPr>
+            <a:ln w="22225" cap="rnd" cmpd="sng" algn="ctr">
+              <a:solidFill>
+                <a:schemeClr val="accent3"/>
+              </a:solidFill>
+              <a:round/>
+            </a:ln>
+            <a:effectLst/>
+          </c:spPr>
+          <c:marker>
+            <c:symbol val="none"/>
+          </c:marker>
+          <c:val>
+            <c:numRef>
+              <c:f>'長打率, OPS'!$B$60:$J$60</c:f>
+              <c:numCache>
+                <c:formatCode>General</c:formatCode>
+                <c:ptCount val="9"/>
+                <c:pt idx="0">
+                  <c:v>13.23251417769376</c:v>
+                </c:pt>
+                <c:pt idx="1">
+                  <c:v>17.20226843100189</c:v>
+                </c:pt>
+                <c:pt idx="2">
+                  <c:v>11.342155009451796</c:v>
+                </c:pt>
+                <c:pt idx="3">
+                  <c:v>14.744801512287333</c:v>
+                </c:pt>
+                <c:pt idx="4">
+                  <c:v>10.207939508506616</c:v>
+                </c:pt>
+                <c:pt idx="5">
+                  <c:v>10.964083175803403</c:v>
+                </c:pt>
+                <c:pt idx="6">
+                  <c:v>8.695652173913043</c:v>
+                </c:pt>
+                <c:pt idx="7">
+                  <c:v>7.3724007561436666</c:v>
+                </c:pt>
+                <c:pt idx="8">
+                  <c:v>6.2381852551984878</c:v>
+                </c:pt>
+              </c:numCache>
+            </c:numRef>
+          </c:val>
+          <c:smooth val="0"/>
+          <c:extLst>
+            <c:ext xmlns:c16="http://schemas.microsoft.com/office/drawing/2014/chart" uri="{C3380CC4-5D6E-409C-BE32-E72D297353CC}">
+              <c16:uniqueId val="{00000002-1A3C-421F-A266-8FA58BB63177}"/>
+            </c:ext>
+          </c:extLst>
+        </c:ser>
+        <c:dLbls>
+          <c:showLegendKey val="0"/>
+          <c:showVal val="0"/>
+          <c:showCatName val="0"/>
+          <c:showSerName val="0"/>
+          <c:showPercent val="0"/>
+          <c:showBubbleSize val="0"/>
+        </c:dLbls>
+        <c:dropLines>
+          <c:spPr>
+            <a:ln w="9525" cap="flat" cmpd="sng" algn="ctr">
+              <a:solidFill>
+                <a:schemeClr val="dk1">
+                  <a:lumMod val="35000"/>
+                  <a:lumOff val="65000"/>
+                  <a:alpha val="33000"/>
+                </a:schemeClr>
+              </a:solidFill>
+              <a:round/>
+            </a:ln>
+            <a:effectLst/>
+          </c:spPr>
+        </c:dropLines>
+        <c:smooth val="0"/>
+        <c:axId val="482436376"/>
+        <c:axId val="482436704"/>
+      </c:lineChart>
+      <c:catAx>
+        <c:axId val="482436376"/>
+        <c:scaling>
+          <c:orientation val="minMax"/>
+        </c:scaling>
+        <c:delete val="0"/>
+        <c:axPos val="b"/>
+        <c:numFmt formatCode="General" sourceLinked="1"/>
+        <c:majorTickMark val="none"/>
+        <c:minorTickMark val="none"/>
+        <c:tickLblPos val="nextTo"/>
+        <c:spPr>
+          <a:noFill/>
+          <a:ln w="9525" cap="flat" cmpd="sng" algn="ctr">
+            <a:solidFill>
+              <a:schemeClr val="dk1">
+                <a:lumMod val="15000"/>
+                <a:lumOff val="85000"/>
+              </a:schemeClr>
+            </a:solidFill>
+            <a:round/>
+          </a:ln>
+          <a:effectLst/>
+        </c:spPr>
+        <c:txPr>
+          <a:bodyPr rot="-60000000" spcFirstLastPara="1" vertOverflow="ellipsis" vert="horz" wrap="square" anchor="ctr" anchorCtr="1"/>
+          <a:lstStyle/>
+          <a:p>
+            <a:pPr>
+              <a:defRPr sz="1197" b="0" i="0" u="none" strike="noStrike" kern="1200" spc="20" baseline="0">
+                <a:solidFill>
+                  <a:schemeClr val="dk1">
+                    <a:lumMod val="65000"/>
+                    <a:lumOff val="35000"/>
+                  </a:schemeClr>
+                </a:solidFill>
+                <a:latin typeface="+mn-lt"/>
+                <a:ea typeface="+mn-ea"/>
+                <a:cs typeface="+mn-cs"/>
+              </a:defRPr>
+            </a:pPr>
+            <a:endParaRPr lang="ja-JP"/>
+          </a:p>
+        </c:txPr>
+        <c:crossAx val="482436704"/>
+        <c:crosses val="autoZero"/>
+        <c:auto val="1"/>
+        <c:lblAlgn val="ctr"/>
+        <c:lblOffset val="100"/>
+        <c:noMultiLvlLbl val="0"/>
+      </c:catAx>
+      <c:valAx>
+        <c:axId val="482436704"/>
+        <c:scaling>
+          <c:orientation val="minMax"/>
+          <c:max val="25"/>
+        </c:scaling>
+        <c:delete val="0"/>
+        <c:axPos val="l"/>
+        <c:numFmt formatCode="General" sourceLinked="1"/>
+        <c:majorTickMark val="none"/>
+        <c:minorTickMark val="none"/>
+        <c:tickLblPos val="nextTo"/>
+        <c:spPr>
+          <a:noFill/>
+          <a:ln>
+            <a:noFill/>
+          </a:ln>
+          <a:effectLst/>
+        </c:spPr>
+        <c:txPr>
+          <a:bodyPr rot="-60000000" spcFirstLastPara="1" vertOverflow="ellipsis" vert="horz" wrap="square" anchor="ctr" anchorCtr="1"/>
+          <a:lstStyle/>
+          <a:p>
+            <a:pPr>
+              <a:defRPr sz="1197" b="0" i="0" u="none" strike="noStrike" kern="1200" spc="20" baseline="0">
+                <a:solidFill>
+                  <a:schemeClr val="dk1">
+                    <a:lumMod val="65000"/>
+                    <a:lumOff val="35000"/>
+                  </a:schemeClr>
+                </a:solidFill>
+                <a:latin typeface="+mn-lt"/>
+                <a:ea typeface="+mn-ea"/>
+                <a:cs typeface="+mn-cs"/>
+              </a:defRPr>
+            </a:pPr>
+            <a:endParaRPr lang="ja-JP"/>
+          </a:p>
+        </c:txPr>
+        <c:crossAx val="482436376"/>
+        <c:crosses val="autoZero"/>
+        <c:crossBetween val="between"/>
+      </c:valAx>
+      <c:spPr>
+        <a:gradFill>
+          <a:gsLst>
+            <a:gs pos="100000">
+              <a:schemeClr val="lt1">
+                <a:lumMod val="95000"/>
+              </a:schemeClr>
+            </a:gs>
+            <a:gs pos="0">
+              <a:schemeClr val="lt1"/>
+            </a:gs>
+          </a:gsLst>
+          <a:lin ang="5400000" scaled="0"/>
+        </a:gradFill>
+        <a:ln>
+          <a:noFill/>
+        </a:ln>
+        <a:effectLst/>
+      </c:spPr>
+    </c:plotArea>
+    <c:legend>
+      <c:legendPos val="b"/>
+      <c:overlay val="0"/>
+      <c:spPr>
+        <a:noFill/>
+        <a:ln>
+          <a:noFill/>
+        </a:ln>
+        <a:effectLst/>
+      </c:spPr>
+      <c:txPr>
+        <a:bodyPr rot="0" spcFirstLastPara="1" vertOverflow="ellipsis" vert="horz" wrap="square" anchor="ctr" anchorCtr="1"/>
+        <a:lstStyle/>
+        <a:p>
+          <a:pPr>
+            <a:defRPr sz="1197" b="0" i="0" u="none" strike="noStrike" kern="1200" baseline="0">
+              <a:solidFill>
+                <a:schemeClr val="dk1">
+                  <a:lumMod val="65000"/>
+                  <a:lumOff val="35000"/>
+                </a:schemeClr>
+              </a:solidFill>
+              <a:latin typeface="+mn-lt"/>
+              <a:ea typeface="+mn-ea"/>
+              <a:cs typeface="+mn-cs"/>
+            </a:defRPr>
+          </a:pPr>
+          <a:endParaRPr lang="ja-JP"/>
+        </a:p>
+      </c:txPr>
+    </c:legend>
+    <c:plotVisOnly val="1"/>
+    <c:dispBlanksAs val="gap"/>
+    <c:showDLblsOverMax val="0"/>
+  </c:chart>
+  <c:spPr>
+    <a:solidFill>
+      <a:schemeClr val="lt1"/>
+    </a:solidFill>
+    <a:ln>
+      <a:noFill/>
+    </a:ln>
+    <a:effectLst/>
+  </c:spPr>
+  <c:txPr>
+    <a:bodyPr/>
+    <a:lstStyle/>
+    <a:p>
+      <a:pPr>
+        <a:defRPr/>
+      </a:pPr>
+      <a:endParaRPr lang="ja-JP"/>
+    </a:p>
+  </c:txPr>
+  <c:externalData r:id="rId3">
+    <c:autoUpdate val="0"/>
+  </c:externalData>
+</c:chartSpace>
+</file>
+
+<file path=ppt/charts/chart35.xml><?xml version="1.0" encoding="utf-8"?>
 <c:chartSpace xmlns:c="http://schemas.openxmlformats.org/drawingml/2006/chart" xmlns:a="http://schemas.openxmlformats.org/drawingml/2006/main" xmlns:r="http://schemas.openxmlformats.org/officeDocument/2006/relationships" xmlns:c16r2="http://schemas.microsoft.com/office/drawing/2015/06/chart">
   <c:date1904 val="0"/>
   <c:lang val="en-US"/>
@@ -20687,6 +21611,86 @@
 </cs:colorStyle>
 </file>
 
+<file path=ppt/charts/colors34.xml><?xml version="1.0" encoding="utf-8"?>
+<cs:colorStyle xmlns:cs="http://schemas.microsoft.com/office/drawing/2012/chartStyle" xmlns:a="http://schemas.openxmlformats.org/drawingml/2006/main" meth="cycle" id="10">
+  <a:schemeClr val="accent1"/>
+  <a:schemeClr val="accent2"/>
+  <a:schemeClr val="accent3"/>
+  <a:schemeClr val="accent4"/>
+  <a:schemeClr val="accent5"/>
+  <a:schemeClr val="accent6"/>
+  <cs:variation/>
+  <cs:variation>
+    <a:lumMod val="60000"/>
+  </cs:variation>
+  <cs:variation>
+    <a:lumMod val="80000"/>
+    <a:lumOff val="20000"/>
+  </cs:variation>
+  <cs:variation>
+    <a:lumMod val="80000"/>
+  </cs:variation>
+  <cs:variation>
+    <a:lumMod val="60000"/>
+    <a:lumOff val="40000"/>
+  </cs:variation>
+  <cs:variation>
+    <a:lumMod val="50000"/>
+  </cs:variation>
+  <cs:variation>
+    <a:lumMod val="70000"/>
+    <a:lumOff val="30000"/>
+  </cs:variation>
+  <cs:variation>
+    <a:lumMod val="70000"/>
+  </cs:variation>
+  <cs:variation>
+    <a:lumMod val="50000"/>
+    <a:lumOff val="50000"/>
+  </cs:variation>
+</cs:colorStyle>
+</file>
+
+<file path=ppt/charts/colors35.xml><?xml version="1.0" encoding="utf-8"?>
+<cs:colorStyle xmlns:cs="http://schemas.microsoft.com/office/drawing/2012/chartStyle" xmlns:a="http://schemas.openxmlformats.org/drawingml/2006/main" meth="cycle" id="10">
+  <a:schemeClr val="accent1"/>
+  <a:schemeClr val="accent2"/>
+  <a:schemeClr val="accent3"/>
+  <a:schemeClr val="accent4"/>
+  <a:schemeClr val="accent5"/>
+  <a:schemeClr val="accent6"/>
+  <cs:variation/>
+  <cs:variation>
+    <a:lumMod val="60000"/>
+  </cs:variation>
+  <cs:variation>
+    <a:lumMod val="80000"/>
+    <a:lumOff val="20000"/>
+  </cs:variation>
+  <cs:variation>
+    <a:lumMod val="80000"/>
+  </cs:variation>
+  <cs:variation>
+    <a:lumMod val="60000"/>
+    <a:lumOff val="40000"/>
+  </cs:variation>
+  <cs:variation>
+    <a:lumMod val="50000"/>
+  </cs:variation>
+  <cs:variation>
+    <a:lumMod val="70000"/>
+    <a:lumOff val="30000"/>
+  </cs:variation>
+  <cs:variation>
+    <a:lumMod val="70000"/>
+  </cs:variation>
+  <cs:variation>
+    <a:lumMod val="50000"/>
+    <a:lumOff val="50000"/>
+  </cs:variation>
+</cs:colorStyle>
+</file>
+
 <file path=ppt/charts/colors4.xml><?xml version="1.0" encoding="utf-8"?>
 <cs:colorStyle xmlns:cs="http://schemas.microsoft.com/office/drawing/2012/chartStyle" xmlns:a="http://schemas.openxmlformats.org/drawingml/2006/main" meth="cycle" id="11">
   <a:schemeClr val="accent1"/>
@@ -35399,6 +36403,1082 @@
 </cs:chartStyle>
 </file>
 
+<file path=ppt/charts/style34.xml><?xml version="1.0" encoding="utf-8"?>
+<cs:chartStyle xmlns:cs="http://schemas.microsoft.com/office/drawing/2012/chartStyle" xmlns:a="http://schemas.openxmlformats.org/drawingml/2006/main" id="230">
+  <cs:axisTitle>
+    <cs:lnRef idx="0"/>
+    <cs:fillRef idx="0"/>
+    <cs:effectRef idx="0"/>
+    <cs:fontRef idx="minor">
+      <a:schemeClr val="dk1">
+        <a:lumMod val="65000"/>
+        <a:lumOff val="35000"/>
+      </a:schemeClr>
+    </cs:fontRef>
+    <cs:defRPr sz="1197" kern="1200" cap="all"/>
+  </cs:axisTitle>
+  <cs:categoryAxis>
+    <cs:lnRef idx="0"/>
+    <cs:fillRef idx="0"/>
+    <cs:effectRef idx="0"/>
+    <cs:fontRef idx="minor">
+      <a:schemeClr val="dk1">
+        <a:lumMod val="65000"/>
+        <a:lumOff val="35000"/>
+      </a:schemeClr>
+    </cs:fontRef>
+    <cs:spPr>
+      <a:ln w="9525" cap="flat" cmpd="sng" algn="ctr">
+        <a:solidFill>
+          <a:schemeClr val="dk1">
+            <a:lumMod val="15000"/>
+            <a:lumOff val="85000"/>
+          </a:schemeClr>
+        </a:solidFill>
+        <a:round/>
+      </a:ln>
+    </cs:spPr>
+    <cs:defRPr sz="1197" b="0" kern="1200" spc="20" baseline="0"/>
+  </cs:categoryAxis>
+  <cs:chartArea mods="allowNoLineOverride">
+    <cs:lnRef idx="0"/>
+    <cs:fillRef idx="0"/>
+    <cs:effectRef idx="0"/>
+    <cs:fontRef idx="minor">
+      <a:schemeClr val="dk1"/>
+    </cs:fontRef>
+    <cs:spPr>
+      <a:solidFill>
+        <a:schemeClr val="lt1"/>
+      </a:solidFill>
+      <a:ln w="9525" cap="flat" cmpd="sng" algn="ctr">
+        <a:solidFill>
+          <a:schemeClr val="dk1">
+            <a:lumMod val="15000"/>
+            <a:lumOff val="85000"/>
+          </a:schemeClr>
+        </a:solidFill>
+        <a:round/>
+      </a:ln>
+    </cs:spPr>
+    <cs:defRPr sz="1197" kern="1200"/>
+  </cs:chartArea>
+  <cs:dataLabel>
+    <cs:lnRef idx="0"/>
+    <cs:fillRef idx="0"/>
+    <cs:effectRef idx="0"/>
+    <cs:fontRef idx="minor">
+      <a:schemeClr val="dk1">
+        <a:lumMod val="65000"/>
+        <a:lumOff val="35000"/>
+      </a:schemeClr>
+    </cs:fontRef>
+    <cs:defRPr sz="1197" kern="1200"/>
+  </cs:dataLabel>
+  <cs:dataLabelCallout>
+    <cs:lnRef idx="0"/>
+    <cs:fillRef idx="0"/>
+    <cs:effectRef idx="0"/>
+    <cs:fontRef idx="minor">
+      <a:schemeClr val="dk1">
+        <a:lumMod val="65000"/>
+        <a:lumOff val="35000"/>
+      </a:schemeClr>
+    </cs:fontRef>
+    <cs:spPr>
+      <a:solidFill>
+        <a:schemeClr val="lt1"/>
+      </a:solidFill>
+      <a:ln>
+        <a:solidFill>
+          <a:schemeClr val="dk1">
+            <a:lumMod val="25000"/>
+            <a:lumOff val="75000"/>
+          </a:schemeClr>
+        </a:solidFill>
+      </a:ln>
+    </cs:spPr>
+    <cs:defRPr sz="1197" kern="1200"/>
+    <cs:bodyPr rot="0" spcFirstLastPara="1" vertOverflow="clip" horzOverflow="clip" vert="horz" wrap="square" lIns="36576" tIns="18288" rIns="36576" bIns="18288" anchor="ctr" anchorCtr="1">
+      <a:spAutoFit/>
+    </cs:bodyPr>
+  </cs:dataLabelCallout>
+  <cs:dataPoint>
+    <cs:lnRef idx="0">
+      <cs:styleClr val="auto"/>
+    </cs:lnRef>
+    <cs:fillRef idx="2">
+      <cs:styleClr val="auto"/>
+    </cs:fillRef>
+    <cs:effectRef idx="1"/>
+    <cs:fontRef idx="minor">
+      <a:schemeClr val="dk1"/>
+    </cs:fontRef>
+    <cs:spPr>
+      <a:ln w="9525" cap="flat" cmpd="sng" algn="ctr">
+        <a:solidFill>
+          <a:schemeClr val="phClr">
+            <a:shade val="95000"/>
+          </a:schemeClr>
+        </a:solidFill>
+        <a:round/>
+      </a:ln>
+    </cs:spPr>
+  </cs:dataPoint>
+  <cs:dataPoint3D>
+    <cs:lnRef idx="0">
+      <cs:styleClr val="auto"/>
+    </cs:lnRef>
+    <cs:fillRef idx="2">
+      <cs:styleClr val="auto"/>
+    </cs:fillRef>
+    <cs:effectRef idx="1"/>
+    <cs:fontRef idx="minor">
+      <a:schemeClr val="dk1"/>
+    </cs:fontRef>
+    <cs:spPr>
+      <a:ln w="9525" cap="flat" cmpd="sng" algn="ctr">
+        <a:solidFill>
+          <a:schemeClr val="phClr">
+            <a:shade val="95000"/>
+          </a:schemeClr>
+        </a:solidFill>
+        <a:round/>
+      </a:ln>
+    </cs:spPr>
+  </cs:dataPoint3D>
+  <cs:dataPointLine>
+    <cs:lnRef idx="0">
+      <cs:styleClr val="auto"/>
+    </cs:lnRef>
+    <cs:fillRef idx="0"/>
+    <cs:effectRef idx="0"/>
+    <cs:fontRef idx="minor">
+      <a:schemeClr val="dk1"/>
+    </cs:fontRef>
+    <cs:spPr>
+      <a:ln w="22225" cap="rnd" cmpd="sng" algn="ctr">
+        <a:solidFill>
+          <a:schemeClr val="phClr"/>
+        </a:solidFill>
+        <a:round/>
+      </a:ln>
+    </cs:spPr>
+  </cs:dataPointLine>
+  <cs:dataPointMarker>
+    <cs:lnRef idx="0">
+      <cs:styleClr val="auto"/>
+    </cs:lnRef>
+    <cs:fillRef idx="0">
+      <cs:styleClr val="auto"/>
+    </cs:fillRef>
+    <cs:effectRef idx="0"/>
+    <cs:fontRef idx="minor">
+      <a:schemeClr val="dk1"/>
+    </cs:fontRef>
+    <cs:spPr>
+      <a:solidFill>
+        <a:schemeClr val="phClr"/>
+      </a:solidFill>
+      <a:ln w="9525" cap="flat" cmpd="sng" algn="ctr">
+        <a:solidFill>
+          <a:schemeClr val="phClr"/>
+        </a:solidFill>
+        <a:round/>
+      </a:ln>
+    </cs:spPr>
+  </cs:dataPointMarker>
+  <cs:dataPointMarkerLayout symbol="circle" size="4"/>
+  <cs:dataPointWireframe>
+    <cs:lnRef idx="0">
+      <cs:styleClr val="auto"/>
+    </cs:lnRef>
+    <cs:fillRef idx="0"/>
+    <cs:effectRef idx="0"/>
+    <cs:fontRef idx="minor">
+      <a:schemeClr val="dk1"/>
+    </cs:fontRef>
+    <cs:spPr>
+      <a:ln w="9525" cap="rnd">
+        <a:solidFill>
+          <a:schemeClr val="phClr"/>
+        </a:solidFill>
+        <a:round/>
+      </a:ln>
+    </cs:spPr>
+  </cs:dataPointWireframe>
+  <cs:dataTable>
+    <cs:lnRef idx="0"/>
+    <cs:fillRef idx="0"/>
+    <cs:effectRef idx="0"/>
+    <cs:fontRef idx="minor">
+      <a:schemeClr val="dk1">
+        <a:lumMod val="65000"/>
+        <a:lumOff val="35000"/>
+      </a:schemeClr>
+    </cs:fontRef>
+    <cs:spPr>
+      <a:ln w="9525">
+        <a:solidFill>
+          <a:schemeClr val="dk1">
+            <a:lumMod val="15000"/>
+            <a:lumOff val="85000"/>
+          </a:schemeClr>
+        </a:solidFill>
+      </a:ln>
+    </cs:spPr>
+    <cs:defRPr sz="1197" kern="1200"/>
+  </cs:dataTable>
+  <cs:downBar>
+    <cs:lnRef idx="0"/>
+    <cs:fillRef idx="0"/>
+    <cs:effectRef idx="0"/>
+    <cs:fontRef idx="minor">
+      <a:schemeClr val="dk1"/>
+    </cs:fontRef>
+    <cs:spPr>
+      <a:solidFill>
+        <a:schemeClr val="dk1">
+          <a:lumMod val="75000"/>
+          <a:lumOff val="25000"/>
+        </a:schemeClr>
+      </a:solidFill>
+      <a:ln w="9525">
+        <a:solidFill>
+          <a:schemeClr val="dk1">
+            <a:lumMod val="65000"/>
+            <a:lumOff val="35000"/>
+          </a:schemeClr>
+        </a:solidFill>
+      </a:ln>
+    </cs:spPr>
+  </cs:downBar>
+  <cs:dropLine>
+    <cs:lnRef idx="0"/>
+    <cs:fillRef idx="0"/>
+    <cs:effectRef idx="0"/>
+    <cs:fontRef idx="minor">
+      <a:schemeClr val="dk1"/>
+    </cs:fontRef>
+    <cs:spPr>
+      <a:ln w="9525" cap="flat" cmpd="sng" algn="ctr">
+        <a:solidFill>
+          <a:schemeClr val="dk1">
+            <a:lumMod val="35000"/>
+            <a:lumOff val="65000"/>
+            <a:alpha val="33000"/>
+          </a:schemeClr>
+        </a:solidFill>
+        <a:round/>
+      </a:ln>
+    </cs:spPr>
+  </cs:dropLine>
+  <cs:errorBar>
+    <cs:lnRef idx="0"/>
+    <cs:fillRef idx="0"/>
+    <cs:effectRef idx="0"/>
+    <cs:fontRef idx="minor">
+      <a:schemeClr val="dk1"/>
+    </cs:fontRef>
+    <cs:spPr>
+      <a:ln w="9525">
+        <a:solidFill>
+          <a:schemeClr val="dk1">
+            <a:lumMod val="65000"/>
+            <a:lumOff val="35000"/>
+          </a:schemeClr>
+        </a:solidFill>
+      </a:ln>
+    </cs:spPr>
+  </cs:errorBar>
+  <cs:floor>
+    <cs:lnRef idx="0"/>
+    <cs:fillRef idx="0"/>
+    <cs:effectRef idx="0"/>
+    <cs:fontRef idx="minor">
+      <a:schemeClr val="dk1"/>
+    </cs:fontRef>
+  </cs:floor>
+  <cs:gridlineMajor>
+    <cs:lnRef idx="0"/>
+    <cs:fillRef idx="0"/>
+    <cs:effectRef idx="0"/>
+    <cs:fontRef idx="minor">
+      <a:schemeClr val="dk1"/>
+    </cs:fontRef>
+    <cs:spPr>
+      <a:ln>
+        <a:solidFill>
+          <a:schemeClr val="dk1">
+            <a:lumMod val="15000"/>
+            <a:lumOff val="85000"/>
+          </a:schemeClr>
+        </a:solidFill>
+      </a:ln>
+    </cs:spPr>
+  </cs:gridlineMajor>
+  <cs:gridlineMinor>
+    <cs:lnRef idx="0"/>
+    <cs:fillRef idx="0"/>
+    <cs:effectRef idx="0"/>
+    <cs:fontRef idx="minor">
+      <a:schemeClr val="dk1"/>
+    </cs:fontRef>
+    <cs:spPr>
+      <a:ln>
+        <a:solidFill>
+          <a:schemeClr val="dk1">
+            <a:lumMod val="5000"/>
+            <a:lumOff val="95000"/>
+          </a:schemeClr>
+        </a:solidFill>
+      </a:ln>
+    </cs:spPr>
+  </cs:gridlineMinor>
+  <cs:hiLoLine>
+    <cs:lnRef idx="0"/>
+    <cs:fillRef idx="0"/>
+    <cs:effectRef idx="0"/>
+    <cs:fontRef idx="minor">
+      <a:schemeClr val="dk1"/>
+    </cs:fontRef>
+    <cs:spPr>
+      <a:ln w="9525">
+        <a:solidFill>
+          <a:schemeClr val="dk1">
+            <a:lumMod val="35000"/>
+            <a:lumOff val="65000"/>
+          </a:schemeClr>
+        </a:solidFill>
+      </a:ln>
+    </cs:spPr>
+  </cs:hiLoLine>
+  <cs:leaderLine>
+    <cs:lnRef idx="0"/>
+    <cs:fillRef idx="0"/>
+    <cs:effectRef idx="0"/>
+    <cs:fontRef idx="minor">
+      <a:schemeClr val="dk1"/>
+    </cs:fontRef>
+    <cs:spPr>
+      <a:ln w="9525">
+        <a:solidFill>
+          <a:schemeClr val="dk1">
+            <a:lumMod val="35000"/>
+            <a:lumOff val="65000"/>
+          </a:schemeClr>
+        </a:solidFill>
+      </a:ln>
+    </cs:spPr>
+  </cs:leaderLine>
+  <cs:legend>
+    <cs:lnRef idx="0"/>
+    <cs:fillRef idx="0"/>
+    <cs:effectRef idx="0"/>
+    <cs:fontRef idx="minor">
+      <a:schemeClr val="dk1">
+        <a:lumMod val="65000"/>
+        <a:lumOff val="35000"/>
+      </a:schemeClr>
+    </cs:fontRef>
+    <cs:defRPr sz="1197" kern="1200"/>
+  </cs:legend>
+  <cs:plotArea>
+    <cs:lnRef idx="0"/>
+    <cs:fillRef idx="0"/>
+    <cs:effectRef idx="0"/>
+    <cs:fontRef idx="minor">
+      <a:schemeClr val="dk1"/>
+    </cs:fontRef>
+    <cs:spPr>
+      <a:gradFill>
+        <a:gsLst>
+          <a:gs pos="100000">
+            <a:schemeClr val="lt1">
+              <a:lumMod val="95000"/>
+            </a:schemeClr>
+          </a:gs>
+          <a:gs pos="0">
+            <a:schemeClr val="lt1"/>
+          </a:gs>
+        </a:gsLst>
+        <a:lin ang="5400000" scaled="0"/>
+      </a:gradFill>
+    </cs:spPr>
+  </cs:plotArea>
+  <cs:plotArea3D>
+    <cs:lnRef idx="0"/>
+    <cs:fillRef idx="0"/>
+    <cs:effectRef idx="0"/>
+    <cs:fontRef idx="minor">
+      <a:schemeClr val="dk1"/>
+    </cs:fontRef>
+  </cs:plotArea3D>
+  <cs:seriesAxis>
+    <cs:lnRef idx="0"/>
+    <cs:fillRef idx="0"/>
+    <cs:effectRef idx="0"/>
+    <cs:fontRef idx="minor">
+      <a:schemeClr val="dk1">
+        <a:lumMod val="65000"/>
+        <a:lumOff val="35000"/>
+      </a:schemeClr>
+    </cs:fontRef>
+    <cs:spPr>
+      <a:ln w="9525" cap="flat" cmpd="sng" algn="ctr">
+        <a:solidFill>
+          <a:schemeClr val="dk1">
+            <a:lumMod val="15000"/>
+            <a:lumOff val="85000"/>
+          </a:schemeClr>
+        </a:solidFill>
+        <a:round/>
+      </a:ln>
+    </cs:spPr>
+    <cs:defRPr sz="1197" kern="1200"/>
+  </cs:seriesAxis>
+  <cs:seriesLine>
+    <cs:lnRef idx="0"/>
+    <cs:fillRef idx="0"/>
+    <cs:effectRef idx="0"/>
+    <cs:fontRef idx="minor">
+      <a:schemeClr val="dk1"/>
+    </cs:fontRef>
+    <cs:spPr>
+      <a:ln w="9525">
+        <a:solidFill>
+          <a:schemeClr val="dk1">
+            <a:lumMod val="35000"/>
+            <a:lumOff val="65000"/>
+          </a:schemeClr>
+        </a:solidFill>
+        <a:prstDash val="dash"/>
+      </a:ln>
+    </cs:spPr>
+  </cs:seriesLine>
+  <cs:title>
+    <cs:lnRef idx="0"/>
+    <cs:fillRef idx="0"/>
+    <cs:effectRef idx="0"/>
+    <cs:fontRef idx="minor">
+      <a:schemeClr val="dk1">
+        <a:lumMod val="50000"/>
+        <a:lumOff val="50000"/>
+      </a:schemeClr>
+    </cs:fontRef>
+    <cs:defRPr sz="1862" kern="1200" cap="none" spc="20" baseline="0"/>
+  </cs:title>
+  <cs:trendline>
+    <cs:lnRef idx="0">
+      <cs:styleClr val="auto"/>
+    </cs:lnRef>
+    <cs:fillRef idx="0"/>
+    <cs:effectRef idx="0"/>
+    <cs:fontRef idx="minor">
+      <a:schemeClr val="dk1"/>
+    </cs:fontRef>
+    <cs:spPr>
+      <a:ln w="9525" cap="rnd">
+        <a:solidFill>
+          <a:schemeClr val="phClr"/>
+        </a:solidFill>
+      </a:ln>
+    </cs:spPr>
+  </cs:trendline>
+  <cs:trendlineLabel>
+    <cs:lnRef idx="0"/>
+    <cs:fillRef idx="0"/>
+    <cs:effectRef idx="0"/>
+    <cs:fontRef idx="minor">
+      <a:schemeClr val="dk1">
+        <a:lumMod val="65000"/>
+        <a:lumOff val="35000"/>
+      </a:schemeClr>
+    </cs:fontRef>
+    <cs:defRPr sz="1197" kern="1200"/>
+  </cs:trendlineLabel>
+  <cs:upBar>
+    <cs:lnRef idx="0"/>
+    <cs:fillRef idx="0"/>
+    <cs:effectRef idx="0"/>
+    <cs:fontRef idx="minor">
+      <a:schemeClr val="dk1"/>
+    </cs:fontRef>
+    <cs:spPr>
+      <a:solidFill>
+        <a:schemeClr val="lt1"/>
+      </a:solidFill>
+      <a:ln w="9525">
+        <a:solidFill>
+          <a:schemeClr val="dk1">
+            <a:lumMod val="65000"/>
+            <a:lumOff val="35000"/>
+          </a:schemeClr>
+        </a:solidFill>
+      </a:ln>
+    </cs:spPr>
+  </cs:upBar>
+  <cs:valueAxis>
+    <cs:lnRef idx="0"/>
+    <cs:fillRef idx="0"/>
+    <cs:effectRef idx="0"/>
+    <cs:fontRef idx="minor">
+      <a:schemeClr val="dk1">
+        <a:lumMod val="65000"/>
+        <a:lumOff val="35000"/>
+      </a:schemeClr>
+    </cs:fontRef>
+    <cs:defRPr sz="1197" kern="1200" spc="20" baseline="0"/>
+  </cs:valueAxis>
+  <cs:wall>
+    <cs:lnRef idx="0"/>
+    <cs:fillRef idx="0"/>
+    <cs:effectRef idx="0"/>
+    <cs:fontRef idx="minor">
+      <a:schemeClr val="dk1"/>
+    </cs:fontRef>
+  </cs:wall>
+</cs:chartStyle>
+</file>
+
+<file path=ppt/charts/style35.xml><?xml version="1.0" encoding="utf-8"?>
+<cs:chartStyle xmlns:cs="http://schemas.microsoft.com/office/drawing/2012/chartStyle" xmlns:a="http://schemas.openxmlformats.org/drawingml/2006/main" id="230">
+  <cs:axisTitle>
+    <cs:lnRef idx="0"/>
+    <cs:fillRef idx="0"/>
+    <cs:effectRef idx="0"/>
+    <cs:fontRef idx="minor">
+      <a:schemeClr val="dk1">
+        <a:lumMod val="65000"/>
+        <a:lumOff val="35000"/>
+      </a:schemeClr>
+    </cs:fontRef>
+    <cs:defRPr sz="1197" kern="1200" cap="all"/>
+  </cs:axisTitle>
+  <cs:categoryAxis>
+    <cs:lnRef idx="0"/>
+    <cs:fillRef idx="0"/>
+    <cs:effectRef idx="0"/>
+    <cs:fontRef idx="minor">
+      <a:schemeClr val="dk1">
+        <a:lumMod val="65000"/>
+        <a:lumOff val="35000"/>
+      </a:schemeClr>
+    </cs:fontRef>
+    <cs:spPr>
+      <a:ln w="9525" cap="flat" cmpd="sng" algn="ctr">
+        <a:solidFill>
+          <a:schemeClr val="dk1">
+            <a:lumMod val="15000"/>
+            <a:lumOff val="85000"/>
+          </a:schemeClr>
+        </a:solidFill>
+        <a:round/>
+      </a:ln>
+    </cs:spPr>
+    <cs:defRPr sz="1197" b="0" kern="1200" spc="20" baseline="0"/>
+  </cs:categoryAxis>
+  <cs:chartArea mods="allowNoLineOverride">
+    <cs:lnRef idx="0"/>
+    <cs:fillRef idx="0"/>
+    <cs:effectRef idx="0"/>
+    <cs:fontRef idx="minor">
+      <a:schemeClr val="dk1"/>
+    </cs:fontRef>
+    <cs:spPr>
+      <a:solidFill>
+        <a:schemeClr val="lt1"/>
+      </a:solidFill>
+      <a:ln w="9525" cap="flat" cmpd="sng" algn="ctr">
+        <a:solidFill>
+          <a:schemeClr val="dk1">
+            <a:lumMod val="15000"/>
+            <a:lumOff val="85000"/>
+          </a:schemeClr>
+        </a:solidFill>
+        <a:round/>
+      </a:ln>
+    </cs:spPr>
+    <cs:defRPr sz="1197" kern="1200"/>
+  </cs:chartArea>
+  <cs:dataLabel>
+    <cs:lnRef idx="0"/>
+    <cs:fillRef idx="0"/>
+    <cs:effectRef idx="0"/>
+    <cs:fontRef idx="minor">
+      <a:schemeClr val="dk1">
+        <a:lumMod val="65000"/>
+        <a:lumOff val="35000"/>
+      </a:schemeClr>
+    </cs:fontRef>
+    <cs:defRPr sz="1197" kern="1200"/>
+  </cs:dataLabel>
+  <cs:dataLabelCallout>
+    <cs:lnRef idx="0"/>
+    <cs:fillRef idx="0"/>
+    <cs:effectRef idx="0"/>
+    <cs:fontRef idx="minor">
+      <a:schemeClr val="dk1">
+        <a:lumMod val="65000"/>
+        <a:lumOff val="35000"/>
+      </a:schemeClr>
+    </cs:fontRef>
+    <cs:spPr>
+      <a:solidFill>
+        <a:schemeClr val="lt1"/>
+      </a:solidFill>
+      <a:ln>
+        <a:solidFill>
+          <a:schemeClr val="dk1">
+            <a:lumMod val="25000"/>
+            <a:lumOff val="75000"/>
+          </a:schemeClr>
+        </a:solidFill>
+      </a:ln>
+    </cs:spPr>
+    <cs:defRPr sz="1197" kern="1200"/>
+    <cs:bodyPr rot="0" spcFirstLastPara="1" vertOverflow="clip" horzOverflow="clip" vert="horz" wrap="square" lIns="36576" tIns="18288" rIns="36576" bIns="18288" anchor="ctr" anchorCtr="1">
+      <a:spAutoFit/>
+    </cs:bodyPr>
+  </cs:dataLabelCallout>
+  <cs:dataPoint>
+    <cs:lnRef idx="0">
+      <cs:styleClr val="auto"/>
+    </cs:lnRef>
+    <cs:fillRef idx="2">
+      <cs:styleClr val="auto"/>
+    </cs:fillRef>
+    <cs:effectRef idx="1"/>
+    <cs:fontRef idx="minor">
+      <a:schemeClr val="dk1"/>
+    </cs:fontRef>
+    <cs:spPr>
+      <a:ln w="9525" cap="flat" cmpd="sng" algn="ctr">
+        <a:solidFill>
+          <a:schemeClr val="phClr">
+            <a:shade val="95000"/>
+          </a:schemeClr>
+        </a:solidFill>
+        <a:round/>
+      </a:ln>
+    </cs:spPr>
+  </cs:dataPoint>
+  <cs:dataPoint3D>
+    <cs:lnRef idx="0">
+      <cs:styleClr val="auto"/>
+    </cs:lnRef>
+    <cs:fillRef idx="2">
+      <cs:styleClr val="auto"/>
+    </cs:fillRef>
+    <cs:effectRef idx="1"/>
+    <cs:fontRef idx="minor">
+      <a:schemeClr val="dk1"/>
+    </cs:fontRef>
+    <cs:spPr>
+      <a:ln w="9525" cap="flat" cmpd="sng" algn="ctr">
+        <a:solidFill>
+          <a:schemeClr val="phClr">
+            <a:shade val="95000"/>
+          </a:schemeClr>
+        </a:solidFill>
+        <a:round/>
+      </a:ln>
+    </cs:spPr>
+  </cs:dataPoint3D>
+  <cs:dataPointLine>
+    <cs:lnRef idx="0">
+      <cs:styleClr val="auto"/>
+    </cs:lnRef>
+    <cs:fillRef idx="0"/>
+    <cs:effectRef idx="0"/>
+    <cs:fontRef idx="minor">
+      <a:schemeClr val="dk1"/>
+    </cs:fontRef>
+    <cs:spPr>
+      <a:ln w="22225" cap="rnd" cmpd="sng" algn="ctr">
+        <a:solidFill>
+          <a:schemeClr val="phClr"/>
+        </a:solidFill>
+        <a:round/>
+      </a:ln>
+    </cs:spPr>
+  </cs:dataPointLine>
+  <cs:dataPointMarker>
+    <cs:lnRef idx="0">
+      <cs:styleClr val="auto"/>
+    </cs:lnRef>
+    <cs:fillRef idx="0">
+      <cs:styleClr val="auto"/>
+    </cs:fillRef>
+    <cs:effectRef idx="0"/>
+    <cs:fontRef idx="minor">
+      <a:schemeClr val="dk1"/>
+    </cs:fontRef>
+    <cs:spPr>
+      <a:solidFill>
+        <a:schemeClr val="phClr"/>
+      </a:solidFill>
+      <a:ln w="9525" cap="flat" cmpd="sng" algn="ctr">
+        <a:solidFill>
+          <a:schemeClr val="phClr"/>
+        </a:solidFill>
+        <a:round/>
+      </a:ln>
+    </cs:spPr>
+  </cs:dataPointMarker>
+  <cs:dataPointMarkerLayout symbol="circle" size="4"/>
+  <cs:dataPointWireframe>
+    <cs:lnRef idx="0">
+      <cs:styleClr val="auto"/>
+    </cs:lnRef>
+    <cs:fillRef idx="0"/>
+    <cs:effectRef idx="0"/>
+    <cs:fontRef idx="minor">
+      <a:schemeClr val="dk1"/>
+    </cs:fontRef>
+    <cs:spPr>
+      <a:ln w="9525" cap="rnd">
+        <a:solidFill>
+          <a:schemeClr val="phClr"/>
+        </a:solidFill>
+        <a:round/>
+      </a:ln>
+    </cs:spPr>
+  </cs:dataPointWireframe>
+  <cs:dataTable>
+    <cs:lnRef idx="0"/>
+    <cs:fillRef idx="0"/>
+    <cs:effectRef idx="0"/>
+    <cs:fontRef idx="minor">
+      <a:schemeClr val="dk1">
+        <a:lumMod val="65000"/>
+        <a:lumOff val="35000"/>
+      </a:schemeClr>
+    </cs:fontRef>
+    <cs:spPr>
+      <a:ln w="9525">
+        <a:solidFill>
+          <a:schemeClr val="dk1">
+            <a:lumMod val="15000"/>
+            <a:lumOff val="85000"/>
+          </a:schemeClr>
+        </a:solidFill>
+      </a:ln>
+    </cs:spPr>
+    <cs:defRPr sz="1197" kern="1200"/>
+  </cs:dataTable>
+  <cs:downBar>
+    <cs:lnRef idx="0"/>
+    <cs:fillRef idx="0"/>
+    <cs:effectRef idx="0"/>
+    <cs:fontRef idx="minor">
+      <a:schemeClr val="dk1"/>
+    </cs:fontRef>
+    <cs:spPr>
+      <a:solidFill>
+        <a:schemeClr val="dk1">
+          <a:lumMod val="75000"/>
+          <a:lumOff val="25000"/>
+        </a:schemeClr>
+      </a:solidFill>
+      <a:ln w="9525">
+        <a:solidFill>
+          <a:schemeClr val="dk1">
+            <a:lumMod val="65000"/>
+            <a:lumOff val="35000"/>
+          </a:schemeClr>
+        </a:solidFill>
+      </a:ln>
+    </cs:spPr>
+  </cs:downBar>
+  <cs:dropLine>
+    <cs:lnRef idx="0"/>
+    <cs:fillRef idx="0"/>
+    <cs:effectRef idx="0"/>
+    <cs:fontRef idx="minor">
+      <a:schemeClr val="dk1"/>
+    </cs:fontRef>
+    <cs:spPr>
+      <a:ln w="9525" cap="flat" cmpd="sng" algn="ctr">
+        <a:solidFill>
+          <a:schemeClr val="dk1">
+            <a:lumMod val="35000"/>
+            <a:lumOff val="65000"/>
+            <a:alpha val="33000"/>
+          </a:schemeClr>
+        </a:solidFill>
+        <a:round/>
+      </a:ln>
+    </cs:spPr>
+  </cs:dropLine>
+  <cs:errorBar>
+    <cs:lnRef idx="0"/>
+    <cs:fillRef idx="0"/>
+    <cs:effectRef idx="0"/>
+    <cs:fontRef idx="minor">
+      <a:schemeClr val="dk1"/>
+    </cs:fontRef>
+    <cs:spPr>
+      <a:ln w="9525">
+        <a:solidFill>
+          <a:schemeClr val="dk1">
+            <a:lumMod val="65000"/>
+            <a:lumOff val="35000"/>
+          </a:schemeClr>
+        </a:solidFill>
+      </a:ln>
+    </cs:spPr>
+  </cs:errorBar>
+  <cs:floor>
+    <cs:lnRef idx="0"/>
+    <cs:fillRef idx="0"/>
+    <cs:effectRef idx="0"/>
+    <cs:fontRef idx="minor">
+      <a:schemeClr val="dk1"/>
+    </cs:fontRef>
+  </cs:floor>
+  <cs:gridlineMajor>
+    <cs:lnRef idx="0"/>
+    <cs:fillRef idx="0"/>
+    <cs:effectRef idx="0"/>
+    <cs:fontRef idx="minor">
+      <a:schemeClr val="dk1"/>
+    </cs:fontRef>
+    <cs:spPr>
+      <a:ln>
+        <a:solidFill>
+          <a:schemeClr val="dk1">
+            <a:lumMod val="15000"/>
+            <a:lumOff val="85000"/>
+          </a:schemeClr>
+        </a:solidFill>
+      </a:ln>
+    </cs:spPr>
+  </cs:gridlineMajor>
+  <cs:gridlineMinor>
+    <cs:lnRef idx="0"/>
+    <cs:fillRef idx="0"/>
+    <cs:effectRef idx="0"/>
+    <cs:fontRef idx="minor">
+      <a:schemeClr val="dk1"/>
+    </cs:fontRef>
+    <cs:spPr>
+      <a:ln>
+        <a:solidFill>
+          <a:schemeClr val="dk1">
+            <a:lumMod val="5000"/>
+            <a:lumOff val="95000"/>
+          </a:schemeClr>
+        </a:solidFill>
+      </a:ln>
+    </cs:spPr>
+  </cs:gridlineMinor>
+  <cs:hiLoLine>
+    <cs:lnRef idx="0"/>
+    <cs:fillRef idx="0"/>
+    <cs:effectRef idx="0"/>
+    <cs:fontRef idx="minor">
+      <a:schemeClr val="dk1"/>
+    </cs:fontRef>
+    <cs:spPr>
+      <a:ln w="9525">
+        <a:solidFill>
+          <a:schemeClr val="dk1">
+            <a:lumMod val="35000"/>
+            <a:lumOff val="65000"/>
+          </a:schemeClr>
+        </a:solidFill>
+      </a:ln>
+    </cs:spPr>
+  </cs:hiLoLine>
+  <cs:leaderLine>
+    <cs:lnRef idx="0"/>
+    <cs:fillRef idx="0"/>
+    <cs:effectRef idx="0"/>
+    <cs:fontRef idx="minor">
+      <a:schemeClr val="dk1"/>
+    </cs:fontRef>
+    <cs:spPr>
+      <a:ln w="9525">
+        <a:solidFill>
+          <a:schemeClr val="dk1">
+            <a:lumMod val="35000"/>
+            <a:lumOff val="65000"/>
+          </a:schemeClr>
+        </a:solidFill>
+      </a:ln>
+    </cs:spPr>
+  </cs:leaderLine>
+  <cs:legend>
+    <cs:lnRef idx="0"/>
+    <cs:fillRef idx="0"/>
+    <cs:effectRef idx="0"/>
+    <cs:fontRef idx="minor">
+      <a:schemeClr val="dk1">
+        <a:lumMod val="65000"/>
+        <a:lumOff val="35000"/>
+      </a:schemeClr>
+    </cs:fontRef>
+    <cs:defRPr sz="1197" kern="1200"/>
+  </cs:legend>
+  <cs:plotArea>
+    <cs:lnRef idx="0"/>
+    <cs:fillRef idx="0"/>
+    <cs:effectRef idx="0"/>
+    <cs:fontRef idx="minor">
+      <a:schemeClr val="dk1"/>
+    </cs:fontRef>
+    <cs:spPr>
+      <a:gradFill>
+        <a:gsLst>
+          <a:gs pos="100000">
+            <a:schemeClr val="lt1">
+              <a:lumMod val="95000"/>
+            </a:schemeClr>
+          </a:gs>
+          <a:gs pos="0">
+            <a:schemeClr val="lt1"/>
+          </a:gs>
+        </a:gsLst>
+        <a:lin ang="5400000" scaled="0"/>
+      </a:gradFill>
+    </cs:spPr>
+  </cs:plotArea>
+  <cs:plotArea3D>
+    <cs:lnRef idx="0"/>
+    <cs:fillRef idx="0"/>
+    <cs:effectRef idx="0"/>
+    <cs:fontRef idx="minor">
+      <a:schemeClr val="dk1"/>
+    </cs:fontRef>
+  </cs:plotArea3D>
+  <cs:seriesAxis>
+    <cs:lnRef idx="0"/>
+    <cs:fillRef idx="0"/>
+    <cs:effectRef idx="0"/>
+    <cs:fontRef idx="minor">
+      <a:schemeClr val="dk1">
+        <a:lumMod val="65000"/>
+        <a:lumOff val="35000"/>
+      </a:schemeClr>
+    </cs:fontRef>
+    <cs:spPr>
+      <a:ln w="9525" cap="flat" cmpd="sng" algn="ctr">
+        <a:solidFill>
+          <a:schemeClr val="dk1">
+            <a:lumMod val="15000"/>
+            <a:lumOff val="85000"/>
+          </a:schemeClr>
+        </a:solidFill>
+        <a:round/>
+      </a:ln>
+    </cs:spPr>
+    <cs:defRPr sz="1197" kern="1200"/>
+  </cs:seriesAxis>
+  <cs:seriesLine>
+    <cs:lnRef idx="0"/>
+    <cs:fillRef idx="0"/>
+    <cs:effectRef idx="0"/>
+    <cs:fontRef idx="minor">
+      <a:schemeClr val="dk1"/>
+    </cs:fontRef>
+    <cs:spPr>
+      <a:ln w="9525">
+        <a:solidFill>
+          <a:schemeClr val="dk1">
+            <a:lumMod val="35000"/>
+            <a:lumOff val="65000"/>
+          </a:schemeClr>
+        </a:solidFill>
+        <a:prstDash val="dash"/>
+      </a:ln>
+    </cs:spPr>
+  </cs:seriesLine>
+  <cs:title>
+    <cs:lnRef idx="0"/>
+    <cs:fillRef idx="0"/>
+    <cs:effectRef idx="0"/>
+    <cs:fontRef idx="minor">
+      <a:schemeClr val="dk1">
+        <a:lumMod val="50000"/>
+        <a:lumOff val="50000"/>
+      </a:schemeClr>
+    </cs:fontRef>
+    <cs:defRPr sz="1862" kern="1200" cap="none" spc="20" baseline="0"/>
+  </cs:title>
+  <cs:trendline>
+    <cs:lnRef idx="0">
+      <cs:styleClr val="auto"/>
+    </cs:lnRef>
+    <cs:fillRef idx="0"/>
+    <cs:effectRef idx="0"/>
+    <cs:fontRef idx="minor">
+      <a:schemeClr val="dk1"/>
+    </cs:fontRef>
+    <cs:spPr>
+      <a:ln w="9525" cap="rnd">
+        <a:solidFill>
+          <a:schemeClr val="phClr"/>
+        </a:solidFill>
+      </a:ln>
+    </cs:spPr>
+  </cs:trendline>
+  <cs:trendlineLabel>
+    <cs:lnRef idx="0"/>
+    <cs:fillRef idx="0"/>
+    <cs:effectRef idx="0"/>
+    <cs:fontRef idx="minor">
+      <a:schemeClr val="dk1">
+        <a:lumMod val="65000"/>
+        <a:lumOff val="35000"/>
+      </a:schemeClr>
+    </cs:fontRef>
+    <cs:defRPr sz="1197" kern="1200"/>
+  </cs:trendlineLabel>
+  <cs:upBar>
+    <cs:lnRef idx="0"/>
+    <cs:fillRef idx="0"/>
+    <cs:effectRef idx="0"/>
+    <cs:fontRef idx="minor">
+      <a:schemeClr val="dk1"/>
+    </cs:fontRef>
+    <cs:spPr>
+      <a:solidFill>
+        <a:schemeClr val="lt1"/>
+      </a:solidFill>
+      <a:ln w="9525">
+        <a:solidFill>
+          <a:schemeClr val="dk1">
+            <a:lumMod val="65000"/>
+            <a:lumOff val="35000"/>
+          </a:schemeClr>
+        </a:solidFill>
+      </a:ln>
+    </cs:spPr>
+  </cs:upBar>
+  <cs:valueAxis>
+    <cs:lnRef idx="0"/>
+    <cs:fillRef idx="0"/>
+    <cs:effectRef idx="0"/>
+    <cs:fontRef idx="minor">
+      <a:schemeClr val="dk1">
+        <a:lumMod val="65000"/>
+        <a:lumOff val="35000"/>
+      </a:schemeClr>
+    </cs:fontRef>
+    <cs:defRPr sz="1197" kern="1200" spc="20" baseline="0"/>
+  </cs:valueAxis>
+  <cs:wall>
+    <cs:lnRef idx="0"/>
+    <cs:fillRef idx="0"/>
+    <cs:effectRef idx="0"/>
+    <cs:fontRef idx="minor">
+      <a:schemeClr val="dk1"/>
+    </cs:fontRef>
+  </cs:wall>
+</cs:chartStyle>
+</file>
+
 <file path=ppt/charts/style4.xml><?xml version="1.0" encoding="utf-8"?>
 <cs:chartStyle xmlns:cs="http://schemas.microsoft.com/office/drawing/2012/chartStyle" xmlns:a="http://schemas.openxmlformats.org/drawingml/2006/main" id="230">
   <cs:axisTitle>
@@ -38684,6 +40764,722 @@
     </cdr:sp>
   </cdr:relSizeAnchor>
 </c:userShapes>
+</file>
+
+<file path=ppt/notesMasters/notesMaster1.xml><?xml version="1.0" encoding="utf-8"?>
+<p:notesMaster xmlns:a="http://schemas.openxmlformats.org/drawingml/2006/main" xmlns:r="http://schemas.openxmlformats.org/officeDocument/2006/relationships" xmlns:p="http://schemas.openxmlformats.org/presentationml/2006/main">
+  <p:cSld>
+    <p:bg>
+      <p:bgRef idx="1001">
+        <a:schemeClr val="bg1"/>
+      </p:bgRef>
+    </p:bg>
+    <p:spTree>
+      <p:nvGrpSpPr>
+        <p:cNvPr id="1" name=""/>
+        <p:cNvGrpSpPr/>
+        <p:nvPr/>
+      </p:nvGrpSpPr>
+      <p:grpSpPr>
+        <a:xfrm>
+          <a:off x="0" y="0"/>
+          <a:ext cx="0" cy="0"/>
+          <a:chOff x="0" y="0"/>
+          <a:chExt cx="0" cy="0"/>
+        </a:xfrm>
+      </p:grpSpPr>
+      <p:sp>
+        <p:nvSpPr>
+          <p:cNvPr id="2" name="Header Placeholder 1"/>
+          <p:cNvSpPr>
+            <a:spLocks noGrp="1"/>
+          </p:cNvSpPr>
+          <p:nvPr>
+            <p:ph type="hdr" sz="quarter"/>
+          </p:nvPr>
+        </p:nvSpPr>
+        <p:spPr>
+          <a:xfrm>
+            <a:off x="0" y="0"/>
+            <a:ext cx="2971800" cy="458788"/>
+          </a:xfrm>
+          <a:prstGeom prst="rect">
+            <a:avLst/>
+          </a:prstGeom>
+        </p:spPr>
+        <p:txBody>
+          <a:bodyPr vert="horz" lIns="91440" tIns="45720" rIns="91440" bIns="45720" rtlCol="0"/>
+          <a:lstStyle>
+            <a:lvl1pPr algn="l">
+              <a:defRPr sz="1200"/>
+            </a:lvl1pPr>
+          </a:lstStyle>
+          <a:p>
+            <a:endParaRPr kumimoji="1" lang="ja-JP" altLang="en-US"/>
+          </a:p>
+        </p:txBody>
+      </p:sp>
+      <p:sp>
+        <p:nvSpPr>
+          <p:cNvPr id="3" name="Date Placeholder 2"/>
+          <p:cNvSpPr>
+            <a:spLocks noGrp="1"/>
+          </p:cNvSpPr>
+          <p:nvPr>
+            <p:ph type="dt" idx="1"/>
+          </p:nvPr>
+        </p:nvSpPr>
+        <p:spPr>
+          <a:xfrm>
+            <a:off x="3884613" y="0"/>
+            <a:ext cx="2971800" cy="458788"/>
+          </a:xfrm>
+          <a:prstGeom prst="rect">
+            <a:avLst/>
+          </a:prstGeom>
+        </p:spPr>
+        <p:txBody>
+          <a:bodyPr vert="horz" lIns="91440" tIns="45720" rIns="91440" bIns="45720" rtlCol="0"/>
+          <a:lstStyle>
+            <a:lvl1pPr algn="r">
+              <a:defRPr sz="1200"/>
+            </a:lvl1pPr>
+          </a:lstStyle>
+          <a:p>
+            <a:fld id="{C4012A2F-6FA9-4D5E-8CA7-6ABDF1F07521}" type="datetimeFigureOut">
+              <a:rPr kumimoji="1" lang="ja-JP" altLang="en-US" smtClean="0"/>
+              <a:t>2017/12/18</a:t>
+            </a:fld>
+            <a:endParaRPr kumimoji="1" lang="ja-JP" altLang="en-US"/>
+          </a:p>
+        </p:txBody>
+      </p:sp>
+      <p:sp>
+        <p:nvSpPr>
+          <p:cNvPr id="4" name="Slide Image Placeholder 3"/>
+          <p:cNvSpPr>
+            <a:spLocks noGrp="1" noRot="1" noChangeAspect="1"/>
+          </p:cNvSpPr>
+          <p:nvPr>
+            <p:ph type="sldImg" idx="2"/>
+          </p:nvPr>
+        </p:nvSpPr>
+        <p:spPr>
+          <a:xfrm>
+            <a:off x="685800" y="1143000"/>
+            <a:ext cx="5486400" cy="3086100"/>
+          </a:xfrm>
+          <a:prstGeom prst="rect">
+            <a:avLst/>
+          </a:prstGeom>
+          <a:noFill/>
+          <a:ln w="12700">
+            <a:solidFill>
+              <a:prstClr val="black"/>
+            </a:solidFill>
+          </a:ln>
+        </p:spPr>
+        <p:txBody>
+          <a:bodyPr vert="horz" lIns="91440" tIns="45720" rIns="91440" bIns="45720" rtlCol="0" anchor="ctr"/>
+          <a:lstStyle/>
+          <a:p>
+            <a:endParaRPr lang="ja-JP" altLang="en-US"/>
+          </a:p>
+        </p:txBody>
+      </p:sp>
+      <p:sp>
+        <p:nvSpPr>
+          <p:cNvPr id="5" name="Notes Placeholder 4"/>
+          <p:cNvSpPr>
+            <a:spLocks noGrp="1"/>
+          </p:cNvSpPr>
+          <p:nvPr>
+            <p:ph type="body" sz="quarter" idx="3"/>
+          </p:nvPr>
+        </p:nvSpPr>
+        <p:spPr>
+          <a:xfrm>
+            <a:off x="685800" y="4400550"/>
+            <a:ext cx="5486400" cy="3600450"/>
+          </a:xfrm>
+          <a:prstGeom prst="rect">
+            <a:avLst/>
+          </a:prstGeom>
+        </p:spPr>
+        <p:txBody>
+          <a:bodyPr vert="horz" lIns="91440" tIns="45720" rIns="91440" bIns="45720" rtlCol="0"/>
+          <a:lstStyle/>
+          <a:p>
+            <a:pPr lvl="0"/>
+            <a:r>
+              <a:rPr kumimoji="1" lang="en-US" altLang="ja-JP"/>
+              <a:t>Edit Master text styles</a:t>
+            </a:r>
+          </a:p>
+          <a:p>
+            <a:pPr lvl="1"/>
+            <a:r>
+              <a:rPr kumimoji="1" lang="en-US" altLang="ja-JP"/>
+              <a:t>Second level</a:t>
+            </a:r>
+          </a:p>
+          <a:p>
+            <a:pPr lvl="2"/>
+            <a:r>
+              <a:rPr kumimoji="1" lang="en-US" altLang="ja-JP"/>
+              <a:t>Third level</a:t>
+            </a:r>
+          </a:p>
+          <a:p>
+            <a:pPr lvl="3"/>
+            <a:r>
+              <a:rPr kumimoji="1" lang="en-US" altLang="ja-JP"/>
+              <a:t>Fourth level</a:t>
+            </a:r>
+          </a:p>
+          <a:p>
+            <a:pPr lvl="4"/>
+            <a:r>
+              <a:rPr kumimoji="1" lang="en-US" altLang="ja-JP"/>
+              <a:t>Fifth level</a:t>
+            </a:r>
+            <a:endParaRPr kumimoji="1" lang="ja-JP" altLang="en-US"/>
+          </a:p>
+        </p:txBody>
+      </p:sp>
+      <p:sp>
+        <p:nvSpPr>
+          <p:cNvPr id="6" name="Footer Placeholder 5"/>
+          <p:cNvSpPr>
+            <a:spLocks noGrp="1"/>
+          </p:cNvSpPr>
+          <p:nvPr>
+            <p:ph type="ftr" sz="quarter" idx="4"/>
+          </p:nvPr>
+        </p:nvSpPr>
+        <p:spPr>
+          <a:xfrm>
+            <a:off x="0" y="8685213"/>
+            <a:ext cx="2971800" cy="458787"/>
+          </a:xfrm>
+          <a:prstGeom prst="rect">
+            <a:avLst/>
+          </a:prstGeom>
+        </p:spPr>
+        <p:txBody>
+          <a:bodyPr vert="horz" lIns="91440" tIns="45720" rIns="91440" bIns="45720" rtlCol="0" anchor="b"/>
+          <a:lstStyle>
+            <a:lvl1pPr algn="l">
+              <a:defRPr sz="1200"/>
+            </a:lvl1pPr>
+          </a:lstStyle>
+          <a:p>
+            <a:endParaRPr kumimoji="1" lang="ja-JP" altLang="en-US"/>
+          </a:p>
+        </p:txBody>
+      </p:sp>
+      <p:sp>
+        <p:nvSpPr>
+          <p:cNvPr id="7" name="Slide Number Placeholder 6"/>
+          <p:cNvSpPr>
+            <a:spLocks noGrp="1"/>
+          </p:cNvSpPr>
+          <p:nvPr>
+            <p:ph type="sldNum" sz="quarter" idx="5"/>
+          </p:nvPr>
+        </p:nvSpPr>
+        <p:spPr>
+          <a:xfrm>
+            <a:off x="3884613" y="8685213"/>
+            <a:ext cx="2971800" cy="458787"/>
+          </a:xfrm>
+          <a:prstGeom prst="rect">
+            <a:avLst/>
+          </a:prstGeom>
+        </p:spPr>
+        <p:txBody>
+          <a:bodyPr vert="horz" lIns="91440" tIns="45720" rIns="91440" bIns="45720" rtlCol="0" anchor="b"/>
+          <a:lstStyle>
+            <a:lvl1pPr algn="r">
+              <a:defRPr sz="1200"/>
+            </a:lvl1pPr>
+          </a:lstStyle>
+          <a:p>
+            <a:fld id="{CDC04EF2-89C0-450D-A04F-18C0D2B1A5C2}" type="slidenum">
+              <a:rPr kumimoji="1" lang="ja-JP" altLang="en-US" smtClean="0"/>
+              <a:t>‹#›</a:t>
+            </a:fld>
+            <a:endParaRPr kumimoji="1" lang="ja-JP" altLang="en-US"/>
+          </a:p>
+        </p:txBody>
+      </p:sp>
+    </p:spTree>
+    <p:extLst>
+      <p:ext uri="{BB962C8B-B14F-4D97-AF65-F5344CB8AC3E}">
+        <p14:creationId xmlns:p14="http://schemas.microsoft.com/office/powerpoint/2010/main" val="2217951821"/>
+      </p:ext>
+    </p:extLst>
+  </p:cSld>
+  <p:clrMap bg1="lt1" tx1="dk1" bg2="lt2" tx2="dk2" accent1="accent1" accent2="accent2" accent3="accent3" accent4="accent4" accent5="accent5" accent6="accent6" hlink="hlink" folHlink="folHlink"/>
+  <p:notesStyle>
+    <a:lvl1pPr marL="0" algn="l" defTabSz="914400" rtl="0" eaLnBrk="1" latinLnBrk="0" hangingPunct="1">
+      <a:defRPr kumimoji="1" sz="1200" kern="1200">
+        <a:solidFill>
+          <a:schemeClr val="tx1"/>
+        </a:solidFill>
+        <a:latin typeface="+mn-lt"/>
+        <a:ea typeface="+mn-ea"/>
+        <a:cs typeface="+mn-cs"/>
+      </a:defRPr>
+    </a:lvl1pPr>
+    <a:lvl2pPr marL="457200" algn="l" defTabSz="914400" rtl="0" eaLnBrk="1" latinLnBrk="0" hangingPunct="1">
+      <a:defRPr kumimoji="1" sz="1200" kern="1200">
+        <a:solidFill>
+          <a:schemeClr val="tx1"/>
+        </a:solidFill>
+        <a:latin typeface="+mn-lt"/>
+        <a:ea typeface="+mn-ea"/>
+        <a:cs typeface="+mn-cs"/>
+      </a:defRPr>
+    </a:lvl2pPr>
+    <a:lvl3pPr marL="914400" algn="l" defTabSz="914400" rtl="0" eaLnBrk="1" latinLnBrk="0" hangingPunct="1">
+      <a:defRPr kumimoji="1" sz="1200" kern="1200">
+        <a:solidFill>
+          <a:schemeClr val="tx1"/>
+        </a:solidFill>
+        <a:latin typeface="+mn-lt"/>
+        <a:ea typeface="+mn-ea"/>
+        <a:cs typeface="+mn-cs"/>
+      </a:defRPr>
+    </a:lvl3pPr>
+    <a:lvl4pPr marL="1371600" algn="l" defTabSz="914400" rtl="0" eaLnBrk="1" latinLnBrk="0" hangingPunct="1">
+      <a:defRPr kumimoji="1" sz="1200" kern="1200">
+        <a:solidFill>
+          <a:schemeClr val="tx1"/>
+        </a:solidFill>
+        <a:latin typeface="+mn-lt"/>
+        <a:ea typeface="+mn-ea"/>
+        <a:cs typeface="+mn-cs"/>
+      </a:defRPr>
+    </a:lvl4pPr>
+    <a:lvl5pPr marL="1828800" algn="l" defTabSz="914400" rtl="0" eaLnBrk="1" latinLnBrk="0" hangingPunct="1">
+      <a:defRPr kumimoji="1" sz="1200" kern="1200">
+        <a:solidFill>
+          <a:schemeClr val="tx1"/>
+        </a:solidFill>
+        <a:latin typeface="+mn-lt"/>
+        <a:ea typeface="+mn-ea"/>
+        <a:cs typeface="+mn-cs"/>
+      </a:defRPr>
+    </a:lvl5pPr>
+    <a:lvl6pPr marL="2286000" algn="l" defTabSz="914400" rtl="0" eaLnBrk="1" latinLnBrk="0" hangingPunct="1">
+      <a:defRPr kumimoji="1" sz="1200" kern="1200">
+        <a:solidFill>
+          <a:schemeClr val="tx1"/>
+        </a:solidFill>
+        <a:latin typeface="+mn-lt"/>
+        <a:ea typeface="+mn-ea"/>
+        <a:cs typeface="+mn-cs"/>
+      </a:defRPr>
+    </a:lvl6pPr>
+    <a:lvl7pPr marL="2743200" algn="l" defTabSz="914400" rtl="0" eaLnBrk="1" latinLnBrk="0" hangingPunct="1">
+      <a:defRPr kumimoji="1" sz="1200" kern="1200">
+        <a:solidFill>
+          <a:schemeClr val="tx1"/>
+        </a:solidFill>
+        <a:latin typeface="+mn-lt"/>
+        <a:ea typeface="+mn-ea"/>
+        <a:cs typeface="+mn-cs"/>
+      </a:defRPr>
+    </a:lvl7pPr>
+    <a:lvl8pPr marL="3200400" algn="l" defTabSz="914400" rtl="0" eaLnBrk="1" latinLnBrk="0" hangingPunct="1">
+      <a:defRPr kumimoji="1" sz="1200" kern="1200">
+        <a:solidFill>
+          <a:schemeClr val="tx1"/>
+        </a:solidFill>
+        <a:latin typeface="+mn-lt"/>
+        <a:ea typeface="+mn-ea"/>
+        <a:cs typeface="+mn-cs"/>
+      </a:defRPr>
+    </a:lvl8pPr>
+    <a:lvl9pPr marL="3657600" algn="l" defTabSz="914400" rtl="0" eaLnBrk="1" latinLnBrk="0" hangingPunct="1">
+      <a:defRPr kumimoji="1" sz="1200" kern="1200">
+        <a:solidFill>
+          <a:schemeClr val="tx1"/>
+        </a:solidFill>
+        <a:latin typeface="+mn-lt"/>
+        <a:ea typeface="+mn-ea"/>
+        <a:cs typeface="+mn-cs"/>
+      </a:defRPr>
+    </a:lvl9pPr>
+  </p:notesStyle>
+</p:notesMaster>
+</file>
+
+<file path=ppt/notesSlides/notesSlide1.xml><?xml version="1.0" encoding="utf-8"?>
+<p:notes xmlns:a="http://schemas.openxmlformats.org/drawingml/2006/main" xmlns:r="http://schemas.openxmlformats.org/officeDocument/2006/relationships" xmlns:p="http://schemas.openxmlformats.org/presentationml/2006/main">
+  <p:cSld>
+    <p:spTree>
+      <p:nvGrpSpPr>
+        <p:cNvPr id="1" name=""/>
+        <p:cNvGrpSpPr/>
+        <p:nvPr/>
+      </p:nvGrpSpPr>
+      <p:grpSpPr>
+        <a:xfrm>
+          <a:off x="0" y="0"/>
+          <a:ext cx="0" cy="0"/>
+          <a:chOff x="0" y="0"/>
+          <a:chExt cx="0" cy="0"/>
+        </a:xfrm>
+      </p:grpSpPr>
+      <p:sp>
+        <p:nvSpPr>
+          <p:cNvPr id="2" name="Slide Image Placeholder 1"/>
+          <p:cNvSpPr>
+            <a:spLocks noGrp="1" noRot="1" noChangeAspect="1"/>
+          </p:cNvSpPr>
+          <p:nvPr>
+            <p:ph type="sldImg"/>
+          </p:nvPr>
+        </p:nvSpPr>
+        <p:spPr/>
+      </p:sp>
+      <p:sp>
+        <p:nvSpPr>
+          <p:cNvPr id="3" name="Notes Placeholder 2"/>
+          <p:cNvSpPr>
+            <a:spLocks noGrp="1"/>
+          </p:cNvSpPr>
+          <p:nvPr>
+            <p:ph type="body" idx="1"/>
+          </p:nvPr>
+        </p:nvSpPr>
+        <p:spPr/>
+        <p:txBody>
+          <a:bodyPr/>
+          <a:lstStyle/>
+          <a:p>
+            <a:endParaRPr kumimoji="1" lang="ja-JP" altLang="en-US" dirty="0"/>
+          </a:p>
+        </p:txBody>
+      </p:sp>
+      <p:sp>
+        <p:nvSpPr>
+          <p:cNvPr id="4" name="Slide Number Placeholder 3"/>
+          <p:cNvSpPr>
+            <a:spLocks noGrp="1"/>
+          </p:cNvSpPr>
+          <p:nvPr>
+            <p:ph type="sldNum" sz="quarter" idx="10"/>
+          </p:nvPr>
+        </p:nvSpPr>
+        <p:spPr/>
+        <p:txBody>
+          <a:bodyPr/>
+          <a:lstStyle/>
+          <a:p>
+            <a:fld id="{CDC04EF2-89C0-450D-A04F-18C0D2B1A5C2}" type="slidenum">
+              <a:rPr kumimoji="1" lang="ja-JP" altLang="en-US" smtClean="0"/>
+              <a:t>1</a:t>
+            </a:fld>
+            <a:endParaRPr kumimoji="1" lang="ja-JP" altLang="en-US"/>
+          </a:p>
+        </p:txBody>
+      </p:sp>
+    </p:spTree>
+    <p:extLst>
+      <p:ext uri="{BB962C8B-B14F-4D97-AF65-F5344CB8AC3E}">
+        <p14:creationId xmlns:p14="http://schemas.microsoft.com/office/powerpoint/2010/main" val="3234418611"/>
+      </p:ext>
+    </p:extLst>
+  </p:cSld>
+  <p:clrMapOvr>
+    <a:masterClrMapping/>
+  </p:clrMapOvr>
+</p:notes>
+</file>
+
+<file path=ppt/notesSlides/notesSlide2.xml><?xml version="1.0" encoding="utf-8"?>
+<p:notes xmlns:a="http://schemas.openxmlformats.org/drawingml/2006/main" xmlns:r="http://schemas.openxmlformats.org/officeDocument/2006/relationships" xmlns:p="http://schemas.openxmlformats.org/presentationml/2006/main">
+  <p:cSld>
+    <p:spTree>
+      <p:nvGrpSpPr>
+        <p:cNvPr id="1" name=""/>
+        <p:cNvGrpSpPr/>
+        <p:nvPr/>
+      </p:nvGrpSpPr>
+      <p:grpSpPr>
+        <a:xfrm>
+          <a:off x="0" y="0"/>
+          <a:ext cx="0" cy="0"/>
+          <a:chOff x="0" y="0"/>
+          <a:chExt cx="0" cy="0"/>
+        </a:xfrm>
+      </p:grpSpPr>
+      <p:sp>
+        <p:nvSpPr>
+          <p:cNvPr id="2" name="Slide Image Placeholder 1"/>
+          <p:cNvSpPr>
+            <a:spLocks noGrp="1" noRot="1" noChangeAspect="1"/>
+          </p:cNvSpPr>
+          <p:nvPr>
+            <p:ph type="sldImg"/>
+          </p:nvPr>
+        </p:nvSpPr>
+        <p:spPr/>
+      </p:sp>
+      <p:sp>
+        <p:nvSpPr>
+          <p:cNvPr id="3" name="Notes Placeholder 2"/>
+          <p:cNvSpPr>
+            <a:spLocks noGrp="1"/>
+          </p:cNvSpPr>
+          <p:nvPr>
+            <p:ph type="body" idx="1"/>
+          </p:nvPr>
+        </p:nvSpPr>
+        <p:spPr/>
+        <p:txBody>
+          <a:bodyPr/>
+          <a:lstStyle/>
+          <a:p>
+            <a:r>
+              <a:rPr kumimoji="1" lang="en-US" altLang="ja-JP" dirty="0"/>
+              <a:t>2:45</a:t>
+            </a:r>
+            <a:r>
+              <a:rPr kumimoji="1" lang="ja-JP" altLang="en-US" dirty="0"/>
+              <a:t>まで</a:t>
+            </a:r>
+          </a:p>
+        </p:txBody>
+      </p:sp>
+      <p:sp>
+        <p:nvSpPr>
+          <p:cNvPr id="4" name="Slide Number Placeholder 3"/>
+          <p:cNvSpPr>
+            <a:spLocks noGrp="1"/>
+          </p:cNvSpPr>
+          <p:nvPr>
+            <p:ph type="sldNum" sz="quarter" idx="10"/>
+          </p:nvPr>
+        </p:nvSpPr>
+        <p:spPr/>
+        <p:txBody>
+          <a:bodyPr/>
+          <a:lstStyle/>
+          <a:p>
+            <a:fld id="{CDC04EF2-89C0-450D-A04F-18C0D2B1A5C2}" type="slidenum">
+              <a:rPr kumimoji="1" lang="ja-JP" altLang="en-US" smtClean="0"/>
+              <a:t>6</a:t>
+            </a:fld>
+            <a:endParaRPr kumimoji="1" lang="ja-JP" altLang="en-US"/>
+          </a:p>
+        </p:txBody>
+      </p:sp>
+    </p:spTree>
+    <p:extLst>
+      <p:ext uri="{BB962C8B-B14F-4D97-AF65-F5344CB8AC3E}">
+        <p14:creationId xmlns:p14="http://schemas.microsoft.com/office/powerpoint/2010/main" val="901782859"/>
+      </p:ext>
+    </p:extLst>
+  </p:cSld>
+  <p:clrMapOvr>
+    <a:masterClrMapping/>
+  </p:clrMapOvr>
+</p:notes>
+</file>
+
+<file path=ppt/notesSlides/notesSlide3.xml><?xml version="1.0" encoding="utf-8"?>
+<p:notes xmlns:a="http://schemas.openxmlformats.org/drawingml/2006/main" xmlns:r="http://schemas.openxmlformats.org/officeDocument/2006/relationships" xmlns:p="http://schemas.openxmlformats.org/presentationml/2006/main">
+  <p:cSld>
+    <p:spTree>
+      <p:nvGrpSpPr>
+        <p:cNvPr id="1" name=""/>
+        <p:cNvGrpSpPr/>
+        <p:nvPr/>
+      </p:nvGrpSpPr>
+      <p:grpSpPr>
+        <a:xfrm>
+          <a:off x="0" y="0"/>
+          <a:ext cx="0" cy="0"/>
+          <a:chOff x="0" y="0"/>
+          <a:chExt cx="0" cy="0"/>
+        </a:xfrm>
+      </p:grpSpPr>
+      <p:sp>
+        <p:nvSpPr>
+          <p:cNvPr id="2" name="Slide Image Placeholder 1"/>
+          <p:cNvSpPr>
+            <a:spLocks noGrp="1" noRot="1" noChangeAspect="1"/>
+          </p:cNvSpPr>
+          <p:nvPr>
+            <p:ph type="sldImg"/>
+          </p:nvPr>
+        </p:nvSpPr>
+        <p:spPr/>
+      </p:sp>
+      <p:sp>
+        <p:nvSpPr>
+          <p:cNvPr id="3" name="Notes Placeholder 2"/>
+          <p:cNvSpPr>
+            <a:spLocks noGrp="1"/>
+          </p:cNvSpPr>
+          <p:nvPr>
+            <p:ph type="body" idx="1"/>
+          </p:nvPr>
+        </p:nvSpPr>
+        <p:spPr/>
+        <p:txBody>
+          <a:bodyPr/>
+          <a:lstStyle/>
+          <a:p>
+            <a:r>
+              <a:rPr kumimoji="1" lang="en-US" altLang="ja-JP" dirty="0"/>
+              <a:t>3</a:t>
+            </a:r>
+            <a:r>
+              <a:rPr kumimoji="1" lang="ja-JP" altLang="en-US" dirty="0"/>
+              <a:t>：</a:t>
+            </a:r>
+            <a:r>
+              <a:rPr kumimoji="1" lang="en-US" altLang="ja-JP" dirty="0"/>
+              <a:t>30</a:t>
+            </a:r>
+            <a:r>
+              <a:rPr kumimoji="1" lang="ja-JP" altLang="en-US" dirty="0"/>
+              <a:t>まで</a:t>
+            </a:r>
+          </a:p>
+        </p:txBody>
+      </p:sp>
+      <p:sp>
+        <p:nvSpPr>
+          <p:cNvPr id="4" name="Slide Number Placeholder 3"/>
+          <p:cNvSpPr>
+            <a:spLocks noGrp="1"/>
+          </p:cNvSpPr>
+          <p:nvPr>
+            <p:ph type="sldNum" sz="quarter" idx="10"/>
+          </p:nvPr>
+        </p:nvSpPr>
+        <p:spPr/>
+        <p:txBody>
+          <a:bodyPr/>
+          <a:lstStyle/>
+          <a:p>
+            <a:fld id="{CDC04EF2-89C0-450D-A04F-18C0D2B1A5C2}" type="slidenum">
+              <a:rPr kumimoji="1" lang="ja-JP" altLang="en-US" smtClean="0"/>
+              <a:t>8</a:t>
+            </a:fld>
+            <a:endParaRPr kumimoji="1" lang="ja-JP" altLang="en-US"/>
+          </a:p>
+        </p:txBody>
+      </p:sp>
+    </p:spTree>
+    <p:extLst>
+      <p:ext uri="{BB962C8B-B14F-4D97-AF65-F5344CB8AC3E}">
+        <p14:creationId xmlns:p14="http://schemas.microsoft.com/office/powerpoint/2010/main" val="4027427527"/>
+      </p:ext>
+    </p:extLst>
+  </p:cSld>
+  <p:clrMapOvr>
+    <a:masterClrMapping/>
+  </p:clrMapOvr>
+</p:notes>
+</file>
+
+<file path=ppt/notesSlides/notesSlide4.xml><?xml version="1.0" encoding="utf-8"?>
+<p:notes xmlns:a="http://schemas.openxmlformats.org/drawingml/2006/main" xmlns:r="http://schemas.openxmlformats.org/officeDocument/2006/relationships" xmlns:p="http://schemas.openxmlformats.org/presentationml/2006/main">
+  <p:cSld>
+    <p:spTree>
+      <p:nvGrpSpPr>
+        <p:cNvPr id="1" name=""/>
+        <p:cNvGrpSpPr/>
+        <p:nvPr/>
+      </p:nvGrpSpPr>
+      <p:grpSpPr>
+        <a:xfrm>
+          <a:off x="0" y="0"/>
+          <a:ext cx="0" cy="0"/>
+          <a:chOff x="0" y="0"/>
+          <a:chExt cx="0" cy="0"/>
+        </a:xfrm>
+      </p:grpSpPr>
+      <p:sp>
+        <p:nvSpPr>
+          <p:cNvPr id="2" name="Slide Image Placeholder 1"/>
+          <p:cNvSpPr>
+            <a:spLocks noGrp="1" noRot="1" noChangeAspect="1"/>
+          </p:cNvSpPr>
+          <p:nvPr>
+            <p:ph type="sldImg"/>
+          </p:nvPr>
+        </p:nvSpPr>
+        <p:spPr/>
+      </p:sp>
+      <p:sp>
+        <p:nvSpPr>
+          <p:cNvPr id="3" name="Notes Placeholder 2"/>
+          <p:cNvSpPr>
+            <a:spLocks noGrp="1"/>
+          </p:cNvSpPr>
+          <p:nvPr>
+            <p:ph type="body" idx="1"/>
+          </p:nvPr>
+        </p:nvSpPr>
+        <p:spPr/>
+        <p:txBody>
+          <a:bodyPr/>
+          <a:lstStyle/>
+          <a:p>
+            <a:r>
+              <a:rPr kumimoji="1" lang="en-US" altLang="ja-JP" dirty="0"/>
+              <a:t>7:15</a:t>
+            </a:r>
+            <a:r>
+              <a:rPr kumimoji="1" lang="ja-JP" altLang="en-US"/>
+              <a:t>まで</a:t>
+            </a:r>
+            <a:endParaRPr kumimoji="1" lang="ja-JP" altLang="en-US"/>
+          </a:p>
+        </p:txBody>
+      </p:sp>
+      <p:sp>
+        <p:nvSpPr>
+          <p:cNvPr id="4" name="Slide Number Placeholder 3"/>
+          <p:cNvSpPr>
+            <a:spLocks noGrp="1"/>
+          </p:cNvSpPr>
+          <p:nvPr>
+            <p:ph type="sldNum" sz="quarter" idx="10"/>
+          </p:nvPr>
+        </p:nvSpPr>
+        <p:spPr/>
+        <p:txBody>
+          <a:bodyPr/>
+          <a:lstStyle/>
+          <a:p>
+            <a:fld id="{CDC04EF2-89C0-450D-A04F-18C0D2B1A5C2}" type="slidenum">
+              <a:rPr kumimoji="1" lang="ja-JP" altLang="en-US" smtClean="0"/>
+              <a:t>17</a:t>
+            </a:fld>
+            <a:endParaRPr kumimoji="1" lang="ja-JP" altLang="en-US"/>
+          </a:p>
+        </p:txBody>
+      </p:sp>
+    </p:spTree>
+    <p:extLst>
+      <p:ext uri="{BB962C8B-B14F-4D97-AF65-F5344CB8AC3E}">
+        <p14:creationId xmlns:p14="http://schemas.microsoft.com/office/powerpoint/2010/main" val="2600456619"/>
+      </p:ext>
+    </p:extLst>
+  </p:cSld>
+  <p:clrMapOvr>
+    <a:masterClrMapping/>
+  </p:clrMapOvr>
+</p:notes>
 </file>
 
 <file path=ppt/slideLayouts/slideLayout1.xml><?xml version="1.0" encoding="utf-8"?>
@@ -38960,7 +41756,7 @@
           <a:p>
             <a:fld id="{78ABE3C1-DBE1-495D-B57B-2849774B866A}" type="datetimeFigureOut">
               <a:rPr lang="en-US" dirty="0"/>
-              <a:t>12/4/2017</a:t>
+              <a:t>12/18/2017</a:t>
             </a:fld>
             <a:endParaRPr lang="en-US" dirty="0"/>
           </a:p>
@@ -39369,7 +42165,7 @@
           <a:p>
             <a:fld id="{446C117F-5CCF-4837-BE5F-2B92066CAFAF}" type="datetimeFigureOut">
               <a:rPr lang="en-US" dirty="0"/>
-              <a:t>12/4/2017</a:t>
+              <a:t>12/18/2017</a:t>
             </a:fld>
             <a:endParaRPr lang="en-US" dirty="0"/>
           </a:p>
@@ -39700,7 +42496,7 @@
           <a:p>
             <a:fld id="{84EB90BD-B6CE-46B7-997F-7313B992CCDC}" type="datetimeFigureOut">
               <a:rPr lang="en-US" dirty="0"/>
-              <a:t>12/4/2017</a:t>
+              <a:t>12/18/2017</a:t>
             </a:fld>
             <a:endParaRPr lang="en-US" dirty="0"/>
           </a:p>
@@ -40100,7 +42896,7 @@
           <a:p>
             <a:fld id="{CDB9D11F-B188-461D-B23F-39381795C052}" type="datetimeFigureOut">
               <a:rPr lang="en-US" dirty="0"/>
-              <a:t>12/4/2017</a:t>
+              <a:t>12/18/2017</a:t>
             </a:fld>
             <a:endParaRPr lang="en-US" dirty="0"/>
           </a:p>
@@ -40663,7 +43459,7 @@
           <a:p>
             <a:fld id="{52E6D8D9-55A2-4063-B0F3-121F44549695}" type="datetimeFigureOut">
               <a:rPr lang="en-US" dirty="0"/>
-              <a:t>12/4/2017</a:t>
+              <a:t>12/18/2017</a:t>
             </a:fld>
             <a:endParaRPr lang="en-US" dirty="0"/>
           </a:p>
@@ -41339,7 +44135,7 @@
           <a:p>
             <a:fld id="{D4B24536-994D-4021-A283-9F449C0DB509}" type="datetimeFigureOut">
               <a:rPr lang="en-US" dirty="0"/>
-              <a:t>12/4/2017</a:t>
+              <a:t>12/18/2017</a:t>
             </a:fld>
             <a:endParaRPr lang="en-US" dirty="0"/>
           </a:p>
@@ -42247,7 +45043,7 @@
           <a:p>
             <a:fld id="{3CBBBB78-C96F-47B7-AB17-D852CA960AC9}" type="datetimeFigureOut">
               <a:rPr lang="en-US" dirty="0"/>
-              <a:t>12/4/2017</a:t>
+              <a:t>12/18/2017</a:t>
             </a:fld>
             <a:endParaRPr lang="en-US" dirty="0"/>
           </a:p>
@@ -42555,7 +45351,7 @@
           <a:p>
             <a:fld id="{1FA3F48C-C7C6-4055-9F49-3777875E72AE}" type="datetimeFigureOut">
               <a:rPr lang="en-US" dirty="0"/>
-              <a:t>12/4/2017</a:t>
+              <a:t>12/18/2017</a:t>
             </a:fld>
             <a:endParaRPr lang="en-US" dirty="0"/>
           </a:p>
@@ -42814,7 +45610,7 @@
           <a:p>
             <a:fld id="{6178E61D-D431-422C-9764-11DAFE33AB63}" type="datetimeFigureOut">
               <a:rPr lang="en-US" dirty="0"/>
-              <a:t>12/4/2017</a:t>
+              <a:t>12/18/2017</a:t>
             </a:fld>
             <a:endParaRPr lang="en-US" dirty="0"/>
           </a:p>
@@ -43133,7 +45929,7 @@
           <a:p>
             <a:fld id="{12DE42F4-6EEF-4EF7-8ED4-2208F0F89A08}" type="datetimeFigureOut">
               <a:rPr lang="en-US" dirty="0"/>
-              <a:t>12/4/2017</a:t>
+              <a:t>12/18/2017</a:t>
             </a:fld>
             <a:endParaRPr lang="en-US" dirty="0"/>
           </a:p>
@@ -43517,7 +46313,7 @@
           <a:p>
             <a:fld id="{30578ACC-22D6-47C1-A373-4FD133E34F3C}" type="datetimeFigureOut">
               <a:rPr lang="en-US" dirty="0"/>
-              <a:t>12/4/2017</a:t>
+              <a:t>12/18/2017</a:t>
             </a:fld>
             <a:endParaRPr lang="en-US" dirty="0"/>
           </a:p>
@@ -43888,7 +46684,7 @@
           <a:p>
             <a:fld id="{4E5A6C69-6797-4E8A-BF37-F2C3751466E9}" type="datetimeFigureOut">
               <a:rPr lang="en-US" dirty="0"/>
-              <a:t>12/4/2017</a:t>
+              <a:t>12/18/2017</a:t>
             </a:fld>
             <a:endParaRPr lang="en-US" dirty="0"/>
           </a:p>
@@ -44389,7 +47185,7 @@
           <a:p>
             <a:fld id="{D82014A1-A632-4878-A0D3-F52BA7563730}" type="datetimeFigureOut">
               <a:rPr lang="en-US" dirty="0"/>
-              <a:t>12/4/2017</a:t>
+              <a:t>12/18/2017</a:t>
             </a:fld>
             <a:endParaRPr lang="en-US" dirty="0"/>
           </a:p>
@@ -44641,7 +47437,7 @@
           <a:p>
             <a:fld id="{CE99F462-093F-4566-844B-4C71F2739DA5}" type="datetimeFigureOut">
               <a:rPr lang="en-US" dirty="0"/>
-              <a:t>12/4/2017</a:t>
+              <a:t>12/18/2017</a:t>
             </a:fld>
             <a:endParaRPr lang="en-US" dirty="0"/>
           </a:p>
@@ -44799,7 +47595,7 @@
           <a:p>
             <a:fld id="{3D24A7AC-904D-4781-85BA-7D10C17ED021}" type="datetimeFigureOut">
               <a:rPr lang="en-US" dirty="0"/>
-              <a:t>12/4/2017</a:t>
+              <a:t>12/18/2017</a:t>
             </a:fld>
             <a:endParaRPr lang="en-US" dirty="0"/>
           </a:p>
@@ -45184,7 +47980,7 @@
           <a:p>
             <a:fld id="{E331444B-B92B-4E27-8C94-BB93EAF5CB18}" type="datetimeFigureOut">
               <a:rPr lang="en-US" dirty="0"/>
-              <a:t>12/4/2017</a:t>
+              <a:t>12/18/2017</a:t>
             </a:fld>
             <a:endParaRPr lang="en-US" dirty="0"/>
           </a:p>
@@ -45588,7 +48384,7 @@
           <a:p>
             <a:fld id="{363EFA5E-FA76-400D-B3DC-F0BA90E6D107}" type="datetimeFigureOut">
               <a:rPr lang="en-US" dirty="0"/>
-              <a:t>12/4/2017</a:t>
+              <a:t>12/18/2017</a:t>
             </a:fld>
             <a:endParaRPr lang="en-US" dirty="0"/>
           </a:p>
@@ -45827,7 +48623,7 @@
           <a:p>
             <a:fld id="{9D6E9DEC-419B-4CC5-A080-3B06BD5A8291}" type="datetimeFigureOut">
               <a:rPr lang="en-US" dirty="0"/>
-              <a:t>12/4/2017</a:t>
+              <a:t>12/18/2017</a:t>
             </a:fld>
             <a:endParaRPr lang="en-US" dirty="0"/>
           </a:p>
@@ -46336,248 +49132,6 @@
           <a:chExt cx="0" cy="0"/>
         </a:xfrm>
       </p:grpSpPr>
-      <p:graphicFrame>
-        <p:nvGraphicFramePr>
-          <p:cNvPr id="18" name="Chart 17"/>
-          <p:cNvGraphicFramePr>
-            <a:graphicFrameLocks/>
-          </p:cNvGraphicFramePr>
-          <p:nvPr>
-            <p:extLst>
-              <p:ext uri="{D42A27DB-BD31-4B8C-83A1-F6EECF244321}">
-                <p14:modId xmlns:p14="http://schemas.microsoft.com/office/powerpoint/2010/main" val="3395968642"/>
-              </p:ext>
-            </p:extLst>
-          </p:nvPr>
-        </p:nvGraphicFramePr>
-        <p:xfrm>
-          <a:off x="7898603" y="1988820"/>
-          <a:ext cx="4138124" cy="2545435"/>
-        </p:xfrm>
-        <a:graphic>
-          <a:graphicData uri="http://schemas.openxmlformats.org/drawingml/2006/chart">
-            <c:chart xmlns:c="http://schemas.openxmlformats.org/drawingml/2006/chart" xmlns:r="http://schemas.openxmlformats.org/officeDocument/2006/relationships" r:id="rId2"/>
-          </a:graphicData>
-        </a:graphic>
-      </p:graphicFrame>
-      <p:graphicFrame>
-        <p:nvGraphicFramePr>
-          <p:cNvPr id="19" name="Chart 18"/>
-          <p:cNvGraphicFramePr>
-            <a:graphicFrameLocks/>
-          </p:cNvGraphicFramePr>
-          <p:nvPr>
-            <p:extLst>
-              <p:ext uri="{D42A27DB-BD31-4B8C-83A1-F6EECF244321}">
-                <p14:modId xmlns:p14="http://schemas.microsoft.com/office/powerpoint/2010/main" val="4255141205"/>
-              </p:ext>
-            </p:extLst>
-          </p:nvPr>
-        </p:nvGraphicFramePr>
-        <p:xfrm>
-          <a:off x="4071690" y="1988820"/>
-          <a:ext cx="4138122" cy="2545435"/>
-        </p:xfrm>
-        <a:graphic>
-          <a:graphicData uri="http://schemas.openxmlformats.org/drawingml/2006/chart">
-            <c:chart xmlns:c="http://schemas.openxmlformats.org/drawingml/2006/chart" xmlns:r="http://schemas.openxmlformats.org/officeDocument/2006/relationships" r:id="rId3"/>
-          </a:graphicData>
-        </a:graphic>
-      </p:graphicFrame>
-      <p:graphicFrame>
-        <p:nvGraphicFramePr>
-          <p:cNvPr id="20" name="Chart 19"/>
-          <p:cNvGraphicFramePr>
-            <a:graphicFrameLocks/>
-          </p:cNvGraphicFramePr>
-          <p:nvPr>
-            <p:extLst>
-              <p:ext uri="{D42A27DB-BD31-4B8C-83A1-F6EECF244321}">
-                <p14:modId xmlns:p14="http://schemas.microsoft.com/office/powerpoint/2010/main" val="1520122330"/>
-              </p:ext>
-            </p:extLst>
-          </p:nvPr>
-        </p:nvGraphicFramePr>
-        <p:xfrm>
-          <a:off x="110490" y="1988820"/>
-          <a:ext cx="4242391" cy="2545435"/>
-        </p:xfrm>
-        <a:graphic>
-          <a:graphicData uri="http://schemas.openxmlformats.org/drawingml/2006/chart">
-            <c:chart xmlns:c="http://schemas.openxmlformats.org/drawingml/2006/chart" xmlns:r="http://schemas.openxmlformats.org/officeDocument/2006/relationships" r:id="rId4"/>
-          </a:graphicData>
-        </a:graphic>
-      </p:graphicFrame>
-      <p:graphicFrame>
-        <p:nvGraphicFramePr>
-          <p:cNvPr id="21" name="Chart 20"/>
-          <p:cNvGraphicFramePr>
-            <a:graphicFrameLocks/>
-          </p:cNvGraphicFramePr>
-          <p:nvPr>
-            <p:extLst>
-              <p:ext uri="{D42A27DB-BD31-4B8C-83A1-F6EECF244321}">
-                <p14:modId xmlns:p14="http://schemas.microsoft.com/office/powerpoint/2010/main" val="2826454154"/>
-              </p:ext>
-            </p:extLst>
-          </p:nvPr>
-        </p:nvGraphicFramePr>
-        <p:xfrm>
-          <a:off x="7898605" y="4213682"/>
-          <a:ext cx="4138122" cy="2644318"/>
-        </p:xfrm>
-        <a:graphic>
-          <a:graphicData uri="http://schemas.openxmlformats.org/drawingml/2006/chart">
-            <c:chart xmlns:c="http://schemas.openxmlformats.org/drawingml/2006/chart" xmlns:r="http://schemas.openxmlformats.org/officeDocument/2006/relationships" r:id="rId5"/>
-          </a:graphicData>
-        </a:graphic>
-      </p:graphicFrame>
-      <p:graphicFrame>
-        <p:nvGraphicFramePr>
-          <p:cNvPr id="22" name="Chart 21"/>
-          <p:cNvGraphicFramePr>
-            <a:graphicFrameLocks/>
-          </p:cNvGraphicFramePr>
-          <p:nvPr>
-            <p:extLst>
-              <p:ext uri="{D42A27DB-BD31-4B8C-83A1-F6EECF244321}">
-                <p14:modId xmlns:p14="http://schemas.microsoft.com/office/powerpoint/2010/main" val="4249598475"/>
-              </p:ext>
-            </p:extLst>
-          </p:nvPr>
-        </p:nvGraphicFramePr>
-        <p:xfrm>
-          <a:off x="4071689" y="4213682"/>
-          <a:ext cx="4138123" cy="2644318"/>
-        </p:xfrm>
-        <a:graphic>
-          <a:graphicData uri="http://schemas.openxmlformats.org/drawingml/2006/chart">
-            <c:chart xmlns:c="http://schemas.openxmlformats.org/drawingml/2006/chart" xmlns:r="http://schemas.openxmlformats.org/officeDocument/2006/relationships" r:id="rId6"/>
-          </a:graphicData>
-        </a:graphic>
-      </p:graphicFrame>
-      <p:graphicFrame>
-        <p:nvGraphicFramePr>
-          <p:cNvPr id="23" name="Chart 22"/>
-          <p:cNvGraphicFramePr>
-            <a:graphicFrameLocks/>
-          </p:cNvGraphicFramePr>
-          <p:nvPr>
-            <p:extLst>
-              <p:ext uri="{D42A27DB-BD31-4B8C-83A1-F6EECF244321}">
-                <p14:modId xmlns:p14="http://schemas.microsoft.com/office/powerpoint/2010/main" val="1939495653"/>
-              </p:ext>
-            </p:extLst>
-          </p:nvPr>
-        </p:nvGraphicFramePr>
-        <p:xfrm>
-          <a:off x="110490" y="4213682"/>
-          <a:ext cx="4242391" cy="2644318"/>
-        </p:xfrm>
-        <a:graphic>
-          <a:graphicData uri="http://schemas.openxmlformats.org/drawingml/2006/chart">
-            <c:chart xmlns:c="http://schemas.openxmlformats.org/drawingml/2006/chart" xmlns:r="http://schemas.openxmlformats.org/officeDocument/2006/relationships" r:id="rId7"/>
-          </a:graphicData>
-        </a:graphic>
-      </p:graphicFrame>
-      <p:sp>
-        <p:nvSpPr>
-          <p:cNvPr id="2" name="Title 1"/>
-          <p:cNvSpPr>
-            <a:spLocks noGrp="1"/>
-          </p:cNvSpPr>
-          <p:nvPr>
-            <p:ph type="title"/>
-          </p:nvPr>
-        </p:nvSpPr>
-        <p:spPr/>
-        <p:txBody>
-          <a:bodyPr/>
-          <a:lstStyle/>
-          <a:p>
-            <a:r>
-              <a:rPr kumimoji="1" lang="ja-JP" altLang="en-US" dirty="0"/>
-              <a:t>正解</a:t>
-            </a:r>
-          </a:p>
-        </p:txBody>
-      </p:sp>
-      <p:sp>
-        <p:nvSpPr>
-          <p:cNvPr id="3" name="Oval 2"/>
-          <p:cNvSpPr/>
-          <p:nvPr/>
-        </p:nvSpPr>
-        <p:spPr>
-          <a:xfrm>
-            <a:off x="927100" y="2768600"/>
-            <a:ext cx="381000" cy="1445082"/>
-          </a:xfrm>
-          <a:prstGeom prst="ellipse">
-            <a:avLst/>
-          </a:prstGeom>
-          <a:noFill/>
-          <a:ln w="63500">
-            <a:solidFill>
-              <a:srgbClr val="FF0000"/>
-            </a:solidFill>
-          </a:ln>
-        </p:spPr>
-        <p:style>
-          <a:lnRef idx="2">
-            <a:schemeClr val="accent1">
-              <a:shade val="50000"/>
-            </a:schemeClr>
-          </a:lnRef>
-          <a:fillRef idx="1">
-            <a:schemeClr val="accent1"/>
-          </a:fillRef>
-          <a:effectRef idx="0">
-            <a:schemeClr val="accent1"/>
-          </a:effectRef>
-          <a:fontRef idx="minor">
-            <a:schemeClr val="lt1"/>
-          </a:fontRef>
-        </p:style>
-        <p:txBody>
-          <a:bodyPr rtlCol="0" anchor="ctr"/>
-          <a:lstStyle/>
-          <a:p>
-            <a:pPr algn="ctr"/>
-            <a:endParaRPr kumimoji="1" lang="ja-JP" altLang="en-US"/>
-          </a:p>
-        </p:txBody>
-      </p:sp>
-    </p:spTree>
-    <p:extLst>
-      <p:ext uri="{BB962C8B-B14F-4D97-AF65-F5344CB8AC3E}">
-        <p14:creationId xmlns:p14="http://schemas.microsoft.com/office/powerpoint/2010/main" val="527623307"/>
-      </p:ext>
-    </p:extLst>
-  </p:cSld>
-  <p:clrMapOvr>
-    <a:masterClrMapping/>
-  </p:clrMapOvr>
-</p:sld>
-</file>
-
-<file path=ppt/slides/slide11.xml><?xml version="1.0" encoding="utf-8"?>
-<p:sld xmlns:a="http://schemas.openxmlformats.org/drawingml/2006/main" xmlns:r="http://schemas.openxmlformats.org/officeDocument/2006/relationships" xmlns:p="http://schemas.openxmlformats.org/presentationml/2006/main">
-  <p:cSld>
-    <p:spTree>
-      <p:nvGrpSpPr>
-        <p:cNvPr id="1" name=""/>
-        <p:cNvGrpSpPr/>
-        <p:nvPr/>
-      </p:nvGrpSpPr>
-      <p:grpSpPr>
-        <a:xfrm>
-          <a:off x="0" y="0"/>
-          <a:ext cx="0" cy="0"/>
-          <a:chOff x="0" y="0"/>
-          <a:chExt cx="0" cy="0"/>
-        </a:xfrm>
-      </p:grpSpPr>
       <p:sp>
         <p:nvSpPr>
           <p:cNvPr id="2" name="Title 1"/>
@@ -46661,7 +49215,7 @@
 </p:sld>
 </file>
 
-<file path=ppt/slides/slide12.xml><?xml version="1.0" encoding="utf-8"?>
+<file path=ppt/slides/slide11.xml><?xml version="1.0" encoding="utf-8"?>
 <p:sld xmlns:a="http://schemas.openxmlformats.org/drawingml/2006/main" xmlns:r="http://schemas.openxmlformats.org/officeDocument/2006/relationships" xmlns:p="http://schemas.openxmlformats.org/presentationml/2006/main">
   <p:cSld>
     <p:spTree>
@@ -47324,7 +49878,7 @@
 </p:sld>
 </file>
 
-<file path=ppt/slides/slide13.xml><?xml version="1.0" encoding="utf-8"?>
+<file path=ppt/slides/slide12.xml><?xml version="1.0" encoding="utf-8"?>
 <p:sld xmlns:a="http://schemas.openxmlformats.org/drawingml/2006/main" xmlns:r="http://schemas.openxmlformats.org/officeDocument/2006/relationships" xmlns:p="http://schemas.openxmlformats.org/presentationml/2006/main">
   <p:cSld>
     <p:spTree>
@@ -47499,7 +50053,7 @@
 </p:sld>
 </file>
 
-<file path=ppt/slides/slide14.xml><?xml version="1.0" encoding="utf-8"?>
+<file path=ppt/slides/slide13.xml><?xml version="1.0" encoding="utf-8"?>
 <p:sld xmlns:a="http://schemas.openxmlformats.org/drawingml/2006/main" xmlns:r="http://schemas.openxmlformats.org/officeDocument/2006/relationships" xmlns:p="http://schemas.openxmlformats.org/presentationml/2006/main">
   <p:cSld>
     <p:spTree>
@@ -47785,7 +50339,7 @@
 </p:sld>
 </file>
 
-<file path=ppt/slides/slide15.xml><?xml version="1.0" encoding="utf-8"?>
+<file path=ppt/slides/slide14.xml><?xml version="1.0" encoding="utf-8"?>
 <p:sld xmlns:a="http://schemas.openxmlformats.org/drawingml/2006/main" xmlns:r="http://schemas.openxmlformats.org/officeDocument/2006/relationships" xmlns:p="http://schemas.openxmlformats.org/presentationml/2006/main">
   <p:cSld>
     <p:spTree>
@@ -48647,7 +51201,7 @@
 </p:sld>
 </file>
 
-<file path=ppt/slides/slide16.xml><?xml version="1.0" encoding="utf-8"?>
+<file path=ppt/slides/slide15.xml><?xml version="1.0" encoding="utf-8"?>
 <p:sld xmlns:a="http://schemas.openxmlformats.org/drawingml/2006/main" xmlns:r="http://schemas.openxmlformats.org/officeDocument/2006/relationships" xmlns:p="http://schemas.openxmlformats.org/presentationml/2006/main">
   <p:cSld>
     <p:spTree>
@@ -49351,7 +51905,7 @@
 </p:sld>
 </file>
 
-<file path=ppt/slides/slide17.xml><?xml version="1.0" encoding="utf-8"?>
+<file path=ppt/slides/slide16.xml><?xml version="1.0" encoding="utf-8"?>
 <p:sld xmlns:a="http://schemas.openxmlformats.org/drawingml/2006/main" xmlns:r="http://schemas.openxmlformats.org/officeDocument/2006/relationships" xmlns:p="http://schemas.openxmlformats.org/presentationml/2006/main">
   <p:cSld>
     <p:spTree>
@@ -49424,7 +51978,7 @@
 </p:sld>
 </file>
 
-<file path=ppt/slides/slide18.xml><?xml version="1.0" encoding="utf-8"?>
+<file path=ppt/slides/slide17.xml><?xml version="1.0" encoding="utf-8"?>
 <p:sld xmlns:a="http://schemas.openxmlformats.org/drawingml/2006/main" xmlns:r="http://schemas.openxmlformats.org/officeDocument/2006/relationships" xmlns:p="http://schemas.openxmlformats.org/presentationml/2006/main">
   <p:cSld>
     <p:spTree>
@@ -49495,7 +52049,7 @@
         </p:xfrm>
         <a:graphic>
           <a:graphicData uri="http://schemas.openxmlformats.org/drawingml/2006/chart">
-            <c:chart xmlns:c="http://schemas.openxmlformats.org/drawingml/2006/chart" xmlns:r="http://schemas.openxmlformats.org/officeDocument/2006/relationships" r:id="rId2"/>
+            <c:chart xmlns:c="http://schemas.openxmlformats.org/drawingml/2006/chart" xmlns:r="http://schemas.openxmlformats.org/officeDocument/2006/relationships" r:id="rId3"/>
           </a:graphicData>
         </a:graphic>
       </p:graphicFrame>
@@ -49713,7 +52267,7 @@
 </p:sld>
 </file>
 
-<file path=ppt/slides/slide19.xml><?xml version="1.0" encoding="utf-8"?>
+<file path=ppt/slides/slide18.xml><?xml version="1.0" encoding="utf-8"?>
 <p:sld xmlns:a="http://schemas.openxmlformats.org/drawingml/2006/main" xmlns:r="http://schemas.openxmlformats.org/officeDocument/2006/relationships" xmlns:p="http://schemas.openxmlformats.org/presentationml/2006/main">
   <p:cSld>
     <p:spTree>
@@ -49746,12 +52300,23 @@
           <a:lstStyle/>
           <a:p>
             <a:r>
-              <a:rPr lang="ja-JP" altLang="en-US" dirty="0"/>
-              <a:t>典型的</a:t>
+              <a:rPr kumimoji="1" lang="ja-JP" altLang="en-US" dirty="0"/>
+              <a:t>打点なんか見なくても</a:t>
+            </a:r>
+            <a:br>
+              <a:rPr kumimoji="1" lang="en-US" altLang="ja-JP" dirty="0"/>
+            </a:br>
+            <a:r>
+              <a:rPr lang="en-US" altLang="ja-JP" dirty="0"/>
+              <a:t>OPS</a:t>
             </a:r>
             <a:r>
-              <a:rPr lang="en-US" altLang="ja-JP" dirty="0"/>
-              <a:t>…</a:t>
+              <a:rPr lang="ja-JP" altLang="en-US" dirty="0"/>
+              <a:t>とか長打率でええん</a:t>
+            </a:r>
+            <a:r>
+              <a:rPr lang="ja-JP" altLang="en-US" dirty="0" err="1"/>
+              <a:t>ちゃう</a:t>
             </a:r>
             <a:r>
               <a:rPr lang="ja-JP" altLang="en-US" dirty="0"/>
@@ -49770,14 +52335,14 @@
           <p:nvPr>
             <p:extLst>
               <p:ext uri="{D42A27DB-BD31-4B8C-83A1-F6EECF244321}">
-                <p14:modId xmlns:p14="http://schemas.microsoft.com/office/powerpoint/2010/main" val="2635381328"/>
+                <p14:modId xmlns:p14="http://schemas.microsoft.com/office/powerpoint/2010/main" val="440413172"/>
               </p:ext>
             </p:extLst>
           </p:nvPr>
         </p:nvGraphicFramePr>
         <p:xfrm>
-          <a:off x="680321" y="1981646"/>
-          <a:ext cx="11098248" cy="4788056"/>
+          <a:off x="407580" y="2206255"/>
+          <a:ext cx="5466908" cy="3280145"/>
         </p:xfrm>
         <a:graphic>
           <a:graphicData uri="http://schemas.openxmlformats.org/drawingml/2006/chart">
@@ -49785,10 +52350,156 @@
           </a:graphicData>
         </a:graphic>
       </p:graphicFrame>
+      <p:graphicFrame>
+        <p:nvGraphicFramePr>
+          <p:cNvPr id="5" name="Chart 4"/>
+          <p:cNvGraphicFramePr>
+            <a:graphicFrameLocks/>
+          </p:cNvGraphicFramePr>
+          <p:nvPr>
+            <p:extLst>
+              <p:ext uri="{D42A27DB-BD31-4B8C-83A1-F6EECF244321}">
+                <p14:modId xmlns:p14="http://schemas.microsoft.com/office/powerpoint/2010/main" val="3286947325"/>
+              </p:ext>
+            </p:extLst>
+          </p:nvPr>
+        </p:nvGraphicFramePr>
+        <p:xfrm>
+          <a:off x="5874488" y="2206254"/>
+          <a:ext cx="5466908" cy="3280145"/>
+        </p:xfrm>
+        <a:graphic>
+          <a:graphicData uri="http://schemas.openxmlformats.org/drawingml/2006/chart">
+            <c:chart xmlns:c="http://schemas.openxmlformats.org/drawingml/2006/chart" xmlns:r="http://schemas.openxmlformats.org/officeDocument/2006/relationships" r:id="rId3"/>
+          </a:graphicData>
+        </a:graphic>
+      </p:graphicFrame>
+      <p:sp>
+        <p:nvSpPr>
+          <p:cNvPr id="6" name="TextBox 5"/>
+          <p:cNvSpPr txBox="1"/>
+          <p:nvPr/>
+        </p:nvSpPr>
+        <p:spPr>
+          <a:xfrm>
+            <a:off x="1711841" y="5560828"/>
+            <a:ext cx="8325293" cy="830997"/>
+          </a:xfrm>
+          <a:prstGeom prst="rect">
+            <a:avLst/>
+          </a:prstGeom>
+          <a:noFill/>
+        </p:spPr>
+        <p:txBody>
+          <a:bodyPr wrap="square" rtlCol="0">
+            <a:spAutoFit/>
+          </a:bodyPr>
+          <a:lstStyle/>
+          <a:p>
+            <a:pPr algn="ctr"/>
+            <a:r>
+              <a:rPr kumimoji="1" lang="ja-JP" altLang="en-US" sz="4800" dirty="0"/>
+              <a:t>打点のほうが特徴的ぃ！！</a:t>
+            </a:r>
+          </a:p>
+        </p:txBody>
+      </p:sp>
     </p:spTree>
     <p:extLst>
       <p:ext uri="{BB962C8B-B14F-4D97-AF65-F5344CB8AC3E}">
-        <p14:creationId xmlns:p14="http://schemas.microsoft.com/office/powerpoint/2010/main" val="1728060099"/>
+        <p14:creationId xmlns:p14="http://schemas.microsoft.com/office/powerpoint/2010/main" val="3062454137"/>
+      </p:ext>
+    </p:extLst>
+  </p:cSld>
+  <p:clrMapOvr>
+    <a:masterClrMapping/>
+  </p:clrMapOvr>
+</p:sld>
+</file>
+
+<file path=ppt/slides/slide19.xml><?xml version="1.0" encoding="utf-8"?>
+<p:sld xmlns:a="http://schemas.openxmlformats.org/drawingml/2006/main" xmlns:r="http://schemas.openxmlformats.org/officeDocument/2006/relationships" xmlns:p="http://schemas.openxmlformats.org/presentationml/2006/main">
+  <p:cSld>
+    <p:spTree>
+      <p:nvGrpSpPr>
+        <p:cNvPr id="1" name=""/>
+        <p:cNvGrpSpPr/>
+        <p:nvPr/>
+      </p:nvGrpSpPr>
+      <p:grpSpPr>
+        <a:xfrm>
+          <a:off x="0" y="0"/>
+          <a:ext cx="0" cy="0"/>
+          <a:chOff x="0" y="0"/>
+          <a:chExt cx="0" cy="0"/>
+        </a:xfrm>
+      </p:grpSpPr>
+      <p:sp>
+        <p:nvSpPr>
+          <p:cNvPr id="2" name="Title 1"/>
+          <p:cNvSpPr>
+            <a:spLocks noGrp="1"/>
+          </p:cNvSpPr>
+          <p:nvPr>
+            <p:ph type="title"/>
+          </p:nvPr>
+        </p:nvSpPr>
+        <p:spPr/>
+        <p:txBody>
+          <a:bodyPr>
+            <a:normAutofit fontScale="90000"/>
+          </a:bodyPr>
+          <a:lstStyle/>
+          <a:p>
+            <a:r>
+              <a:rPr kumimoji="1" lang="ja-JP" altLang="en-US" dirty="0"/>
+              <a:t>個人成績ではなく、チームの打線の評価指標として</a:t>
+            </a:r>
+            <a:br>
+              <a:rPr kumimoji="1" lang="en-US" altLang="ja-JP" dirty="0"/>
+            </a:br>
+            <a:r>
+              <a:rPr lang="ja-JP" altLang="en-US" dirty="0"/>
+              <a:t>あえて「打点」に注目してみました。</a:t>
+            </a:r>
+            <a:endParaRPr kumimoji="1" lang="ja-JP" altLang="en-US" dirty="0"/>
+          </a:p>
+        </p:txBody>
+      </p:sp>
+      <p:sp>
+        <p:nvSpPr>
+          <p:cNvPr id="8" name="TextBox 7"/>
+          <p:cNvSpPr txBox="1"/>
+          <p:nvPr/>
+        </p:nvSpPr>
+        <p:spPr>
+          <a:xfrm>
+            <a:off x="4423143" y="3399080"/>
+            <a:ext cx="2775098" cy="1569660"/>
+          </a:xfrm>
+          <a:prstGeom prst="rect">
+            <a:avLst/>
+          </a:prstGeom>
+          <a:noFill/>
+        </p:spPr>
+        <p:txBody>
+          <a:bodyPr wrap="square" rtlCol="0">
+            <a:spAutoFit/>
+          </a:bodyPr>
+          <a:lstStyle/>
+          <a:p>
+            <a:pPr algn="ctr"/>
+            <a:r>
+              <a:rPr kumimoji="1" lang="ja-JP" altLang="en-US" sz="9600" dirty="0"/>
+              <a:t>終</a:t>
+            </a:r>
+          </a:p>
+        </p:txBody>
+      </p:sp>
+    </p:spTree>
+    <p:extLst>
+      <p:ext uri="{BB962C8B-B14F-4D97-AF65-F5344CB8AC3E}">
+        <p14:creationId xmlns:p14="http://schemas.microsoft.com/office/powerpoint/2010/main" val="2942048687"/>
       </p:ext>
     </p:extLst>
   </p:cSld>
@@ -50024,6 +52735,808 @@
 </file>
 
 <file path=ppt/slides/slide20.xml><?xml version="1.0" encoding="utf-8"?>
+<p:sld xmlns:a="http://schemas.openxmlformats.org/drawingml/2006/main" xmlns:r="http://schemas.openxmlformats.org/officeDocument/2006/relationships" xmlns:p="http://schemas.openxmlformats.org/presentationml/2006/main">
+  <p:cSld>
+    <p:spTree>
+      <p:nvGrpSpPr>
+        <p:cNvPr id="1" name=""/>
+        <p:cNvGrpSpPr/>
+        <p:nvPr/>
+      </p:nvGrpSpPr>
+      <p:grpSpPr>
+        <a:xfrm>
+          <a:off x="0" y="0"/>
+          <a:ext cx="0" cy="0"/>
+          <a:chOff x="0" y="0"/>
+          <a:chExt cx="0" cy="0"/>
+        </a:xfrm>
+      </p:grpSpPr>
+      <p:sp>
+        <p:nvSpPr>
+          <p:cNvPr id="2" name="Title 1"/>
+          <p:cNvSpPr>
+            <a:spLocks noGrp="1"/>
+          </p:cNvSpPr>
+          <p:nvPr>
+            <p:ph type="title"/>
+          </p:nvPr>
+        </p:nvSpPr>
+        <p:spPr/>
+        <p:txBody>
+          <a:bodyPr/>
+          <a:lstStyle/>
+          <a:p>
+            <a:endParaRPr kumimoji="1" lang="ja-JP" altLang="en-US"/>
+          </a:p>
+        </p:txBody>
+      </p:sp>
+      <p:sp>
+        <p:nvSpPr>
+          <p:cNvPr id="3" name="Content Placeholder 2"/>
+          <p:cNvSpPr>
+            <a:spLocks noGrp="1"/>
+          </p:cNvSpPr>
+          <p:nvPr>
+            <p:ph idx="1"/>
+          </p:nvPr>
+        </p:nvSpPr>
+        <p:spPr/>
+        <p:txBody>
+          <a:bodyPr/>
+          <a:lstStyle/>
+          <a:p>
+            <a:endParaRPr kumimoji="1" lang="ja-JP" altLang="en-US"/>
+          </a:p>
+        </p:txBody>
+      </p:sp>
+    </p:spTree>
+    <p:extLst>
+      <p:ext uri="{BB962C8B-B14F-4D97-AF65-F5344CB8AC3E}">
+        <p14:creationId xmlns:p14="http://schemas.microsoft.com/office/powerpoint/2010/main" val="3396799301"/>
+      </p:ext>
+    </p:extLst>
+  </p:cSld>
+  <p:clrMapOvr>
+    <a:masterClrMapping/>
+  </p:clrMapOvr>
+</p:sld>
+</file>
+
+<file path=ppt/slides/slide21.xml><?xml version="1.0" encoding="utf-8"?>
+<p:sld xmlns:a="http://schemas.openxmlformats.org/drawingml/2006/main" xmlns:r="http://schemas.openxmlformats.org/officeDocument/2006/relationships" xmlns:p="http://schemas.openxmlformats.org/presentationml/2006/main">
+  <p:cSld>
+    <p:spTree>
+      <p:nvGrpSpPr>
+        <p:cNvPr id="1" name=""/>
+        <p:cNvGrpSpPr/>
+        <p:nvPr/>
+      </p:nvGrpSpPr>
+      <p:grpSpPr>
+        <a:xfrm>
+          <a:off x="0" y="0"/>
+          <a:ext cx="0" cy="0"/>
+          <a:chOff x="0" y="0"/>
+          <a:chExt cx="0" cy="0"/>
+        </a:xfrm>
+      </p:grpSpPr>
+      <p:sp>
+        <p:nvSpPr>
+          <p:cNvPr id="2" name="Title 1"/>
+          <p:cNvSpPr>
+            <a:spLocks noGrp="1"/>
+          </p:cNvSpPr>
+          <p:nvPr>
+            <p:ph type="title"/>
+          </p:nvPr>
+        </p:nvSpPr>
+        <p:spPr/>
+        <p:txBody>
+          <a:bodyPr/>
+          <a:lstStyle/>
+          <a:p>
+            <a:r>
+              <a:rPr kumimoji="1" lang="ja-JP" altLang="en-US" dirty="0"/>
+              <a:t>補足：プレゼン内の数値について</a:t>
+            </a:r>
+          </a:p>
+        </p:txBody>
+      </p:sp>
+      <p:sp>
+        <p:nvSpPr>
+          <p:cNvPr id="3" name="Content Placeholder 2"/>
+          <p:cNvSpPr>
+            <a:spLocks noGrp="1"/>
+          </p:cNvSpPr>
+          <p:nvPr>
+            <p:ph idx="1"/>
+          </p:nvPr>
+        </p:nvSpPr>
+        <p:spPr>
+          <a:xfrm>
+            <a:off x="680321" y="2165422"/>
+            <a:ext cx="10429639" cy="4315387"/>
+          </a:xfrm>
+        </p:spPr>
+        <p:txBody>
+          <a:bodyPr>
+            <a:normAutofit/>
+          </a:bodyPr>
+          <a:lstStyle/>
+          <a:p>
+            <a:pPr marL="0" indent="0">
+              <a:buNone/>
+            </a:pPr>
+            <a:r>
+              <a:rPr kumimoji="1" lang="ja-JP" altLang="en-US" dirty="0"/>
+              <a:t>得点・打点</a:t>
+            </a:r>
+            <a:endParaRPr kumimoji="1" lang="en-US" altLang="ja-JP" dirty="0"/>
+          </a:p>
+          <a:p>
+            <a:r>
+              <a:rPr kumimoji="1" lang="en-US" altLang="ja-JP" dirty="0"/>
+              <a:t>2017</a:t>
+            </a:r>
+            <a:r>
+              <a:rPr kumimoji="1" lang="ja-JP" altLang="en-US" dirty="0"/>
+              <a:t>年レギュラーシーズン</a:t>
+            </a:r>
+            <a:r>
+              <a:rPr kumimoji="1" lang="en-US" altLang="ja-JP" dirty="0"/>
+              <a:t>143</a:t>
+            </a:r>
+            <a:r>
+              <a:rPr kumimoji="1" lang="ja-JP" altLang="en-US" dirty="0"/>
+              <a:t>試合の成績を使用</a:t>
+            </a:r>
+            <a:endParaRPr kumimoji="1" lang="en-US" altLang="ja-JP" dirty="0"/>
+          </a:p>
+          <a:p>
+            <a:r>
+              <a:rPr lang="ja-JP" altLang="en-US" dirty="0"/>
+              <a:t>各打順で「スタメン出場した」選手の成績のみを使用</a:t>
+            </a:r>
+            <a:endParaRPr lang="en-US" altLang="ja-JP" dirty="0"/>
+          </a:p>
+          <a:p>
+            <a:r>
+              <a:rPr lang="ja-JP" altLang="en-US" dirty="0"/>
+              <a:t>途中交代選手の得点・打点は加算していない</a:t>
+            </a:r>
+            <a:endParaRPr lang="en-US" altLang="ja-JP" dirty="0"/>
+          </a:p>
+          <a:p>
+            <a:r>
+              <a:rPr lang="ja-JP" altLang="en-US" dirty="0"/>
+              <a:t>上記、スタメンの得点・打点の総計を算出し、打順ごとの割合を求めている</a:t>
+            </a:r>
+            <a:endParaRPr lang="en-US" altLang="ja-JP" dirty="0"/>
+          </a:p>
+        </p:txBody>
+      </p:sp>
+    </p:spTree>
+    <p:extLst>
+      <p:ext uri="{BB962C8B-B14F-4D97-AF65-F5344CB8AC3E}">
+        <p14:creationId xmlns:p14="http://schemas.microsoft.com/office/powerpoint/2010/main" val="3865547597"/>
+      </p:ext>
+    </p:extLst>
+  </p:cSld>
+  <p:clrMapOvr>
+    <a:masterClrMapping/>
+  </p:clrMapOvr>
+</p:sld>
+</file>
+
+<file path=ppt/slides/slide22.xml><?xml version="1.0" encoding="utf-8"?>
+<p:sld xmlns:a="http://schemas.openxmlformats.org/drawingml/2006/main" xmlns:r="http://schemas.openxmlformats.org/officeDocument/2006/relationships" xmlns:p="http://schemas.openxmlformats.org/presentationml/2006/main">
+  <p:cSld>
+    <p:spTree>
+      <p:nvGrpSpPr>
+        <p:cNvPr id="1" name=""/>
+        <p:cNvGrpSpPr/>
+        <p:nvPr/>
+      </p:nvGrpSpPr>
+      <p:grpSpPr>
+        <a:xfrm>
+          <a:off x="0" y="0"/>
+          <a:ext cx="0" cy="0"/>
+          <a:chOff x="0" y="0"/>
+          <a:chExt cx="0" cy="0"/>
+        </a:xfrm>
+      </p:grpSpPr>
+      <p:sp>
+        <p:nvSpPr>
+          <p:cNvPr id="2" name="Title 1"/>
+          <p:cNvSpPr>
+            <a:spLocks noGrp="1"/>
+          </p:cNvSpPr>
+          <p:nvPr>
+            <p:ph type="title"/>
+          </p:nvPr>
+        </p:nvSpPr>
+        <p:spPr/>
+        <p:txBody>
+          <a:bodyPr/>
+          <a:lstStyle/>
+          <a:p>
+            <a:r>
+              <a:rPr kumimoji="1" lang="ja-JP" altLang="en-US" dirty="0"/>
+              <a:t>補足：プレゼン内の数値について</a:t>
+            </a:r>
+          </a:p>
+        </p:txBody>
+      </p:sp>
+      <p:sp>
+        <p:nvSpPr>
+          <p:cNvPr id="3" name="Content Placeholder 2"/>
+          <p:cNvSpPr>
+            <a:spLocks noGrp="1"/>
+          </p:cNvSpPr>
+          <p:nvPr>
+            <p:ph idx="1"/>
+          </p:nvPr>
+        </p:nvSpPr>
+        <p:spPr>
+          <a:xfrm>
+            <a:off x="680321" y="2165422"/>
+            <a:ext cx="10429639" cy="4315387"/>
+          </a:xfrm>
+        </p:spPr>
+        <p:txBody>
+          <a:bodyPr>
+            <a:normAutofit fontScale="92500" lnSpcReduction="20000"/>
+          </a:bodyPr>
+          <a:lstStyle/>
+          <a:p>
+            <a:pPr marL="0" indent="0">
+              <a:buNone/>
+            </a:pPr>
+            <a:r>
+              <a:rPr lang="ja-JP" altLang="en-US" dirty="0"/>
+              <a:t>打線分布の距離</a:t>
+            </a:r>
+            <a:endParaRPr kumimoji="1" lang="en-US" altLang="ja-JP" dirty="0"/>
+          </a:p>
+          <a:p>
+            <a:r>
+              <a:rPr lang="ja-JP" altLang="en-US" dirty="0"/>
+              <a:t>各チームの打線分布を９次元のベクトルとみなす</a:t>
+            </a:r>
+            <a:endParaRPr lang="en-US" altLang="ja-JP" dirty="0"/>
+          </a:p>
+          <a:p>
+            <a:r>
+              <a:rPr lang="ja-JP" altLang="en-US" dirty="0"/>
+              <a:t>平方ユークリッド距離をチーム間毎に算出</a:t>
+            </a:r>
+            <a:endParaRPr lang="en-US" altLang="ja-JP" dirty="0"/>
+          </a:p>
+          <a:p>
+            <a:r>
+              <a:rPr lang="ja-JP" altLang="en-US" dirty="0"/>
+              <a:t>無向グラフの描画には、</a:t>
+            </a:r>
+            <a:r>
+              <a:rPr lang="en-US" altLang="ja-JP" dirty="0"/>
+              <a:t>python3, </a:t>
+            </a:r>
+            <a:r>
+              <a:rPr lang="en-US" altLang="ja-JP" dirty="0" err="1"/>
+              <a:t>networkx</a:t>
+            </a:r>
+            <a:r>
+              <a:rPr lang="en-US" altLang="ja-JP" dirty="0"/>
+              <a:t>, </a:t>
+            </a:r>
+            <a:r>
+              <a:rPr lang="en-US" altLang="ja-JP" dirty="0" err="1"/>
+              <a:t>matplotlib</a:t>
+            </a:r>
+            <a:r>
+              <a:rPr lang="en-US" altLang="ja-JP" dirty="0"/>
+              <a:t> </a:t>
+            </a:r>
+            <a:r>
+              <a:rPr lang="ja-JP" altLang="en-US" dirty="0"/>
+              <a:t>を使用</a:t>
+            </a:r>
+            <a:endParaRPr lang="en-US" altLang="ja-JP" dirty="0"/>
+          </a:p>
+          <a:p>
+            <a:pPr lvl="1"/>
+            <a:r>
+              <a:rPr lang="en-US" altLang="ja-JP" dirty="0"/>
+              <a:t>https://github.com/taichiw/baseball201712/blob/master/python/networkx_test.py</a:t>
+            </a:r>
+          </a:p>
+          <a:p>
+            <a:r>
+              <a:rPr lang="ja-JP" altLang="en-US" dirty="0"/>
+              <a:t>何度か走らせて偶然描けた奇跡の一枚。再現性は「ない」</a:t>
+            </a:r>
+            <a:endParaRPr lang="en-US" altLang="ja-JP" b="1" dirty="0"/>
+          </a:p>
+          <a:p>
+            <a:endParaRPr lang="en-US" altLang="ja-JP" dirty="0"/>
+          </a:p>
+          <a:p>
+            <a:pPr marL="0" indent="0">
+              <a:buNone/>
+            </a:pPr>
+            <a:r>
+              <a:rPr lang="ja-JP" altLang="en-US" dirty="0"/>
+              <a:t>燃えドラ度</a:t>
+            </a:r>
+            <a:endParaRPr lang="en-US" altLang="ja-JP" dirty="0"/>
+          </a:p>
+          <a:p>
+            <a:r>
+              <a:rPr lang="ja-JP" altLang="en-US" dirty="0"/>
+              <a:t>中日と各球団の平方ユークリッド距離をそれぞれ算出　</a:t>
+            </a:r>
+            <a:r>
+              <a:rPr lang="en-US" altLang="ja-JP" dirty="0"/>
+              <a:t>-&gt; d</a:t>
+            </a:r>
+            <a:r>
+              <a:rPr lang="ja-JP" altLang="en-US" dirty="0"/>
+              <a:t>とする</a:t>
+            </a:r>
+            <a:endParaRPr lang="en-US" altLang="ja-JP" dirty="0"/>
+          </a:p>
+          <a:p>
+            <a:r>
+              <a:rPr lang="ja-JP" altLang="en-US" dirty="0"/>
+              <a:t>燃えドラ度 </a:t>
+            </a:r>
+            <a:r>
+              <a:rPr lang="en-US" altLang="ja-JP" dirty="0"/>
+              <a:t>= 1 / d * 1000</a:t>
+            </a:r>
+          </a:p>
+          <a:p>
+            <a:pPr lvl="1"/>
+            <a:r>
+              <a:rPr lang="ja-JP" altLang="en-US" dirty="0"/>
+              <a:t>逆数をとったのは距離が近いほど大きな数値にするため</a:t>
+            </a:r>
+            <a:endParaRPr lang="en-US" altLang="ja-JP" dirty="0"/>
+          </a:p>
+          <a:p>
+            <a:pPr lvl="1"/>
+            <a:r>
+              <a:rPr lang="en-US" altLang="ja-JP" dirty="0"/>
+              <a:t>1000</a:t>
+            </a:r>
+            <a:r>
+              <a:rPr lang="ja-JP" altLang="en-US" dirty="0"/>
+              <a:t>を掛けているのは単純に見栄えを良くするため</a:t>
+            </a:r>
+            <a:endParaRPr lang="en-US" altLang="ja-JP" dirty="0"/>
+          </a:p>
+        </p:txBody>
+      </p:sp>
+    </p:spTree>
+    <p:extLst>
+      <p:ext uri="{BB962C8B-B14F-4D97-AF65-F5344CB8AC3E}">
+        <p14:creationId xmlns:p14="http://schemas.microsoft.com/office/powerpoint/2010/main" val="3135619047"/>
+      </p:ext>
+    </p:extLst>
+  </p:cSld>
+  <p:clrMapOvr>
+    <a:masterClrMapping/>
+  </p:clrMapOvr>
+</p:sld>
+</file>
+
+<file path=ppt/slides/slide23.xml><?xml version="1.0" encoding="utf-8"?>
+<p:sld xmlns:a="http://schemas.openxmlformats.org/drawingml/2006/main" xmlns:r="http://schemas.openxmlformats.org/officeDocument/2006/relationships" xmlns:p="http://schemas.openxmlformats.org/presentationml/2006/main">
+  <p:cSld>
+    <p:spTree>
+      <p:nvGrpSpPr>
+        <p:cNvPr id="1" name=""/>
+        <p:cNvGrpSpPr/>
+        <p:nvPr/>
+      </p:nvGrpSpPr>
+      <p:grpSpPr>
+        <a:xfrm>
+          <a:off x="0" y="0"/>
+          <a:ext cx="0" cy="0"/>
+          <a:chOff x="0" y="0"/>
+          <a:chExt cx="0" cy="0"/>
+        </a:xfrm>
+      </p:grpSpPr>
+      <p:sp>
+        <p:nvSpPr>
+          <p:cNvPr id="2" name="Title 1"/>
+          <p:cNvSpPr>
+            <a:spLocks noGrp="1"/>
+          </p:cNvSpPr>
+          <p:nvPr>
+            <p:ph type="title"/>
+          </p:nvPr>
+        </p:nvSpPr>
+        <p:spPr/>
+        <p:txBody>
+          <a:bodyPr/>
+          <a:lstStyle/>
+          <a:p>
+            <a:r>
+              <a:rPr kumimoji="1" lang="ja-JP" altLang="en-US" dirty="0"/>
+              <a:t>補足：イーグルスの</a:t>
+            </a:r>
+            <a:r>
+              <a:rPr kumimoji="1" lang="en-US" altLang="ja-JP" dirty="0"/>
+              <a:t>OPS</a:t>
+            </a:r>
+            <a:r>
+              <a:rPr kumimoji="1" lang="ja-JP" altLang="en-US" dirty="0"/>
+              <a:t>・長打率</a:t>
+            </a:r>
+            <a:r>
+              <a:rPr lang="ja-JP" altLang="en-US" dirty="0"/>
+              <a:t>分布について</a:t>
+            </a:r>
+            <a:endParaRPr kumimoji="1" lang="ja-JP" altLang="en-US" dirty="0"/>
+          </a:p>
+        </p:txBody>
+      </p:sp>
+      <p:sp>
+        <p:nvSpPr>
+          <p:cNvPr id="3" name="Content Placeholder 2"/>
+          <p:cNvSpPr>
+            <a:spLocks noGrp="1"/>
+          </p:cNvSpPr>
+          <p:nvPr>
+            <p:ph idx="1"/>
+          </p:nvPr>
+        </p:nvSpPr>
+        <p:spPr/>
+        <p:txBody>
+          <a:bodyPr/>
+          <a:lstStyle/>
+          <a:p>
+            <a:r>
+              <a:rPr kumimoji="1" lang="ja-JP" altLang="en-US" dirty="0"/>
+              <a:t>ともに</a:t>
+            </a:r>
+            <a:r>
+              <a:rPr kumimoji="1" lang="en-US" altLang="ja-JP" dirty="0"/>
+              <a:t>1</a:t>
+            </a:r>
+            <a:r>
+              <a:rPr kumimoji="1" lang="ja-JP" altLang="en-US" dirty="0"/>
+              <a:t>番のほうが</a:t>
+            </a:r>
+            <a:r>
+              <a:rPr kumimoji="1" lang="en-US" altLang="ja-JP" dirty="0"/>
+              <a:t>2</a:t>
+            </a:r>
+            <a:r>
+              <a:rPr kumimoji="1" lang="ja-JP" altLang="en-US" dirty="0"/>
+              <a:t>番より高く、集計ミスか？　と思いましたが</a:t>
+            </a:r>
+            <a:r>
+              <a:rPr kumimoji="1" lang="en-US" altLang="ja-JP" dirty="0"/>
+              <a:t>…</a:t>
+            </a:r>
+          </a:p>
+          <a:p>
+            <a:pPr lvl="1"/>
+            <a:r>
+              <a:rPr lang="ja-JP" altLang="en-US" dirty="0"/>
+              <a:t>茂木のほうがペゲーロよりも</a:t>
+            </a:r>
+            <a:r>
+              <a:rPr lang="en-US" altLang="ja-JP" dirty="0"/>
+              <a:t>OPS</a:t>
+            </a:r>
+            <a:r>
+              <a:rPr lang="ja-JP" altLang="en-US" dirty="0"/>
+              <a:t>・長打率ともに実は高い</a:t>
+            </a:r>
+            <a:endParaRPr lang="en-US" altLang="ja-JP" dirty="0"/>
+          </a:p>
+          <a:p>
+            <a:pPr lvl="2"/>
+            <a:r>
+              <a:rPr kumimoji="1" lang="ja-JP" altLang="en-US" dirty="0"/>
+              <a:t>茂木　　　　</a:t>
+            </a:r>
+            <a:r>
+              <a:rPr kumimoji="1" lang="en-US" altLang="ja-JP" dirty="0"/>
+              <a:t>OPS</a:t>
+            </a:r>
+            <a:r>
+              <a:rPr kumimoji="1" lang="ja-JP" altLang="en-US" dirty="0"/>
+              <a:t>： </a:t>
+            </a:r>
+            <a:r>
+              <a:rPr kumimoji="1" lang="en-US" altLang="ja-JP" dirty="0"/>
+              <a:t>.867</a:t>
+            </a:r>
+            <a:r>
+              <a:rPr kumimoji="1" lang="ja-JP" altLang="en-US" dirty="0"/>
+              <a:t>　長打率： </a:t>
+            </a:r>
+            <a:r>
+              <a:rPr kumimoji="1" lang="en-US" altLang="ja-JP" dirty="0"/>
+              <a:t>.408</a:t>
+            </a:r>
+          </a:p>
+          <a:p>
+            <a:pPr lvl="2"/>
+            <a:r>
+              <a:rPr lang="ja-JP" altLang="en-US" dirty="0"/>
+              <a:t>ペゲーロ　</a:t>
+            </a:r>
+            <a:r>
+              <a:rPr lang="en-US" altLang="ja-JP" dirty="0"/>
+              <a:t>OPS</a:t>
+            </a:r>
+            <a:r>
+              <a:rPr lang="ja-JP" altLang="en-US" dirty="0"/>
+              <a:t>： </a:t>
+            </a:r>
+            <a:r>
+              <a:rPr lang="en-US" altLang="ja-JP" dirty="0"/>
+              <a:t>.846</a:t>
+            </a:r>
+            <a:r>
+              <a:rPr lang="ja-JP" altLang="en-US" dirty="0"/>
+              <a:t>　長打率： </a:t>
+            </a:r>
+            <a:r>
+              <a:rPr lang="en-US" altLang="ja-JP" dirty="0"/>
+              <a:t>.356</a:t>
+            </a:r>
+          </a:p>
+          <a:p>
+            <a:pPr lvl="1"/>
+            <a:r>
+              <a:rPr lang="en-US" altLang="ja-JP" dirty="0"/>
+              <a:t>9</a:t>
+            </a:r>
+            <a:r>
+              <a:rPr lang="ja-JP" altLang="en-US" dirty="0"/>
+              <a:t>月は</a:t>
+            </a:r>
+            <a:r>
+              <a:rPr lang="en-US" altLang="ja-JP" dirty="0"/>
+              <a:t>2</a:t>
+            </a:r>
+            <a:r>
+              <a:rPr lang="ja-JP" altLang="en-US" dirty="0"/>
+              <a:t>番に藤田が入ることが多かったため、更に差は開いている</a:t>
+            </a:r>
+            <a:endParaRPr lang="en-US" altLang="ja-JP" dirty="0"/>
+          </a:p>
+        </p:txBody>
+      </p:sp>
+    </p:spTree>
+    <p:extLst>
+      <p:ext uri="{BB962C8B-B14F-4D97-AF65-F5344CB8AC3E}">
+        <p14:creationId xmlns:p14="http://schemas.microsoft.com/office/powerpoint/2010/main" val="3809938307"/>
+      </p:ext>
+    </p:extLst>
+  </p:cSld>
+  <p:clrMapOvr>
+    <a:masterClrMapping/>
+  </p:clrMapOvr>
+</p:sld>
+</file>
+
+<file path=ppt/slides/slide24.xml><?xml version="1.0" encoding="utf-8"?>
+<p:sld xmlns:a="http://schemas.openxmlformats.org/drawingml/2006/main" xmlns:r="http://schemas.openxmlformats.org/officeDocument/2006/relationships" xmlns:p="http://schemas.openxmlformats.org/presentationml/2006/main">
+  <p:cSld>
+    <p:spTree>
+      <p:nvGrpSpPr>
+        <p:cNvPr id="1" name=""/>
+        <p:cNvGrpSpPr/>
+        <p:nvPr/>
+      </p:nvGrpSpPr>
+      <p:grpSpPr>
+        <a:xfrm>
+          <a:off x="0" y="0"/>
+          <a:ext cx="0" cy="0"/>
+          <a:chOff x="0" y="0"/>
+          <a:chExt cx="0" cy="0"/>
+        </a:xfrm>
+      </p:grpSpPr>
+      <p:sp>
+        <p:nvSpPr>
+          <p:cNvPr id="2" name="Title 1"/>
+          <p:cNvSpPr>
+            <a:spLocks noGrp="1"/>
+          </p:cNvSpPr>
+          <p:nvPr>
+            <p:ph type="title"/>
+          </p:nvPr>
+        </p:nvSpPr>
+        <p:spPr/>
+        <p:txBody>
+          <a:bodyPr/>
+          <a:lstStyle/>
+          <a:p>
+            <a:r>
+              <a:rPr kumimoji="1" lang="ja-JP" altLang="en-US" dirty="0"/>
+              <a:t>選手紹介</a:t>
+            </a:r>
+          </a:p>
+        </p:txBody>
+      </p:sp>
+      <p:sp>
+        <p:nvSpPr>
+          <p:cNvPr id="3" name="Content Placeholder 2"/>
+          <p:cNvSpPr>
+            <a:spLocks noGrp="1"/>
+          </p:cNvSpPr>
+          <p:nvPr>
+            <p:ph idx="1"/>
+          </p:nvPr>
+        </p:nvSpPr>
+        <p:spPr/>
+        <p:txBody>
+          <a:bodyPr>
+            <a:normAutofit/>
+          </a:bodyPr>
+          <a:lstStyle/>
+          <a:p>
+            <a:r>
+              <a:rPr kumimoji="1" lang="ja-JP" altLang="en-US" dirty="0"/>
+              <a:t>渡邉太一 </a:t>
+            </a:r>
+            <a:r>
+              <a:rPr kumimoji="1" lang="en-US" altLang="ja-JP" dirty="0"/>
+              <a:t>(@taichiw0424)</a:t>
+            </a:r>
+            <a:endParaRPr lang="en-US" altLang="ja-JP" dirty="0"/>
+          </a:p>
+          <a:p>
+            <a:pPr marL="0" indent="0">
+              <a:buNone/>
+            </a:pPr>
+            <a:endParaRPr kumimoji="1" lang="en-US" altLang="ja-JP" dirty="0"/>
+          </a:p>
+          <a:p>
+            <a:r>
+              <a:rPr lang="ja-JP" altLang="en-US" dirty="0"/>
+              <a:t>本職：　</a:t>
+            </a:r>
+            <a:r>
+              <a:rPr lang="en-US" altLang="ja-JP" dirty="0"/>
+              <a:t>Web</a:t>
+            </a:r>
+            <a:r>
+              <a:rPr lang="ja-JP" altLang="en-US" dirty="0"/>
+              <a:t>サービスのエンジニア（</a:t>
+            </a:r>
+            <a:r>
+              <a:rPr lang="en-US" altLang="ja-JP" dirty="0"/>
+              <a:t>Java</a:t>
+            </a:r>
+            <a:r>
+              <a:rPr lang="ja-JP" altLang="en-US" dirty="0"/>
+              <a:t>）</a:t>
+            </a:r>
+            <a:endParaRPr lang="en-US" altLang="ja-JP" dirty="0"/>
+          </a:p>
+          <a:p>
+            <a:r>
+              <a:rPr kumimoji="1" lang="ja-JP" altLang="en-US" dirty="0"/>
+              <a:t>赤い</a:t>
+            </a:r>
+            <a:r>
+              <a:rPr kumimoji="1" lang="en-US" altLang="ja-JP" dirty="0"/>
+              <a:t>R</a:t>
+            </a:r>
+            <a:r>
+              <a:rPr kumimoji="1" lang="ja-JP" altLang="en-US" dirty="0"/>
+              <a:t>で旅行サイトやってます。遠征の際にはぜひご利用ください！</a:t>
+            </a:r>
+            <a:endParaRPr kumimoji="1" lang="en-US" altLang="ja-JP" dirty="0"/>
+          </a:p>
+        </p:txBody>
+      </p:sp>
+    </p:spTree>
+    <p:extLst>
+      <p:ext uri="{BB962C8B-B14F-4D97-AF65-F5344CB8AC3E}">
+        <p14:creationId xmlns:p14="http://schemas.microsoft.com/office/powerpoint/2010/main" val="1676833128"/>
+      </p:ext>
+    </p:extLst>
+  </p:cSld>
+  <p:clrMapOvr>
+    <a:masterClrMapping/>
+  </p:clrMapOvr>
+</p:sld>
+</file>
+
+<file path=ppt/slides/slide25.xml><?xml version="1.0" encoding="utf-8"?>
+<p:sld xmlns:a="http://schemas.openxmlformats.org/drawingml/2006/main" xmlns:r="http://schemas.openxmlformats.org/officeDocument/2006/relationships" xmlns:p="http://schemas.openxmlformats.org/presentationml/2006/main">
+  <p:cSld>
+    <p:spTree>
+      <p:nvGrpSpPr>
+        <p:cNvPr id="1" name=""/>
+        <p:cNvGrpSpPr/>
+        <p:nvPr/>
+      </p:nvGrpSpPr>
+      <p:grpSpPr>
+        <a:xfrm>
+          <a:off x="0" y="0"/>
+          <a:ext cx="0" cy="0"/>
+          <a:chOff x="0" y="0"/>
+          <a:chExt cx="0" cy="0"/>
+        </a:xfrm>
+      </p:grpSpPr>
+      <p:sp>
+        <p:nvSpPr>
+          <p:cNvPr id="2" name="Title 1"/>
+          <p:cNvSpPr>
+            <a:spLocks noGrp="1"/>
+          </p:cNvSpPr>
+          <p:nvPr>
+            <p:ph type="title"/>
+          </p:nvPr>
+        </p:nvSpPr>
+        <p:spPr/>
+        <p:txBody>
+          <a:bodyPr/>
+          <a:lstStyle/>
+          <a:p>
+            <a:r>
+              <a:rPr lang="ja-JP" altLang="en-US" dirty="0"/>
+              <a:t>典型的</a:t>
+            </a:r>
+            <a:r>
+              <a:rPr lang="en-US" altLang="ja-JP" dirty="0"/>
+              <a:t>…</a:t>
+            </a:r>
+            <a:r>
+              <a:rPr lang="ja-JP" altLang="en-US" dirty="0"/>
+              <a:t>？</a:t>
+            </a:r>
+            <a:endParaRPr kumimoji="1" lang="ja-JP" altLang="en-US" dirty="0"/>
+          </a:p>
+        </p:txBody>
+      </p:sp>
+      <p:graphicFrame>
+        <p:nvGraphicFramePr>
+          <p:cNvPr id="4" name="Chart 3"/>
+          <p:cNvGraphicFramePr>
+            <a:graphicFrameLocks/>
+          </p:cNvGraphicFramePr>
+          <p:nvPr>
+            <p:extLst>
+              <p:ext uri="{D42A27DB-BD31-4B8C-83A1-F6EECF244321}">
+                <p14:modId xmlns:p14="http://schemas.microsoft.com/office/powerpoint/2010/main" val="2635381328"/>
+              </p:ext>
+            </p:extLst>
+          </p:nvPr>
+        </p:nvGraphicFramePr>
+        <p:xfrm>
+          <a:off x="680321" y="1981646"/>
+          <a:ext cx="11098248" cy="4788056"/>
+        </p:xfrm>
+        <a:graphic>
+          <a:graphicData uri="http://schemas.openxmlformats.org/drawingml/2006/chart">
+            <c:chart xmlns:c="http://schemas.openxmlformats.org/drawingml/2006/chart" xmlns:r="http://schemas.openxmlformats.org/officeDocument/2006/relationships" r:id="rId2"/>
+          </a:graphicData>
+        </a:graphic>
+      </p:graphicFrame>
+    </p:spTree>
+    <p:extLst>
+      <p:ext uri="{BB962C8B-B14F-4D97-AF65-F5344CB8AC3E}">
+        <p14:creationId xmlns:p14="http://schemas.microsoft.com/office/powerpoint/2010/main" val="1728060099"/>
+      </p:ext>
+    </p:extLst>
+  </p:cSld>
+  <p:clrMapOvr>
+    <a:masterClrMapping/>
+  </p:clrMapOvr>
+</p:sld>
+</file>
+
+<file path=ppt/slides/slide26.xml><?xml version="1.0" encoding="utf-8"?>
 <p:sld xmlns:a="http://schemas.openxmlformats.org/drawingml/2006/main" xmlns:r="http://schemas.openxmlformats.org/officeDocument/2006/relationships" xmlns:p="http://schemas.openxmlformats.org/presentationml/2006/main">
   <p:cSld>
     <p:spTree>
@@ -51185,7 +54698,7 @@
 </p:sld>
 </file>
 
-<file path=ppt/slides/slide21.xml><?xml version="1.0" encoding="utf-8"?>
+<file path=ppt/slides/slide27.xml><?xml version="1.0" encoding="utf-8"?>
 <p:sld xmlns:a="http://schemas.openxmlformats.org/drawingml/2006/main" xmlns:r="http://schemas.openxmlformats.org/officeDocument/2006/relationships" xmlns:p="http://schemas.openxmlformats.org/presentationml/2006/main">
   <p:cSld>
     <p:spTree>
@@ -53219,459 +56732,7 @@
 </p:sld>
 </file>
 
-<file path=ppt/slides/slide22.xml><?xml version="1.0" encoding="utf-8"?>
-<p:sld xmlns:a="http://schemas.openxmlformats.org/drawingml/2006/main" xmlns:r="http://schemas.openxmlformats.org/officeDocument/2006/relationships" xmlns:p="http://schemas.openxmlformats.org/presentationml/2006/main">
-  <p:cSld>
-    <p:spTree>
-      <p:nvGrpSpPr>
-        <p:cNvPr id="1" name=""/>
-        <p:cNvGrpSpPr/>
-        <p:nvPr/>
-      </p:nvGrpSpPr>
-      <p:grpSpPr>
-        <a:xfrm>
-          <a:off x="0" y="0"/>
-          <a:ext cx="0" cy="0"/>
-          <a:chOff x="0" y="0"/>
-          <a:chExt cx="0" cy="0"/>
-        </a:xfrm>
-      </p:grpSpPr>
-      <p:sp>
-        <p:nvSpPr>
-          <p:cNvPr id="2" name="Title 1"/>
-          <p:cNvSpPr>
-            <a:spLocks noGrp="1"/>
-          </p:cNvSpPr>
-          <p:nvPr>
-            <p:ph type="title"/>
-          </p:nvPr>
-        </p:nvSpPr>
-        <p:spPr/>
-        <p:txBody>
-          <a:bodyPr/>
-          <a:lstStyle/>
-          <a:p>
-            <a:r>
-              <a:rPr kumimoji="1" lang="ja-JP" altLang="en-US" dirty="0"/>
-              <a:t>補足：プレゼン内の数値について</a:t>
-            </a:r>
-          </a:p>
-        </p:txBody>
-      </p:sp>
-      <p:sp>
-        <p:nvSpPr>
-          <p:cNvPr id="3" name="Content Placeholder 2"/>
-          <p:cNvSpPr>
-            <a:spLocks noGrp="1"/>
-          </p:cNvSpPr>
-          <p:nvPr>
-            <p:ph idx="1"/>
-          </p:nvPr>
-        </p:nvSpPr>
-        <p:spPr>
-          <a:xfrm>
-            <a:off x="680321" y="2165422"/>
-            <a:ext cx="10429639" cy="4315387"/>
-          </a:xfrm>
-        </p:spPr>
-        <p:txBody>
-          <a:bodyPr>
-            <a:normAutofit/>
-          </a:bodyPr>
-          <a:lstStyle/>
-          <a:p>
-            <a:pPr marL="0" indent="0">
-              <a:buNone/>
-            </a:pPr>
-            <a:r>
-              <a:rPr kumimoji="1" lang="ja-JP" altLang="en-US" dirty="0"/>
-              <a:t>得点・打点</a:t>
-            </a:r>
-            <a:endParaRPr kumimoji="1" lang="en-US" altLang="ja-JP" dirty="0"/>
-          </a:p>
-          <a:p>
-            <a:r>
-              <a:rPr kumimoji="1" lang="en-US" altLang="ja-JP" dirty="0"/>
-              <a:t>2017</a:t>
-            </a:r>
-            <a:r>
-              <a:rPr kumimoji="1" lang="ja-JP" altLang="en-US" dirty="0"/>
-              <a:t>年レギュラーシーズン</a:t>
-            </a:r>
-            <a:r>
-              <a:rPr kumimoji="1" lang="en-US" altLang="ja-JP" dirty="0"/>
-              <a:t>143</a:t>
-            </a:r>
-            <a:r>
-              <a:rPr kumimoji="1" lang="ja-JP" altLang="en-US" dirty="0"/>
-              <a:t>試合の成績を使用</a:t>
-            </a:r>
-            <a:endParaRPr kumimoji="1" lang="en-US" altLang="ja-JP" dirty="0"/>
-          </a:p>
-          <a:p>
-            <a:r>
-              <a:rPr lang="ja-JP" altLang="en-US" dirty="0"/>
-              <a:t>各打順で「スタメン出場した」選手の成績のみを使用</a:t>
-            </a:r>
-            <a:endParaRPr lang="en-US" altLang="ja-JP" dirty="0"/>
-          </a:p>
-          <a:p>
-            <a:r>
-              <a:rPr lang="ja-JP" altLang="en-US" dirty="0"/>
-              <a:t>途中交代選手の得点・打点は加算していない</a:t>
-            </a:r>
-            <a:endParaRPr lang="en-US" altLang="ja-JP" dirty="0"/>
-          </a:p>
-          <a:p>
-            <a:r>
-              <a:rPr lang="ja-JP" altLang="en-US" dirty="0"/>
-              <a:t>上記、スタメンの得点・打点の総計を算出し、打順ごとの割合を求めている</a:t>
-            </a:r>
-            <a:endParaRPr lang="en-US" altLang="ja-JP" dirty="0"/>
-          </a:p>
-        </p:txBody>
-      </p:sp>
-    </p:spTree>
-    <p:extLst>
-      <p:ext uri="{BB962C8B-B14F-4D97-AF65-F5344CB8AC3E}">
-        <p14:creationId xmlns:p14="http://schemas.microsoft.com/office/powerpoint/2010/main" val="3865547597"/>
-      </p:ext>
-    </p:extLst>
-  </p:cSld>
-  <p:clrMapOvr>
-    <a:masterClrMapping/>
-  </p:clrMapOvr>
-</p:sld>
-</file>
-
-<file path=ppt/slides/slide23.xml><?xml version="1.0" encoding="utf-8"?>
-<p:sld xmlns:a="http://schemas.openxmlformats.org/drawingml/2006/main" xmlns:r="http://schemas.openxmlformats.org/officeDocument/2006/relationships" xmlns:p="http://schemas.openxmlformats.org/presentationml/2006/main">
-  <p:cSld>
-    <p:spTree>
-      <p:nvGrpSpPr>
-        <p:cNvPr id="1" name=""/>
-        <p:cNvGrpSpPr/>
-        <p:nvPr/>
-      </p:nvGrpSpPr>
-      <p:grpSpPr>
-        <a:xfrm>
-          <a:off x="0" y="0"/>
-          <a:ext cx="0" cy="0"/>
-          <a:chOff x="0" y="0"/>
-          <a:chExt cx="0" cy="0"/>
-        </a:xfrm>
-      </p:grpSpPr>
-      <p:sp>
-        <p:nvSpPr>
-          <p:cNvPr id="2" name="Title 1"/>
-          <p:cNvSpPr>
-            <a:spLocks noGrp="1"/>
-          </p:cNvSpPr>
-          <p:nvPr>
-            <p:ph type="title"/>
-          </p:nvPr>
-        </p:nvSpPr>
-        <p:spPr/>
-        <p:txBody>
-          <a:bodyPr/>
-          <a:lstStyle/>
-          <a:p>
-            <a:r>
-              <a:rPr kumimoji="1" lang="ja-JP" altLang="en-US" dirty="0"/>
-              <a:t>補足：プレゼン内の数値について</a:t>
-            </a:r>
-          </a:p>
-        </p:txBody>
-      </p:sp>
-      <p:sp>
-        <p:nvSpPr>
-          <p:cNvPr id="3" name="Content Placeholder 2"/>
-          <p:cNvSpPr>
-            <a:spLocks noGrp="1"/>
-          </p:cNvSpPr>
-          <p:nvPr>
-            <p:ph idx="1"/>
-          </p:nvPr>
-        </p:nvSpPr>
-        <p:spPr>
-          <a:xfrm>
-            <a:off x="680321" y="2165422"/>
-            <a:ext cx="10429639" cy="4315387"/>
-          </a:xfrm>
-        </p:spPr>
-        <p:txBody>
-          <a:bodyPr>
-            <a:normAutofit fontScale="92500" lnSpcReduction="20000"/>
-          </a:bodyPr>
-          <a:lstStyle/>
-          <a:p>
-            <a:pPr marL="0" indent="0">
-              <a:buNone/>
-            </a:pPr>
-            <a:r>
-              <a:rPr lang="ja-JP" altLang="en-US" dirty="0"/>
-              <a:t>打線分布の距離</a:t>
-            </a:r>
-            <a:endParaRPr kumimoji="1" lang="en-US" altLang="ja-JP" dirty="0"/>
-          </a:p>
-          <a:p>
-            <a:r>
-              <a:rPr lang="ja-JP" altLang="en-US" dirty="0"/>
-              <a:t>各チームの打線分布を９次元のベクトルとみなす</a:t>
-            </a:r>
-            <a:endParaRPr lang="en-US" altLang="ja-JP" dirty="0"/>
-          </a:p>
-          <a:p>
-            <a:r>
-              <a:rPr lang="ja-JP" altLang="en-US" dirty="0"/>
-              <a:t>平方ユークリッド距離をチーム間毎に算出</a:t>
-            </a:r>
-            <a:endParaRPr lang="en-US" altLang="ja-JP" dirty="0"/>
-          </a:p>
-          <a:p>
-            <a:r>
-              <a:rPr lang="ja-JP" altLang="en-US" dirty="0"/>
-              <a:t>無向グラフの描画には、</a:t>
-            </a:r>
-            <a:r>
-              <a:rPr lang="en-US" altLang="ja-JP" dirty="0"/>
-              <a:t>python3, </a:t>
-            </a:r>
-            <a:r>
-              <a:rPr lang="en-US" altLang="ja-JP" dirty="0" err="1"/>
-              <a:t>networkx</a:t>
-            </a:r>
-            <a:r>
-              <a:rPr lang="en-US" altLang="ja-JP" dirty="0"/>
-              <a:t>, </a:t>
-            </a:r>
-            <a:r>
-              <a:rPr lang="en-US" altLang="ja-JP" dirty="0" err="1"/>
-              <a:t>matplotlib</a:t>
-            </a:r>
-            <a:r>
-              <a:rPr lang="en-US" altLang="ja-JP" dirty="0"/>
-              <a:t> </a:t>
-            </a:r>
-            <a:r>
-              <a:rPr lang="ja-JP" altLang="en-US" dirty="0"/>
-              <a:t>を使用</a:t>
-            </a:r>
-            <a:endParaRPr lang="en-US" altLang="ja-JP" dirty="0"/>
-          </a:p>
-          <a:p>
-            <a:pPr lvl="1"/>
-            <a:r>
-              <a:rPr lang="en-US" altLang="ja-JP" dirty="0"/>
-              <a:t>https://github.com/taichiw/baseball201712/blob/master/python/networkx_test.py</a:t>
-            </a:r>
-          </a:p>
-          <a:p>
-            <a:r>
-              <a:rPr lang="ja-JP" altLang="en-US" dirty="0"/>
-              <a:t>何度か走らせて偶然描けた奇跡の一枚。再現性は「ない」</a:t>
-            </a:r>
-            <a:endParaRPr lang="en-US" altLang="ja-JP" b="1" dirty="0"/>
-          </a:p>
-          <a:p>
-            <a:endParaRPr lang="en-US" altLang="ja-JP" dirty="0"/>
-          </a:p>
-          <a:p>
-            <a:pPr marL="0" indent="0">
-              <a:buNone/>
-            </a:pPr>
-            <a:r>
-              <a:rPr lang="ja-JP" altLang="en-US" dirty="0"/>
-              <a:t>燃えドラ度</a:t>
-            </a:r>
-            <a:endParaRPr lang="en-US" altLang="ja-JP" dirty="0"/>
-          </a:p>
-          <a:p>
-            <a:r>
-              <a:rPr lang="ja-JP" altLang="en-US" dirty="0"/>
-              <a:t>中日と各球団の平方ユークリッド距離をそれぞれ算出　</a:t>
-            </a:r>
-            <a:r>
-              <a:rPr lang="en-US" altLang="ja-JP" dirty="0"/>
-              <a:t>-&gt; d</a:t>
-            </a:r>
-            <a:r>
-              <a:rPr lang="ja-JP" altLang="en-US" dirty="0"/>
-              <a:t>とする</a:t>
-            </a:r>
-            <a:endParaRPr lang="en-US" altLang="ja-JP" dirty="0"/>
-          </a:p>
-          <a:p>
-            <a:r>
-              <a:rPr lang="ja-JP" altLang="en-US" dirty="0"/>
-              <a:t>燃えドラ度 </a:t>
-            </a:r>
-            <a:r>
-              <a:rPr lang="en-US" altLang="ja-JP" dirty="0"/>
-              <a:t>= 1 / d * 1000</a:t>
-            </a:r>
-          </a:p>
-          <a:p>
-            <a:pPr lvl="1"/>
-            <a:r>
-              <a:rPr lang="ja-JP" altLang="en-US" dirty="0"/>
-              <a:t>逆数をとったのは距離が近いほど大きな数値にするため</a:t>
-            </a:r>
-            <a:endParaRPr lang="en-US" altLang="ja-JP" dirty="0"/>
-          </a:p>
-          <a:p>
-            <a:pPr lvl="1"/>
-            <a:r>
-              <a:rPr lang="en-US" altLang="ja-JP" dirty="0"/>
-              <a:t>1000</a:t>
-            </a:r>
-            <a:r>
-              <a:rPr lang="ja-JP" altLang="en-US" dirty="0"/>
-              <a:t>を掛けているのは単純に見栄えを良くするため</a:t>
-            </a:r>
-            <a:endParaRPr lang="en-US" altLang="ja-JP" dirty="0"/>
-          </a:p>
-        </p:txBody>
-      </p:sp>
-    </p:spTree>
-    <p:extLst>
-      <p:ext uri="{BB962C8B-B14F-4D97-AF65-F5344CB8AC3E}">
-        <p14:creationId xmlns:p14="http://schemas.microsoft.com/office/powerpoint/2010/main" val="3135619047"/>
-      </p:ext>
-    </p:extLst>
-  </p:cSld>
-  <p:clrMapOvr>
-    <a:masterClrMapping/>
-  </p:clrMapOvr>
-</p:sld>
-</file>
-
 <file path=ppt/slides/slide3.xml><?xml version="1.0" encoding="utf-8"?>
-<p:sld xmlns:a="http://schemas.openxmlformats.org/drawingml/2006/main" xmlns:r="http://schemas.openxmlformats.org/officeDocument/2006/relationships" xmlns:p="http://schemas.openxmlformats.org/presentationml/2006/main">
-  <p:cSld>
-    <p:spTree>
-      <p:nvGrpSpPr>
-        <p:cNvPr id="1" name=""/>
-        <p:cNvGrpSpPr/>
-        <p:nvPr/>
-      </p:nvGrpSpPr>
-      <p:grpSpPr>
-        <a:xfrm>
-          <a:off x="0" y="0"/>
-          <a:ext cx="0" cy="0"/>
-          <a:chOff x="0" y="0"/>
-          <a:chExt cx="0" cy="0"/>
-        </a:xfrm>
-      </p:grpSpPr>
-      <p:sp>
-        <p:nvSpPr>
-          <p:cNvPr id="2" name="Title 1"/>
-          <p:cNvSpPr>
-            <a:spLocks noGrp="1"/>
-          </p:cNvSpPr>
-          <p:nvPr>
-            <p:ph type="title"/>
-          </p:nvPr>
-        </p:nvSpPr>
-        <p:spPr/>
-        <p:txBody>
-          <a:bodyPr/>
-          <a:lstStyle/>
-          <a:p>
-            <a:r>
-              <a:rPr kumimoji="1" lang="ja-JP" altLang="en-US" dirty="0"/>
-              <a:t>選手紹介</a:t>
-            </a:r>
-          </a:p>
-        </p:txBody>
-      </p:sp>
-      <p:sp>
-        <p:nvSpPr>
-          <p:cNvPr id="3" name="Content Placeholder 2"/>
-          <p:cNvSpPr>
-            <a:spLocks noGrp="1"/>
-          </p:cNvSpPr>
-          <p:nvPr>
-            <p:ph idx="1"/>
-          </p:nvPr>
-        </p:nvSpPr>
-        <p:spPr/>
-        <p:txBody>
-          <a:bodyPr>
-            <a:normAutofit/>
-          </a:bodyPr>
-          <a:lstStyle/>
-          <a:p>
-            <a:r>
-              <a:rPr kumimoji="1" lang="ja-JP" altLang="en-US" dirty="0"/>
-              <a:t>渡邉太一 </a:t>
-            </a:r>
-            <a:r>
-              <a:rPr kumimoji="1" lang="en-US" altLang="ja-JP" dirty="0"/>
-              <a:t>(@taichiw0424)</a:t>
-            </a:r>
-            <a:endParaRPr lang="en-US" altLang="ja-JP" dirty="0"/>
-          </a:p>
-          <a:p>
-            <a:pPr marL="0" indent="0">
-              <a:buNone/>
-            </a:pPr>
-            <a:endParaRPr kumimoji="1" lang="en-US" altLang="ja-JP" dirty="0"/>
-          </a:p>
-          <a:p>
-            <a:r>
-              <a:rPr lang="ja-JP" altLang="en-US" dirty="0"/>
-              <a:t>本職：　</a:t>
-            </a:r>
-            <a:r>
-              <a:rPr lang="en-US" altLang="ja-JP" dirty="0"/>
-              <a:t>Web</a:t>
-            </a:r>
-            <a:r>
-              <a:rPr lang="ja-JP" altLang="en-US" dirty="0"/>
-              <a:t>サービスのエンジニア（</a:t>
-            </a:r>
-            <a:r>
-              <a:rPr lang="en-US" altLang="ja-JP" dirty="0"/>
-              <a:t>Java</a:t>
-            </a:r>
-            <a:r>
-              <a:rPr lang="ja-JP" altLang="en-US" dirty="0"/>
-              <a:t>）</a:t>
-            </a:r>
-            <a:endParaRPr lang="en-US" altLang="ja-JP" dirty="0"/>
-          </a:p>
-          <a:p>
-            <a:r>
-              <a:rPr kumimoji="1" lang="ja-JP" altLang="en-US" dirty="0"/>
-              <a:t>赤い</a:t>
-            </a:r>
-            <a:r>
-              <a:rPr kumimoji="1" lang="en-US" altLang="ja-JP" dirty="0"/>
-              <a:t>R</a:t>
-            </a:r>
-            <a:r>
-              <a:rPr kumimoji="1" lang="ja-JP" altLang="en-US" dirty="0"/>
-              <a:t>で旅行サイトやってます。遠征の際にはぜひご利用ください！</a:t>
-            </a:r>
-            <a:endParaRPr kumimoji="1" lang="en-US" altLang="ja-JP" dirty="0"/>
-          </a:p>
-        </p:txBody>
-      </p:sp>
-    </p:spTree>
-    <p:extLst>
-      <p:ext uri="{BB962C8B-B14F-4D97-AF65-F5344CB8AC3E}">
-        <p14:creationId xmlns:p14="http://schemas.microsoft.com/office/powerpoint/2010/main" val="1676833128"/>
-      </p:ext>
-    </p:extLst>
-  </p:cSld>
-  <p:clrMapOvr>
-    <a:masterClrMapping/>
-  </p:clrMapOvr>
-</p:sld>
-</file>
-
-<file path=ppt/slides/slide4.xml><?xml version="1.0" encoding="utf-8"?>
 <p:sld xmlns:a="http://schemas.openxmlformats.org/drawingml/2006/main" xmlns:r="http://schemas.openxmlformats.org/officeDocument/2006/relationships" xmlns:p="http://schemas.openxmlformats.org/presentationml/2006/main">
   <p:cSld>
     <p:spTree>
@@ -53786,7 +56847,7 @@
 </p:sld>
 </file>
 
-<file path=ppt/slides/slide5.xml><?xml version="1.0" encoding="utf-8"?>
+<file path=ppt/slides/slide4.xml><?xml version="1.0" encoding="utf-8"?>
 <p:sld xmlns:a="http://schemas.openxmlformats.org/drawingml/2006/main" xmlns:r="http://schemas.openxmlformats.org/officeDocument/2006/relationships" xmlns:p="http://schemas.openxmlformats.org/presentationml/2006/main">
   <p:cSld>
     <p:spTree>
@@ -53878,7 +56939,7 @@
 </p:sld>
 </file>
 
-<file path=ppt/slides/slide6.xml><?xml version="1.0" encoding="utf-8"?>
+<file path=ppt/slides/slide5.xml><?xml version="1.0" encoding="utf-8"?>
 <p:sld xmlns:a="http://schemas.openxmlformats.org/drawingml/2006/main" xmlns:r="http://schemas.openxmlformats.org/officeDocument/2006/relationships" xmlns:p="http://schemas.openxmlformats.org/presentationml/2006/main">
   <p:cSld>
     <p:spTree>
@@ -54197,7 +57258,7 @@
 </p:sld>
 </file>
 
-<file path=ppt/slides/slide7.xml><?xml version="1.0" encoding="utf-8"?>
+<file path=ppt/slides/slide6.xml><?xml version="1.0" encoding="utf-8"?>
 <p:sld xmlns:a="http://schemas.openxmlformats.org/drawingml/2006/main" xmlns:r="http://schemas.openxmlformats.org/officeDocument/2006/relationships" xmlns:p="http://schemas.openxmlformats.org/presentationml/2006/main">
   <p:cSld>
     <p:spTree>
@@ -54234,7 +57295,7 @@
         </p:xfrm>
         <a:graphic>
           <a:graphicData uri="http://schemas.openxmlformats.org/drawingml/2006/chart">
-            <c:chart xmlns:c="http://schemas.openxmlformats.org/drawingml/2006/chart" xmlns:r="http://schemas.openxmlformats.org/officeDocument/2006/relationships" r:id="rId2"/>
+            <c:chart xmlns:c="http://schemas.openxmlformats.org/drawingml/2006/chart" xmlns:r="http://schemas.openxmlformats.org/officeDocument/2006/relationships" r:id="rId3"/>
           </a:graphicData>
         </a:graphic>
       </p:graphicFrame>
@@ -54300,7 +57361,7 @@
         </p:xfrm>
         <a:graphic>
           <a:graphicData uri="http://schemas.openxmlformats.org/drawingml/2006/chart">
-            <c:chart xmlns:c="http://schemas.openxmlformats.org/drawingml/2006/chart" xmlns:r="http://schemas.openxmlformats.org/officeDocument/2006/relationships" r:id="rId3"/>
+            <c:chart xmlns:c="http://schemas.openxmlformats.org/drawingml/2006/chart" xmlns:r="http://schemas.openxmlformats.org/officeDocument/2006/relationships" r:id="rId4"/>
           </a:graphicData>
         </a:graphic>
       </p:graphicFrame>
@@ -54324,7 +57385,7 @@
         </p:xfrm>
         <a:graphic>
           <a:graphicData uri="http://schemas.openxmlformats.org/drawingml/2006/chart">
-            <c:chart xmlns:c="http://schemas.openxmlformats.org/drawingml/2006/chart" xmlns:r="http://schemas.openxmlformats.org/officeDocument/2006/relationships" r:id="rId4"/>
+            <c:chart xmlns:c="http://schemas.openxmlformats.org/drawingml/2006/chart" xmlns:r="http://schemas.openxmlformats.org/officeDocument/2006/relationships" r:id="rId5"/>
           </a:graphicData>
         </a:graphic>
       </p:graphicFrame>
@@ -54348,7 +57409,7 @@
         </p:xfrm>
         <a:graphic>
           <a:graphicData uri="http://schemas.openxmlformats.org/drawingml/2006/chart">
-            <c:chart xmlns:c="http://schemas.openxmlformats.org/drawingml/2006/chart" xmlns:r="http://schemas.openxmlformats.org/officeDocument/2006/relationships" r:id="rId5"/>
+            <c:chart xmlns:c="http://schemas.openxmlformats.org/drawingml/2006/chart" xmlns:r="http://schemas.openxmlformats.org/officeDocument/2006/relationships" r:id="rId6"/>
           </a:graphicData>
         </a:graphic>
       </p:graphicFrame>
@@ -54372,7 +57433,7 @@
         </p:xfrm>
         <a:graphic>
           <a:graphicData uri="http://schemas.openxmlformats.org/drawingml/2006/chart">
-            <c:chart xmlns:c="http://schemas.openxmlformats.org/drawingml/2006/chart" xmlns:r="http://schemas.openxmlformats.org/officeDocument/2006/relationships" r:id="rId6"/>
+            <c:chart xmlns:c="http://schemas.openxmlformats.org/drawingml/2006/chart" xmlns:r="http://schemas.openxmlformats.org/officeDocument/2006/relationships" r:id="rId7"/>
           </a:graphicData>
         </a:graphic>
       </p:graphicFrame>
@@ -54396,7 +57457,7 @@
         </p:xfrm>
         <a:graphic>
           <a:graphicData uri="http://schemas.openxmlformats.org/drawingml/2006/chart">
-            <c:chart xmlns:c="http://schemas.openxmlformats.org/drawingml/2006/chart" xmlns:r="http://schemas.openxmlformats.org/officeDocument/2006/relationships" r:id="rId7"/>
+            <c:chart xmlns:c="http://schemas.openxmlformats.org/drawingml/2006/chart" xmlns:r="http://schemas.openxmlformats.org/officeDocument/2006/relationships" r:id="rId8"/>
           </a:graphicData>
         </a:graphic>
       </p:graphicFrame>
@@ -54677,7 +57738,7 @@
 </p:sld>
 </file>
 
-<file path=ppt/slides/slide8.xml><?xml version="1.0" encoding="utf-8"?>
+<file path=ppt/slides/slide7.xml><?xml version="1.0" encoding="utf-8"?>
 <p:sld xmlns:a="http://schemas.openxmlformats.org/drawingml/2006/main" xmlns:r="http://schemas.openxmlformats.org/officeDocument/2006/relationships" xmlns:p="http://schemas.openxmlformats.org/presentationml/2006/main">
   <p:cSld>
     <p:spTree>
@@ -54922,7 +57983,7 @@
 </p:sld>
 </file>
 
-<file path=ppt/slides/slide9.xml><?xml version="1.0" encoding="utf-8"?>
+<file path=ppt/slides/slide8.xml><?xml version="1.0" encoding="utf-8"?>
 <p:sld xmlns:a="http://schemas.openxmlformats.org/drawingml/2006/main" xmlns:r="http://schemas.openxmlformats.org/officeDocument/2006/relationships" xmlns:p="http://schemas.openxmlformats.org/presentationml/2006/main">
   <p:cSld>
     <p:spTree>
@@ -54997,7 +58058,7 @@
         </p:xfrm>
         <a:graphic>
           <a:graphicData uri="http://schemas.openxmlformats.org/drawingml/2006/chart">
-            <c:chart xmlns:c="http://schemas.openxmlformats.org/drawingml/2006/chart" xmlns:r="http://schemas.openxmlformats.org/officeDocument/2006/relationships" r:id="rId2"/>
+            <c:chart xmlns:c="http://schemas.openxmlformats.org/drawingml/2006/chart" xmlns:r="http://schemas.openxmlformats.org/officeDocument/2006/relationships" r:id="rId3"/>
           </a:graphicData>
         </a:graphic>
       </p:graphicFrame>
@@ -55021,7 +58082,7 @@
         </p:xfrm>
         <a:graphic>
           <a:graphicData uri="http://schemas.openxmlformats.org/drawingml/2006/chart">
-            <c:chart xmlns:c="http://schemas.openxmlformats.org/drawingml/2006/chart" xmlns:r="http://schemas.openxmlformats.org/officeDocument/2006/relationships" r:id="rId3"/>
+            <c:chart xmlns:c="http://schemas.openxmlformats.org/drawingml/2006/chart" xmlns:r="http://schemas.openxmlformats.org/officeDocument/2006/relationships" r:id="rId4"/>
           </a:graphicData>
         </a:graphic>
       </p:graphicFrame>
@@ -55045,7 +58106,7 @@
         </p:xfrm>
         <a:graphic>
           <a:graphicData uri="http://schemas.openxmlformats.org/drawingml/2006/chart">
-            <c:chart xmlns:c="http://schemas.openxmlformats.org/drawingml/2006/chart" xmlns:r="http://schemas.openxmlformats.org/officeDocument/2006/relationships" r:id="rId4"/>
+            <c:chart xmlns:c="http://schemas.openxmlformats.org/drawingml/2006/chart" xmlns:r="http://schemas.openxmlformats.org/officeDocument/2006/relationships" r:id="rId5"/>
           </a:graphicData>
         </a:graphic>
       </p:graphicFrame>
@@ -55069,7 +58130,7 @@
         </p:xfrm>
         <a:graphic>
           <a:graphicData uri="http://schemas.openxmlformats.org/drawingml/2006/chart">
-            <c:chart xmlns:c="http://schemas.openxmlformats.org/drawingml/2006/chart" xmlns:r="http://schemas.openxmlformats.org/officeDocument/2006/relationships" r:id="rId5"/>
+            <c:chart xmlns:c="http://schemas.openxmlformats.org/drawingml/2006/chart" xmlns:r="http://schemas.openxmlformats.org/officeDocument/2006/relationships" r:id="rId6"/>
           </a:graphicData>
         </a:graphic>
       </p:graphicFrame>
@@ -55093,7 +58154,7 @@
         </p:xfrm>
         <a:graphic>
           <a:graphicData uri="http://schemas.openxmlformats.org/drawingml/2006/chart">
-            <c:chart xmlns:c="http://schemas.openxmlformats.org/drawingml/2006/chart" xmlns:r="http://schemas.openxmlformats.org/officeDocument/2006/relationships" r:id="rId6"/>
+            <c:chart xmlns:c="http://schemas.openxmlformats.org/drawingml/2006/chart" xmlns:r="http://schemas.openxmlformats.org/officeDocument/2006/relationships" r:id="rId7"/>
           </a:graphicData>
         </a:graphic>
       </p:graphicFrame>
@@ -55117,7 +58178,7 @@
         </p:xfrm>
         <a:graphic>
           <a:graphicData uri="http://schemas.openxmlformats.org/drawingml/2006/chart">
-            <c:chart xmlns:c="http://schemas.openxmlformats.org/drawingml/2006/chart" xmlns:r="http://schemas.openxmlformats.org/officeDocument/2006/relationships" r:id="rId7"/>
+            <c:chart xmlns:c="http://schemas.openxmlformats.org/drawingml/2006/chart" xmlns:r="http://schemas.openxmlformats.org/officeDocument/2006/relationships" r:id="rId8"/>
           </a:graphicData>
         </a:graphic>
       </p:graphicFrame>
@@ -55398,6 +58459,248 @@
 </p:sld>
 </file>
 
+<file path=ppt/slides/slide9.xml><?xml version="1.0" encoding="utf-8"?>
+<p:sld xmlns:a="http://schemas.openxmlformats.org/drawingml/2006/main" xmlns:r="http://schemas.openxmlformats.org/officeDocument/2006/relationships" xmlns:p="http://schemas.openxmlformats.org/presentationml/2006/main">
+  <p:cSld>
+    <p:spTree>
+      <p:nvGrpSpPr>
+        <p:cNvPr id="1" name=""/>
+        <p:cNvGrpSpPr/>
+        <p:nvPr/>
+      </p:nvGrpSpPr>
+      <p:grpSpPr>
+        <a:xfrm>
+          <a:off x="0" y="0"/>
+          <a:ext cx="0" cy="0"/>
+          <a:chOff x="0" y="0"/>
+          <a:chExt cx="0" cy="0"/>
+        </a:xfrm>
+      </p:grpSpPr>
+      <p:graphicFrame>
+        <p:nvGraphicFramePr>
+          <p:cNvPr id="18" name="Chart 17"/>
+          <p:cNvGraphicFramePr>
+            <a:graphicFrameLocks/>
+          </p:cNvGraphicFramePr>
+          <p:nvPr>
+            <p:extLst>
+              <p:ext uri="{D42A27DB-BD31-4B8C-83A1-F6EECF244321}">
+                <p14:modId xmlns:p14="http://schemas.microsoft.com/office/powerpoint/2010/main" val="3395968642"/>
+              </p:ext>
+            </p:extLst>
+          </p:nvPr>
+        </p:nvGraphicFramePr>
+        <p:xfrm>
+          <a:off x="7898603" y="1988820"/>
+          <a:ext cx="4138124" cy="2545435"/>
+        </p:xfrm>
+        <a:graphic>
+          <a:graphicData uri="http://schemas.openxmlformats.org/drawingml/2006/chart">
+            <c:chart xmlns:c="http://schemas.openxmlformats.org/drawingml/2006/chart" xmlns:r="http://schemas.openxmlformats.org/officeDocument/2006/relationships" r:id="rId2"/>
+          </a:graphicData>
+        </a:graphic>
+      </p:graphicFrame>
+      <p:graphicFrame>
+        <p:nvGraphicFramePr>
+          <p:cNvPr id="19" name="Chart 18"/>
+          <p:cNvGraphicFramePr>
+            <a:graphicFrameLocks/>
+          </p:cNvGraphicFramePr>
+          <p:nvPr>
+            <p:extLst>
+              <p:ext uri="{D42A27DB-BD31-4B8C-83A1-F6EECF244321}">
+                <p14:modId xmlns:p14="http://schemas.microsoft.com/office/powerpoint/2010/main" val="4255141205"/>
+              </p:ext>
+            </p:extLst>
+          </p:nvPr>
+        </p:nvGraphicFramePr>
+        <p:xfrm>
+          <a:off x="4071690" y="1988820"/>
+          <a:ext cx="4138122" cy="2545435"/>
+        </p:xfrm>
+        <a:graphic>
+          <a:graphicData uri="http://schemas.openxmlformats.org/drawingml/2006/chart">
+            <c:chart xmlns:c="http://schemas.openxmlformats.org/drawingml/2006/chart" xmlns:r="http://schemas.openxmlformats.org/officeDocument/2006/relationships" r:id="rId3"/>
+          </a:graphicData>
+        </a:graphic>
+      </p:graphicFrame>
+      <p:graphicFrame>
+        <p:nvGraphicFramePr>
+          <p:cNvPr id="20" name="Chart 19"/>
+          <p:cNvGraphicFramePr>
+            <a:graphicFrameLocks/>
+          </p:cNvGraphicFramePr>
+          <p:nvPr>
+            <p:extLst>
+              <p:ext uri="{D42A27DB-BD31-4B8C-83A1-F6EECF244321}">
+                <p14:modId xmlns:p14="http://schemas.microsoft.com/office/powerpoint/2010/main" val="1520122330"/>
+              </p:ext>
+            </p:extLst>
+          </p:nvPr>
+        </p:nvGraphicFramePr>
+        <p:xfrm>
+          <a:off x="110490" y="1988820"/>
+          <a:ext cx="4242391" cy="2545435"/>
+        </p:xfrm>
+        <a:graphic>
+          <a:graphicData uri="http://schemas.openxmlformats.org/drawingml/2006/chart">
+            <c:chart xmlns:c="http://schemas.openxmlformats.org/drawingml/2006/chart" xmlns:r="http://schemas.openxmlformats.org/officeDocument/2006/relationships" r:id="rId4"/>
+          </a:graphicData>
+        </a:graphic>
+      </p:graphicFrame>
+      <p:graphicFrame>
+        <p:nvGraphicFramePr>
+          <p:cNvPr id="21" name="Chart 20"/>
+          <p:cNvGraphicFramePr>
+            <a:graphicFrameLocks/>
+          </p:cNvGraphicFramePr>
+          <p:nvPr>
+            <p:extLst>
+              <p:ext uri="{D42A27DB-BD31-4B8C-83A1-F6EECF244321}">
+                <p14:modId xmlns:p14="http://schemas.microsoft.com/office/powerpoint/2010/main" val="2826454154"/>
+              </p:ext>
+            </p:extLst>
+          </p:nvPr>
+        </p:nvGraphicFramePr>
+        <p:xfrm>
+          <a:off x="7898605" y="4213682"/>
+          <a:ext cx="4138122" cy="2644318"/>
+        </p:xfrm>
+        <a:graphic>
+          <a:graphicData uri="http://schemas.openxmlformats.org/drawingml/2006/chart">
+            <c:chart xmlns:c="http://schemas.openxmlformats.org/drawingml/2006/chart" xmlns:r="http://schemas.openxmlformats.org/officeDocument/2006/relationships" r:id="rId5"/>
+          </a:graphicData>
+        </a:graphic>
+      </p:graphicFrame>
+      <p:graphicFrame>
+        <p:nvGraphicFramePr>
+          <p:cNvPr id="22" name="Chart 21"/>
+          <p:cNvGraphicFramePr>
+            <a:graphicFrameLocks/>
+          </p:cNvGraphicFramePr>
+          <p:nvPr>
+            <p:extLst>
+              <p:ext uri="{D42A27DB-BD31-4B8C-83A1-F6EECF244321}">
+                <p14:modId xmlns:p14="http://schemas.microsoft.com/office/powerpoint/2010/main" val="4249598475"/>
+              </p:ext>
+            </p:extLst>
+          </p:nvPr>
+        </p:nvGraphicFramePr>
+        <p:xfrm>
+          <a:off x="4071689" y="4213682"/>
+          <a:ext cx="4138123" cy="2644318"/>
+        </p:xfrm>
+        <a:graphic>
+          <a:graphicData uri="http://schemas.openxmlformats.org/drawingml/2006/chart">
+            <c:chart xmlns:c="http://schemas.openxmlformats.org/drawingml/2006/chart" xmlns:r="http://schemas.openxmlformats.org/officeDocument/2006/relationships" r:id="rId6"/>
+          </a:graphicData>
+        </a:graphic>
+      </p:graphicFrame>
+      <p:graphicFrame>
+        <p:nvGraphicFramePr>
+          <p:cNvPr id="23" name="Chart 22"/>
+          <p:cNvGraphicFramePr>
+            <a:graphicFrameLocks/>
+          </p:cNvGraphicFramePr>
+          <p:nvPr>
+            <p:extLst>
+              <p:ext uri="{D42A27DB-BD31-4B8C-83A1-F6EECF244321}">
+                <p14:modId xmlns:p14="http://schemas.microsoft.com/office/powerpoint/2010/main" val="1939495653"/>
+              </p:ext>
+            </p:extLst>
+          </p:nvPr>
+        </p:nvGraphicFramePr>
+        <p:xfrm>
+          <a:off x="110490" y="4213682"/>
+          <a:ext cx="4242391" cy="2644318"/>
+        </p:xfrm>
+        <a:graphic>
+          <a:graphicData uri="http://schemas.openxmlformats.org/drawingml/2006/chart">
+            <c:chart xmlns:c="http://schemas.openxmlformats.org/drawingml/2006/chart" xmlns:r="http://schemas.openxmlformats.org/officeDocument/2006/relationships" r:id="rId7"/>
+          </a:graphicData>
+        </a:graphic>
+      </p:graphicFrame>
+      <p:sp>
+        <p:nvSpPr>
+          <p:cNvPr id="2" name="Title 1"/>
+          <p:cNvSpPr>
+            <a:spLocks noGrp="1"/>
+          </p:cNvSpPr>
+          <p:nvPr>
+            <p:ph type="title"/>
+          </p:nvPr>
+        </p:nvSpPr>
+        <p:spPr/>
+        <p:txBody>
+          <a:bodyPr/>
+          <a:lstStyle/>
+          <a:p>
+            <a:r>
+              <a:rPr kumimoji="1" lang="ja-JP" altLang="en-US" dirty="0"/>
+              <a:t>正解</a:t>
+            </a:r>
+          </a:p>
+        </p:txBody>
+      </p:sp>
+      <p:sp>
+        <p:nvSpPr>
+          <p:cNvPr id="3" name="Oval 2"/>
+          <p:cNvSpPr/>
+          <p:nvPr/>
+        </p:nvSpPr>
+        <p:spPr>
+          <a:xfrm>
+            <a:off x="927100" y="2768600"/>
+            <a:ext cx="381000" cy="1445082"/>
+          </a:xfrm>
+          <a:prstGeom prst="ellipse">
+            <a:avLst/>
+          </a:prstGeom>
+          <a:noFill/>
+          <a:ln w="63500">
+            <a:solidFill>
+              <a:srgbClr val="FF0000"/>
+            </a:solidFill>
+          </a:ln>
+        </p:spPr>
+        <p:style>
+          <a:lnRef idx="2">
+            <a:schemeClr val="accent1">
+              <a:shade val="50000"/>
+            </a:schemeClr>
+          </a:lnRef>
+          <a:fillRef idx="1">
+            <a:schemeClr val="accent1"/>
+          </a:fillRef>
+          <a:effectRef idx="0">
+            <a:schemeClr val="accent1"/>
+          </a:effectRef>
+          <a:fontRef idx="minor">
+            <a:schemeClr val="lt1"/>
+          </a:fontRef>
+        </p:style>
+        <p:txBody>
+          <a:bodyPr rtlCol="0" anchor="ctr"/>
+          <a:lstStyle/>
+          <a:p>
+            <a:pPr algn="ctr"/>
+            <a:endParaRPr kumimoji="1" lang="ja-JP" altLang="en-US"/>
+          </a:p>
+        </p:txBody>
+      </p:sp>
+    </p:spTree>
+    <p:extLst>
+      <p:ext uri="{BB962C8B-B14F-4D97-AF65-F5344CB8AC3E}">
+        <p14:creationId xmlns:p14="http://schemas.microsoft.com/office/powerpoint/2010/main" val="527623307"/>
+      </p:ext>
+    </p:extLst>
+  </p:cSld>
+  <p:clrMapOvr>
+    <a:masterClrMapping/>
+  </p:clrMapOvr>
+</p:sld>
+</file>
+
 <file path=ppt/theme/theme1.xml><?xml version="1.0" encoding="utf-8"?>
 <a:theme xmlns:a="http://schemas.openxmlformats.org/drawingml/2006/main" name="Berlin">
   <a:themeElements>
@@ -55650,4 +58953,299 @@
     </a:ext>
   </a:extLst>
 </a:theme>
+</file>
+
+<file path=ppt/theme/theme2.xml><?xml version="1.0" encoding="utf-8"?>
+<a:theme xmlns:a="http://schemas.openxmlformats.org/drawingml/2006/main" name="Office Theme">
+  <a:themeElements>
+    <a:clrScheme name="Office">
+      <a:dk1>
+        <a:sysClr val="windowText" lastClr="000000"/>
+      </a:dk1>
+      <a:lt1>
+        <a:sysClr val="window" lastClr="FFFFFF"/>
+      </a:lt1>
+      <a:dk2>
+        <a:srgbClr val="44546A"/>
+      </a:dk2>
+      <a:lt2>
+        <a:srgbClr val="E7E6E6"/>
+      </a:lt2>
+      <a:accent1>
+        <a:srgbClr val="5B9BD5"/>
+      </a:accent1>
+      <a:accent2>
+        <a:srgbClr val="ED7D31"/>
+      </a:accent2>
+      <a:accent3>
+        <a:srgbClr val="A5A5A5"/>
+      </a:accent3>
+      <a:accent4>
+        <a:srgbClr val="FFC000"/>
+      </a:accent4>
+      <a:accent5>
+        <a:srgbClr val="4472C4"/>
+      </a:accent5>
+      <a:accent6>
+        <a:srgbClr val="70AD47"/>
+      </a:accent6>
+      <a:hlink>
+        <a:srgbClr val="0563C1"/>
+      </a:hlink>
+      <a:folHlink>
+        <a:srgbClr val="954F72"/>
+      </a:folHlink>
+    </a:clrScheme>
+    <a:fontScheme name="Office">
+      <a:majorFont>
+        <a:latin typeface="游ゴシック Light" panose="020F0302020204030204"/>
+        <a:ea typeface=""/>
+        <a:cs typeface=""/>
+        <a:font script="Jpan" typeface="游ゴシック Light"/>
+        <a:font script="Hang" typeface="맑은 고딕"/>
+        <a:font script="Hans" typeface="等线 Light"/>
+        <a:font script="Hant" typeface="新細明體"/>
+        <a:font script="Arab" typeface="Times New Roman"/>
+        <a:font script="Hebr" typeface="Times New Roman"/>
+        <a:font script="Thai" typeface="Angsana New"/>
+        <a:font script="Ethi" typeface="Nyala"/>
+        <a:font script="Beng" typeface="Vrinda"/>
+        <a:font script="Gujr" typeface="Shruti"/>
+        <a:font script="Khmr" typeface="MoolBoran"/>
+        <a:font script="Knda" typeface="Tunga"/>
+        <a:font script="Guru" typeface="Raavi"/>
+        <a:font script="Cans" typeface="Euphemia"/>
+        <a:font script="Cher" typeface="Plantagenet Cherokee"/>
+        <a:font script="Yiii" typeface="Microsoft Yi Baiti"/>
+        <a:font script="Tibt" typeface="Microsoft Himalaya"/>
+        <a:font script="Thaa" typeface="MV Boli"/>
+        <a:font script="Deva" typeface="Mangal"/>
+        <a:font script="Telu" typeface="Gautami"/>
+        <a:font script="Taml" typeface="Latha"/>
+        <a:font script="Syrc" typeface="Estrangelo Edessa"/>
+        <a:font script="Orya" typeface="Kalinga"/>
+        <a:font script="Mlym" typeface="Kartika"/>
+        <a:font script="Laoo" typeface="DokChampa"/>
+        <a:font script="Sinh" typeface="Iskoola Pota"/>
+        <a:font script="Mong" typeface="Mongolian Baiti"/>
+        <a:font script="Viet" typeface="Times New Roman"/>
+        <a:font script="Uigh" typeface="Microsoft Uighur"/>
+        <a:font script="Geor" typeface="Sylfaen"/>
+        <a:font script="Armn" typeface="Arial"/>
+        <a:font script="Bugi" typeface="Leelawadee UI"/>
+        <a:font script="Bopo" typeface="Microsoft JhengHei"/>
+        <a:font script="Java" typeface="Javanese Text"/>
+        <a:font script="Lisu" typeface="Segoe UI"/>
+        <a:font script="Mymr" typeface="Myanmar Text"/>
+        <a:font script="Nkoo" typeface="Ebrima"/>
+        <a:font script="Olck" typeface="Nirmala UI"/>
+        <a:font script="Osma" typeface="Ebrima"/>
+        <a:font script="Phag" typeface="Phagspa"/>
+        <a:font script="Syrn" typeface="Estrangelo Edessa"/>
+        <a:font script="Syrj" typeface="Estrangelo Edessa"/>
+        <a:font script="Syre" typeface="Estrangelo Edessa"/>
+        <a:font script="Sora" typeface="Nirmala UI"/>
+        <a:font script="Tale" typeface="Microsoft Tai Le"/>
+        <a:font script="Talu" typeface="Microsoft New Tai Lue"/>
+        <a:font script="Tfng" typeface="Ebrima"/>
+      </a:majorFont>
+      <a:minorFont>
+        <a:latin typeface="游ゴシック" panose="020F0502020204030204"/>
+        <a:ea typeface=""/>
+        <a:cs typeface=""/>
+        <a:font script="Jpan" typeface="游ゴシック"/>
+        <a:font script="Hang" typeface="맑은 고딕"/>
+        <a:font script="Hans" typeface="等线"/>
+        <a:font script="Hant" typeface="新細明體"/>
+        <a:font script="Arab" typeface="Arial"/>
+        <a:font script="Hebr" typeface="Arial"/>
+        <a:font script="Thai" typeface="Cordia New"/>
+        <a:font script="Ethi" typeface="Nyala"/>
+        <a:font script="Beng" typeface="Vrinda"/>
+        <a:font script="Gujr" typeface="Shruti"/>
+        <a:font script="Khmr" typeface="DaunPenh"/>
+        <a:font script="Knda" typeface="Tunga"/>
+        <a:font script="Guru" typeface="Raavi"/>
+        <a:font script="Cans" typeface="Euphemia"/>
+        <a:font script="Cher" typeface="Plantagenet Cherokee"/>
+        <a:font script="Yiii" typeface="Microsoft Yi Baiti"/>
+        <a:font script="Tibt" typeface="Microsoft Himalaya"/>
+        <a:font script="Thaa" typeface="MV Boli"/>
+        <a:font script="Deva" typeface="Mangal"/>
+        <a:font script="Telu" typeface="Gautami"/>
+        <a:font script="Taml" typeface="Latha"/>
+        <a:font script="Syrc" typeface="Estrangelo Edessa"/>
+        <a:font script="Orya" typeface="Kalinga"/>
+        <a:font script="Mlym" typeface="Kartika"/>
+        <a:font script="Laoo" typeface="DokChampa"/>
+        <a:font script="Sinh" typeface="Iskoola Pota"/>
+        <a:font script="Mong" typeface="Mongolian Baiti"/>
+        <a:font script="Viet" typeface="Arial"/>
+        <a:font script="Uigh" typeface="Microsoft Uighur"/>
+        <a:font script="Geor" typeface="Sylfaen"/>
+        <a:font script="Armn" typeface="Arial"/>
+        <a:font script="Bugi" typeface="Leelawadee UI"/>
+        <a:font script="Bopo" typeface="Microsoft JhengHei"/>
+        <a:font script="Java" typeface="Javanese Text"/>
+        <a:font script="Lisu" typeface="Segoe UI"/>
+        <a:font script="Mymr" typeface="Myanmar Text"/>
+        <a:font script="Nkoo" typeface="Ebrima"/>
+        <a:font script="Olck" typeface="Nirmala UI"/>
+        <a:font script="Osma" typeface="Ebrima"/>
+        <a:font script="Phag" typeface="Phagspa"/>
+        <a:font script="Syrn" typeface="Estrangelo Edessa"/>
+        <a:font script="Syrj" typeface="Estrangelo Edessa"/>
+        <a:font script="Syre" typeface="Estrangelo Edessa"/>
+        <a:font script="Sora" typeface="Nirmala UI"/>
+        <a:font script="Tale" typeface="Microsoft Tai Le"/>
+        <a:font script="Talu" typeface="Microsoft New Tai Lue"/>
+        <a:font script="Tfng" typeface="Ebrima"/>
+      </a:minorFont>
+    </a:fontScheme>
+    <a:fmtScheme name="Office">
+      <a:fillStyleLst>
+        <a:solidFill>
+          <a:schemeClr val="phClr"/>
+        </a:solidFill>
+        <a:gradFill rotWithShape="1">
+          <a:gsLst>
+            <a:gs pos="0">
+              <a:schemeClr val="phClr">
+                <a:lumMod val="110000"/>
+                <a:satMod val="105000"/>
+                <a:tint val="67000"/>
+              </a:schemeClr>
+            </a:gs>
+            <a:gs pos="50000">
+              <a:schemeClr val="phClr">
+                <a:lumMod val="105000"/>
+                <a:satMod val="103000"/>
+                <a:tint val="73000"/>
+              </a:schemeClr>
+            </a:gs>
+            <a:gs pos="100000">
+              <a:schemeClr val="phClr">
+                <a:lumMod val="105000"/>
+                <a:satMod val="109000"/>
+                <a:tint val="81000"/>
+              </a:schemeClr>
+            </a:gs>
+          </a:gsLst>
+          <a:lin ang="5400000" scaled="0"/>
+        </a:gradFill>
+        <a:gradFill rotWithShape="1">
+          <a:gsLst>
+            <a:gs pos="0">
+              <a:schemeClr val="phClr">
+                <a:satMod val="103000"/>
+                <a:lumMod val="102000"/>
+                <a:tint val="94000"/>
+              </a:schemeClr>
+            </a:gs>
+            <a:gs pos="50000">
+              <a:schemeClr val="phClr">
+                <a:satMod val="110000"/>
+                <a:lumMod val="100000"/>
+                <a:shade val="100000"/>
+              </a:schemeClr>
+            </a:gs>
+            <a:gs pos="100000">
+              <a:schemeClr val="phClr">
+                <a:lumMod val="99000"/>
+                <a:satMod val="120000"/>
+                <a:shade val="78000"/>
+              </a:schemeClr>
+            </a:gs>
+          </a:gsLst>
+          <a:lin ang="5400000" scaled="0"/>
+        </a:gradFill>
+      </a:fillStyleLst>
+      <a:lnStyleLst>
+        <a:ln w="6350" cap="flat" cmpd="sng" algn="ctr">
+          <a:solidFill>
+            <a:schemeClr val="phClr"/>
+          </a:solidFill>
+          <a:prstDash val="solid"/>
+          <a:miter lim="800000"/>
+        </a:ln>
+        <a:ln w="12700" cap="flat" cmpd="sng" algn="ctr">
+          <a:solidFill>
+            <a:schemeClr val="phClr"/>
+          </a:solidFill>
+          <a:prstDash val="solid"/>
+          <a:miter lim="800000"/>
+        </a:ln>
+        <a:ln w="19050" cap="flat" cmpd="sng" algn="ctr">
+          <a:solidFill>
+            <a:schemeClr val="phClr"/>
+          </a:solidFill>
+          <a:prstDash val="solid"/>
+          <a:miter lim="800000"/>
+        </a:ln>
+      </a:lnStyleLst>
+      <a:effectStyleLst>
+        <a:effectStyle>
+          <a:effectLst/>
+        </a:effectStyle>
+        <a:effectStyle>
+          <a:effectLst/>
+        </a:effectStyle>
+        <a:effectStyle>
+          <a:effectLst>
+            <a:outerShdw blurRad="57150" dist="19050" dir="5400000" algn="ctr" rotWithShape="0">
+              <a:srgbClr val="000000">
+                <a:alpha val="63000"/>
+              </a:srgbClr>
+            </a:outerShdw>
+          </a:effectLst>
+        </a:effectStyle>
+      </a:effectStyleLst>
+      <a:bgFillStyleLst>
+        <a:solidFill>
+          <a:schemeClr val="phClr"/>
+        </a:solidFill>
+        <a:solidFill>
+          <a:schemeClr val="phClr">
+            <a:tint val="95000"/>
+            <a:satMod val="170000"/>
+          </a:schemeClr>
+        </a:solidFill>
+        <a:gradFill rotWithShape="1">
+          <a:gsLst>
+            <a:gs pos="0">
+              <a:schemeClr val="phClr">
+                <a:tint val="93000"/>
+                <a:satMod val="150000"/>
+                <a:shade val="98000"/>
+                <a:lumMod val="102000"/>
+              </a:schemeClr>
+            </a:gs>
+            <a:gs pos="50000">
+              <a:schemeClr val="phClr">
+                <a:tint val="98000"/>
+                <a:satMod val="130000"/>
+                <a:shade val="90000"/>
+                <a:lumMod val="103000"/>
+              </a:schemeClr>
+            </a:gs>
+            <a:gs pos="100000">
+              <a:schemeClr val="phClr">
+                <a:shade val="63000"/>
+                <a:satMod val="120000"/>
+              </a:schemeClr>
+            </a:gs>
+          </a:gsLst>
+          <a:lin ang="5400000" scaled="0"/>
+        </a:gradFill>
+      </a:bgFillStyleLst>
+    </a:fmtScheme>
+  </a:themeElements>
+  <a:objectDefaults/>
+  <a:extraClrSchemeLst/>
+  <a:extLst>
+    <a:ext uri="{05A4C25C-085E-4340-85A3-A5531E510DB2}">
+      <thm15:themeFamily xmlns:thm15="http://schemas.microsoft.com/office/thememl/2012/main" name="Office Theme" id="{62F939B6-93AF-4DB8-9C6B-D6C7DFDC589F}" vid="{4A3C46E8-61CC-4603-A589-7422A47A8E4A}"/>
+    </a:ext>
+  </a:extLst>
+</a:theme>
 </file>
--- a/2番ペゲーロとは何だったのか.pptx
+++ b/2番ペゲーロとは何だったのか.pptx
@@ -5,7 +5,7 @@
     <p:sldMasterId id="2147483648" r:id="rId1"/>
   </p:sldMasterIdLst>
   <p:notesMasterIdLst>
-    <p:notesMasterId r:id="rId29"/>
+    <p:notesMasterId r:id="rId30"/>
   </p:notesMasterIdLst>
   <p:sldIdLst>
     <p:sldId id="256" r:id="rId2"/>
@@ -31,10 +31,11 @@
     <p:sldId id="261" r:id="rId22"/>
     <p:sldId id="278" r:id="rId23"/>
     <p:sldId id="283" r:id="rId24"/>
-    <p:sldId id="280" r:id="rId25"/>
-    <p:sldId id="272" r:id="rId26"/>
-    <p:sldId id="273" r:id="rId27"/>
-    <p:sldId id="274" r:id="rId28"/>
+    <p:sldId id="285" r:id="rId25"/>
+    <p:sldId id="273" r:id="rId26"/>
+    <p:sldId id="274" r:id="rId27"/>
+    <p:sldId id="286" r:id="rId28"/>
+    <p:sldId id="287" r:id="rId29"/>
   </p:sldIdLst>
   <p:sldSz cx="12192000" cy="6858000"/>
   <p:notesSz cx="6858000" cy="9144000"/>
@@ -134,6 +135,42 @@
     </a:lvl9pPr>
   </p:defaultTextStyle>
   <p:extLst>
+    <p:ext uri="{521415D9-36F7-43E2-AB2F-B90AF26B5E84}">
+      <p14:sectionLst xmlns:p14="http://schemas.microsoft.com/office/powerpoint/2010/main">
+        <p14:section name="Default Section" id="{1B7160CB-0EEF-43B7-A82D-8AD8D5BA7673}">
+          <p14:sldIdLst>
+            <p14:sldId id="256"/>
+            <p14:sldId id="257"/>
+            <p14:sldId id="267"/>
+            <p14:sldId id="275"/>
+            <p14:sldId id="260"/>
+            <p14:sldId id="262"/>
+            <p14:sldId id="263"/>
+            <p14:sldId id="264"/>
+            <p14:sldId id="265"/>
+            <p14:sldId id="266"/>
+            <p14:sldId id="268"/>
+            <p14:sldId id="269"/>
+            <p14:sldId id="277"/>
+            <p14:sldId id="270"/>
+            <p14:sldId id="276"/>
+            <p14:sldId id="279"/>
+            <p14:sldId id="271"/>
+            <p14:sldId id="282"/>
+            <p14:sldId id="284"/>
+            <p14:sldId id="281"/>
+            <p14:sldId id="261"/>
+            <p14:sldId id="278"/>
+            <p14:sldId id="283"/>
+            <p14:sldId id="285"/>
+            <p14:sldId id="273"/>
+            <p14:sldId id="274"/>
+            <p14:sldId id="286"/>
+            <p14:sldId id="287"/>
+          </p14:sldIdLst>
+        </p14:section>
+      </p14:sectionLst>
+    </p:ext>
     <p:ext uri="{EFAFB233-063F-42B5-8137-9DF3F51BA10A}">
       <p15:sldGuideLst xmlns:p15="http://schemas.microsoft.com/office/powerpoint/2012/main"/>
     </p:ext>
@@ -11929,7 +11966,7 @@
                   <a:bodyPr/>
                   <a:lstStyle/>
                   <a:p>
-                    <a:fld id="{AF1EE0A5-37FD-4332-8A34-7D5A8032F4E5}" type="CELLRANGE">
+                    <a:fld id="{9B0825C8-03EC-412E-8D40-B3F16986FD5F}" type="CELLRANGE">
                       <a:rPr lang="en-US" altLang="ja-JP"/>
                       <a:pPr/>
                       <a:t>[CELLRANGE]</a:t>
@@ -11962,7 +11999,7 @@
                   <a:bodyPr/>
                   <a:lstStyle/>
                   <a:p>
-                    <a:fld id="{D74611B3-E9CB-4109-9707-90834EF4DC5E}" type="CELLRANGE">
+                    <a:fld id="{B5443471-F834-4F40-9B44-DDC35314C771}" type="CELLRANGE">
                       <a:rPr lang="ja-JP" altLang="en-US"/>
                       <a:pPr/>
                       <a:t>[CELLRANGE]</a:t>
@@ -11996,7 +12033,7 @@
                   <a:bodyPr/>
                   <a:lstStyle/>
                   <a:p>
-                    <a:fld id="{CED28D26-19D0-4673-91EA-E35759BC20E3}" type="CELLRANGE">
+                    <a:fld id="{696F6AD5-A556-4032-8712-1F473BB13A63}" type="CELLRANGE">
                       <a:rPr lang="ja-JP" altLang="en-US"/>
                       <a:pPr/>
                       <a:t>[CELLRANGE]</a:t>
@@ -12030,7 +12067,7 @@
                   <a:bodyPr/>
                   <a:lstStyle/>
                   <a:p>
-                    <a:fld id="{91386BCB-863B-499A-95EE-642698E7195C}" type="CELLRANGE">
+                    <a:fld id="{4845CAC9-FC92-455F-8D5E-B65C192457F3}" type="CELLRANGE">
                       <a:rPr lang="ja-JP" altLang="en-US"/>
                       <a:pPr/>
                       <a:t>[CELLRANGE]</a:t>
@@ -12064,7 +12101,7 @@
                   <a:bodyPr/>
                   <a:lstStyle/>
                   <a:p>
-                    <a:fld id="{CD583775-23D0-47C2-B429-E4BC68FF9094}" type="CELLRANGE">
+                    <a:fld id="{49B06DD1-A7DD-431C-8C6F-FD21A5B16A4D}" type="CELLRANGE">
                       <a:rPr lang="ja-JP" altLang="en-US"/>
                       <a:pPr/>
                       <a:t>[CELLRANGE]</a:t>
@@ -12098,7 +12135,7 @@
                   <a:bodyPr/>
                   <a:lstStyle/>
                   <a:p>
-                    <a:fld id="{6DA0392D-DBE8-4D52-8B46-66A1AD251340}" type="CELLRANGE">
+                    <a:fld id="{B31CB71D-AE73-4685-8E16-E4622F8FC5FF}" type="CELLRANGE">
                       <a:rPr lang="ja-JP" altLang="en-US"/>
                       <a:pPr/>
                       <a:t>[CELLRANGE]</a:t>
@@ -12132,7 +12169,7 @@
                   <a:bodyPr/>
                   <a:lstStyle/>
                   <a:p>
-                    <a:fld id="{09CC4964-6FBA-47B8-BAA5-2704112D5E88}" type="CELLRANGE">
+                    <a:fld id="{94B17236-25C4-4B86-A9A3-7ACFB6FC4890}" type="CELLRANGE">
                       <a:rPr lang="ja-JP" altLang="en-US"/>
                       <a:pPr/>
                       <a:t>[CELLRANGE]</a:t>
@@ -12166,7 +12203,7 @@
                   <a:bodyPr/>
                   <a:lstStyle/>
                   <a:p>
-                    <a:fld id="{EE317169-7B68-435A-A703-DF1AC81B7A95}" type="CELLRANGE">
+                    <a:fld id="{53040891-30A9-49D4-AF84-21FB3C753F7B}" type="CELLRANGE">
                       <a:rPr lang="ja-JP" altLang="en-US"/>
                       <a:pPr/>
                       <a:t>[CELLRANGE]</a:t>
@@ -12200,7 +12237,7 @@
                   <a:bodyPr/>
                   <a:lstStyle/>
                   <a:p>
-                    <a:fld id="{BDDFCFA6-14C7-4A93-8AC0-34E0BA8CE666}" type="CELLRANGE">
+                    <a:fld id="{F81478FC-C5DE-4239-921C-489338C61018}" type="CELLRANGE">
                       <a:rPr lang="ja-JP" altLang="en-US"/>
                       <a:pPr/>
                       <a:t>[CELLRANGE]</a:t>
@@ -12234,7 +12271,7 @@
                   <a:bodyPr/>
                   <a:lstStyle/>
                   <a:p>
-                    <a:fld id="{E7356D6F-8347-458D-B0F1-7833B9658E3C}" type="CELLRANGE">
+                    <a:fld id="{37CF7CF9-068F-453D-B97A-3A8786DE781B}" type="CELLRANGE">
                       <a:rPr lang="ja-JP" altLang="en-US"/>
                       <a:pPr/>
                       <a:t>[CELLRANGE]</a:t>
@@ -12268,7 +12305,7 @@
                   <a:bodyPr/>
                   <a:lstStyle/>
                   <a:p>
-                    <a:fld id="{02B80742-A189-4B4B-948B-D94D1767C11A}" type="CELLRANGE">
+                    <a:fld id="{A755CD91-EB20-4F37-ACA3-3F7E44747831}" type="CELLRANGE">
                       <a:rPr lang="ja-JP" altLang="en-US"/>
                       <a:pPr/>
                       <a:t>[CELLRANGE]</a:t>
@@ -12302,7 +12339,7 @@
                   <a:bodyPr/>
                   <a:lstStyle/>
                   <a:p>
-                    <a:fld id="{1913EFF8-0A12-4543-AD56-300E5349427D}" type="CELLRANGE">
+                    <a:fld id="{C47BF4DC-3F98-4A4B-889E-75C36CDD6627}" type="CELLRANGE">
                       <a:rPr lang="ja-JP" altLang="en-US"/>
                       <a:pPr/>
                       <a:t>[CELLRANGE]</a:t>
@@ -13376,7 +13413,7 @@
                   <a:bodyPr/>
                   <a:lstStyle/>
                   <a:p>
-                    <a:fld id="{6DA82110-1DC7-4AAD-B4A3-8E109B877C3B}" type="CELLRANGE">
+                    <a:fld id="{DA34CC0F-9696-4ABC-8117-98DFD014494D}" type="CELLRANGE">
                       <a:rPr lang="en-US" altLang="ja-JP"/>
                       <a:pPr/>
                       <a:t>[CELLRANGE]</a:t>
@@ -13409,7 +13446,7 @@
                   <a:bodyPr/>
                   <a:lstStyle/>
                   <a:p>
-                    <a:fld id="{3914DFC2-B57A-4EDD-9B4D-AEFA6CB416DA}" type="CELLRANGE">
+                    <a:fld id="{CD274BAE-7681-4249-953F-7D155A699F2D}" type="CELLRANGE">
                       <a:rPr lang="ja-JP" altLang="en-US"/>
                       <a:pPr/>
                       <a:t>[CELLRANGE]</a:t>
@@ -13443,7 +13480,7 @@
                   <a:bodyPr/>
                   <a:lstStyle/>
                   <a:p>
-                    <a:fld id="{1B183EE7-4447-428C-BAC5-D070DF3B8205}" type="CELLRANGE">
+                    <a:fld id="{85B657B4-549F-4CD1-B963-C2465E22C4B1}" type="CELLRANGE">
                       <a:rPr lang="ja-JP" altLang="en-US"/>
                       <a:pPr/>
                       <a:t>[CELLRANGE]</a:t>
@@ -13477,7 +13514,7 @@
                   <a:bodyPr/>
                   <a:lstStyle/>
                   <a:p>
-                    <a:fld id="{5A429547-5EE9-46B2-8496-8878D6539C86}" type="CELLRANGE">
+                    <a:fld id="{EA3CA397-C1CA-42D0-BEDD-FBCC7C01F8D5}" type="CELLRANGE">
                       <a:rPr lang="ja-JP" altLang="en-US"/>
                       <a:pPr/>
                       <a:t>[CELLRANGE]</a:t>
@@ -13511,7 +13548,7 @@
                   <a:bodyPr/>
                   <a:lstStyle/>
                   <a:p>
-                    <a:fld id="{4C9AE528-4512-47B7-A02F-D83AAF50ED46}" type="CELLRANGE">
+                    <a:fld id="{3C6F6B6F-AA37-4C40-B093-978FE13B5EDA}" type="CELLRANGE">
                       <a:rPr lang="ja-JP" altLang="en-US"/>
                       <a:pPr/>
                       <a:t>[CELLRANGE]</a:t>
@@ -13545,7 +13582,7 @@
                   <a:bodyPr/>
                   <a:lstStyle/>
                   <a:p>
-                    <a:fld id="{F36347F0-F90C-4CCE-856E-0D16DE179E23}" type="CELLRANGE">
+                    <a:fld id="{B77CFA81-6073-4243-8EF1-839DD87D73F9}" type="CELLRANGE">
                       <a:rPr lang="ja-JP" altLang="en-US"/>
                       <a:pPr/>
                       <a:t>[CELLRANGE]</a:t>
@@ -13579,7 +13616,7 @@
                   <a:bodyPr/>
                   <a:lstStyle/>
                   <a:p>
-                    <a:fld id="{1FEED27D-3E83-4B50-944E-6F862030AF88}" type="CELLRANGE">
+                    <a:fld id="{4CA92F32-3F14-406F-8099-39AF5C305327}" type="CELLRANGE">
                       <a:rPr lang="ja-JP" altLang="en-US"/>
                       <a:pPr/>
                       <a:t>[CELLRANGE]</a:t>
@@ -13613,7 +13650,7 @@
                   <a:bodyPr/>
                   <a:lstStyle/>
                   <a:p>
-                    <a:fld id="{2CED43EE-A0C9-4A1E-84AE-909F27E25624}" type="CELLRANGE">
+                    <a:fld id="{2DDE566D-B858-4380-8D81-40ACE733A6A6}" type="CELLRANGE">
                       <a:rPr lang="ja-JP" altLang="en-US"/>
                       <a:pPr/>
                       <a:t>[CELLRANGE]</a:t>
@@ -13647,7 +13684,7 @@
                   <a:bodyPr/>
                   <a:lstStyle/>
                   <a:p>
-                    <a:fld id="{0EC7D9C9-7704-45E5-8971-941F178D6378}" type="CELLRANGE">
+                    <a:fld id="{98831794-B017-47CD-AB38-41A91E6FF9D3}" type="CELLRANGE">
                       <a:rPr lang="ja-JP" altLang="en-US"/>
                       <a:pPr/>
                       <a:t>[CELLRANGE]</a:t>
@@ -13681,7 +13718,7 @@
                   <a:bodyPr/>
                   <a:lstStyle/>
                   <a:p>
-                    <a:fld id="{193B276B-9B75-48EC-8799-C84757CEBDCD}" type="CELLRANGE">
+                    <a:fld id="{A446480E-8CA1-46B2-B730-B1FFE7F98687}" type="CELLRANGE">
                       <a:rPr lang="ja-JP" altLang="en-US"/>
                       <a:pPr/>
                       <a:t>[CELLRANGE]</a:t>
@@ -13715,7 +13752,7 @@
                   <a:bodyPr/>
                   <a:lstStyle/>
                   <a:p>
-                    <a:fld id="{4E4FC81A-AF07-460F-A972-6A1B415A7D3E}" type="CELLRANGE">
+                    <a:fld id="{F9EFA24F-67C5-42C5-9C57-6392942977C7}" type="CELLRANGE">
                       <a:rPr lang="ja-JP" altLang="en-US"/>
                       <a:pPr/>
                       <a:t>[CELLRANGE]</a:t>
@@ -13749,7 +13786,7 @@
                   <a:bodyPr/>
                   <a:lstStyle/>
                   <a:p>
-                    <a:fld id="{3F8D50DC-FF22-4F13-A9E6-E8543801BD82}" type="CELLRANGE">
+                    <a:fld id="{ED7749C0-FA2B-4655-977D-FF319864341C}" type="CELLRANGE">
                       <a:rPr lang="ja-JP" altLang="en-US"/>
                       <a:pPr/>
                       <a:t>[CELLRANGE]</a:t>
@@ -15830,464 +15867,6 @@
             </a:pPr>
             <a:r>
               <a:rPr lang="en-US"/>
-              <a:t>Dragons</a:t>
-            </a:r>
-          </a:p>
-        </c:rich>
-      </c:tx>
-      <c:overlay val="0"/>
-      <c:spPr>
-        <a:noFill/>
-        <a:ln>
-          <a:noFill/>
-        </a:ln>
-        <a:effectLst/>
-      </c:spPr>
-      <c:txPr>
-        <a:bodyPr rot="0" spcFirstLastPara="1" vertOverflow="ellipsis" vert="horz" wrap="square" anchor="ctr" anchorCtr="1"/>
-        <a:lstStyle/>
-        <a:p>
-          <a:pPr>
-            <a:defRPr sz="1862" b="0" i="0" u="none" strike="noStrike" kern="1200" cap="none" spc="20" baseline="0">
-              <a:solidFill>
-                <a:schemeClr val="dk1">
-                  <a:lumMod val="50000"/>
-                  <a:lumOff val="50000"/>
-                </a:schemeClr>
-              </a:solidFill>
-              <a:latin typeface="+mn-lt"/>
-              <a:ea typeface="+mn-ea"/>
-              <a:cs typeface="+mn-cs"/>
-            </a:defRPr>
-          </a:pPr>
-          <a:endParaRPr lang="ja-JP"/>
-        </a:p>
-      </c:txPr>
-    </c:title>
-    <c:autoTitleDeleted val="0"/>
-    <c:plotArea>
-      <c:layout/>
-      <c:lineChart>
-        <c:grouping val="standard"/>
-        <c:varyColors val="0"/>
-        <c:ser>
-          <c:idx val="0"/>
-          <c:order val="0"/>
-          <c:tx>
-            <c:v>OPS（%）</c:v>
-          </c:tx>
-          <c:spPr>
-            <a:ln w="22225" cap="rnd" cmpd="sng" algn="ctr">
-              <a:solidFill>
-                <a:schemeClr val="accent1"/>
-              </a:solidFill>
-              <a:round/>
-            </a:ln>
-            <a:effectLst/>
-          </c:spPr>
-          <c:marker>
-            <c:symbol val="none"/>
-          </c:marker>
-          <c:val>
-            <c:numRef>
-              <c:f>'長打率, OPS'!$B$31:$J$31</c:f>
-              <c:numCache>
-                <c:formatCode>General</c:formatCode>
-                <c:ptCount val="9"/>
-                <c:pt idx="0">
-                  <c:v>11.562499999999998</c:v>
-                </c:pt>
-                <c:pt idx="1">
-                  <c:v>10.093749999999998</c:v>
-                </c:pt>
-                <c:pt idx="2">
-                  <c:v>11.218749999999996</c:v>
-                </c:pt>
-                <c:pt idx="3">
-                  <c:v>15.468749999999998</c:v>
-                </c:pt>
-                <c:pt idx="4">
-                  <c:v>14.249999999999998</c:v>
-                </c:pt>
-                <c:pt idx="5">
-                  <c:v>12.218749999999998</c:v>
-                </c:pt>
-                <c:pt idx="6">
-                  <c:v>12.937499999999996</c:v>
-                </c:pt>
-                <c:pt idx="7">
-                  <c:v>8.625</c:v>
-                </c:pt>
-                <c:pt idx="8">
-                  <c:v>3.6249999999999996</c:v>
-                </c:pt>
-              </c:numCache>
-            </c:numRef>
-          </c:val>
-          <c:smooth val="0"/>
-          <c:extLst>
-            <c:ext xmlns:c16="http://schemas.microsoft.com/office/drawing/2014/chart" uri="{C3380CC4-5D6E-409C-BE32-E72D297353CC}">
-              <c16:uniqueId val="{00000000-605F-48FA-AF05-1B49A4411B85}"/>
-            </c:ext>
-          </c:extLst>
-        </c:ser>
-        <c:ser>
-          <c:idx val="1"/>
-          <c:order val="1"/>
-          <c:tx>
-            <c:v>長打率（％）</c:v>
-          </c:tx>
-          <c:spPr>
-            <a:ln w="22225" cap="rnd" cmpd="sng" algn="ctr">
-              <a:solidFill>
-                <a:schemeClr val="accent2"/>
-              </a:solidFill>
-              <a:round/>
-            </a:ln>
-            <a:effectLst/>
-          </c:spPr>
-          <c:marker>
-            <c:symbol val="none"/>
-          </c:marker>
-          <c:val>
-            <c:numRef>
-              <c:f>'長打率, OPS'!$B$45:$J$45</c:f>
-              <c:numCache>
-                <c:formatCode>General</c:formatCode>
-                <c:ptCount val="9"/>
-                <c:pt idx="0">
-                  <c:v>11.854259322613752</c:v>
-                </c:pt>
-                <c:pt idx="1">
-                  <c:v>10.896339377352035</c:v>
-                </c:pt>
-                <c:pt idx="2">
-                  <c:v>11.751625042764283</c:v>
-                </c:pt>
-                <c:pt idx="3">
-                  <c:v>13.941156346219636</c:v>
-                </c:pt>
-                <c:pt idx="4">
-                  <c:v>13.530619226821758</c:v>
-                </c:pt>
-                <c:pt idx="5">
-                  <c:v>12.162162162162161</c:v>
-                </c:pt>
-                <c:pt idx="6">
-                  <c:v>12.230585015395141</c:v>
-                </c:pt>
-                <c:pt idx="7">
-                  <c:v>9.784468012316113</c:v>
-                </c:pt>
-                <c:pt idx="8">
-                  <c:v>3.848785494355115</c:v>
-                </c:pt>
-              </c:numCache>
-            </c:numRef>
-          </c:val>
-          <c:smooth val="0"/>
-          <c:extLst>
-            <c:ext xmlns:c16="http://schemas.microsoft.com/office/drawing/2014/chart" uri="{C3380CC4-5D6E-409C-BE32-E72D297353CC}">
-              <c16:uniqueId val="{00000001-605F-48FA-AF05-1B49A4411B85}"/>
-            </c:ext>
-          </c:extLst>
-        </c:ser>
-        <c:ser>
-          <c:idx val="2"/>
-          <c:order val="2"/>
-          <c:tx>
-            <c:v>打点（％）</c:v>
-          </c:tx>
-          <c:spPr>
-            <a:ln w="22225" cap="rnd" cmpd="sng" algn="ctr">
-              <a:solidFill>
-                <a:schemeClr val="accent3"/>
-              </a:solidFill>
-              <a:round/>
-            </a:ln>
-            <a:effectLst/>
-          </c:spPr>
-          <c:marker>
-            <c:symbol val="none"/>
-          </c:marker>
-          <c:val>
-            <c:numRef>
-              <c:f>'長打率, OPS'!$B$59:$J$59</c:f>
-              <c:numCache>
-                <c:formatCode>General</c:formatCode>
-                <c:ptCount val="9"/>
-                <c:pt idx="0">
-                  <c:v>9.0464547677261606</c:v>
-                </c:pt>
-                <c:pt idx="1">
-                  <c:v>5.3789731051344738</c:v>
-                </c:pt>
-                <c:pt idx="2">
-                  <c:v>10.024449877750612</c:v>
-                </c:pt>
-                <c:pt idx="3">
-                  <c:v>23.471882640586799</c:v>
-                </c:pt>
-                <c:pt idx="4">
-                  <c:v>14.91442542787286</c:v>
-                </c:pt>
-                <c:pt idx="5">
-                  <c:v>11.735941320293399</c:v>
-                </c:pt>
-                <c:pt idx="6">
-                  <c:v>14.425427872860636</c:v>
-                </c:pt>
-                <c:pt idx="7">
-                  <c:v>7.3349633251833746</c:v>
-                </c:pt>
-                <c:pt idx="8">
-                  <c:v>3.6674816625916873</c:v>
-                </c:pt>
-              </c:numCache>
-            </c:numRef>
-          </c:val>
-          <c:smooth val="0"/>
-          <c:extLst>
-            <c:ext xmlns:c16="http://schemas.microsoft.com/office/drawing/2014/chart" uri="{C3380CC4-5D6E-409C-BE32-E72D297353CC}">
-              <c16:uniqueId val="{00000002-605F-48FA-AF05-1B49A4411B85}"/>
-            </c:ext>
-          </c:extLst>
-        </c:ser>
-        <c:dLbls>
-          <c:showLegendKey val="0"/>
-          <c:showVal val="0"/>
-          <c:showCatName val="0"/>
-          <c:showSerName val="0"/>
-          <c:showPercent val="0"/>
-          <c:showBubbleSize val="0"/>
-        </c:dLbls>
-        <c:dropLines>
-          <c:spPr>
-            <a:ln w="9525" cap="flat" cmpd="sng" algn="ctr">
-              <a:solidFill>
-                <a:schemeClr val="dk1">
-                  <a:lumMod val="35000"/>
-                  <a:lumOff val="65000"/>
-                  <a:alpha val="33000"/>
-                </a:schemeClr>
-              </a:solidFill>
-              <a:round/>
-            </a:ln>
-            <a:effectLst/>
-          </c:spPr>
-        </c:dropLines>
-        <c:smooth val="0"/>
-        <c:axId val="611707088"/>
-        <c:axId val="611706760"/>
-      </c:lineChart>
-      <c:catAx>
-        <c:axId val="611707088"/>
-        <c:scaling>
-          <c:orientation val="minMax"/>
-        </c:scaling>
-        <c:delete val="0"/>
-        <c:axPos val="b"/>
-        <c:numFmt formatCode="General" sourceLinked="1"/>
-        <c:majorTickMark val="none"/>
-        <c:minorTickMark val="none"/>
-        <c:tickLblPos val="nextTo"/>
-        <c:spPr>
-          <a:noFill/>
-          <a:ln w="9525" cap="flat" cmpd="sng" algn="ctr">
-            <a:solidFill>
-              <a:schemeClr val="dk1">
-                <a:lumMod val="15000"/>
-                <a:lumOff val="85000"/>
-              </a:schemeClr>
-            </a:solidFill>
-            <a:round/>
-          </a:ln>
-          <a:effectLst/>
-        </c:spPr>
-        <c:txPr>
-          <a:bodyPr rot="-60000000" spcFirstLastPara="1" vertOverflow="ellipsis" vert="horz" wrap="square" anchor="ctr" anchorCtr="1"/>
-          <a:lstStyle/>
-          <a:p>
-            <a:pPr>
-              <a:defRPr sz="1197" b="0" i="0" u="none" strike="noStrike" kern="1200" spc="20" baseline="0">
-                <a:solidFill>
-                  <a:schemeClr val="dk1">
-                    <a:lumMod val="65000"/>
-                    <a:lumOff val="35000"/>
-                  </a:schemeClr>
-                </a:solidFill>
-                <a:latin typeface="+mn-lt"/>
-                <a:ea typeface="+mn-ea"/>
-                <a:cs typeface="+mn-cs"/>
-              </a:defRPr>
-            </a:pPr>
-            <a:endParaRPr lang="ja-JP"/>
-          </a:p>
-        </c:txPr>
-        <c:crossAx val="611706760"/>
-        <c:crosses val="autoZero"/>
-        <c:auto val="1"/>
-        <c:lblAlgn val="ctr"/>
-        <c:lblOffset val="100"/>
-        <c:noMultiLvlLbl val="0"/>
-      </c:catAx>
-      <c:valAx>
-        <c:axId val="611706760"/>
-        <c:scaling>
-          <c:orientation val="minMax"/>
-        </c:scaling>
-        <c:delete val="0"/>
-        <c:axPos val="l"/>
-        <c:numFmt formatCode="General" sourceLinked="1"/>
-        <c:majorTickMark val="none"/>
-        <c:minorTickMark val="none"/>
-        <c:tickLblPos val="nextTo"/>
-        <c:spPr>
-          <a:noFill/>
-          <a:ln>
-            <a:noFill/>
-          </a:ln>
-          <a:effectLst/>
-        </c:spPr>
-        <c:txPr>
-          <a:bodyPr rot="-60000000" spcFirstLastPara="1" vertOverflow="ellipsis" vert="horz" wrap="square" anchor="ctr" anchorCtr="1"/>
-          <a:lstStyle/>
-          <a:p>
-            <a:pPr>
-              <a:defRPr sz="1197" b="0" i="0" u="none" strike="noStrike" kern="1200" spc="20" baseline="0">
-                <a:solidFill>
-                  <a:schemeClr val="dk1">
-                    <a:lumMod val="65000"/>
-                    <a:lumOff val="35000"/>
-                  </a:schemeClr>
-                </a:solidFill>
-                <a:latin typeface="+mn-lt"/>
-                <a:ea typeface="+mn-ea"/>
-                <a:cs typeface="+mn-cs"/>
-              </a:defRPr>
-            </a:pPr>
-            <a:endParaRPr lang="ja-JP"/>
-          </a:p>
-        </c:txPr>
-        <c:crossAx val="611707088"/>
-        <c:crosses val="autoZero"/>
-        <c:crossBetween val="between"/>
-      </c:valAx>
-      <c:spPr>
-        <a:gradFill>
-          <a:gsLst>
-            <a:gs pos="100000">
-              <a:schemeClr val="lt1">
-                <a:lumMod val="95000"/>
-              </a:schemeClr>
-            </a:gs>
-            <a:gs pos="0">
-              <a:schemeClr val="lt1"/>
-            </a:gs>
-          </a:gsLst>
-          <a:lin ang="5400000" scaled="0"/>
-        </a:gradFill>
-        <a:ln>
-          <a:noFill/>
-        </a:ln>
-        <a:effectLst/>
-      </c:spPr>
-    </c:plotArea>
-    <c:legend>
-      <c:legendPos val="b"/>
-      <c:overlay val="0"/>
-      <c:spPr>
-        <a:noFill/>
-        <a:ln>
-          <a:noFill/>
-        </a:ln>
-        <a:effectLst/>
-      </c:spPr>
-      <c:txPr>
-        <a:bodyPr rot="0" spcFirstLastPara="1" vertOverflow="ellipsis" vert="horz" wrap="square" anchor="ctr" anchorCtr="1"/>
-        <a:lstStyle/>
-        <a:p>
-          <a:pPr>
-            <a:defRPr sz="1197" b="0" i="0" u="none" strike="noStrike" kern="1200" baseline="0">
-              <a:solidFill>
-                <a:schemeClr val="dk1">
-                  <a:lumMod val="65000"/>
-                  <a:lumOff val="35000"/>
-                </a:schemeClr>
-              </a:solidFill>
-              <a:latin typeface="+mn-lt"/>
-              <a:ea typeface="+mn-ea"/>
-              <a:cs typeface="+mn-cs"/>
-            </a:defRPr>
-          </a:pPr>
-          <a:endParaRPr lang="ja-JP"/>
-        </a:p>
-      </c:txPr>
-    </c:legend>
-    <c:plotVisOnly val="1"/>
-    <c:dispBlanksAs val="gap"/>
-    <c:showDLblsOverMax val="0"/>
-  </c:chart>
-  <c:spPr>
-    <a:solidFill>
-      <a:schemeClr val="lt1"/>
-    </a:solidFill>
-    <a:ln>
-      <a:noFill/>
-    </a:ln>
-    <a:effectLst/>
-  </c:spPr>
-  <c:txPr>
-    <a:bodyPr/>
-    <a:lstStyle/>
-    <a:p>
-      <a:pPr>
-        <a:defRPr/>
-      </a:pPr>
-      <a:endParaRPr lang="ja-JP"/>
-    </a:p>
-  </c:txPr>
-  <c:externalData r:id="rId3">
-    <c:autoUpdate val="0"/>
-  </c:externalData>
-</c:chartSpace>
-</file>
-
-<file path=ppt/charts/chart34.xml><?xml version="1.0" encoding="utf-8"?>
-<c:chartSpace xmlns:c="http://schemas.openxmlformats.org/drawingml/2006/chart" xmlns:a="http://schemas.openxmlformats.org/drawingml/2006/main" xmlns:r="http://schemas.openxmlformats.org/officeDocument/2006/relationships" xmlns:c16r2="http://schemas.microsoft.com/office/drawing/2015/06/chart">
-  <c:date1904 val="0"/>
-  <c:lang val="en-US"/>
-  <c:roundedCorners val="0"/>
-  <mc:AlternateContent xmlns:mc="http://schemas.openxmlformats.org/markup-compatibility/2006">
-    <mc:Choice xmlns:c14="http://schemas.microsoft.com/office/drawing/2007/8/2/chart" Requires="c14">
-      <c14:style val="102"/>
-    </mc:Choice>
-    <mc:Fallback>
-      <c:style val="2"/>
-    </mc:Fallback>
-  </mc:AlternateContent>
-  <c:chart>
-    <c:title>
-      <c:tx>
-        <c:rich>
-          <a:bodyPr rot="0" spcFirstLastPara="1" vertOverflow="ellipsis" vert="horz" wrap="square" anchor="ctr" anchorCtr="1"/>
-          <a:lstStyle/>
-          <a:p>
-            <a:pPr>
-              <a:defRPr sz="1862" b="0" i="0" u="none" strike="noStrike" kern="1200" cap="none" spc="20" baseline="0">
-                <a:solidFill>
-                  <a:schemeClr val="dk1">
-                    <a:lumMod val="50000"/>
-                    <a:lumOff val="50000"/>
-                  </a:schemeClr>
-                </a:solidFill>
-                <a:latin typeface="+mn-lt"/>
-                <a:ea typeface="+mn-ea"/>
-                <a:cs typeface="+mn-cs"/>
-              </a:defRPr>
-            </a:pPr>
-            <a:r>
-              <a:rPr lang="en-US"/>
               <a:t>Eagles</a:t>
             </a:r>
           </a:p>
@@ -16332,7 +15911,7 @@
           <c:idx val="0"/>
           <c:order val="0"/>
           <c:tx>
-            <c:v>OPS（％）</c:v>
+            <c:v>長打率（％）</c:v>
           </c:tx>
           <c:spPr>
             <a:ln w="22225" cap="rnd" cmpd="sng" algn="ctr">
@@ -16385,7 +15964,7 @@
           <c:smooth val="0"/>
           <c:extLst>
             <c:ext xmlns:c16="http://schemas.microsoft.com/office/drawing/2014/chart" uri="{C3380CC4-5D6E-409C-BE32-E72D297353CC}">
-              <c16:uniqueId val="{00000000-1A3C-421F-A266-8FA58BB63177}"/>
+              <c16:uniqueId val="{00000000-DC66-490F-95E9-3B6E7BD9C86A}"/>
             </c:ext>
           </c:extLst>
         </c:ser>
@@ -16393,7 +15972,7 @@
           <c:idx val="1"/>
           <c:order val="1"/>
           <c:tx>
-            <c:v>長打率（％）</c:v>
+            <c:v>OPS（％）</c:v>
           </c:tx>
           <c:spPr>
             <a:ln w="22225" cap="rnd" cmpd="sng" algn="ctr">
@@ -16446,7 +16025,7 @@
           <c:smooth val="0"/>
           <c:extLst>
             <c:ext xmlns:c16="http://schemas.microsoft.com/office/drawing/2014/chart" uri="{C3380CC4-5D6E-409C-BE32-E72D297353CC}">
-              <c16:uniqueId val="{00000001-1A3C-421F-A266-8FA58BB63177}"/>
+              <c16:uniqueId val="{00000001-DC66-490F-95E9-3B6E7BD9C86A}"/>
             </c:ext>
           </c:extLst>
         </c:ser>
@@ -16507,7 +16086,7 @@
           <c:smooth val="0"/>
           <c:extLst>
             <c:ext xmlns:c16="http://schemas.microsoft.com/office/drawing/2014/chart" uri="{C3380CC4-5D6E-409C-BE32-E72D297353CC}">
-              <c16:uniqueId val="{00000002-1A3C-421F-A266-8FA58BB63177}"/>
+              <c16:uniqueId val="{00000002-DC66-490F-95E9-3B6E7BD9C86A}"/>
             </c:ext>
           </c:extLst>
         </c:ser>
@@ -16692,7 +16271,11 @@
       <a:schemeClr val="lt1"/>
     </a:solidFill>
     <a:ln>
-      <a:noFill/>
+      <a:solidFill>
+        <a:schemeClr val="tx2">
+          <a:lumMod val="75000"/>
+        </a:schemeClr>
+      </a:solidFill>
     </a:ln>
     <a:effectLst/>
   </c:spPr>
@@ -16712,7 +16295,7 @@
 </c:chartSpace>
 </file>
 
-<file path=ppt/charts/chart35.xml><?xml version="1.0" encoding="utf-8"?>
+<file path=ppt/charts/chart34.xml><?xml version="1.0" encoding="utf-8"?>
 <c:chartSpace xmlns:c="http://schemas.openxmlformats.org/drawingml/2006/chart" xmlns:a="http://schemas.openxmlformats.org/drawingml/2006/main" xmlns:r="http://schemas.openxmlformats.org/officeDocument/2006/relationships" xmlns:c16r2="http://schemas.microsoft.com/office/drawing/2015/06/chart">
   <c:date1904 val="0"/>
   <c:lang val="en-US"/>
@@ -16726,7 +16309,62 @@
     </mc:Fallback>
   </mc:AlternateContent>
   <c:chart>
-    <c:autoTitleDeleted val="1"/>
+    <c:title>
+      <c:tx>
+        <c:rich>
+          <a:bodyPr rot="0" spcFirstLastPara="1" vertOverflow="ellipsis" vert="horz" wrap="square" anchor="ctr" anchorCtr="1"/>
+          <a:lstStyle/>
+          <a:p>
+            <a:pPr>
+              <a:defRPr sz="1862" b="0" i="0" u="none" strike="noStrike" kern="1200" cap="none" spc="20" baseline="0">
+                <a:solidFill>
+                  <a:schemeClr val="dk1">
+                    <a:lumMod val="50000"/>
+                    <a:lumOff val="50000"/>
+                  </a:schemeClr>
+                </a:solidFill>
+                <a:latin typeface="+mn-lt"/>
+                <a:ea typeface="+mn-ea"/>
+                <a:cs typeface="+mn-cs"/>
+              </a:defRPr>
+            </a:pPr>
+            <a:r>
+              <a:rPr lang="en-US"/>
+              <a:t>Dragons</a:t>
+            </a:r>
+          </a:p>
+        </c:rich>
+      </c:tx>
+      <c:overlay val="0"/>
+      <c:spPr>
+        <a:noFill/>
+        <a:ln>
+          <a:noFill/>
+        </a:ln>
+        <a:effectLst/>
+      </c:spPr>
+      <c:txPr>
+        <a:bodyPr rot="0" spcFirstLastPara="1" vertOverflow="ellipsis" vert="horz" wrap="square" anchor="ctr" anchorCtr="1"/>
+        <a:lstStyle/>
+        <a:p>
+          <a:pPr>
+            <a:defRPr sz="1862" b="0" i="0" u="none" strike="noStrike" kern="1200" cap="none" spc="20" baseline="0">
+              <a:solidFill>
+                <a:schemeClr val="dk1">
+                  <a:lumMod val="50000"/>
+                  <a:lumOff val="50000"/>
+                </a:schemeClr>
+              </a:solidFill>
+              <a:latin typeface="+mn-lt"/>
+              <a:ea typeface="+mn-ea"/>
+              <a:cs typeface="+mn-cs"/>
+            </a:defRPr>
+          </a:pPr>
+          <a:endParaRPr lang="ja-JP"/>
+        </a:p>
+      </c:txPr>
+    </c:title>
+    <c:autoTitleDeleted val="0"/>
     <c:plotArea>
       <c:layout/>
       <c:lineChart>
@@ -16736,20 +16374,12 @@
           <c:idx val="0"/>
           <c:order val="0"/>
           <c:tx>
-            <c:strRef>
-              <c:f>打点!$A$17</c:f>
-              <c:strCache>
-                <c:ptCount val="1"/>
-                <c:pt idx="0">
-                  <c:v>C</c:v>
-                </c:pt>
-              </c:strCache>
-            </c:strRef>
+            <c:v>長打率（%）</c:v>
           </c:tx>
           <c:spPr>
             <a:ln w="22225" cap="rnd" cmpd="sng" algn="ctr">
               <a:solidFill>
-                <a:srgbClr val="FF2B06"/>
+                <a:schemeClr val="accent1"/>
               </a:solidFill>
               <a:round/>
             </a:ln>
@@ -16760,36 +16390,36 @@
           </c:marker>
           <c:val>
             <c:numRef>
-              <c:f>打点!$B$17:$J$17</c:f>
+              <c:f>'長打率, OPS'!$B$31:$J$31</c:f>
               <c:numCache>
                 <c:formatCode>General</c:formatCode>
                 <c:ptCount val="9"/>
                 <c:pt idx="0">
-                  <c:v>9.6</c:v>
+                  <c:v>11.562499999999998</c:v>
                 </c:pt>
                 <c:pt idx="1">
-                  <c:v>9.44</c:v>
+                  <c:v>10.093749999999998</c:v>
                 </c:pt>
                 <c:pt idx="2">
-                  <c:v>14.719999999999999</c:v>
+                  <c:v>11.218749999999996</c:v>
                 </c:pt>
                 <c:pt idx="3">
-                  <c:v>19.2</c:v>
+                  <c:v>15.468749999999998</c:v>
                 </c:pt>
                 <c:pt idx="4">
-                  <c:v>14.24</c:v>
+                  <c:v>14.249999999999998</c:v>
                 </c:pt>
                 <c:pt idx="5">
-                  <c:v>16.16</c:v>
+                  <c:v>12.218749999999998</c:v>
                 </c:pt>
                 <c:pt idx="6">
-                  <c:v>7.84</c:v>
+                  <c:v>12.937499999999996</c:v>
                 </c:pt>
                 <c:pt idx="7">
-                  <c:v>6.5600000000000005</c:v>
+                  <c:v>8.625</c:v>
                 </c:pt>
                 <c:pt idx="8">
-                  <c:v>2.2399999999999998</c:v>
+                  <c:v>3.6249999999999996</c:v>
                 </c:pt>
               </c:numCache>
             </c:numRef>
@@ -16797,7 +16427,7 @@
           <c:smooth val="0"/>
           <c:extLst>
             <c:ext xmlns:c16="http://schemas.microsoft.com/office/drawing/2014/chart" uri="{C3380CC4-5D6E-409C-BE32-E72D297353CC}">
-              <c16:uniqueId val="{00000000-3670-4CE7-95CF-4862CEE8D6BE}"/>
+              <c16:uniqueId val="{00000000-8360-4C2B-A004-DBBE9570F4BA}"/>
             </c:ext>
           </c:extLst>
         </c:ser>
@@ -16805,20 +16435,12 @@
           <c:idx val="1"/>
           <c:order val="1"/>
           <c:tx>
-            <c:strRef>
-              <c:f>打点!$A$18</c:f>
-              <c:strCache>
-                <c:ptCount val="1"/>
-                <c:pt idx="0">
-                  <c:v>D</c:v>
-                </c:pt>
-              </c:strCache>
-            </c:strRef>
+            <c:v>OPS（％）</c:v>
           </c:tx>
           <c:spPr>
-            <a:ln w="114300" cap="rnd" cmpd="sng" algn="ctr">
+            <a:ln w="22225" cap="rnd" cmpd="sng" algn="ctr">
               <a:solidFill>
-                <a:srgbClr val="0055A5"/>
+                <a:schemeClr val="accent2"/>
               </a:solidFill>
               <a:round/>
             </a:ln>
@@ -16829,36 +16451,36 @@
           </c:marker>
           <c:val>
             <c:numRef>
-              <c:f>打点!$B$18:$J$18</c:f>
+              <c:f>'長打率, OPS'!$B$45:$J$45</c:f>
               <c:numCache>
                 <c:formatCode>General</c:formatCode>
                 <c:ptCount val="9"/>
                 <c:pt idx="0">
-                  <c:v>9.0464547677261606</c:v>
+                  <c:v>11.854259322613752</c:v>
                 </c:pt>
                 <c:pt idx="1">
-                  <c:v>5.3789731051344738</c:v>
+                  <c:v>10.896339377352035</c:v>
                 </c:pt>
                 <c:pt idx="2">
-                  <c:v>10.024449877750612</c:v>
+                  <c:v>11.751625042764283</c:v>
                 </c:pt>
                 <c:pt idx="3">
-                  <c:v>23.471882640586799</c:v>
+                  <c:v>13.941156346219636</c:v>
                 </c:pt>
                 <c:pt idx="4">
-                  <c:v>14.91442542787286</c:v>
+                  <c:v>13.530619226821758</c:v>
                 </c:pt>
                 <c:pt idx="5">
-                  <c:v>11.735941320293399</c:v>
+                  <c:v>12.162162162162161</c:v>
                 </c:pt>
                 <c:pt idx="6">
-                  <c:v>14.425427872860636</c:v>
+                  <c:v>12.230585015395141</c:v>
                 </c:pt>
                 <c:pt idx="7">
-                  <c:v>7.3349633251833746</c:v>
+                  <c:v>9.784468012316113</c:v>
                 </c:pt>
                 <c:pt idx="8">
-                  <c:v>3.6674816625916873</c:v>
+                  <c:v>3.848785494355115</c:v>
                 </c:pt>
               </c:numCache>
             </c:numRef>
@@ -16866,7 +16488,7 @@
           <c:smooth val="0"/>
           <c:extLst>
             <c:ext xmlns:c16="http://schemas.microsoft.com/office/drawing/2014/chart" uri="{C3380CC4-5D6E-409C-BE32-E72D297353CC}">
-              <c16:uniqueId val="{00000001-3670-4CE7-95CF-4862CEE8D6BE}"/>
+              <c16:uniqueId val="{00000001-8360-4C2B-A004-DBBE9570F4BA}"/>
             </c:ext>
           </c:extLst>
         </c:ser>
@@ -16874,20 +16496,12 @@
           <c:idx val="2"/>
           <c:order val="2"/>
           <c:tx>
-            <c:strRef>
-              <c:f>打点!$A$19</c:f>
-              <c:strCache>
-                <c:ptCount val="1"/>
-                <c:pt idx="0">
-                  <c:v>E</c:v>
-                </c:pt>
-              </c:strCache>
-            </c:strRef>
+            <c:v>打点（％）</c:v>
           </c:tx>
           <c:spPr>
             <a:ln w="22225" cap="rnd" cmpd="sng" algn="ctr">
               <a:solidFill>
-                <a:srgbClr val="860010"/>
+                <a:schemeClr val="accent3"/>
               </a:solidFill>
               <a:round/>
             </a:ln>
@@ -16898,36 +16512,36 @@
           </c:marker>
           <c:val>
             <c:numRef>
-              <c:f>打点!$B$19:$J$19</c:f>
+              <c:f>'長打率, OPS'!$B$59:$J$59</c:f>
               <c:numCache>
                 <c:formatCode>General</c:formatCode>
                 <c:ptCount val="9"/>
                 <c:pt idx="0">
-                  <c:v>13.23251417769376</c:v>
+                  <c:v>9.0464547677261606</c:v>
                 </c:pt>
                 <c:pt idx="1">
-                  <c:v>17.20226843100189</c:v>
+                  <c:v>5.3789731051344738</c:v>
                 </c:pt>
                 <c:pt idx="2">
-                  <c:v>11.342155009451796</c:v>
+                  <c:v>10.024449877750612</c:v>
                 </c:pt>
                 <c:pt idx="3">
-                  <c:v>14.744801512287333</c:v>
+                  <c:v>23.471882640586799</c:v>
                 </c:pt>
                 <c:pt idx="4">
-                  <c:v>10.207939508506616</c:v>
+                  <c:v>14.91442542787286</c:v>
                 </c:pt>
                 <c:pt idx="5">
-                  <c:v>10.964083175803403</c:v>
+                  <c:v>11.735941320293399</c:v>
                 </c:pt>
                 <c:pt idx="6">
-                  <c:v>8.695652173913043</c:v>
+                  <c:v>14.425427872860636</c:v>
                 </c:pt>
                 <c:pt idx="7">
-                  <c:v>7.3724007561436666</c:v>
+                  <c:v>7.3349633251833746</c:v>
                 </c:pt>
                 <c:pt idx="8">
-                  <c:v>6.2381852551984878</c:v>
+                  <c:v>3.6674816625916873</c:v>
                 </c:pt>
               </c:numCache>
             </c:numRef>
@@ -16935,628 +16549,7 @@
           <c:smooth val="0"/>
           <c:extLst>
             <c:ext xmlns:c16="http://schemas.microsoft.com/office/drawing/2014/chart" uri="{C3380CC4-5D6E-409C-BE32-E72D297353CC}">
-              <c16:uniqueId val="{00000002-3670-4CE7-95CF-4862CEE8D6BE}"/>
-            </c:ext>
-          </c:extLst>
-        </c:ser>
-        <c:ser>
-          <c:idx val="3"/>
-          <c:order val="3"/>
-          <c:tx>
-            <c:strRef>
-              <c:f>打点!$A$20</c:f>
-              <c:strCache>
-                <c:ptCount val="1"/>
-                <c:pt idx="0">
-                  <c:v>F</c:v>
-                </c:pt>
-              </c:strCache>
-            </c:strRef>
-          </c:tx>
-          <c:spPr>
-            <a:ln w="22225" cap="rnd" cmpd="sng" algn="ctr">
-              <a:solidFill>
-                <a:srgbClr val="4C7B98"/>
-              </a:solidFill>
-              <a:round/>
-            </a:ln>
-            <a:effectLst/>
-          </c:spPr>
-          <c:marker>
-            <c:symbol val="none"/>
-          </c:marker>
-          <c:val>
-            <c:numRef>
-              <c:f>打点!$B$20:$J$20</c:f>
-              <c:numCache>
-                <c:formatCode>General</c:formatCode>
-                <c:ptCount val="9"/>
-                <c:pt idx="0">
-                  <c:v>9.4827586206896548</c:v>
-                </c:pt>
-                <c:pt idx="1">
-                  <c:v>8.8362068965517242</c:v>
-                </c:pt>
-                <c:pt idx="2">
-                  <c:v>17.672413793103448</c:v>
-                </c:pt>
-                <c:pt idx="3">
-                  <c:v>17.241379310344829</c:v>
-                </c:pt>
-                <c:pt idx="4">
-                  <c:v>17.025862068965516</c:v>
-                </c:pt>
-                <c:pt idx="5">
-                  <c:v>8.6206896551724146</c:v>
-                </c:pt>
-                <c:pt idx="6">
-                  <c:v>8.8362068965517242</c:v>
-                </c:pt>
-                <c:pt idx="7">
-                  <c:v>6.6810344827586201</c:v>
-                </c:pt>
-                <c:pt idx="8">
-                  <c:v>5.6034482758620694</c:v>
-                </c:pt>
-              </c:numCache>
-            </c:numRef>
-          </c:val>
-          <c:smooth val="0"/>
-          <c:extLst>
-            <c:ext xmlns:c16="http://schemas.microsoft.com/office/drawing/2014/chart" uri="{C3380CC4-5D6E-409C-BE32-E72D297353CC}">
-              <c16:uniqueId val="{00000003-3670-4CE7-95CF-4862CEE8D6BE}"/>
-            </c:ext>
-          </c:extLst>
-        </c:ser>
-        <c:ser>
-          <c:idx val="4"/>
-          <c:order val="4"/>
-          <c:tx>
-            <c:strRef>
-              <c:f>打点!$A$21</c:f>
-              <c:strCache>
-                <c:ptCount val="1"/>
-                <c:pt idx="0">
-                  <c:v>G</c:v>
-                </c:pt>
-              </c:strCache>
-            </c:strRef>
-          </c:tx>
-          <c:spPr>
-            <a:ln w="22225" cap="rnd" cmpd="sng" algn="ctr">
-              <a:solidFill>
-                <a:srgbClr val="F97709"/>
-              </a:solidFill>
-              <a:round/>
-            </a:ln>
-            <a:effectLst/>
-          </c:spPr>
-          <c:marker>
-            <c:symbol val="none"/>
-          </c:marker>
-          <c:val>
-            <c:numRef>
-              <c:f>打点!$B$21:$J$21</c:f>
-              <c:numCache>
-                <c:formatCode>General</c:formatCode>
-                <c:ptCount val="9"/>
-                <c:pt idx="0">
-                  <c:v>10.492505353319057</c:v>
-                </c:pt>
-                <c:pt idx="1">
-                  <c:v>9.8501070663811561</c:v>
-                </c:pt>
-                <c:pt idx="2">
-                  <c:v>12.847965738758029</c:v>
-                </c:pt>
-                <c:pt idx="3">
-                  <c:v>18.843683083511777</c:v>
-                </c:pt>
-                <c:pt idx="4">
-                  <c:v>17.130620985010705</c:v>
-                </c:pt>
-                <c:pt idx="5">
-                  <c:v>9.2077087794432551</c:v>
-                </c:pt>
-                <c:pt idx="6">
-                  <c:v>12.847965738758029</c:v>
-                </c:pt>
-                <c:pt idx="7">
-                  <c:v>6.209850107066381</c:v>
-                </c:pt>
-                <c:pt idx="8">
-                  <c:v>2.5695931477516059</c:v>
-                </c:pt>
-              </c:numCache>
-            </c:numRef>
-          </c:val>
-          <c:smooth val="0"/>
-          <c:extLst>
-            <c:ext xmlns:c16="http://schemas.microsoft.com/office/drawing/2014/chart" uri="{C3380CC4-5D6E-409C-BE32-E72D297353CC}">
-              <c16:uniqueId val="{00000004-3670-4CE7-95CF-4862CEE8D6BE}"/>
-            </c:ext>
-          </c:extLst>
-        </c:ser>
-        <c:ser>
-          <c:idx val="5"/>
-          <c:order val="5"/>
-          <c:tx>
-            <c:strRef>
-              <c:f>打点!$A$22</c:f>
-              <c:strCache>
-                <c:ptCount val="1"/>
-                <c:pt idx="0">
-                  <c:v>H</c:v>
-                </c:pt>
-              </c:strCache>
-            </c:strRef>
-          </c:tx>
-          <c:spPr>
-            <a:ln w="22225" cap="rnd" cmpd="sng" algn="ctr">
-              <a:solidFill>
-                <a:srgbClr val="F5C700"/>
-              </a:solidFill>
-              <a:round/>
-            </a:ln>
-            <a:effectLst/>
-          </c:spPr>
-          <c:marker>
-            <c:symbol val="none"/>
-          </c:marker>
-          <c:val>
-            <c:numRef>
-              <c:f>打点!$B$22:$J$22</c:f>
-              <c:numCache>
-                <c:formatCode>General</c:formatCode>
-                <c:ptCount val="9"/>
-                <c:pt idx="0">
-                  <c:v>5.4794520547945202</c:v>
-                </c:pt>
-                <c:pt idx="1">
-                  <c:v>11.301369863013697</c:v>
-                </c:pt>
-                <c:pt idx="2">
-                  <c:v>16.952054794520549</c:v>
-                </c:pt>
-                <c:pt idx="3">
-                  <c:v>15.41095890410959</c:v>
-                </c:pt>
-                <c:pt idx="4">
-                  <c:v>18.664383561643834</c:v>
-                </c:pt>
-                <c:pt idx="5">
-                  <c:v>6.6780821917808222</c:v>
-                </c:pt>
-                <c:pt idx="6">
-                  <c:v>10.616438356164384</c:v>
-                </c:pt>
-                <c:pt idx="7">
-                  <c:v>7.5342465753424657</c:v>
-                </c:pt>
-                <c:pt idx="8">
-                  <c:v>7.3630136986301373</c:v>
-                </c:pt>
-              </c:numCache>
-            </c:numRef>
-          </c:val>
-          <c:smooth val="0"/>
-          <c:extLst>
-            <c:ext xmlns:c16="http://schemas.microsoft.com/office/drawing/2014/chart" uri="{C3380CC4-5D6E-409C-BE32-E72D297353CC}">
-              <c16:uniqueId val="{00000005-3670-4CE7-95CF-4862CEE8D6BE}"/>
-            </c:ext>
-          </c:extLst>
-        </c:ser>
-        <c:ser>
-          <c:idx val="6"/>
-          <c:order val="6"/>
-          <c:tx>
-            <c:strRef>
-              <c:f>打点!$A$23</c:f>
-              <c:strCache>
-                <c:ptCount val="1"/>
-                <c:pt idx="0">
-                  <c:v>L</c:v>
-                </c:pt>
-              </c:strCache>
-            </c:strRef>
-          </c:tx>
-          <c:spPr>
-            <a:ln w="22225" cap="rnd" cmpd="sng" algn="ctr">
-              <a:solidFill>
-                <a:srgbClr val="1F366A"/>
-              </a:solidFill>
-              <a:round/>
-            </a:ln>
-            <a:effectLst/>
-          </c:spPr>
-          <c:marker>
-            <c:symbol val="none"/>
-          </c:marker>
-          <c:val>
-            <c:numRef>
-              <c:f>打点!$B$23:$J$23</c:f>
-              <c:numCache>
-                <c:formatCode>General</c:formatCode>
-                <c:ptCount val="9"/>
-                <c:pt idx="0">
-                  <c:v>12.559618441971383</c:v>
-                </c:pt>
-                <c:pt idx="1">
-                  <c:v>8.4260731319554854</c:v>
-                </c:pt>
-                <c:pt idx="2">
-                  <c:v>17.806041335453099</c:v>
-                </c:pt>
-                <c:pt idx="3">
-                  <c:v>14.785373608903022</c:v>
-                </c:pt>
-                <c:pt idx="4">
-                  <c:v>11.128775834658187</c:v>
-                </c:pt>
-                <c:pt idx="5">
-                  <c:v>11.446740858505565</c:v>
-                </c:pt>
-                <c:pt idx="6">
-                  <c:v>9.0620031796502385</c:v>
-                </c:pt>
-                <c:pt idx="7">
-                  <c:v>7.1542130365659773</c:v>
-                </c:pt>
-                <c:pt idx="8">
-                  <c:v>7.6311605723370421</c:v>
-                </c:pt>
-              </c:numCache>
-            </c:numRef>
-          </c:val>
-          <c:smooth val="0"/>
-          <c:extLst>
-            <c:ext xmlns:c16="http://schemas.microsoft.com/office/drawing/2014/chart" uri="{C3380CC4-5D6E-409C-BE32-E72D297353CC}">
-              <c16:uniqueId val="{00000006-3670-4CE7-95CF-4862CEE8D6BE}"/>
-            </c:ext>
-          </c:extLst>
-        </c:ser>
-        <c:ser>
-          <c:idx val="7"/>
-          <c:order val="7"/>
-          <c:tx>
-            <c:strRef>
-              <c:f>打点!$A$24</c:f>
-              <c:strCache>
-                <c:ptCount val="1"/>
-                <c:pt idx="0">
-                  <c:v>M</c:v>
-                </c:pt>
-              </c:strCache>
-            </c:strRef>
-          </c:tx>
-          <c:spPr>
-            <a:ln w="22225" cap="rnd" cmpd="sng" algn="ctr">
-              <a:solidFill>
-                <a:srgbClr val="221815"/>
-              </a:solidFill>
-              <a:round/>
-            </a:ln>
-            <a:effectLst/>
-          </c:spPr>
-          <c:marker>
-            <c:symbol val="none"/>
-          </c:marker>
-          <c:val>
-            <c:numRef>
-              <c:f>打点!$B$24:$J$24</c:f>
-              <c:numCache>
-                <c:formatCode>General</c:formatCode>
-                <c:ptCount val="9"/>
-                <c:pt idx="0">
-                  <c:v>8.4745762711864394</c:v>
-                </c:pt>
-                <c:pt idx="1">
-                  <c:v>8.4745762711864394</c:v>
-                </c:pt>
-                <c:pt idx="2">
-                  <c:v>12.106537530266344</c:v>
-                </c:pt>
-                <c:pt idx="3">
-                  <c:v>14.043583535108958</c:v>
-                </c:pt>
-                <c:pt idx="4">
-                  <c:v>15.49636803874092</c:v>
-                </c:pt>
-                <c:pt idx="5">
-                  <c:v>13.801452784503631</c:v>
-                </c:pt>
-                <c:pt idx="6">
-                  <c:v>11.864406779661017</c:v>
-                </c:pt>
-                <c:pt idx="7">
-                  <c:v>9.9273607748184016</c:v>
-                </c:pt>
-                <c:pt idx="8">
-                  <c:v>5.8111380145278453</c:v>
-                </c:pt>
-              </c:numCache>
-            </c:numRef>
-          </c:val>
-          <c:smooth val="0"/>
-          <c:extLst>
-            <c:ext xmlns:c16="http://schemas.microsoft.com/office/drawing/2014/chart" uri="{C3380CC4-5D6E-409C-BE32-E72D297353CC}">
-              <c16:uniqueId val="{00000007-3670-4CE7-95CF-4862CEE8D6BE}"/>
-            </c:ext>
-          </c:extLst>
-        </c:ser>
-        <c:ser>
-          <c:idx val="8"/>
-          <c:order val="8"/>
-          <c:tx>
-            <c:strRef>
-              <c:f>打点!$A$25</c:f>
-              <c:strCache>
-                <c:ptCount val="1"/>
-                <c:pt idx="0">
-                  <c:v>Bs</c:v>
-                </c:pt>
-              </c:strCache>
-            </c:strRef>
-          </c:tx>
-          <c:spPr>
-            <a:ln w="22225" cap="rnd" cmpd="sng" algn="ctr">
-              <a:solidFill>
-                <a:srgbClr val="000013"/>
-              </a:solidFill>
-              <a:round/>
-            </a:ln>
-            <a:effectLst/>
-          </c:spPr>
-          <c:marker>
-            <c:symbol val="none"/>
-          </c:marker>
-          <c:val>
-            <c:numRef>
-              <c:f>打点!$B$25:$J$25</c:f>
-              <c:numCache>
-                <c:formatCode>General</c:formatCode>
-                <c:ptCount val="9"/>
-                <c:pt idx="0">
-                  <c:v>13.152400835073069</c:v>
-                </c:pt>
-                <c:pt idx="1">
-                  <c:v>5.8455114822546967</c:v>
-                </c:pt>
-                <c:pt idx="2">
-                  <c:v>13.569937369519833</c:v>
-                </c:pt>
-                <c:pt idx="3">
-                  <c:v>17.536534446764094</c:v>
-                </c:pt>
-                <c:pt idx="4">
-                  <c:v>8.3507306889352826</c:v>
-                </c:pt>
-                <c:pt idx="5">
-                  <c:v>14.613778705636744</c:v>
-                </c:pt>
-                <c:pt idx="6">
-                  <c:v>11.064718162839249</c:v>
-                </c:pt>
-                <c:pt idx="7">
-                  <c:v>8.559498956158663</c:v>
-                </c:pt>
-                <c:pt idx="8">
-                  <c:v>7.3068893528183718</c:v>
-                </c:pt>
-              </c:numCache>
-            </c:numRef>
-          </c:val>
-          <c:smooth val="0"/>
-          <c:extLst>
-            <c:ext xmlns:c16="http://schemas.microsoft.com/office/drawing/2014/chart" uri="{C3380CC4-5D6E-409C-BE32-E72D297353CC}">
-              <c16:uniqueId val="{00000008-3670-4CE7-95CF-4862CEE8D6BE}"/>
-            </c:ext>
-          </c:extLst>
-        </c:ser>
-        <c:ser>
-          <c:idx val="9"/>
-          <c:order val="9"/>
-          <c:tx>
-            <c:strRef>
-              <c:f>打点!$A$26</c:f>
-              <c:strCache>
-                <c:ptCount val="1"/>
-                <c:pt idx="0">
-                  <c:v>S</c:v>
-                </c:pt>
-              </c:strCache>
-            </c:strRef>
-          </c:tx>
-          <c:spPr>
-            <a:ln w="22225" cap="rnd" cmpd="sng" algn="ctr">
-              <a:solidFill>
-                <a:srgbClr val="00AB5C"/>
-              </a:solidFill>
-              <a:round/>
-            </a:ln>
-            <a:effectLst/>
-          </c:spPr>
-          <c:marker>
-            <c:symbol val="none"/>
-          </c:marker>
-          <c:val>
-            <c:numRef>
-              <c:f>打点!$B$26:$J$26</c:f>
-              <c:numCache>
-                <c:formatCode>General</c:formatCode>
-                <c:ptCount val="9"/>
-                <c:pt idx="0">
-                  <c:v>10.565110565110565</c:v>
-                </c:pt>
-                <c:pt idx="1">
-                  <c:v>7.3710073710073711</c:v>
-                </c:pt>
-                <c:pt idx="2">
-                  <c:v>21.13022113022113</c:v>
-                </c:pt>
-                <c:pt idx="3">
-                  <c:v>19.41031941031941</c:v>
-                </c:pt>
-                <c:pt idx="4">
-                  <c:v>13.267813267813267</c:v>
-                </c:pt>
-                <c:pt idx="5">
-                  <c:v>7.8624078624078626</c:v>
-                </c:pt>
-                <c:pt idx="6">
-                  <c:v>7.8624078624078626</c:v>
-                </c:pt>
-                <c:pt idx="7">
-                  <c:v>10.810810810810811</c:v>
-                </c:pt>
-                <c:pt idx="8">
-                  <c:v>1.7199017199017199</c:v>
-                </c:pt>
-              </c:numCache>
-            </c:numRef>
-          </c:val>
-          <c:smooth val="0"/>
-          <c:extLst>
-            <c:ext xmlns:c16="http://schemas.microsoft.com/office/drawing/2014/chart" uri="{C3380CC4-5D6E-409C-BE32-E72D297353CC}">
-              <c16:uniqueId val="{00000009-3670-4CE7-95CF-4862CEE8D6BE}"/>
-            </c:ext>
-          </c:extLst>
-        </c:ser>
-        <c:ser>
-          <c:idx val="10"/>
-          <c:order val="10"/>
-          <c:tx>
-            <c:strRef>
-              <c:f>打点!$A$27</c:f>
-              <c:strCache>
-                <c:ptCount val="1"/>
-                <c:pt idx="0">
-                  <c:v>T</c:v>
-                </c:pt>
-              </c:strCache>
-            </c:strRef>
-          </c:tx>
-          <c:spPr>
-            <a:ln w="22225" cap="rnd" cmpd="sng" algn="ctr">
-              <a:solidFill>
-                <a:srgbClr val="FFE201"/>
-              </a:solidFill>
-              <a:round/>
-            </a:ln>
-            <a:effectLst/>
-          </c:spPr>
-          <c:marker>
-            <c:symbol val="none"/>
-          </c:marker>
-          <c:val>
-            <c:numRef>
-              <c:f>打点!$B$27:$J$27</c:f>
-              <c:numCache>
-                <c:formatCode>General</c:formatCode>
-                <c:ptCount val="9"/>
-                <c:pt idx="0">
-                  <c:v>10.546875</c:v>
-                </c:pt>
-                <c:pt idx="1">
-                  <c:v>7.6171875</c:v>
-                </c:pt>
-                <c:pt idx="2">
-                  <c:v>16.40625</c:v>
-                </c:pt>
-                <c:pt idx="3">
-                  <c:v>14.0625</c:v>
-                </c:pt>
-                <c:pt idx="4">
-                  <c:v>16.015625</c:v>
-                </c:pt>
-                <c:pt idx="5">
-                  <c:v>9.375</c:v>
-                </c:pt>
-                <c:pt idx="6">
-                  <c:v>12.890625</c:v>
-                </c:pt>
-                <c:pt idx="7">
-                  <c:v>10.15625</c:v>
-                </c:pt>
-                <c:pt idx="8">
-                  <c:v>2.9296875</c:v>
-                </c:pt>
-              </c:numCache>
-            </c:numRef>
-          </c:val>
-          <c:smooth val="0"/>
-          <c:extLst>
-            <c:ext xmlns:c16="http://schemas.microsoft.com/office/drawing/2014/chart" uri="{C3380CC4-5D6E-409C-BE32-E72D297353CC}">
-              <c16:uniqueId val="{0000000A-3670-4CE7-95CF-4862CEE8D6BE}"/>
-            </c:ext>
-          </c:extLst>
-        </c:ser>
-        <c:ser>
-          <c:idx val="11"/>
-          <c:order val="11"/>
-          <c:tx>
-            <c:strRef>
-              <c:f>打点!$A$28</c:f>
-              <c:strCache>
-                <c:ptCount val="1"/>
-                <c:pt idx="0">
-                  <c:v>DB</c:v>
-                </c:pt>
-              </c:strCache>
-            </c:strRef>
-          </c:tx>
-          <c:spPr>
-            <a:ln w="22225" cap="rnd" cmpd="sng" algn="ctr">
-              <a:solidFill>
-                <a:srgbClr val="0055A5"/>
-              </a:solidFill>
-              <a:round/>
-            </a:ln>
-            <a:effectLst/>
-          </c:spPr>
-          <c:marker>
-            <c:symbol val="none"/>
-          </c:marker>
-          <c:val>
-            <c:numRef>
-              <c:f>打点!$B$28:$J$28</c:f>
-              <c:numCache>
-                <c:formatCode>General</c:formatCode>
-                <c:ptCount val="9"/>
-                <c:pt idx="0">
-                  <c:v>9.4032549728752262</c:v>
-                </c:pt>
-                <c:pt idx="1">
-                  <c:v>10.669077757685352</c:v>
-                </c:pt>
-                <c:pt idx="2">
-                  <c:v>18.44484629294756</c:v>
-                </c:pt>
-                <c:pt idx="3">
-                  <c:v>16.817359855334537</c:v>
-                </c:pt>
-                <c:pt idx="4">
-                  <c:v>13.743218806509946</c:v>
-                </c:pt>
-                <c:pt idx="5">
-                  <c:v>9.5840867992766725</c:v>
-                </c:pt>
-                <c:pt idx="6">
-                  <c:v>7.9566003616636527</c:v>
-                </c:pt>
-                <c:pt idx="7">
-                  <c:v>4.1591320072332731</c:v>
-                </c:pt>
-                <c:pt idx="8">
-                  <c:v>9.2224231464737798</c:v>
-                </c:pt>
-              </c:numCache>
-            </c:numRef>
-          </c:val>
-          <c:smooth val="0"/>
-          <c:extLst>
-            <c:ext xmlns:c16="http://schemas.microsoft.com/office/drawing/2014/chart" uri="{C3380CC4-5D6E-409C-BE32-E72D297353CC}">
-              <c16:uniqueId val="{0000000B-3670-4CE7-95CF-4862CEE8D6BE}"/>
+              <c16:uniqueId val="{00000002-8360-4C2B-A004-DBBE9570F4BA}"/>
             </c:ext>
           </c:extLst>
         </c:ser>
@@ -17584,11 +16577,11 @@
           </c:spPr>
         </c:dropLines>
         <c:smooth val="0"/>
-        <c:axId val="757224552"/>
-        <c:axId val="757225864"/>
+        <c:axId val="611707088"/>
+        <c:axId val="611706760"/>
       </c:lineChart>
       <c:catAx>
-        <c:axId val="757224552"/>
+        <c:axId val="611707088"/>
         <c:scaling>
           <c:orientation val="minMax"/>
         </c:scaling>
@@ -17631,7 +16624,7 @@
             <a:endParaRPr lang="ja-JP"/>
           </a:p>
         </c:txPr>
-        <c:crossAx val="757225864"/>
+        <c:crossAx val="611706760"/>
         <c:crosses val="autoZero"/>
         <c:auto val="1"/>
         <c:lblAlgn val="ctr"/>
@@ -17639,7 +16632,7 @@
         <c:noMultiLvlLbl val="0"/>
       </c:catAx>
       <c:valAx>
-        <c:axId val="757225864"/>
+        <c:axId val="611706760"/>
         <c:scaling>
           <c:orientation val="minMax"/>
         </c:scaling>
@@ -17676,7 +16669,7 @@
             <a:endParaRPr lang="ja-JP"/>
           </a:p>
         </c:txPr>
-        <c:crossAx val="757224552"/>
+        <c:crossAx val="611707088"/>
         <c:crosses val="autoZero"/>
         <c:crossBetween val="between"/>
       </c:valAx>
@@ -17741,8 +16734,2994 @@
     </a:solidFill>
     <a:ln>
       <a:solidFill>
-        <a:schemeClr val="accent1"/>
+        <a:schemeClr val="tx1">
+          <a:lumMod val="85000"/>
+        </a:schemeClr>
       </a:solidFill>
+    </a:ln>
+    <a:effectLst/>
+  </c:spPr>
+  <c:txPr>
+    <a:bodyPr/>
+    <a:lstStyle/>
+    <a:p>
+      <a:pPr>
+        <a:defRPr/>
+      </a:pPr>
+      <a:endParaRPr lang="ja-JP"/>
+    </a:p>
+  </c:txPr>
+  <c:externalData r:id="rId3">
+    <c:autoUpdate val="0"/>
+  </c:externalData>
+</c:chartSpace>
+</file>
+
+<file path=ppt/charts/chart35.xml><?xml version="1.0" encoding="utf-8"?>
+<c:chartSpace xmlns:c="http://schemas.openxmlformats.org/drawingml/2006/chart" xmlns:a="http://schemas.openxmlformats.org/drawingml/2006/main" xmlns:r="http://schemas.openxmlformats.org/officeDocument/2006/relationships" xmlns:c16r2="http://schemas.microsoft.com/office/drawing/2015/06/chart">
+  <c:date1904 val="0"/>
+  <c:lang val="en-US"/>
+  <c:roundedCorners val="0"/>
+  <mc:AlternateContent xmlns:mc="http://schemas.openxmlformats.org/markup-compatibility/2006">
+    <mc:Choice xmlns:c14="http://schemas.microsoft.com/office/drawing/2007/8/2/chart" Requires="c14">
+      <c14:style val="102"/>
+    </mc:Choice>
+    <mc:Fallback>
+      <c:style val="2"/>
+    </mc:Fallback>
+  </mc:AlternateContent>
+  <c:chart>
+    <c:autoTitleDeleted val="1"/>
+    <c:plotArea>
+      <c:layout/>
+      <c:lineChart>
+        <c:grouping val="standard"/>
+        <c:varyColors val="0"/>
+        <c:ser>
+          <c:idx val="0"/>
+          <c:order val="0"/>
+          <c:tx>
+            <c:strRef>
+              <c:f>'長打率, OPS'!$A$16</c:f>
+              <c:strCache>
+                <c:ptCount val="1"/>
+                <c:pt idx="0">
+                  <c:v>C</c:v>
+                </c:pt>
+              </c:strCache>
+            </c:strRef>
+          </c:tx>
+          <c:spPr>
+            <a:ln w="22225" cap="rnd" cmpd="sng" algn="ctr">
+              <a:solidFill>
+                <a:schemeClr val="accent1"/>
+              </a:solidFill>
+              <a:round/>
+            </a:ln>
+            <a:effectLst/>
+          </c:spPr>
+          <c:marker>
+            <c:symbol val="none"/>
+          </c:marker>
+          <c:cat>
+            <c:numRef>
+              <c:f>'長打率, OPS'!$B$15:$J$15</c:f>
+              <c:numCache>
+                <c:formatCode>General</c:formatCode>
+                <c:ptCount val="9"/>
+                <c:pt idx="0">
+                  <c:v>1</c:v>
+                </c:pt>
+                <c:pt idx="1">
+                  <c:v>2</c:v>
+                </c:pt>
+                <c:pt idx="2">
+                  <c:v>3</c:v>
+                </c:pt>
+                <c:pt idx="3">
+                  <c:v>4</c:v>
+                </c:pt>
+                <c:pt idx="4">
+                  <c:v>5</c:v>
+                </c:pt>
+                <c:pt idx="5">
+                  <c:v>6</c:v>
+                </c:pt>
+                <c:pt idx="6">
+                  <c:v>7</c:v>
+                </c:pt>
+                <c:pt idx="7">
+                  <c:v>8</c:v>
+                </c:pt>
+                <c:pt idx="8">
+                  <c:v>9</c:v>
+                </c:pt>
+              </c:numCache>
+            </c:numRef>
+          </c:cat>
+          <c:val>
+            <c:numRef>
+              <c:f>'長打率, OPS'!$B$16:$J$16</c:f>
+              <c:numCache>
+                <c:formatCode>General</c:formatCode>
+                <c:ptCount val="9"/>
+                <c:pt idx="0">
+                  <c:v>0.80500000000000005</c:v>
+                </c:pt>
+                <c:pt idx="1">
+                  <c:v>0.71499999999999997</c:v>
+                </c:pt>
+                <c:pt idx="2">
+                  <c:v>0.90900000000000003</c:v>
+                </c:pt>
+                <c:pt idx="3">
+                  <c:v>0.98099999999999998</c:v>
+                </c:pt>
+                <c:pt idx="4">
+                  <c:v>0.75700000000000001</c:v>
+                </c:pt>
+                <c:pt idx="5">
+                  <c:v>0.90900000000000003</c:v>
+                </c:pt>
+                <c:pt idx="6">
+                  <c:v>0.68</c:v>
+                </c:pt>
+                <c:pt idx="7">
+                  <c:v>0.66300000000000003</c:v>
+                </c:pt>
+                <c:pt idx="8">
+                  <c:v>0.309</c:v>
+                </c:pt>
+              </c:numCache>
+            </c:numRef>
+          </c:val>
+          <c:smooth val="0"/>
+          <c:extLst>
+            <c:ext xmlns:c16="http://schemas.microsoft.com/office/drawing/2014/chart" uri="{C3380CC4-5D6E-409C-BE32-E72D297353CC}">
+              <c16:uniqueId val="{00000000-4653-4FA6-B068-64494095836F}"/>
+            </c:ext>
+          </c:extLst>
+        </c:ser>
+        <c:ser>
+          <c:idx val="1"/>
+          <c:order val="1"/>
+          <c:tx>
+            <c:strRef>
+              <c:f>'長打率, OPS'!$A$17</c:f>
+              <c:strCache>
+                <c:ptCount val="1"/>
+                <c:pt idx="0">
+                  <c:v>D</c:v>
+                </c:pt>
+              </c:strCache>
+            </c:strRef>
+          </c:tx>
+          <c:spPr>
+            <a:ln w="22225" cap="rnd" cmpd="sng" algn="ctr">
+              <a:solidFill>
+                <a:schemeClr val="accent2"/>
+              </a:solidFill>
+              <a:round/>
+            </a:ln>
+            <a:effectLst/>
+          </c:spPr>
+          <c:marker>
+            <c:symbol val="none"/>
+          </c:marker>
+          <c:cat>
+            <c:numRef>
+              <c:f>'長打率, OPS'!$B$15:$J$15</c:f>
+              <c:numCache>
+                <c:formatCode>General</c:formatCode>
+                <c:ptCount val="9"/>
+                <c:pt idx="0">
+                  <c:v>1</c:v>
+                </c:pt>
+                <c:pt idx="1">
+                  <c:v>2</c:v>
+                </c:pt>
+                <c:pt idx="2">
+                  <c:v>3</c:v>
+                </c:pt>
+                <c:pt idx="3">
+                  <c:v>4</c:v>
+                </c:pt>
+                <c:pt idx="4">
+                  <c:v>5</c:v>
+                </c:pt>
+                <c:pt idx="5">
+                  <c:v>6</c:v>
+                </c:pt>
+                <c:pt idx="6">
+                  <c:v>7</c:v>
+                </c:pt>
+                <c:pt idx="7">
+                  <c:v>8</c:v>
+                </c:pt>
+                <c:pt idx="8">
+                  <c:v>9</c:v>
+                </c:pt>
+              </c:numCache>
+            </c:numRef>
+          </c:cat>
+          <c:val>
+            <c:numRef>
+              <c:f>'長打率, OPS'!$B$17:$J$17</c:f>
+              <c:numCache>
+                <c:formatCode>General</c:formatCode>
+                <c:ptCount val="9"/>
+                <c:pt idx="0">
+                  <c:v>0.69299999999999995</c:v>
+                </c:pt>
+                <c:pt idx="1">
+                  <c:v>0.63700000000000001</c:v>
+                </c:pt>
+                <c:pt idx="2">
+                  <c:v>0.68700000000000006</c:v>
+                </c:pt>
+                <c:pt idx="3">
+                  <c:v>0.81499999999999995</c:v>
+                </c:pt>
+                <c:pt idx="4">
+                  <c:v>0.79100000000000004</c:v>
+                </c:pt>
+                <c:pt idx="5">
+                  <c:v>0.71099999999999997</c:v>
+                </c:pt>
+                <c:pt idx="6">
+                  <c:v>0.71499999999999997</c:v>
+                </c:pt>
+                <c:pt idx="7">
+                  <c:v>0.57199999999999995</c:v>
+                </c:pt>
+                <c:pt idx="8">
+                  <c:v>0.22500000000000001</c:v>
+                </c:pt>
+              </c:numCache>
+            </c:numRef>
+          </c:val>
+          <c:smooth val="0"/>
+          <c:extLst>
+            <c:ext xmlns:c16="http://schemas.microsoft.com/office/drawing/2014/chart" uri="{C3380CC4-5D6E-409C-BE32-E72D297353CC}">
+              <c16:uniqueId val="{00000001-4653-4FA6-B068-64494095836F}"/>
+            </c:ext>
+          </c:extLst>
+        </c:ser>
+        <c:ser>
+          <c:idx val="2"/>
+          <c:order val="2"/>
+          <c:tx>
+            <c:strRef>
+              <c:f>'長打率, OPS'!$A$18</c:f>
+              <c:strCache>
+                <c:ptCount val="1"/>
+                <c:pt idx="0">
+                  <c:v>E</c:v>
+                </c:pt>
+              </c:strCache>
+            </c:strRef>
+          </c:tx>
+          <c:spPr>
+            <a:ln w="22225" cap="rnd" cmpd="sng" algn="ctr">
+              <a:solidFill>
+                <a:schemeClr val="accent3"/>
+              </a:solidFill>
+              <a:round/>
+            </a:ln>
+            <a:effectLst/>
+          </c:spPr>
+          <c:marker>
+            <c:symbol val="none"/>
+          </c:marker>
+          <c:cat>
+            <c:numRef>
+              <c:f>'長打率, OPS'!$B$15:$J$15</c:f>
+              <c:numCache>
+                <c:formatCode>General</c:formatCode>
+                <c:ptCount val="9"/>
+                <c:pt idx="0">
+                  <c:v>1</c:v>
+                </c:pt>
+                <c:pt idx="1">
+                  <c:v>2</c:v>
+                </c:pt>
+                <c:pt idx="2">
+                  <c:v>3</c:v>
+                </c:pt>
+                <c:pt idx="3">
+                  <c:v>4</c:v>
+                </c:pt>
+                <c:pt idx="4">
+                  <c:v>5</c:v>
+                </c:pt>
+                <c:pt idx="5">
+                  <c:v>6</c:v>
+                </c:pt>
+                <c:pt idx="6">
+                  <c:v>7</c:v>
+                </c:pt>
+                <c:pt idx="7">
+                  <c:v>8</c:v>
+                </c:pt>
+                <c:pt idx="8">
+                  <c:v>9</c:v>
+                </c:pt>
+              </c:numCache>
+            </c:numRef>
+          </c:cat>
+          <c:val>
+            <c:numRef>
+              <c:f>'長打率, OPS'!$B$18:$J$18</c:f>
+              <c:numCache>
+                <c:formatCode>General</c:formatCode>
+                <c:ptCount val="9"/>
+                <c:pt idx="0">
+                  <c:v>0.84099999999999997</c:v>
+                </c:pt>
+                <c:pt idx="1">
+                  <c:v>0.81100000000000005</c:v>
+                </c:pt>
+                <c:pt idx="2">
+                  <c:v>0.71099999999999997</c:v>
+                </c:pt>
+                <c:pt idx="3">
+                  <c:v>0.73599999999999999</c:v>
+                </c:pt>
+                <c:pt idx="4">
+                  <c:v>0.73</c:v>
+                </c:pt>
+                <c:pt idx="5">
+                  <c:v>0.746</c:v>
+                </c:pt>
+                <c:pt idx="6">
+                  <c:v>0.68799999999999994</c:v>
+                </c:pt>
+                <c:pt idx="7">
+                  <c:v>0.61599999999999999</c:v>
+                </c:pt>
+                <c:pt idx="8">
+                  <c:v>0.57899999999999996</c:v>
+                </c:pt>
+              </c:numCache>
+            </c:numRef>
+          </c:val>
+          <c:smooth val="0"/>
+          <c:extLst>
+            <c:ext xmlns:c16="http://schemas.microsoft.com/office/drawing/2014/chart" uri="{C3380CC4-5D6E-409C-BE32-E72D297353CC}">
+              <c16:uniqueId val="{00000002-4653-4FA6-B068-64494095836F}"/>
+            </c:ext>
+          </c:extLst>
+        </c:ser>
+        <c:ser>
+          <c:idx val="3"/>
+          <c:order val="3"/>
+          <c:tx>
+            <c:strRef>
+              <c:f>'長打率, OPS'!$A$19</c:f>
+              <c:strCache>
+                <c:ptCount val="1"/>
+                <c:pt idx="0">
+                  <c:v>F</c:v>
+                </c:pt>
+              </c:strCache>
+            </c:strRef>
+          </c:tx>
+          <c:spPr>
+            <a:ln w="22225" cap="rnd" cmpd="sng" algn="ctr">
+              <a:solidFill>
+                <a:schemeClr val="accent4"/>
+              </a:solidFill>
+              <a:round/>
+            </a:ln>
+            <a:effectLst/>
+          </c:spPr>
+          <c:marker>
+            <c:symbol val="none"/>
+          </c:marker>
+          <c:cat>
+            <c:numRef>
+              <c:f>'長打率, OPS'!$B$15:$J$15</c:f>
+              <c:numCache>
+                <c:formatCode>General</c:formatCode>
+                <c:ptCount val="9"/>
+                <c:pt idx="0">
+                  <c:v>1</c:v>
+                </c:pt>
+                <c:pt idx="1">
+                  <c:v>2</c:v>
+                </c:pt>
+                <c:pt idx="2">
+                  <c:v>3</c:v>
+                </c:pt>
+                <c:pt idx="3">
+                  <c:v>4</c:v>
+                </c:pt>
+                <c:pt idx="4">
+                  <c:v>5</c:v>
+                </c:pt>
+                <c:pt idx="5">
+                  <c:v>6</c:v>
+                </c:pt>
+                <c:pt idx="6">
+                  <c:v>7</c:v>
+                </c:pt>
+                <c:pt idx="7">
+                  <c:v>8</c:v>
+                </c:pt>
+                <c:pt idx="8">
+                  <c:v>9</c:v>
+                </c:pt>
+              </c:numCache>
+            </c:numRef>
+          </c:cat>
+          <c:val>
+            <c:numRef>
+              <c:f>'長打率, OPS'!$B$19:$J$19</c:f>
+              <c:numCache>
+                <c:formatCode>General</c:formatCode>
+                <c:ptCount val="9"/>
+                <c:pt idx="0">
+                  <c:v>0.77100000000000002</c:v>
+                </c:pt>
+                <c:pt idx="1">
+                  <c:v>0.57999999999999996</c:v>
+                </c:pt>
+                <c:pt idx="2">
+                  <c:v>0.98199999999999998</c:v>
+                </c:pt>
+                <c:pt idx="3">
+                  <c:v>0.71399999999999997</c:v>
+                </c:pt>
+                <c:pt idx="4">
+                  <c:v>0.77500000000000002</c:v>
+                </c:pt>
+                <c:pt idx="5">
+                  <c:v>0.59399999999999997</c:v>
+                </c:pt>
+                <c:pt idx="6">
+                  <c:v>0.54600000000000004</c:v>
+                </c:pt>
+                <c:pt idx="7">
+                  <c:v>0.53100000000000003</c:v>
+                </c:pt>
+                <c:pt idx="8">
+                  <c:v>0.55100000000000005</c:v>
+                </c:pt>
+              </c:numCache>
+            </c:numRef>
+          </c:val>
+          <c:smooth val="0"/>
+          <c:extLst>
+            <c:ext xmlns:c16="http://schemas.microsoft.com/office/drawing/2014/chart" uri="{C3380CC4-5D6E-409C-BE32-E72D297353CC}">
+              <c16:uniqueId val="{00000003-4653-4FA6-B068-64494095836F}"/>
+            </c:ext>
+          </c:extLst>
+        </c:ser>
+        <c:ser>
+          <c:idx val="4"/>
+          <c:order val="4"/>
+          <c:tx>
+            <c:strRef>
+              <c:f>'長打率, OPS'!$A$20</c:f>
+              <c:strCache>
+                <c:ptCount val="1"/>
+                <c:pt idx="0">
+                  <c:v>G</c:v>
+                </c:pt>
+              </c:strCache>
+            </c:strRef>
+          </c:tx>
+          <c:spPr>
+            <a:ln w="22225" cap="rnd" cmpd="sng" algn="ctr">
+              <a:solidFill>
+                <a:schemeClr val="accent5"/>
+              </a:solidFill>
+              <a:round/>
+            </a:ln>
+            <a:effectLst/>
+          </c:spPr>
+          <c:marker>
+            <c:symbol val="none"/>
+          </c:marker>
+          <c:cat>
+            <c:numRef>
+              <c:f>'長打率, OPS'!$B$15:$J$15</c:f>
+              <c:numCache>
+                <c:formatCode>General</c:formatCode>
+                <c:ptCount val="9"/>
+                <c:pt idx="0">
+                  <c:v>1</c:v>
+                </c:pt>
+                <c:pt idx="1">
+                  <c:v>2</c:v>
+                </c:pt>
+                <c:pt idx="2">
+                  <c:v>3</c:v>
+                </c:pt>
+                <c:pt idx="3">
+                  <c:v>4</c:v>
+                </c:pt>
+                <c:pt idx="4">
+                  <c:v>5</c:v>
+                </c:pt>
+                <c:pt idx="5">
+                  <c:v>6</c:v>
+                </c:pt>
+                <c:pt idx="6">
+                  <c:v>7</c:v>
+                </c:pt>
+                <c:pt idx="7">
+                  <c:v>8</c:v>
+                </c:pt>
+                <c:pt idx="8">
+                  <c:v>9</c:v>
+                </c:pt>
+              </c:numCache>
+            </c:numRef>
+          </c:cat>
+          <c:val>
+            <c:numRef>
+              <c:f>'長打率, OPS'!$B$20:$J$20</c:f>
+              <c:numCache>
+                <c:formatCode>General</c:formatCode>
+                <c:ptCount val="9"/>
+                <c:pt idx="0">
+                  <c:v>0.68100000000000005</c:v>
+                </c:pt>
+                <c:pt idx="1">
+                  <c:v>0.69199999999999995</c:v>
+                </c:pt>
+                <c:pt idx="2">
+                  <c:v>0.79900000000000004</c:v>
+                </c:pt>
+                <c:pt idx="3">
+                  <c:v>0.72099999999999997</c:v>
+                </c:pt>
+                <c:pt idx="4">
+                  <c:v>0.82599999999999996</c:v>
+                </c:pt>
+                <c:pt idx="5">
+                  <c:v>0.69099999999999995</c:v>
+                </c:pt>
+                <c:pt idx="6">
+                  <c:v>0.77700000000000002</c:v>
+                </c:pt>
+                <c:pt idx="7">
+                  <c:v>0.55700000000000005</c:v>
+                </c:pt>
+                <c:pt idx="8">
+                  <c:v>0.26200000000000001</c:v>
+                </c:pt>
+              </c:numCache>
+            </c:numRef>
+          </c:val>
+          <c:smooth val="0"/>
+          <c:extLst>
+            <c:ext xmlns:c16="http://schemas.microsoft.com/office/drawing/2014/chart" uri="{C3380CC4-5D6E-409C-BE32-E72D297353CC}">
+              <c16:uniqueId val="{00000004-4653-4FA6-B068-64494095836F}"/>
+            </c:ext>
+          </c:extLst>
+        </c:ser>
+        <c:ser>
+          <c:idx val="5"/>
+          <c:order val="5"/>
+          <c:tx>
+            <c:strRef>
+              <c:f>'長打率, OPS'!$A$21</c:f>
+              <c:strCache>
+                <c:ptCount val="1"/>
+                <c:pt idx="0">
+                  <c:v>H</c:v>
+                </c:pt>
+              </c:strCache>
+            </c:strRef>
+          </c:tx>
+          <c:spPr>
+            <a:ln w="22225" cap="rnd" cmpd="sng" algn="ctr">
+              <a:solidFill>
+                <a:schemeClr val="accent6"/>
+              </a:solidFill>
+              <a:round/>
+            </a:ln>
+            <a:effectLst/>
+          </c:spPr>
+          <c:marker>
+            <c:symbol val="none"/>
+          </c:marker>
+          <c:cat>
+            <c:numRef>
+              <c:f>'長打率, OPS'!$B$15:$J$15</c:f>
+              <c:numCache>
+                <c:formatCode>General</c:formatCode>
+                <c:ptCount val="9"/>
+                <c:pt idx="0">
+                  <c:v>1</c:v>
+                </c:pt>
+                <c:pt idx="1">
+                  <c:v>2</c:v>
+                </c:pt>
+                <c:pt idx="2">
+                  <c:v>3</c:v>
+                </c:pt>
+                <c:pt idx="3">
+                  <c:v>4</c:v>
+                </c:pt>
+                <c:pt idx="4">
+                  <c:v>5</c:v>
+                </c:pt>
+                <c:pt idx="5">
+                  <c:v>6</c:v>
+                </c:pt>
+                <c:pt idx="6">
+                  <c:v>7</c:v>
+                </c:pt>
+                <c:pt idx="7">
+                  <c:v>8</c:v>
+                </c:pt>
+                <c:pt idx="8">
+                  <c:v>9</c:v>
+                </c:pt>
+              </c:numCache>
+            </c:numRef>
+          </c:cat>
+          <c:val>
+            <c:numRef>
+              <c:f>'長打率, OPS'!$B$21:$J$21</c:f>
+              <c:numCache>
+                <c:formatCode>General</c:formatCode>
+                <c:ptCount val="9"/>
+                <c:pt idx="0">
+                  <c:v>0.66800000000000004</c:v>
+                </c:pt>
+                <c:pt idx="1">
+                  <c:v>0.72799999999999998</c:v>
+                </c:pt>
+                <c:pt idx="2">
+                  <c:v>0.92700000000000005</c:v>
+                </c:pt>
+                <c:pt idx="3">
+                  <c:v>0.85699999999999998</c:v>
+                </c:pt>
+                <c:pt idx="4">
+                  <c:v>0.85599999999999998</c:v>
+                </c:pt>
+                <c:pt idx="5">
+                  <c:v>0.68100000000000005</c:v>
+                </c:pt>
+                <c:pt idx="6">
+                  <c:v>0.75600000000000001</c:v>
+                </c:pt>
+                <c:pt idx="7">
+                  <c:v>0.77100000000000002</c:v>
+                </c:pt>
+                <c:pt idx="8">
+                  <c:v>0.57599999999999996</c:v>
+                </c:pt>
+              </c:numCache>
+            </c:numRef>
+          </c:val>
+          <c:smooth val="0"/>
+          <c:extLst>
+            <c:ext xmlns:c16="http://schemas.microsoft.com/office/drawing/2014/chart" uri="{C3380CC4-5D6E-409C-BE32-E72D297353CC}">
+              <c16:uniqueId val="{00000005-4653-4FA6-B068-64494095836F}"/>
+            </c:ext>
+          </c:extLst>
+        </c:ser>
+        <c:ser>
+          <c:idx val="6"/>
+          <c:order val="6"/>
+          <c:tx>
+            <c:strRef>
+              <c:f>'長打率, OPS'!$A$22</c:f>
+              <c:strCache>
+                <c:ptCount val="1"/>
+                <c:pt idx="0">
+                  <c:v>L</c:v>
+                </c:pt>
+              </c:strCache>
+            </c:strRef>
+          </c:tx>
+          <c:spPr>
+            <a:ln w="22225" cap="rnd" cmpd="sng" algn="ctr">
+              <a:solidFill>
+                <a:schemeClr val="accent1">
+                  <a:lumMod val="60000"/>
+                </a:schemeClr>
+              </a:solidFill>
+              <a:round/>
+            </a:ln>
+            <a:effectLst/>
+          </c:spPr>
+          <c:marker>
+            <c:symbol val="none"/>
+          </c:marker>
+          <c:cat>
+            <c:numRef>
+              <c:f>'長打率, OPS'!$B$15:$J$15</c:f>
+              <c:numCache>
+                <c:formatCode>General</c:formatCode>
+                <c:ptCount val="9"/>
+                <c:pt idx="0">
+                  <c:v>1</c:v>
+                </c:pt>
+                <c:pt idx="1">
+                  <c:v>2</c:v>
+                </c:pt>
+                <c:pt idx="2">
+                  <c:v>3</c:v>
+                </c:pt>
+                <c:pt idx="3">
+                  <c:v>4</c:v>
+                </c:pt>
+                <c:pt idx="4">
+                  <c:v>5</c:v>
+                </c:pt>
+                <c:pt idx="5">
+                  <c:v>6</c:v>
+                </c:pt>
+                <c:pt idx="6">
+                  <c:v>7</c:v>
+                </c:pt>
+                <c:pt idx="7">
+                  <c:v>8</c:v>
+                </c:pt>
+                <c:pt idx="8">
+                  <c:v>9</c:v>
+                </c:pt>
+              </c:numCache>
+            </c:numRef>
+          </c:cat>
+          <c:val>
+            <c:numRef>
+              <c:f>'長打率, OPS'!$B$22:$J$22</c:f>
+              <c:numCache>
+                <c:formatCode>General</c:formatCode>
+                <c:ptCount val="9"/>
+                <c:pt idx="0">
+                  <c:v>0.86299999999999999</c:v>
+                </c:pt>
+                <c:pt idx="1">
+                  <c:v>0.67</c:v>
+                </c:pt>
+                <c:pt idx="2">
+                  <c:v>0.88300000000000001</c:v>
+                </c:pt>
+                <c:pt idx="3">
+                  <c:v>0.80200000000000005</c:v>
+                </c:pt>
+                <c:pt idx="4">
+                  <c:v>0.76100000000000001</c:v>
+                </c:pt>
+                <c:pt idx="5">
+                  <c:v>0.78800000000000003</c:v>
+                </c:pt>
+                <c:pt idx="6">
+                  <c:v>0.67900000000000005</c:v>
+                </c:pt>
+                <c:pt idx="7">
+                  <c:v>0.628</c:v>
+                </c:pt>
+                <c:pt idx="8">
+                  <c:v>0.70099999999999996</c:v>
+                </c:pt>
+              </c:numCache>
+            </c:numRef>
+          </c:val>
+          <c:smooth val="0"/>
+          <c:extLst>
+            <c:ext xmlns:c16="http://schemas.microsoft.com/office/drawing/2014/chart" uri="{C3380CC4-5D6E-409C-BE32-E72D297353CC}">
+              <c16:uniqueId val="{00000006-4653-4FA6-B068-64494095836F}"/>
+            </c:ext>
+          </c:extLst>
+        </c:ser>
+        <c:ser>
+          <c:idx val="7"/>
+          <c:order val="7"/>
+          <c:tx>
+            <c:strRef>
+              <c:f>'長打率, OPS'!$A$23</c:f>
+              <c:strCache>
+                <c:ptCount val="1"/>
+                <c:pt idx="0">
+                  <c:v>M</c:v>
+                </c:pt>
+              </c:strCache>
+            </c:strRef>
+          </c:tx>
+          <c:spPr>
+            <a:ln w="22225" cap="rnd" cmpd="sng" algn="ctr">
+              <a:solidFill>
+                <a:schemeClr val="accent2">
+                  <a:lumMod val="60000"/>
+                </a:schemeClr>
+              </a:solidFill>
+              <a:round/>
+            </a:ln>
+            <a:effectLst/>
+          </c:spPr>
+          <c:marker>
+            <c:symbol val="none"/>
+          </c:marker>
+          <c:cat>
+            <c:numRef>
+              <c:f>'長打率, OPS'!$B$15:$J$15</c:f>
+              <c:numCache>
+                <c:formatCode>General</c:formatCode>
+                <c:ptCount val="9"/>
+                <c:pt idx="0">
+                  <c:v>1</c:v>
+                </c:pt>
+                <c:pt idx="1">
+                  <c:v>2</c:v>
+                </c:pt>
+                <c:pt idx="2">
+                  <c:v>3</c:v>
+                </c:pt>
+                <c:pt idx="3">
+                  <c:v>4</c:v>
+                </c:pt>
+                <c:pt idx="4">
+                  <c:v>5</c:v>
+                </c:pt>
+                <c:pt idx="5">
+                  <c:v>6</c:v>
+                </c:pt>
+                <c:pt idx="6">
+                  <c:v>7</c:v>
+                </c:pt>
+                <c:pt idx="7">
+                  <c:v>8</c:v>
+                </c:pt>
+                <c:pt idx="8">
+                  <c:v>9</c:v>
+                </c:pt>
+              </c:numCache>
+            </c:numRef>
+          </c:cat>
+          <c:val>
+            <c:numRef>
+              <c:f>'長打率, OPS'!$B$23:$J$23</c:f>
+              <c:numCache>
+                <c:formatCode>General</c:formatCode>
+                <c:ptCount val="9"/>
+                <c:pt idx="0">
+                  <c:v>0.60899999999999999</c:v>
+                </c:pt>
+                <c:pt idx="1">
+                  <c:v>0.68200000000000005</c:v>
+                </c:pt>
+                <c:pt idx="2">
+                  <c:v>0.68300000000000005</c:v>
+                </c:pt>
+                <c:pt idx="3">
+                  <c:v>0.69699999999999995</c:v>
+                </c:pt>
+                <c:pt idx="4">
+                  <c:v>0.78200000000000003</c:v>
+                </c:pt>
+                <c:pt idx="5">
+                  <c:v>0.72</c:v>
+                </c:pt>
+                <c:pt idx="6">
+                  <c:v>0.61499999999999999</c:v>
+                </c:pt>
+                <c:pt idx="7">
+                  <c:v>0.57399999999999995</c:v>
+                </c:pt>
+                <c:pt idx="8">
+                  <c:v>0.51</c:v>
+                </c:pt>
+              </c:numCache>
+            </c:numRef>
+          </c:val>
+          <c:smooth val="0"/>
+          <c:extLst>
+            <c:ext xmlns:c16="http://schemas.microsoft.com/office/drawing/2014/chart" uri="{C3380CC4-5D6E-409C-BE32-E72D297353CC}">
+              <c16:uniqueId val="{00000007-4653-4FA6-B068-64494095836F}"/>
+            </c:ext>
+          </c:extLst>
+        </c:ser>
+        <c:ser>
+          <c:idx val="8"/>
+          <c:order val="8"/>
+          <c:tx>
+            <c:strRef>
+              <c:f>'長打率, OPS'!$A$24</c:f>
+              <c:strCache>
+                <c:ptCount val="1"/>
+                <c:pt idx="0">
+                  <c:v>Bs</c:v>
+                </c:pt>
+              </c:strCache>
+            </c:strRef>
+          </c:tx>
+          <c:spPr>
+            <a:ln w="22225" cap="rnd" cmpd="sng" algn="ctr">
+              <a:solidFill>
+                <a:schemeClr val="accent3">
+                  <a:lumMod val="60000"/>
+                </a:schemeClr>
+              </a:solidFill>
+              <a:round/>
+            </a:ln>
+            <a:effectLst/>
+          </c:spPr>
+          <c:marker>
+            <c:symbol val="none"/>
+          </c:marker>
+          <c:cat>
+            <c:numRef>
+              <c:f>'長打率, OPS'!$B$15:$J$15</c:f>
+              <c:numCache>
+                <c:formatCode>General</c:formatCode>
+                <c:ptCount val="9"/>
+                <c:pt idx="0">
+                  <c:v>1</c:v>
+                </c:pt>
+                <c:pt idx="1">
+                  <c:v>2</c:v>
+                </c:pt>
+                <c:pt idx="2">
+                  <c:v>3</c:v>
+                </c:pt>
+                <c:pt idx="3">
+                  <c:v>4</c:v>
+                </c:pt>
+                <c:pt idx="4">
+                  <c:v>5</c:v>
+                </c:pt>
+                <c:pt idx="5">
+                  <c:v>6</c:v>
+                </c:pt>
+                <c:pt idx="6">
+                  <c:v>7</c:v>
+                </c:pt>
+                <c:pt idx="7">
+                  <c:v>8</c:v>
+                </c:pt>
+                <c:pt idx="8">
+                  <c:v>9</c:v>
+                </c:pt>
+              </c:numCache>
+            </c:numRef>
+          </c:cat>
+          <c:val>
+            <c:numRef>
+              <c:f>'長打率, OPS'!$B$24:$J$24</c:f>
+              <c:numCache>
+                <c:formatCode>General</c:formatCode>
+                <c:ptCount val="9"/>
+                <c:pt idx="0">
+                  <c:v>0.79100000000000004</c:v>
+                </c:pt>
+                <c:pt idx="1">
+                  <c:v>0.57799999999999996</c:v>
+                </c:pt>
+                <c:pt idx="2">
+                  <c:v>0.65600000000000003</c:v>
+                </c:pt>
+                <c:pt idx="3">
+                  <c:v>0.80300000000000005</c:v>
+                </c:pt>
+                <c:pt idx="4">
+                  <c:v>0.73299999999999998</c:v>
+                </c:pt>
+                <c:pt idx="5">
+                  <c:v>0.871</c:v>
+                </c:pt>
+                <c:pt idx="6">
+                  <c:v>0.66800000000000004</c:v>
+                </c:pt>
+                <c:pt idx="7">
+                  <c:v>0.60099999999999998</c:v>
+                </c:pt>
+                <c:pt idx="8">
+                  <c:v>0.57699999999999996</c:v>
+                </c:pt>
+              </c:numCache>
+            </c:numRef>
+          </c:val>
+          <c:smooth val="0"/>
+          <c:extLst>
+            <c:ext xmlns:c16="http://schemas.microsoft.com/office/drawing/2014/chart" uri="{C3380CC4-5D6E-409C-BE32-E72D297353CC}">
+              <c16:uniqueId val="{00000008-4653-4FA6-B068-64494095836F}"/>
+            </c:ext>
+          </c:extLst>
+        </c:ser>
+        <c:ser>
+          <c:idx val="9"/>
+          <c:order val="9"/>
+          <c:tx>
+            <c:strRef>
+              <c:f>'長打率, OPS'!$A$25</c:f>
+              <c:strCache>
+                <c:ptCount val="1"/>
+                <c:pt idx="0">
+                  <c:v>S</c:v>
+                </c:pt>
+              </c:strCache>
+            </c:strRef>
+          </c:tx>
+          <c:spPr>
+            <a:ln w="22225" cap="rnd" cmpd="sng" algn="ctr">
+              <a:solidFill>
+                <a:schemeClr val="accent4">
+                  <a:lumMod val="60000"/>
+                </a:schemeClr>
+              </a:solidFill>
+              <a:round/>
+            </a:ln>
+            <a:effectLst/>
+          </c:spPr>
+          <c:marker>
+            <c:symbol val="none"/>
+          </c:marker>
+          <c:cat>
+            <c:numRef>
+              <c:f>'長打率, OPS'!$B$15:$J$15</c:f>
+              <c:numCache>
+                <c:formatCode>General</c:formatCode>
+                <c:ptCount val="9"/>
+                <c:pt idx="0">
+                  <c:v>1</c:v>
+                </c:pt>
+                <c:pt idx="1">
+                  <c:v>2</c:v>
+                </c:pt>
+                <c:pt idx="2">
+                  <c:v>3</c:v>
+                </c:pt>
+                <c:pt idx="3">
+                  <c:v>4</c:v>
+                </c:pt>
+                <c:pt idx="4">
+                  <c:v>5</c:v>
+                </c:pt>
+                <c:pt idx="5">
+                  <c:v>6</c:v>
+                </c:pt>
+                <c:pt idx="6">
+                  <c:v>7</c:v>
+                </c:pt>
+                <c:pt idx="7">
+                  <c:v>8</c:v>
+                </c:pt>
+                <c:pt idx="8">
+                  <c:v>9</c:v>
+                </c:pt>
+              </c:numCache>
+            </c:numRef>
+          </c:cat>
+          <c:val>
+            <c:numRef>
+              <c:f>'長打率, OPS'!$B$25:$J$25</c:f>
+              <c:numCache>
+                <c:formatCode>General</c:formatCode>
+                <c:ptCount val="9"/>
+                <c:pt idx="0">
+                  <c:v>0.746</c:v>
+                </c:pt>
+                <c:pt idx="1">
+                  <c:v>0.58199999999999996</c:v>
+                </c:pt>
+                <c:pt idx="2">
+                  <c:v>0.80500000000000005</c:v>
+                </c:pt>
+                <c:pt idx="3">
+                  <c:v>0.79100000000000004</c:v>
+                </c:pt>
+                <c:pt idx="4">
+                  <c:v>0.65900000000000003</c:v>
+                </c:pt>
+                <c:pt idx="5">
+                  <c:v>0.55300000000000005</c:v>
+                </c:pt>
+                <c:pt idx="6">
+                  <c:v>0.64300000000000002</c:v>
+                </c:pt>
+                <c:pt idx="7">
+                  <c:v>0.59599999999999997</c:v>
+                </c:pt>
+                <c:pt idx="8">
+                  <c:v>0.23200000000000001</c:v>
+                </c:pt>
+              </c:numCache>
+            </c:numRef>
+          </c:val>
+          <c:smooth val="0"/>
+          <c:extLst>
+            <c:ext xmlns:c16="http://schemas.microsoft.com/office/drawing/2014/chart" uri="{C3380CC4-5D6E-409C-BE32-E72D297353CC}">
+              <c16:uniqueId val="{00000009-4653-4FA6-B068-64494095836F}"/>
+            </c:ext>
+          </c:extLst>
+        </c:ser>
+        <c:ser>
+          <c:idx val="10"/>
+          <c:order val="10"/>
+          <c:tx>
+            <c:strRef>
+              <c:f>'長打率, OPS'!$A$26</c:f>
+              <c:strCache>
+                <c:ptCount val="1"/>
+                <c:pt idx="0">
+                  <c:v>T</c:v>
+                </c:pt>
+              </c:strCache>
+            </c:strRef>
+          </c:tx>
+          <c:spPr>
+            <a:ln w="22225" cap="rnd" cmpd="sng" algn="ctr">
+              <a:solidFill>
+                <a:schemeClr val="accent5">
+                  <a:lumMod val="60000"/>
+                </a:schemeClr>
+              </a:solidFill>
+              <a:round/>
+            </a:ln>
+            <a:effectLst/>
+          </c:spPr>
+          <c:marker>
+            <c:symbol val="none"/>
+          </c:marker>
+          <c:cat>
+            <c:numRef>
+              <c:f>'長打率, OPS'!$B$15:$J$15</c:f>
+              <c:numCache>
+                <c:formatCode>General</c:formatCode>
+                <c:ptCount val="9"/>
+                <c:pt idx="0">
+                  <c:v>1</c:v>
+                </c:pt>
+                <c:pt idx="1">
+                  <c:v>2</c:v>
+                </c:pt>
+                <c:pt idx="2">
+                  <c:v>3</c:v>
+                </c:pt>
+                <c:pt idx="3">
+                  <c:v>4</c:v>
+                </c:pt>
+                <c:pt idx="4">
+                  <c:v>5</c:v>
+                </c:pt>
+                <c:pt idx="5">
+                  <c:v>6</c:v>
+                </c:pt>
+                <c:pt idx="6">
+                  <c:v>7</c:v>
+                </c:pt>
+                <c:pt idx="7">
+                  <c:v>8</c:v>
+                </c:pt>
+                <c:pt idx="8">
+                  <c:v>9</c:v>
+                </c:pt>
+              </c:numCache>
+            </c:numRef>
+          </c:cat>
+          <c:val>
+            <c:numRef>
+              <c:f>'長打率, OPS'!$B$26:$J$26</c:f>
+              <c:numCache>
+                <c:formatCode>General</c:formatCode>
+                <c:ptCount val="9"/>
+                <c:pt idx="0">
+                  <c:v>0.75800000000000001</c:v>
+                </c:pt>
+                <c:pt idx="1">
+                  <c:v>0.73099999999999998</c:v>
+                </c:pt>
+                <c:pt idx="2">
+                  <c:v>0.79600000000000004</c:v>
+                </c:pt>
+                <c:pt idx="3">
+                  <c:v>0.74</c:v>
+                </c:pt>
+                <c:pt idx="4">
+                  <c:v>0.72799999999999998</c:v>
+                </c:pt>
+                <c:pt idx="5">
+                  <c:v>0.74099999999999999</c:v>
+                </c:pt>
+                <c:pt idx="6">
+                  <c:v>0.73199999999999998</c:v>
+                </c:pt>
+                <c:pt idx="7">
+                  <c:v>0.58899999999999997</c:v>
+                </c:pt>
+                <c:pt idx="8">
+                  <c:v>0.34799999999999998</c:v>
+                </c:pt>
+              </c:numCache>
+            </c:numRef>
+          </c:val>
+          <c:smooth val="0"/>
+          <c:extLst>
+            <c:ext xmlns:c16="http://schemas.microsoft.com/office/drawing/2014/chart" uri="{C3380CC4-5D6E-409C-BE32-E72D297353CC}">
+              <c16:uniqueId val="{0000000A-4653-4FA6-B068-64494095836F}"/>
+            </c:ext>
+          </c:extLst>
+        </c:ser>
+        <c:ser>
+          <c:idx val="11"/>
+          <c:order val="11"/>
+          <c:tx>
+            <c:strRef>
+              <c:f>'長打率, OPS'!$A$27</c:f>
+              <c:strCache>
+                <c:ptCount val="1"/>
+                <c:pt idx="0">
+                  <c:v>DB</c:v>
+                </c:pt>
+              </c:strCache>
+            </c:strRef>
+          </c:tx>
+          <c:spPr>
+            <a:ln w="22225" cap="rnd" cmpd="sng" algn="ctr">
+              <a:solidFill>
+                <a:schemeClr val="accent6">
+                  <a:lumMod val="60000"/>
+                </a:schemeClr>
+              </a:solidFill>
+              <a:round/>
+            </a:ln>
+            <a:effectLst/>
+          </c:spPr>
+          <c:marker>
+            <c:symbol val="none"/>
+          </c:marker>
+          <c:cat>
+            <c:numRef>
+              <c:f>'長打率, OPS'!$B$15:$J$15</c:f>
+              <c:numCache>
+                <c:formatCode>General</c:formatCode>
+                <c:ptCount val="9"/>
+                <c:pt idx="0">
+                  <c:v>1</c:v>
+                </c:pt>
+                <c:pt idx="1">
+                  <c:v>2</c:v>
+                </c:pt>
+                <c:pt idx="2">
+                  <c:v>3</c:v>
+                </c:pt>
+                <c:pt idx="3">
+                  <c:v>4</c:v>
+                </c:pt>
+                <c:pt idx="4">
+                  <c:v>5</c:v>
+                </c:pt>
+                <c:pt idx="5">
+                  <c:v>6</c:v>
+                </c:pt>
+                <c:pt idx="6">
+                  <c:v>7</c:v>
+                </c:pt>
+                <c:pt idx="7">
+                  <c:v>8</c:v>
+                </c:pt>
+                <c:pt idx="8">
+                  <c:v>9</c:v>
+                </c:pt>
+              </c:numCache>
+            </c:numRef>
+          </c:cat>
+          <c:val>
+            <c:numRef>
+              <c:f>'長打率, OPS'!$B$27:$J$27</c:f>
+              <c:numCache>
+                <c:formatCode>General</c:formatCode>
+                <c:ptCount val="9"/>
+                <c:pt idx="0">
+                  <c:v>0.747</c:v>
+                </c:pt>
+                <c:pt idx="1">
+                  <c:v>0.67200000000000004</c:v>
+                </c:pt>
+                <c:pt idx="2">
+                  <c:v>0.89500000000000002</c:v>
+                </c:pt>
+                <c:pt idx="3">
+                  <c:v>0.86</c:v>
+                </c:pt>
+                <c:pt idx="4">
+                  <c:v>0.83699999999999997</c:v>
+                </c:pt>
+                <c:pt idx="5">
+                  <c:v>0.61099999999999999</c:v>
+                </c:pt>
+                <c:pt idx="6">
+                  <c:v>0.628</c:v>
+                </c:pt>
+                <c:pt idx="7">
+                  <c:v>0.41899999999999998</c:v>
+                </c:pt>
+                <c:pt idx="8">
+                  <c:v>0.61299999999999999</c:v>
+                </c:pt>
+              </c:numCache>
+            </c:numRef>
+          </c:val>
+          <c:smooth val="0"/>
+          <c:extLst>
+            <c:ext xmlns:c16="http://schemas.microsoft.com/office/drawing/2014/chart" uri="{C3380CC4-5D6E-409C-BE32-E72D297353CC}">
+              <c16:uniqueId val="{0000000B-4653-4FA6-B068-64494095836F}"/>
+            </c:ext>
+          </c:extLst>
+        </c:ser>
+        <c:dLbls>
+          <c:showLegendKey val="0"/>
+          <c:showVal val="0"/>
+          <c:showCatName val="0"/>
+          <c:showSerName val="0"/>
+          <c:showPercent val="0"/>
+          <c:showBubbleSize val="0"/>
+        </c:dLbls>
+        <c:dropLines>
+          <c:spPr>
+            <a:ln w="9525" cap="flat" cmpd="sng" algn="ctr">
+              <a:solidFill>
+                <a:schemeClr val="dk1">
+                  <a:lumMod val="35000"/>
+                  <a:lumOff val="65000"/>
+                  <a:alpha val="33000"/>
+                </a:schemeClr>
+              </a:solidFill>
+              <a:round/>
+            </a:ln>
+            <a:effectLst/>
+          </c:spPr>
+        </c:dropLines>
+        <c:smooth val="0"/>
+        <c:axId val="473929056"/>
+        <c:axId val="473926760"/>
+      </c:lineChart>
+      <c:catAx>
+        <c:axId val="473929056"/>
+        <c:scaling>
+          <c:orientation val="minMax"/>
+        </c:scaling>
+        <c:delete val="0"/>
+        <c:axPos val="b"/>
+        <c:numFmt formatCode="General" sourceLinked="1"/>
+        <c:majorTickMark val="none"/>
+        <c:minorTickMark val="none"/>
+        <c:tickLblPos val="nextTo"/>
+        <c:spPr>
+          <a:noFill/>
+          <a:ln w="9525" cap="flat" cmpd="sng" algn="ctr">
+            <a:solidFill>
+              <a:schemeClr val="dk1">
+                <a:lumMod val="15000"/>
+                <a:lumOff val="85000"/>
+              </a:schemeClr>
+            </a:solidFill>
+            <a:round/>
+          </a:ln>
+          <a:effectLst/>
+        </c:spPr>
+        <c:txPr>
+          <a:bodyPr rot="-60000000" spcFirstLastPara="1" vertOverflow="ellipsis" vert="horz" wrap="square" anchor="ctr" anchorCtr="1"/>
+          <a:lstStyle/>
+          <a:p>
+            <a:pPr>
+              <a:defRPr sz="1197" b="0" i="0" u="none" strike="noStrike" kern="1200" spc="20" baseline="0">
+                <a:solidFill>
+                  <a:schemeClr val="dk1">
+                    <a:lumMod val="65000"/>
+                    <a:lumOff val="35000"/>
+                  </a:schemeClr>
+                </a:solidFill>
+                <a:latin typeface="+mn-lt"/>
+                <a:ea typeface="+mn-ea"/>
+                <a:cs typeface="+mn-cs"/>
+              </a:defRPr>
+            </a:pPr>
+            <a:endParaRPr lang="ja-JP"/>
+          </a:p>
+        </c:txPr>
+        <c:crossAx val="473926760"/>
+        <c:crosses val="autoZero"/>
+        <c:auto val="1"/>
+        <c:lblAlgn val="ctr"/>
+        <c:lblOffset val="100"/>
+        <c:noMultiLvlLbl val="0"/>
+      </c:catAx>
+      <c:valAx>
+        <c:axId val="473926760"/>
+        <c:scaling>
+          <c:orientation val="minMax"/>
+        </c:scaling>
+        <c:delete val="0"/>
+        <c:axPos val="l"/>
+        <c:numFmt formatCode="General" sourceLinked="1"/>
+        <c:majorTickMark val="none"/>
+        <c:minorTickMark val="none"/>
+        <c:tickLblPos val="nextTo"/>
+        <c:spPr>
+          <a:noFill/>
+          <a:ln>
+            <a:noFill/>
+          </a:ln>
+          <a:effectLst/>
+        </c:spPr>
+        <c:txPr>
+          <a:bodyPr rot="-60000000" spcFirstLastPara="1" vertOverflow="ellipsis" vert="horz" wrap="square" anchor="ctr" anchorCtr="1"/>
+          <a:lstStyle/>
+          <a:p>
+            <a:pPr>
+              <a:defRPr sz="1197" b="0" i="0" u="none" strike="noStrike" kern="1200" spc="20" baseline="0">
+                <a:solidFill>
+                  <a:schemeClr val="dk1">
+                    <a:lumMod val="65000"/>
+                    <a:lumOff val="35000"/>
+                  </a:schemeClr>
+                </a:solidFill>
+                <a:latin typeface="+mn-lt"/>
+                <a:ea typeface="+mn-ea"/>
+                <a:cs typeface="+mn-cs"/>
+              </a:defRPr>
+            </a:pPr>
+            <a:endParaRPr lang="ja-JP"/>
+          </a:p>
+        </c:txPr>
+        <c:crossAx val="473929056"/>
+        <c:crosses val="autoZero"/>
+        <c:crossBetween val="between"/>
+      </c:valAx>
+      <c:spPr>
+        <a:gradFill>
+          <a:gsLst>
+            <a:gs pos="100000">
+              <a:schemeClr val="lt1">
+                <a:lumMod val="95000"/>
+              </a:schemeClr>
+            </a:gs>
+            <a:gs pos="0">
+              <a:schemeClr val="lt1"/>
+            </a:gs>
+          </a:gsLst>
+          <a:lin ang="5400000" scaled="0"/>
+        </a:gradFill>
+        <a:ln>
+          <a:noFill/>
+        </a:ln>
+        <a:effectLst/>
+      </c:spPr>
+    </c:plotArea>
+    <c:legend>
+      <c:legendPos val="b"/>
+      <c:overlay val="0"/>
+      <c:spPr>
+        <a:noFill/>
+        <a:ln>
+          <a:noFill/>
+        </a:ln>
+        <a:effectLst/>
+      </c:spPr>
+      <c:txPr>
+        <a:bodyPr rot="0" spcFirstLastPara="1" vertOverflow="ellipsis" vert="horz" wrap="square" anchor="ctr" anchorCtr="1"/>
+        <a:lstStyle/>
+        <a:p>
+          <a:pPr>
+            <a:defRPr sz="1197" b="0" i="0" u="none" strike="noStrike" kern="1200" baseline="0">
+              <a:solidFill>
+                <a:schemeClr val="dk1">
+                  <a:lumMod val="65000"/>
+                  <a:lumOff val="35000"/>
+                </a:schemeClr>
+              </a:solidFill>
+              <a:latin typeface="+mn-lt"/>
+              <a:ea typeface="+mn-ea"/>
+              <a:cs typeface="+mn-cs"/>
+            </a:defRPr>
+          </a:pPr>
+          <a:endParaRPr lang="ja-JP"/>
+        </a:p>
+      </c:txPr>
+    </c:legend>
+    <c:plotVisOnly val="1"/>
+    <c:dispBlanksAs val="gap"/>
+    <c:showDLblsOverMax val="0"/>
+  </c:chart>
+  <c:spPr>
+    <a:solidFill>
+      <a:schemeClr val="lt1"/>
+    </a:solidFill>
+    <a:ln>
+      <a:noFill/>
+    </a:ln>
+    <a:effectLst/>
+  </c:spPr>
+  <c:txPr>
+    <a:bodyPr/>
+    <a:lstStyle/>
+    <a:p>
+      <a:pPr>
+        <a:defRPr/>
+      </a:pPr>
+      <a:endParaRPr lang="ja-JP"/>
+    </a:p>
+  </c:txPr>
+  <c:externalData r:id="rId3">
+    <c:autoUpdate val="0"/>
+  </c:externalData>
+</c:chartSpace>
+</file>
+
+<file path=ppt/charts/chart36.xml><?xml version="1.0" encoding="utf-8"?>
+<c:chartSpace xmlns:c="http://schemas.openxmlformats.org/drawingml/2006/chart" xmlns:a="http://schemas.openxmlformats.org/drawingml/2006/main" xmlns:r="http://schemas.openxmlformats.org/officeDocument/2006/relationships" xmlns:c16r2="http://schemas.microsoft.com/office/drawing/2015/06/chart">
+  <c:date1904 val="0"/>
+  <c:lang val="en-US"/>
+  <c:roundedCorners val="0"/>
+  <mc:AlternateContent xmlns:mc="http://schemas.openxmlformats.org/markup-compatibility/2006">
+    <mc:Choice xmlns:c14="http://schemas.microsoft.com/office/drawing/2007/8/2/chart" Requires="c14">
+      <c14:style val="102"/>
+    </mc:Choice>
+    <mc:Fallback>
+      <c:style val="2"/>
+    </mc:Fallback>
+  </mc:AlternateContent>
+  <c:chart>
+    <c:autoTitleDeleted val="1"/>
+    <c:plotArea>
+      <c:layout/>
+      <c:lineChart>
+        <c:grouping val="standard"/>
+        <c:varyColors val="0"/>
+        <c:ser>
+          <c:idx val="0"/>
+          <c:order val="0"/>
+          <c:tx>
+            <c:strRef>
+              <c:f>'長打率, OPS'!$A$2</c:f>
+              <c:strCache>
+                <c:ptCount val="1"/>
+                <c:pt idx="0">
+                  <c:v>C</c:v>
+                </c:pt>
+              </c:strCache>
+            </c:strRef>
+          </c:tx>
+          <c:spPr>
+            <a:ln w="22225" cap="rnd" cmpd="sng" algn="ctr">
+              <a:solidFill>
+                <a:schemeClr val="accent1"/>
+              </a:solidFill>
+              <a:round/>
+            </a:ln>
+            <a:effectLst/>
+          </c:spPr>
+          <c:marker>
+            <c:symbol val="none"/>
+          </c:marker>
+          <c:cat>
+            <c:numRef>
+              <c:f>'長打率, OPS'!$B$1:$J$1</c:f>
+              <c:numCache>
+                <c:formatCode>General</c:formatCode>
+                <c:ptCount val="9"/>
+                <c:pt idx="0">
+                  <c:v>1</c:v>
+                </c:pt>
+                <c:pt idx="1">
+                  <c:v>2</c:v>
+                </c:pt>
+                <c:pt idx="2">
+                  <c:v>3</c:v>
+                </c:pt>
+                <c:pt idx="3">
+                  <c:v>4</c:v>
+                </c:pt>
+                <c:pt idx="4">
+                  <c:v>5</c:v>
+                </c:pt>
+                <c:pt idx="5">
+                  <c:v>6</c:v>
+                </c:pt>
+                <c:pt idx="6">
+                  <c:v>7</c:v>
+                </c:pt>
+                <c:pt idx="7">
+                  <c:v>8</c:v>
+                </c:pt>
+                <c:pt idx="8">
+                  <c:v>9</c:v>
+                </c:pt>
+              </c:numCache>
+            </c:numRef>
+          </c:cat>
+          <c:val>
+            <c:numRef>
+              <c:f>'長打率, OPS'!$B$2:$J$2</c:f>
+              <c:numCache>
+                <c:formatCode>General</c:formatCode>
+                <c:ptCount val="9"/>
+                <c:pt idx="0">
+                  <c:v>0.40600000000000003</c:v>
+                </c:pt>
+                <c:pt idx="1">
+                  <c:v>0.40300000000000002</c:v>
+                </c:pt>
+                <c:pt idx="2">
+                  <c:v>0.50600000000000001</c:v>
+                </c:pt>
+                <c:pt idx="3">
+                  <c:v>0.56899999999999995</c:v>
+                </c:pt>
+                <c:pt idx="4">
+                  <c:v>0.42599999999999999</c:v>
+                </c:pt>
+                <c:pt idx="5">
+                  <c:v>0.53500000000000003</c:v>
+                </c:pt>
+                <c:pt idx="6">
+                  <c:v>0.35799999999999998</c:v>
+                </c:pt>
+                <c:pt idx="7">
+                  <c:v>0.34699999999999998</c:v>
+                </c:pt>
+                <c:pt idx="8">
+                  <c:v>0.14499999999999999</c:v>
+                </c:pt>
+              </c:numCache>
+            </c:numRef>
+          </c:val>
+          <c:smooth val="0"/>
+          <c:extLst>
+            <c:ext xmlns:c16="http://schemas.microsoft.com/office/drawing/2014/chart" uri="{C3380CC4-5D6E-409C-BE32-E72D297353CC}">
+              <c16:uniqueId val="{00000000-2AF8-495F-A70C-70E81BEAA6CE}"/>
+            </c:ext>
+          </c:extLst>
+        </c:ser>
+        <c:ser>
+          <c:idx val="1"/>
+          <c:order val="1"/>
+          <c:tx>
+            <c:strRef>
+              <c:f>'長打率, OPS'!$A$3</c:f>
+              <c:strCache>
+                <c:ptCount val="1"/>
+                <c:pt idx="0">
+                  <c:v>D</c:v>
+                </c:pt>
+              </c:strCache>
+            </c:strRef>
+          </c:tx>
+          <c:spPr>
+            <a:ln w="22225" cap="rnd" cmpd="sng" algn="ctr">
+              <a:solidFill>
+                <a:schemeClr val="accent2"/>
+              </a:solidFill>
+              <a:round/>
+            </a:ln>
+            <a:effectLst/>
+          </c:spPr>
+          <c:marker>
+            <c:symbol val="none"/>
+          </c:marker>
+          <c:cat>
+            <c:numRef>
+              <c:f>'長打率, OPS'!$B$1:$J$1</c:f>
+              <c:numCache>
+                <c:formatCode>General</c:formatCode>
+                <c:ptCount val="9"/>
+                <c:pt idx="0">
+                  <c:v>1</c:v>
+                </c:pt>
+                <c:pt idx="1">
+                  <c:v>2</c:v>
+                </c:pt>
+                <c:pt idx="2">
+                  <c:v>3</c:v>
+                </c:pt>
+                <c:pt idx="3">
+                  <c:v>4</c:v>
+                </c:pt>
+                <c:pt idx="4">
+                  <c:v>5</c:v>
+                </c:pt>
+                <c:pt idx="5">
+                  <c:v>6</c:v>
+                </c:pt>
+                <c:pt idx="6">
+                  <c:v>7</c:v>
+                </c:pt>
+                <c:pt idx="7">
+                  <c:v>8</c:v>
+                </c:pt>
+                <c:pt idx="8">
+                  <c:v>9</c:v>
+                </c:pt>
+              </c:numCache>
+            </c:numRef>
+          </c:cat>
+          <c:val>
+            <c:numRef>
+              <c:f>'長打率, OPS'!$B$3:$J$3</c:f>
+              <c:numCache>
+                <c:formatCode>General</c:formatCode>
+                <c:ptCount val="9"/>
+                <c:pt idx="0">
+                  <c:v>0.37</c:v>
+                </c:pt>
+                <c:pt idx="1">
+                  <c:v>0.32300000000000001</c:v>
+                </c:pt>
+                <c:pt idx="2">
+                  <c:v>0.35899999999999999</c:v>
+                </c:pt>
+                <c:pt idx="3">
+                  <c:v>0.495</c:v>
+                </c:pt>
+                <c:pt idx="4">
+                  <c:v>0.45600000000000002</c:v>
+                </c:pt>
+                <c:pt idx="5">
+                  <c:v>0.39100000000000001</c:v>
+                </c:pt>
+                <c:pt idx="6">
+                  <c:v>0.41399999999999998</c:v>
+                </c:pt>
+                <c:pt idx="7">
+                  <c:v>0.27600000000000002</c:v>
+                </c:pt>
+                <c:pt idx="8">
+                  <c:v>0.11600000000000001</c:v>
+                </c:pt>
+              </c:numCache>
+            </c:numRef>
+          </c:val>
+          <c:smooth val="0"/>
+          <c:extLst>
+            <c:ext xmlns:c16="http://schemas.microsoft.com/office/drawing/2014/chart" uri="{C3380CC4-5D6E-409C-BE32-E72D297353CC}">
+              <c16:uniqueId val="{00000001-2AF8-495F-A70C-70E81BEAA6CE}"/>
+            </c:ext>
+          </c:extLst>
+        </c:ser>
+        <c:ser>
+          <c:idx val="2"/>
+          <c:order val="2"/>
+          <c:tx>
+            <c:strRef>
+              <c:f>'長打率, OPS'!$A$4</c:f>
+              <c:strCache>
+                <c:ptCount val="1"/>
+                <c:pt idx="0">
+                  <c:v>E</c:v>
+                </c:pt>
+              </c:strCache>
+            </c:strRef>
+          </c:tx>
+          <c:spPr>
+            <a:ln w="22225" cap="rnd" cmpd="sng" algn="ctr">
+              <a:solidFill>
+                <a:schemeClr val="accent3"/>
+              </a:solidFill>
+              <a:round/>
+            </a:ln>
+            <a:effectLst/>
+          </c:spPr>
+          <c:marker>
+            <c:symbol val="none"/>
+          </c:marker>
+          <c:cat>
+            <c:numRef>
+              <c:f>'長打率, OPS'!$B$1:$J$1</c:f>
+              <c:numCache>
+                <c:formatCode>General</c:formatCode>
+                <c:ptCount val="9"/>
+                <c:pt idx="0">
+                  <c:v>1</c:v>
+                </c:pt>
+                <c:pt idx="1">
+                  <c:v>2</c:v>
+                </c:pt>
+                <c:pt idx="2">
+                  <c:v>3</c:v>
+                </c:pt>
+                <c:pt idx="3">
+                  <c:v>4</c:v>
+                </c:pt>
+                <c:pt idx="4">
+                  <c:v>5</c:v>
+                </c:pt>
+                <c:pt idx="5">
+                  <c:v>6</c:v>
+                </c:pt>
+                <c:pt idx="6">
+                  <c:v>7</c:v>
+                </c:pt>
+                <c:pt idx="7">
+                  <c:v>8</c:v>
+                </c:pt>
+                <c:pt idx="8">
+                  <c:v>9</c:v>
+                </c:pt>
+              </c:numCache>
+            </c:numRef>
+          </c:cat>
+          <c:val>
+            <c:numRef>
+              <c:f>'長打率, OPS'!$B$4:$J$4</c:f>
+              <c:numCache>
+                <c:formatCode>General</c:formatCode>
+                <c:ptCount val="9"/>
+                <c:pt idx="0">
+                  <c:v>0.47299999999999998</c:v>
+                </c:pt>
+                <c:pt idx="1">
+                  <c:v>0.45900000000000002</c:v>
+                </c:pt>
+                <c:pt idx="2">
+                  <c:v>0.39300000000000002</c:v>
+                </c:pt>
+                <c:pt idx="3">
+                  <c:v>0.42</c:v>
+                </c:pt>
+                <c:pt idx="4">
+                  <c:v>0.372</c:v>
+                </c:pt>
+                <c:pt idx="5">
+                  <c:v>0.41299999999999998</c:v>
+                </c:pt>
+                <c:pt idx="6">
+                  <c:v>0.38500000000000001</c:v>
+                </c:pt>
+                <c:pt idx="7">
+                  <c:v>0.30499999999999999</c:v>
+                </c:pt>
+                <c:pt idx="8">
+                  <c:v>0.29099999999999998</c:v>
+                </c:pt>
+              </c:numCache>
+            </c:numRef>
+          </c:val>
+          <c:smooth val="0"/>
+          <c:extLst>
+            <c:ext xmlns:c16="http://schemas.microsoft.com/office/drawing/2014/chart" uri="{C3380CC4-5D6E-409C-BE32-E72D297353CC}">
+              <c16:uniqueId val="{00000002-2AF8-495F-A70C-70E81BEAA6CE}"/>
+            </c:ext>
+          </c:extLst>
+        </c:ser>
+        <c:ser>
+          <c:idx val="3"/>
+          <c:order val="3"/>
+          <c:tx>
+            <c:strRef>
+              <c:f>'長打率, OPS'!$A$5</c:f>
+              <c:strCache>
+                <c:ptCount val="1"/>
+                <c:pt idx="0">
+                  <c:v>F</c:v>
+                </c:pt>
+              </c:strCache>
+            </c:strRef>
+          </c:tx>
+          <c:spPr>
+            <a:ln w="22225" cap="rnd" cmpd="sng" algn="ctr">
+              <a:solidFill>
+                <a:schemeClr val="accent4"/>
+              </a:solidFill>
+              <a:round/>
+            </a:ln>
+            <a:effectLst/>
+          </c:spPr>
+          <c:marker>
+            <c:symbol val="none"/>
+          </c:marker>
+          <c:cat>
+            <c:numRef>
+              <c:f>'長打率, OPS'!$B$1:$J$1</c:f>
+              <c:numCache>
+                <c:formatCode>General</c:formatCode>
+                <c:ptCount val="9"/>
+                <c:pt idx="0">
+                  <c:v>1</c:v>
+                </c:pt>
+                <c:pt idx="1">
+                  <c:v>2</c:v>
+                </c:pt>
+                <c:pt idx="2">
+                  <c:v>3</c:v>
+                </c:pt>
+                <c:pt idx="3">
+                  <c:v>4</c:v>
+                </c:pt>
+                <c:pt idx="4">
+                  <c:v>5</c:v>
+                </c:pt>
+                <c:pt idx="5">
+                  <c:v>6</c:v>
+                </c:pt>
+                <c:pt idx="6">
+                  <c:v>7</c:v>
+                </c:pt>
+                <c:pt idx="7">
+                  <c:v>8</c:v>
+                </c:pt>
+                <c:pt idx="8">
+                  <c:v>9</c:v>
+                </c:pt>
+              </c:numCache>
+            </c:numRef>
+          </c:cat>
+          <c:val>
+            <c:numRef>
+              <c:f>'長打率, OPS'!$B$5:$J$5</c:f>
+              <c:numCache>
+                <c:formatCode>General</c:formatCode>
+                <c:ptCount val="9"/>
+                <c:pt idx="0">
+                  <c:v>0.40899999999999997</c:v>
+                </c:pt>
+                <c:pt idx="1">
+                  <c:v>0.309</c:v>
+                </c:pt>
+                <c:pt idx="2">
+                  <c:v>0.53800000000000003</c:v>
+                </c:pt>
+                <c:pt idx="3">
+                  <c:v>0.39500000000000002</c:v>
+                </c:pt>
+                <c:pt idx="4">
+                  <c:v>0.42599999999999999</c:v>
+                </c:pt>
+                <c:pt idx="5">
+                  <c:v>0.315</c:v>
+                </c:pt>
+                <c:pt idx="6">
+                  <c:v>0.30399999999999999</c:v>
+                </c:pt>
+                <c:pt idx="7">
+                  <c:v>0.26600000000000001</c:v>
+                </c:pt>
+                <c:pt idx="8">
+                  <c:v>0.27300000000000002</c:v>
+                </c:pt>
+              </c:numCache>
+            </c:numRef>
+          </c:val>
+          <c:smooth val="0"/>
+          <c:extLst>
+            <c:ext xmlns:c16="http://schemas.microsoft.com/office/drawing/2014/chart" uri="{C3380CC4-5D6E-409C-BE32-E72D297353CC}">
+              <c16:uniqueId val="{00000003-2AF8-495F-A70C-70E81BEAA6CE}"/>
+            </c:ext>
+          </c:extLst>
+        </c:ser>
+        <c:ser>
+          <c:idx val="4"/>
+          <c:order val="4"/>
+          <c:tx>
+            <c:strRef>
+              <c:f>'長打率, OPS'!$A$6</c:f>
+              <c:strCache>
+                <c:ptCount val="1"/>
+                <c:pt idx="0">
+                  <c:v>G</c:v>
+                </c:pt>
+              </c:strCache>
+            </c:strRef>
+          </c:tx>
+          <c:spPr>
+            <a:ln w="22225" cap="rnd" cmpd="sng" algn="ctr">
+              <a:solidFill>
+                <a:schemeClr val="accent5"/>
+              </a:solidFill>
+              <a:round/>
+            </a:ln>
+            <a:effectLst/>
+          </c:spPr>
+          <c:marker>
+            <c:symbol val="none"/>
+          </c:marker>
+          <c:cat>
+            <c:numRef>
+              <c:f>'長打率, OPS'!$B$1:$J$1</c:f>
+              <c:numCache>
+                <c:formatCode>General</c:formatCode>
+                <c:ptCount val="9"/>
+                <c:pt idx="0">
+                  <c:v>1</c:v>
+                </c:pt>
+                <c:pt idx="1">
+                  <c:v>2</c:v>
+                </c:pt>
+                <c:pt idx="2">
+                  <c:v>3</c:v>
+                </c:pt>
+                <c:pt idx="3">
+                  <c:v>4</c:v>
+                </c:pt>
+                <c:pt idx="4">
+                  <c:v>5</c:v>
+                </c:pt>
+                <c:pt idx="5">
+                  <c:v>6</c:v>
+                </c:pt>
+                <c:pt idx="6">
+                  <c:v>7</c:v>
+                </c:pt>
+                <c:pt idx="7">
+                  <c:v>8</c:v>
+                </c:pt>
+                <c:pt idx="8">
+                  <c:v>9</c:v>
+                </c:pt>
+              </c:numCache>
+            </c:numRef>
+          </c:cat>
+          <c:val>
+            <c:numRef>
+              <c:f>'長打率, OPS'!$B$6:$J$6</c:f>
+              <c:numCache>
+                <c:formatCode>General</c:formatCode>
+                <c:ptCount val="9"/>
+                <c:pt idx="0">
+                  <c:v>0.36199999999999999</c:v>
+                </c:pt>
+                <c:pt idx="1">
+                  <c:v>0.371</c:v>
+                </c:pt>
+                <c:pt idx="2">
+                  <c:v>0.42899999999999999</c:v>
+                </c:pt>
+                <c:pt idx="3">
+                  <c:v>0.39300000000000002</c:v>
+                </c:pt>
+                <c:pt idx="4">
+                  <c:v>0.47</c:v>
+                </c:pt>
+                <c:pt idx="5">
+                  <c:v>0.377</c:v>
+                </c:pt>
+                <c:pt idx="6">
+                  <c:v>0.433</c:v>
+                </c:pt>
+                <c:pt idx="7">
+                  <c:v>0.26600000000000001</c:v>
+                </c:pt>
+                <c:pt idx="8">
+                  <c:v>0.126</c:v>
+                </c:pt>
+              </c:numCache>
+            </c:numRef>
+          </c:val>
+          <c:smooth val="0"/>
+          <c:extLst>
+            <c:ext xmlns:c16="http://schemas.microsoft.com/office/drawing/2014/chart" uri="{C3380CC4-5D6E-409C-BE32-E72D297353CC}">
+              <c16:uniqueId val="{00000004-2AF8-495F-A70C-70E81BEAA6CE}"/>
+            </c:ext>
+          </c:extLst>
+        </c:ser>
+        <c:ser>
+          <c:idx val="5"/>
+          <c:order val="5"/>
+          <c:tx>
+            <c:strRef>
+              <c:f>'長打率, OPS'!$A$7</c:f>
+              <c:strCache>
+                <c:ptCount val="1"/>
+                <c:pt idx="0">
+                  <c:v>H</c:v>
+                </c:pt>
+              </c:strCache>
+            </c:strRef>
+          </c:tx>
+          <c:spPr>
+            <a:ln w="22225" cap="rnd" cmpd="sng" algn="ctr">
+              <a:solidFill>
+                <a:schemeClr val="accent6"/>
+              </a:solidFill>
+              <a:round/>
+            </a:ln>
+            <a:effectLst/>
+          </c:spPr>
+          <c:marker>
+            <c:symbol val="none"/>
+          </c:marker>
+          <c:cat>
+            <c:numRef>
+              <c:f>'長打率, OPS'!$B$1:$J$1</c:f>
+              <c:numCache>
+                <c:formatCode>General</c:formatCode>
+                <c:ptCount val="9"/>
+                <c:pt idx="0">
+                  <c:v>1</c:v>
+                </c:pt>
+                <c:pt idx="1">
+                  <c:v>2</c:v>
+                </c:pt>
+                <c:pt idx="2">
+                  <c:v>3</c:v>
+                </c:pt>
+                <c:pt idx="3">
+                  <c:v>4</c:v>
+                </c:pt>
+                <c:pt idx="4">
+                  <c:v>5</c:v>
+                </c:pt>
+                <c:pt idx="5">
+                  <c:v>6</c:v>
+                </c:pt>
+                <c:pt idx="6">
+                  <c:v>7</c:v>
+                </c:pt>
+                <c:pt idx="7">
+                  <c:v>8</c:v>
+                </c:pt>
+                <c:pt idx="8">
+                  <c:v>9</c:v>
+                </c:pt>
+              </c:numCache>
+            </c:numRef>
+          </c:cat>
+          <c:val>
+            <c:numRef>
+              <c:f>'長打率, OPS'!$B$7:$J$7</c:f>
+              <c:numCache>
+                <c:formatCode>General</c:formatCode>
+                <c:ptCount val="9"/>
+                <c:pt idx="0">
+                  <c:v>0.34</c:v>
+                </c:pt>
+                <c:pt idx="1">
+                  <c:v>0.41699999999999998</c:v>
+                </c:pt>
+                <c:pt idx="2">
+                  <c:v>0.51900000000000002</c:v>
+                </c:pt>
+                <c:pt idx="3">
+                  <c:v>0.48099999999999998</c:v>
+                </c:pt>
+                <c:pt idx="4">
+                  <c:v>0.51100000000000001</c:v>
+                </c:pt>
+                <c:pt idx="5">
+                  <c:v>0.36599999999999999</c:v>
+                </c:pt>
+                <c:pt idx="6">
+                  <c:v>0.441</c:v>
+                </c:pt>
+                <c:pt idx="7">
+                  <c:v>0.434</c:v>
+                </c:pt>
+                <c:pt idx="8">
+                  <c:v>0.31900000000000001</c:v>
+                </c:pt>
+              </c:numCache>
+            </c:numRef>
+          </c:val>
+          <c:smooth val="0"/>
+          <c:extLst>
+            <c:ext xmlns:c16="http://schemas.microsoft.com/office/drawing/2014/chart" uri="{C3380CC4-5D6E-409C-BE32-E72D297353CC}">
+              <c16:uniqueId val="{00000005-2AF8-495F-A70C-70E81BEAA6CE}"/>
+            </c:ext>
+          </c:extLst>
+        </c:ser>
+        <c:ser>
+          <c:idx val="6"/>
+          <c:order val="6"/>
+          <c:tx>
+            <c:strRef>
+              <c:f>'長打率, OPS'!$A$8</c:f>
+              <c:strCache>
+                <c:ptCount val="1"/>
+                <c:pt idx="0">
+                  <c:v>L</c:v>
+                </c:pt>
+              </c:strCache>
+            </c:strRef>
+          </c:tx>
+          <c:spPr>
+            <a:ln w="22225" cap="rnd" cmpd="sng" algn="ctr">
+              <a:solidFill>
+                <a:schemeClr val="accent1">
+                  <a:lumMod val="60000"/>
+                </a:schemeClr>
+              </a:solidFill>
+              <a:round/>
+            </a:ln>
+            <a:effectLst/>
+          </c:spPr>
+          <c:marker>
+            <c:symbol val="none"/>
+          </c:marker>
+          <c:cat>
+            <c:numRef>
+              <c:f>'長打率, OPS'!$B$1:$J$1</c:f>
+              <c:numCache>
+                <c:formatCode>General</c:formatCode>
+                <c:ptCount val="9"/>
+                <c:pt idx="0">
+                  <c:v>1</c:v>
+                </c:pt>
+                <c:pt idx="1">
+                  <c:v>2</c:v>
+                </c:pt>
+                <c:pt idx="2">
+                  <c:v>3</c:v>
+                </c:pt>
+                <c:pt idx="3">
+                  <c:v>4</c:v>
+                </c:pt>
+                <c:pt idx="4">
+                  <c:v>5</c:v>
+                </c:pt>
+                <c:pt idx="5">
+                  <c:v>6</c:v>
+                </c:pt>
+                <c:pt idx="6">
+                  <c:v>7</c:v>
+                </c:pt>
+                <c:pt idx="7">
+                  <c:v>8</c:v>
+                </c:pt>
+                <c:pt idx="8">
+                  <c:v>9</c:v>
+                </c:pt>
+              </c:numCache>
+            </c:numRef>
+          </c:cat>
+          <c:val>
+            <c:numRef>
+              <c:f>'長打率, OPS'!$B$8:$J$8</c:f>
+              <c:numCache>
+                <c:formatCode>General</c:formatCode>
+                <c:ptCount val="9"/>
+                <c:pt idx="0">
+                  <c:v>0.48799999999999999</c:v>
+                </c:pt>
+                <c:pt idx="1">
+                  <c:v>0.34899999999999998</c:v>
+                </c:pt>
+                <c:pt idx="2">
+                  <c:v>0.496</c:v>
+                </c:pt>
+                <c:pt idx="3">
+                  <c:v>0.47399999999999998</c:v>
+                </c:pt>
+                <c:pt idx="4">
+                  <c:v>0.41399999999999998</c:v>
+                </c:pt>
+                <c:pt idx="5">
+                  <c:v>0.45800000000000002</c:v>
+                </c:pt>
+                <c:pt idx="6">
+                  <c:v>0.378</c:v>
+                </c:pt>
+                <c:pt idx="7">
+                  <c:v>0.32500000000000001</c:v>
+                </c:pt>
+                <c:pt idx="8">
+                  <c:v>0.38500000000000001</c:v>
+                </c:pt>
+              </c:numCache>
+            </c:numRef>
+          </c:val>
+          <c:smooth val="0"/>
+          <c:extLst>
+            <c:ext xmlns:c16="http://schemas.microsoft.com/office/drawing/2014/chart" uri="{C3380CC4-5D6E-409C-BE32-E72D297353CC}">
+              <c16:uniqueId val="{00000006-2AF8-495F-A70C-70E81BEAA6CE}"/>
+            </c:ext>
+          </c:extLst>
+        </c:ser>
+        <c:ser>
+          <c:idx val="7"/>
+          <c:order val="7"/>
+          <c:tx>
+            <c:strRef>
+              <c:f>'長打率, OPS'!$A$9</c:f>
+              <c:strCache>
+                <c:ptCount val="1"/>
+                <c:pt idx="0">
+                  <c:v>M</c:v>
+                </c:pt>
+              </c:strCache>
+            </c:strRef>
+          </c:tx>
+          <c:spPr>
+            <a:ln w="22225" cap="rnd" cmpd="sng" algn="ctr">
+              <a:solidFill>
+                <a:schemeClr val="accent2">
+                  <a:lumMod val="60000"/>
+                </a:schemeClr>
+              </a:solidFill>
+              <a:round/>
+            </a:ln>
+            <a:effectLst/>
+          </c:spPr>
+          <c:marker>
+            <c:symbol val="none"/>
+          </c:marker>
+          <c:cat>
+            <c:numRef>
+              <c:f>'長打率, OPS'!$B$1:$J$1</c:f>
+              <c:numCache>
+                <c:formatCode>General</c:formatCode>
+                <c:ptCount val="9"/>
+                <c:pt idx="0">
+                  <c:v>1</c:v>
+                </c:pt>
+                <c:pt idx="1">
+                  <c:v>2</c:v>
+                </c:pt>
+                <c:pt idx="2">
+                  <c:v>3</c:v>
+                </c:pt>
+                <c:pt idx="3">
+                  <c:v>4</c:v>
+                </c:pt>
+                <c:pt idx="4">
+                  <c:v>5</c:v>
+                </c:pt>
+                <c:pt idx="5">
+                  <c:v>6</c:v>
+                </c:pt>
+                <c:pt idx="6">
+                  <c:v>7</c:v>
+                </c:pt>
+                <c:pt idx="7">
+                  <c:v>8</c:v>
+                </c:pt>
+                <c:pt idx="8">
+                  <c:v>9</c:v>
+                </c:pt>
+              </c:numCache>
+            </c:numRef>
+          </c:cat>
+          <c:val>
+            <c:numRef>
+              <c:f>'長打率, OPS'!$B$9:$J$9</c:f>
+              <c:numCache>
+                <c:formatCode>General</c:formatCode>
+                <c:ptCount val="9"/>
+                <c:pt idx="0">
+                  <c:v>0.33500000000000002</c:v>
+                </c:pt>
+                <c:pt idx="1">
+                  <c:v>0.374</c:v>
+                </c:pt>
+                <c:pt idx="2">
+                  <c:v>0.34899999999999998</c:v>
+                </c:pt>
+                <c:pt idx="3">
+                  <c:v>0.39</c:v>
+                </c:pt>
+                <c:pt idx="4">
+                  <c:v>0.43099999999999999</c:v>
+                </c:pt>
+                <c:pt idx="5">
+                  <c:v>0.39300000000000002</c:v>
+                </c:pt>
+                <c:pt idx="6">
+                  <c:v>0.33300000000000002</c:v>
+                </c:pt>
+                <c:pt idx="7">
+                  <c:v>0.30099999999999999</c:v>
+                </c:pt>
+                <c:pt idx="8">
+                  <c:v>0.28000000000000003</c:v>
+                </c:pt>
+              </c:numCache>
+            </c:numRef>
+          </c:val>
+          <c:smooth val="0"/>
+          <c:extLst>
+            <c:ext xmlns:c16="http://schemas.microsoft.com/office/drawing/2014/chart" uri="{C3380CC4-5D6E-409C-BE32-E72D297353CC}">
+              <c16:uniqueId val="{00000007-2AF8-495F-A70C-70E81BEAA6CE}"/>
+            </c:ext>
+          </c:extLst>
+        </c:ser>
+        <c:ser>
+          <c:idx val="8"/>
+          <c:order val="8"/>
+          <c:tx>
+            <c:strRef>
+              <c:f>'長打率, OPS'!$A$10</c:f>
+              <c:strCache>
+                <c:ptCount val="1"/>
+                <c:pt idx="0">
+                  <c:v>Bs</c:v>
+                </c:pt>
+              </c:strCache>
+            </c:strRef>
+          </c:tx>
+          <c:spPr>
+            <a:ln w="22225" cap="rnd" cmpd="sng" algn="ctr">
+              <a:solidFill>
+                <a:schemeClr val="accent3">
+                  <a:lumMod val="60000"/>
+                </a:schemeClr>
+              </a:solidFill>
+              <a:round/>
+            </a:ln>
+            <a:effectLst/>
+          </c:spPr>
+          <c:marker>
+            <c:symbol val="none"/>
+          </c:marker>
+          <c:cat>
+            <c:numRef>
+              <c:f>'長打率, OPS'!$B$1:$J$1</c:f>
+              <c:numCache>
+                <c:formatCode>General</c:formatCode>
+                <c:ptCount val="9"/>
+                <c:pt idx="0">
+                  <c:v>1</c:v>
+                </c:pt>
+                <c:pt idx="1">
+                  <c:v>2</c:v>
+                </c:pt>
+                <c:pt idx="2">
+                  <c:v>3</c:v>
+                </c:pt>
+                <c:pt idx="3">
+                  <c:v>4</c:v>
+                </c:pt>
+                <c:pt idx="4">
+                  <c:v>5</c:v>
+                </c:pt>
+                <c:pt idx="5">
+                  <c:v>6</c:v>
+                </c:pt>
+                <c:pt idx="6">
+                  <c:v>7</c:v>
+                </c:pt>
+                <c:pt idx="7">
+                  <c:v>8</c:v>
+                </c:pt>
+                <c:pt idx="8">
+                  <c:v>9</c:v>
+                </c:pt>
+              </c:numCache>
+            </c:numRef>
+          </c:cat>
+          <c:val>
+            <c:numRef>
+              <c:f>'長打率, OPS'!$B$10:$J$10</c:f>
+              <c:numCache>
+                <c:formatCode>General</c:formatCode>
+                <c:ptCount val="9"/>
+                <c:pt idx="0">
+                  <c:v>0.45100000000000001</c:v>
+                </c:pt>
+                <c:pt idx="1">
+                  <c:v>0.3</c:v>
+                </c:pt>
+                <c:pt idx="2">
+                  <c:v>0.33500000000000002</c:v>
+                </c:pt>
+                <c:pt idx="3">
+                  <c:v>0.46800000000000003</c:v>
+                </c:pt>
+                <c:pt idx="4">
+                  <c:v>0.374</c:v>
+                </c:pt>
+                <c:pt idx="5">
+                  <c:v>0.501</c:v>
+                </c:pt>
+                <c:pt idx="6">
+                  <c:v>0.35599999999999998</c:v>
+                </c:pt>
+                <c:pt idx="7">
+                  <c:v>0.31</c:v>
+                </c:pt>
+                <c:pt idx="8">
+                  <c:v>0.313</c:v>
+                </c:pt>
+              </c:numCache>
+            </c:numRef>
+          </c:val>
+          <c:smooth val="0"/>
+          <c:extLst>
+            <c:ext xmlns:c16="http://schemas.microsoft.com/office/drawing/2014/chart" uri="{C3380CC4-5D6E-409C-BE32-E72D297353CC}">
+              <c16:uniqueId val="{00000008-2AF8-495F-A70C-70E81BEAA6CE}"/>
+            </c:ext>
+          </c:extLst>
+        </c:ser>
+        <c:ser>
+          <c:idx val="9"/>
+          <c:order val="9"/>
+          <c:tx>
+            <c:strRef>
+              <c:f>'長打率, OPS'!$A$11</c:f>
+              <c:strCache>
+                <c:ptCount val="1"/>
+                <c:pt idx="0">
+                  <c:v>S</c:v>
+                </c:pt>
+              </c:strCache>
+            </c:strRef>
+          </c:tx>
+          <c:spPr>
+            <a:ln w="22225" cap="rnd" cmpd="sng" algn="ctr">
+              <a:solidFill>
+                <a:schemeClr val="accent4">
+                  <a:lumMod val="60000"/>
+                </a:schemeClr>
+              </a:solidFill>
+              <a:round/>
+            </a:ln>
+            <a:effectLst/>
+          </c:spPr>
+          <c:marker>
+            <c:symbol val="none"/>
+          </c:marker>
+          <c:cat>
+            <c:numRef>
+              <c:f>'長打率, OPS'!$B$1:$J$1</c:f>
+              <c:numCache>
+                <c:formatCode>General</c:formatCode>
+                <c:ptCount val="9"/>
+                <c:pt idx="0">
+                  <c:v>1</c:v>
+                </c:pt>
+                <c:pt idx="1">
+                  <c:v>2</c:v>
+                </c:pt>
+                <c:pt idx="2">
+                  <c:v>3</c:v>
+                </c:pt>
+                <c:pt idx="3">
+                  <c:v>4</c:v>
+                </c:pt>
+                <c:pt idx="4">
+                  <c:v>5</c:v>
+                </c:pt>
+                <c:pt idx="5">
+                  <c:v>6</c:v>
+                </c:pt>
+                <c:pt idx="6">
+                  <c:v>7</c:v>
+                </c:pt>
+                <c:pt idx="7">
+                  <c:v>8</c:v>
+                </c:pt>
+                <c:pt idx="8">
+                  <c:v>9</c:v>
+                </c:pt>
+              </c:numCache>
+            </c:numRef>
+          </c:cat>
+          <c:val>
+            <c:numRef>
+              <c:f>'長打率, OPS'!$B$11:$J$11</c:f>
+              <c:numCache>
+                <c:formatCode>General</c:formatCode>
+                <c:ptCount val="9"/>
+                <c:pt idx="0">
+                  <c:v>0.375</c:v>
+                </c:pt>
+                <c:pt idx="1">
+                  <c:v>0.29099999999999998</c:v>
+                </c:pt>
+                <c:pt idx="2">
+                  <c:v>0.45400000000000001</c:v>
+                </c:pt>
+                <c:pt idx="3">
+                  <c:v>0.439</c:v>
+                </c:pt>
+                <c:pt idx="4">
+                  <c:v>0.36499999999999999</c:v>
+                </c:pt>
+                <c:pt idx="5">
+                  <c:v>0.27500000000000002</c:v>
+                </c:pt>
+                <c:pt idx="6">
+                  <c:v>0.32200000000000001</c:v>
+                </c:pt>
+                <c:pt idx="7">
+                  <c:v>0.29499999999999998</c:v>
+                </c:pt>
+                <c:pt idx="8">
+                  <c:v>0.11899999999999999</c:v>
+                </c:pt>
+              </c:numCache>
+            </c:numRef>
+          </c:val>
+          <c:smooth val="0"/>
+          <c:extLst>
+            <c:ext xmlns:c16="http://schemas.microsoft.com/office/drawing/2014/chart" uri="{C3380CC4-5D6E-409C-BE32-E72D297353CC}">
+              <c16:uniqueId val="{00000009-2AF8-495F-A70C-70E81BEAA6CE}"/>
+            </c:ext>
+          </c:extLst>
+        </c:ser>
+        <c:ser>
+          <c:idx val="10"/>
+          <c:order val="10"/>
+          <c:tx>
+            <c:strRef>
+              <c:f>'長打率, OPS'!$A$12</c:f>
+              <c:strCache>
+                <c:ptCount val="1"/>
+                <c:pt idx="0">
+                  <c:v>T</c:v>
+                </c:pt>
+              </c:strCache>
+            </c:strRef>
+          </c:tx>
+          <c:spPr>
+            <a:ln w="22225" cap="rnd" cmpd="sng" algn="ctr">
+              <a:solidFill>
+                <a:schemeClr val="accent5">
+                  <a:lumMod val="60000"/>
+                </a:schemeClr>
+              </a:solidFill>
+              <a:round/>
+            </a:ln>
+            <a:effectLst/>
+          </c:spPr>
+          <c:marker>
+            <c:symbol val="none"/>
+          </c:marker>
+          <c:cat>
+            <c:numRef>
+              <c:f>'長打率, OPS'!$B$1:$J$1</c:f>
+              <c:numCache>
+                <c:formatCode>General</c:formatCode>
+                <c:ptCount val="9"/>
+                <c:pt idx="0">
+                  <c:v>1</c:v>
+                </c:pt>
+                <c:pt idx="1">
+                  <c:v>2</c:v>
+                </c:pt>
+                <c:pt idx="2">
+                  <c:v>3</c:v>
+                </c:pt>
+                <c:pt idx="3">
+                  <c:v>4</c:v>
+                </c:pt>
+                <c:pt idx="4">
+                  <c:v>5</c:v>
+                </c:pt>
+                <c:pt idx="5">
+                  <c:v>6</c:v>
+                </c:pt>
+                <c:pt idx="6">
+                  <c:v>7</c:v>
+                </c:pt>
+                <c:pt idx="7">
+                  <c:v>8</c:v>
+                </c:pt>
+                <c:pt idx="8">
+                  <c:v>9</c:v>
+                </c:pt>
+              </c:numCache>
+            </c:numRef>
+          </c:cat>
+          <c:val>
+            <c:numRef>
+              <c:f>'長打率, OPS'!$B$12:$J$12</c:f>
+              <c:numCache>
+                <c:formatCode>General</c:formatCode>
+                <c:ptCount val="9"/>
+                <c:pt idx="0">
+                  <c:v>0.41899999999999998</c:v>
+                </c:pt>
+                <c:pt idx="1">
+                  <c:v>0.374</c:v>
+                </c:pt>
+                <c:pt idx="2">
+                  <c:v>0.434</c:v>
+                </c:pt>
+                <c:pt idx="3">
+                  <c:v>0.38500000000000001</c:v>
+                </c:pt>
+                <c:pt idx="4">
+                  <c:v>0.42099999999999999</c:v>
+                </c:pt>
+                <c:pt idx="5">
+                  <c:v>0.36899999999999999</c:v>
+                </c:pt>
+                <c:pt idx="6">
+                  <c:v>0.38700000000000001</c:v>
+                </c:pt>
+                <c:pt idx="7">
+                  <c:v>0.29299999999999998</c:v>
+                </c:pt>
+                <c:pt idx="8">
+                  <c:v>0.17699999999999999</c:v>
+                </c:pt>
+              </c:numCache>
+            </c:numRef>
+          </c:val>
+          <c:smooth val="0"/>
+          <c:extLst>
+            <c:ext xmlns:c16="http://schemas.microsoft.com/office/drawing/2014/chart" uri="{C3380CC4-5D6E-409C-BE32-E72D297353CC}">
+              <c16:uniqueId val="{0000000A-2AF8-495F-A70C-70E81BEAA6CE}"/>
+            </c:ext>
+          </c:extLst>
+        </c:ser>
+        <c:ser>
+          <c:idx val="11"/>
+          <c:order val="11"/>
+          <c:tx>
+            <c:strRef>
+              <c:f>'長打率, OPS'!$A$13</c:f>
+              <c:strCache>
+                <c:ptCount val="1"/>
+                <c:pt idx="0">
+                  <c:v>DB</c:v>
+                </c:pt>
+              </c:strCache>
+            </c:strRef>
+          </c:tx>
+          <c:spPr>
+            <a:ln w="22225" cap="rnd" cmpd="sng" algn="ctr">
+              <a:solidFill>
+                <a:schemeClr val="accent6">
+                  <a:lumMod val="60000"/>
+                </a:schemeClr>
+              </a:solidFill>
+              <a:round/>
+            </a:ln>
+            <a:effectLst/>
+          </c:spPr>
+          <c:marker>
+            <c:symbol val="none"/>
+          </c:marker>
+          <c:cat>
+            <c:numRef>
+              <c:f>'長打率, OPS'!$B$1:$J$1</c:f>
+              <c:numCache>
+                <c:formatCode>General</c:formatCode>
+                <c:ptCount val="9"/>
+                <c:pt idx="0">
+                  <c:v>1</c:v>
+                </c:pt>
+                <c:pt idx="1">
+                  <c:v>2</c:v>
+                </c:pt>
+                <c:pt idx="2">
+                  <c:v>3</c:v>
+                </c:pt>
+                <c:pt idx="3">
+                  <c:v>4</c:v>
+                </c:pt>
+                <c:pt idx="4">
+                  <c:v>5</c:v>
+                </c:pt>
+                <c:pt idx="5">
+                  <c:v>6</c:v>
+                </c:pt>
+                <c:pt idx="6">
+                  <c:v>7</c:v>
+                </c:pt>
+                <c:pt idx="7">
+                  <c:v>8</c:v>
+                </c:pt>
+                <c:pt idx="8">
+                  <c:v>9</c:v>
+                </c:pt>
+              </c:numCache>
+            </c:numRef>
+          </c:cat>
+          <c:val>
+            <c:numRef>
+              <c:f>'長打率, OPS'!$B$13:$J$13</c:f>
+              <c:numCache>
+                <c:formatCode>General</c:formatCode>
+                <c:ptCount val="9"/>
+                <c:pt idx="0">
+                  <c:v>0.41499999999999998</c:v>
+                </c:pt>
+                <c:pt idx="1">
+                  <c:v>0.374</c:v>
+                </c:pt>
+                <c:pt idx="2">
+                  <c:v>0.53200000000000003</c:v>
+                </c:pt>
+                <c:pt idx="3">
+                  <c:v>0.497</c:v>
+                </c:pt>
+                <c:pt idx="4">
+                  <c:v>0.47199999999999998</c:v>
+                </c:pt>
+                <c:pt idx="5">
+                  <c:v>0.33300000000000002</c:v>
+                </c:pt>
+                <c:pt idx="6">
+                  <c:v>0.33</c:v>
+                </c:pt>
+                <c:pt idx="7">
+                  <c:v>0.21199999999999999</c:v>
+                </c:pt>
+                <c:pt idx="8">
+                  <c:v>0.32800000000000001</c:v>
+                </c:pt>
+              </c:numCache>
+            </c:numRef>
+          </c:val>
+          <c:smooth val="0"/>
+          <c:extLst>
+            <c:ext xmlns:c16="http://schemas.microsoft.com/office/drawing/2014/chart" uri="{C3380CC4-5D6E-409C-BE32-E72D297353CC}">
+              <c16:uniqueId val="{0000000B-2AF8-495F-A70C-70E81BEAA6CE}"/>
+            </c:ext>
+          </c:extLst>
+        </c:ser>
+        <c:dLbls>
+          <c:showLegendKey val="0"/>
+          <c:showVal val="0"/>
+          <c:showCatName val="0"/>
+          <c:showSerName val="0"/>
+          <c:showPercent val="0"/>
+          <c:showBubbleSize val="0"/>
+        </c:dLbls>
+        <c:dropLines>
+          <c:spPr>
+            <a:ln w="9525" cap="flat" cmpd="sng" algn="ctr">
+              <a:solidFill>
+                <a:schemeClr val="dk1">
+                  <a:lumMod val="35000"/>
+                  <a:lumOff val="65000"/>
+                  <a:alpha val="33000"/>
+                </a:schemeClr>
+              </a:solidFill>
+              <a:round/>
+            </a:ln>
+            <a:effectLst/>
+          </c:spPr>
+        </c:dropLines>
+        <c:smooth val="0"/>
+        <c:axId val="482517992"/>
+        <c:axId val="482522912"/>
+      </c:lineChart>
+      <c:catAx>
+        <c:axId val="482517992"/>
+        <c:scaling>
+          <c:orientation val="minMax"/>
+        </c:scaling>
+        <c:delete val="0"/>
+        <c:axPos val="b"/>
+        <c:numFmt formatCode="General" sourceLinked="1"/>
+        <c:majorTickMark val="none"/>
+        <c:minorTickMark val="none"/>
+        <c:tickLblPos val="nextTo"/>
+        <c:spPr>
+          <a:noFill/>
+          <a:ln w="9525" cap="flat" cmpd="sng" algn="ctr">
+            <a:solidFill>
+              <a:schemeClr val="dk1">
+                <a:lumMod val="15000"/>
+                <a:lumOff val="85000"/>
+              </a:schemeClr>
+            </a:solidFill>
+            <a:round/>
+          </a:ln>
+          <a:effectLst/>
+        </c:spPr>
+        <c:txPr>
+          <a:bodyPr rot="-60000000" spcFirstLastPara="1" vertOverflow="ellipsis" vert="horz" wrap="square" anchor="ctr" anchorCtr="1"/>
+          <a:lstStyle/>
+          <a:p>
+            <a:pPr>
+              <a:defRPr sz="1197" b="0" i="0" u="none" strike="noStrike" kern="1200" spc="20" baseline="0">
+                <a:solidFill>
+                  <a:schemeClr val="dk1">
+                    <a:lumMod val="65000"/>
+                    <a:lumOff val="35000"/>
+                  </a:schemeClr>
+                </a:solidFill>
+                <a:latin typeface="+mn-lt"/>
+                <a:ea typeface="+mn-ea"/>
+                <a:cs typeface="+mn-cs"/>
+              </a:defRPr>
+            </a:pPr>
+            <a:endParaRPr lang="ja-JP"/>
+          </a:p>
+        </c:txPr>
+        <c:crossAx val="482522912"/>
+        <c:crosses val="autoZero"/>
+        <c:auto val="1"/>
+        <c:lblAlgn val="ctr"/>
+        <c:lblOffset val="100"/>
+        <c:noMultiLvlLbl val="0"/>
+      </c:catAx>
+      <c:valAx>
+        <c:axId val="482522912"/>
+        <c:scaling>
+          <c:orientation val="minMax"/>
+        </c:scaling>
+        <c:delete val="0"/>
+        <c:axPos val="l"/>
+        <c:numFmt formatCode="General" sourceLinked="1"/>
+        <c:majorTickMark val="none"/>
+        <c:minorTickMark val="none"/>
+        <c:tickLblPos val="nextTo"/>
+        <c:spPr>
+          <a:noFill/>
+          <a:ln>
+            <a:noFill/>
+          </a:ln>
+          <a:effectLst/>
+        </c:spPr>
+        <c:txPr>
+          <a:bodyPr rot="-60000000" spcFirstLastPara="1" vertOverflow="ellipsis" vert="horz" wrap="square" anchor="ctr" anchorCtr="1"/>
+          <a:lstStyle/>
+          <a:p>
+            <a:pPr>
+              <a:defRPr sz="1197" b="0" i="0" u="none" strike="noStrike" kern="1200" spc="20" baseline="0">
+                <a:solidFill>
+                  <a:schemeClr val="dk1">
+                    <a:lumMod val="65000"/>
+                    <a:lumOff val="35000"/>
+                  </a:schemeClr>
+                </a:solidFill>
+                <a:latin typeface="+mn-lt"/>
+                <a:ea typeface="+mn-ea"/>
+                <a:cs typeface="+mn-cs"/>
+              </a:defRPr>
+            </a:pPr>
+            <a:endParaRPr lang="ja-JP"/>
+          </a:p>
+        </c:txPr>
+        <c:crossAx val="482517992"/>
+        <c:crosses val="autoZero"/>
+        <c:crossBetween val="between"/>
+      </c:valAx>
+      <c:spPr>
+        <a:gradFill>
+          <a:gsLst>
+            <a:gs pos="100000">
+              <a:schemeClr val="lt1">
+                <a:lumMod val="95000"/>
+              </a:schemeClr>
+            </a:gs>
+            <a:gs pos="0">
+              <a:schemeClr val="lt1"/>
+            </a:gs>
+          </a:gsLst>
+          <a:lin ang="5400000" scaled="0"/>
+        </a:gradFill>
+        <a:ln>
+          <a:noFill/>
+        </a:ln>
+        <a:effectLst/>
+      </c:spPr>
+    </c:plotArea>
+    <c:legend>
+      <c:legendPos val="b"/>
+      <c:overlay val="0"/>
+      <c:spPr>
+        <a:noFill/>
+        <a:ln>
+          <a:noFill/>
+        </a:ln>
+        <a:effectLst/>
+      </c:spPr>
+      <c:txPr>
+        <a:bodyPr rot="0" spcFirstLastPara="1" vertOverflow="ellipsis" vert="horz" wrap="square" anchor="ctr" anchorCtr="1"/>
+        <a:lstStyle/>
+        <a:p>
+          <a:pPr>
+            <a:defRPr sz="1197" b="0" i="0" u="none" strike="noStrike" kern="1200" baseline="0">
+              <a:solidFill>
+                <a:schemeClr val="dk1">
+                  <a:lumMod val="65000"/>
+                  <a:lumOff val="35000"/>
+                </a:schemeClr>
+              </a:solidFill>
+              <a:latin typeface="+mn-lt"/>
+              <a:ea typeface="+mn-ea"/>
+              <a:cs typeface="+mn-cs"/>
+            </a:defRPr>
+          </a:pPr>
+          <a:endParaRPr lang="ja-JP"/>
+        </a:p>
+      </c:txPr>
+    </c:legend>
+    <c:plotVisOnly val="1"/>
+    <c:dispBlanksAs val="gap"/>
+    <c:showDLblsOverMax val="0"/>
+  </c:chart>
+  <c:spPr>
+    <a:solidFill>
+      <a:schemeClr val="lt1"/>
+    </a:solidFill>
+    <a:ln>
+      <a:noFill/>
     </a:ln>
     <a:effectLst/>
   </c:spPr>
@@ -21691,6 +23670,46 @@
 </cs:colorStyle>
 </file>
 
+<file path=ppt/charts/colors36.xml><?xml version="1.0" encoding="utf-8"?>
+<cs:colorStyle xmlns:cs="http://schemas.microsoft.com/office/drawing/2012/chartStyle" xmlns:a="http://schemas.openxmlformats.org/drawingml/2006/main" meth="cycle" id="10">
+  <a:schemeClr val="accent1"/>
+  <a:schemeClr val="accent2"/>
+  <a:schemeClr val="accent3"/>
+  <a:schemeClr val="accent4"/>
+  <a:schemeClr val="accent5"/>
+  <a:schemeClr val="accent6"/>
+  <cs:variation/>
+  <cs:variation>
+    <a:lumMod val="60000"/>
+  </cs:variation>
+  <cs:variation>
+    <a:lumMod val="80000"/>
+    <a:lumOff val="20000"/>
+  </cs:variation>
+  <cs:variation>
+    <a:lumMod val="80000"/>
+  </cs:variation>
+  <cs:variation>
+    <a:lumMod val="60000"/>
+    <a:lumOff val="40000"/>
+  </cs:variation>
+  <cs:variation>
+    <a:lumMod val="50000"/>
+  </cs:variation>
+  <cs:variation>
+    <a:lumMod val="70000"/>
+    <a:lumOff val="30000"/>
+  </cs:variation>
+  <cs:variation>
+    <a:lumMod val="70000"/>
+  </cs:variation>
+  <cs:variation>
+    <a:lumMod val="50000"/>
+    <a:lumOff val="50000"/>
+  </cs:variation>
+</cs:colorStyle>
+</file>
+
 <file path=ppt/charts/colors4.xml><?xml version="1.0" encoding="utf-8"?>
 <cs:colorStyle xmlns:cs="http://schemas.microsoft.com/office/drawing/2012/chartStyle" xmlns:a="http://schemas.openxmlformats.org/drawingml/2006/main" meth="cycle" id="11">
   <a:schemeClr val="accent1"/>
@@ -37479,6 +39498,544 @@
 </cs:chartStyle>
 </file>
 
+<file path=ppt/charts/style36.xml><?xml version="1.0" encoding="utf-8"?>
+<cs:chartStyle xmlns:cs="http://schemas.microsoft.com/office/drawing/2012/chartStyle" xmlns:a="http://schemas.openxmlformats.org/drawingml/2006/main" id="230">
+  <cs:axisTitle>
+    <cs:lnRef idx="0"/>
+    <cs:fillRef idx="0"/>
+    <cs:effectRef idx="0"/>
+    <cs:fontRef idx="minor">
+      <a:schemeClr val="dk1">
+        <a:lumMod val="65000"/>
+        <a:lumOff val="35000"/>
+      </a:schemeClr>
+    </cs:fontRef>
+    <cs:defRPr sz="1197" kern="1200" cap="all"/>
+  </cs:axisTitle>
+  <cs:categoryAxis>
+    <cs:lnRef idx="0"/>
+    <cs:fillRef idx="0"/>
+    <cs:effectRef idx="0"/>
+    <cs:fontRef idx="minor">
+      <a:schemeClr val="dk1">
+        <a:lumMod val="65000"/>
+        <a:lumOff val="35000"/>
+      </a:schemeClr>
+    </cs:fontRef>
+    <cs:spPr>
+      <a:ln w="9525" cap="flat" cmpd="sng" algn="ctr">
+        <a:solidFill>
+          <a:schemeClr val="dk1">
+            <a:lumMod val="15000"/>
+            <a:lumOff val="85000"/>
+          </a:schemeClr>
+        </a:solidFill>
+        <a:round/>
+      </a:ln>
+    </cs:spPr>
+    <cs:defRPr sz="1197" b="0" kern="1200" spc="20" baseline="0"/>
+  </cs:categoryAxis>
+  <cs:chartArea mods="allowNoLineOverride">
+    <cs:lnRef idx="0"/>
+    <cs:fillRef idx="0"/>
+    <cs:effectRef idx="0"/>
+    <cs:fontRef idx="minor">
+      <a:schemeClr val="dk1"/>
+    </cs:fontRef>
+    <cs:spPr>
+      <a:solidFill>
+        <a:schemeClr val="lt1"/>
+      </a:solidFill>
+      <a:ln w="9525" cap="flat" cmpd="sng" algn="ctr">
+        <a:solidFill>
+          <a:schemeClr val="dk1">
+            <a:lumMod val="15000"/>
+            <a:lumOff val="85000"/>
+          </a:schemeClr>
+        </a:solidFill>
+        <a:round/>
+      </a:ln>
+    </cs:spPr>
+    <cs:defRPr sz="1197" kern="1200"/>
+  </cs:chartArea>
+  <cs:dataLabel>
+    <cs:lnRef idx="0"/>
+    <cs:fillRef idx="0"/>
+    <cs:effectRef idx="0"/>
+    <cs:fontRef idx="minor">
+      <a:schemeClr val="dk1">
+        <a:lumMod val="65000"/>
+        <a:lumOff val="35000"/>
+      </a:schemeClr>
+    </cs:fontRef>
+    <cs:defRPr sz="1197" kern="1200"/>
+  </cs:dataLabel>
+  <cs:dataLabelCallout>
+    <cs:lnRef idx="0"/>
+    <cs:fillRef idx="0"/>
+    <cs:effectRef idx="0"/>
+    <cs:fontRef idx="minor">
+      <a:schemeClr val="dk1">
+        <a:lumMod val="65000"/>
+        <a:lumOff val="35000"/>
+      </a:schemeClr>
+    </cs:fontRef>
+    <cs:spPr>
+      <a:solidFill>
+        <a:schemeClr val="lt1"/>
+      </a:solidFill>
+      <a:ln>
+        <a:solidFill>
+          <a:schemeClr val="dk1">
+            <a:lumMod val="25000"/>
+            <a:lumOff val="75000"/>
+          </a:schemeClr>
+        </a:solidFill>
+      </a:ln>
+    </cs:spPr>
+    <cs:defRPr sz="1197" kern="1200"/>
+    <cs:bodyPr rot="0" spcFirstLastPara="1" vertOverflow="clip" horzOverflow="clip" vert="horz" wrap="square" lIns="36576" tIns="18288" rIns="36576" bIns="18288" anchor="ctr" anchorCtr="1">
+      <a:spAutoFit/>
+    </cs:bodyPr>
+  </cs:dataLabelCallout>
+  <cs:dataPoint>
+    <cs:lnRef idx="0">
+      <cs:styleClr val="auto"/>
+    </cs:lnRef>
+    <cs:fillRef idx="2">
+      <cs:styleClr val="auto"/>
+    </cs:fillRef>
+    <cs:effectRef idx="1"/>
+    <cs:fontRef idx="minor">
+      <a:schemeClr val="dk1"/>
+    </cs:fontRef>
+    <cs:spPr>
+      <a:ln w="9525" cap="flat" cmpd="sng" algn="ctr">
+        <a:solidFill>
+          <a:schemeClr val="phClr">
+            <a:shade val="95000"/>
+          </a:schemeClr>
+        </a:solidFill>
+        <a:round/>
+      </a:ln>
+    </cs:spPr>
+  </cs:dataPoint>
+  <cs:dataPoint3D>
+    <cs:lnRef idx="0">
+      <cs:styleClr val="auto"/>
+    </cs:lnRef>
+    <cs:fillRef idx="2">
+      <cs:styleClr val="auto"/>
+    </cs:fillRef>
+    <cs:effectRef idx="1"/>
+    <cs:fontRef idx="minor">
+      <a:schemeClr val="dk1"/>
+    </cs:fontRef>
+    <cs:spPr>
+      <a:ln w="9525" cap="flat" cmpd="sng" algn="ctr">
+        <a:solidFill>
+          <a:schemeClr val="phClr">
+            <a:shade val="95000"/>
+          </a:schemeClr>
+        </a:solidFill>
+        <a:round/>
+      </a:ln>
+    </cs:spPr>
+  </cs:dataPoint3D>
+  <cs:dataPointLine>
+    <cs:lnRef idx="0">
+      <cs:styleClr val="auto"/>
+    </cs:lnRef>
+    <cs:fillRef idx="0"/>
+    <cs:effectRef idx="0"/>
+    <cs:fontRef idx="minor">
+      <a:schemeClr val="dk1"/>
+    </cs:fontRef>
+    <cs:spPr>
+      <a:ln w="22225" cap="rnd" cmpd="sng" algn="ctr">
+        <a:solidFill>
+          <a:schemeClr val="phClr"/>
+        </a:solidFill>
+        <a:round/>
+      </a:ln>
+    </cs:spPr>
+  </cs:dataPointLine>
+  <cs:dataPointMarker>
+    <cs:lnRef idx="0">
+      <cs:styleClr val="auto"/>
+    </cs:lnRef>
+    <cs:fillRef idx="0">
+      <cs:styleClr val="auto"/>
+    </cs:fillRef>
+    <cs:effectRef idx="0"/>
+    <cs:fontRef idx="minor">
+      <a:schemeClr val="dk1"/>
+    </cs:fontRef>
+    <cs:spPr>
+      <a:solidFill>
+        <a:schemeClr val="phClr"/>
+      </a:solidFill>
+      <a:ln w="9525" cap="flat" cmpd="sng" algn="ctr">
+        <a:solidFill>
+          <a:schemeClr val="phClr"/>
+        </a:solidFill>
+        <a:round/>
+      </a:ln>
+    </cs:spPr>
+  </cs:dataPointMarker>
+  <cs:dataPointMarkerLayout symbol="circle" size="4"/>
+  <cs:dataPointWireframe>
+    <cs:lnRef idx="0">
+      <cs:styleClr val="auto"/>
+    </cs:lnRef>
+    <cs:fillRef idx="0"/>
+    <cs:effectRef idx="0"/>
+    <cs:fontRef idx="minor">
+      <a:schemeClr val="dk1"/>
+    </cs:fontRef>
+    <cs:spPr>
+      <a:ln w="9525" cap="rnd">
+        <a:solidFill>
+          <a:schemeClr val="phClr"/>
+        </a:solidFill>
+        <a:round/>
+      </a:ln>
+    </cs:spPr>
+  </cs:dataPointWireframe>
+  <cs:dataTable>
+    <cs:lnRef idx="0"/>
+    <cs:fillRef idx="0"/>
+    <cs:effectRef idx="0"/>
+    <cs:fontRef idx="minor">
+      <a:schemeClr val="dk1">
+        <a:lumMod val="65000"/>
+        <a:lumOff val="35000"/>
+      </a:schemeClr>
+    </cs:fontRef>
+    <cs:spPr>
+      <a:ln w="9525">
+        <a:solidFill>
+          <a:schemeClr val="dk1">
+            <a:lumMod val="15000"/>
+            <a:lumOff val="85000"/>
+          </a:schemeClr>
+        </a:solidFill>
+      </a:ln>
+    </cs:spPr>
+    <cs:defRPr sz="1197" kern="1200"/>
+  </cs:dataTable>
+  <cs:downBar>
+    <cs:lnRef idx="0"/>
+    <cs:fillRef idx="0"/>
+    <cs:effectRef idx="0"/>
+    <cs:fontRef idx="minor">
+      <a:schemeClr val="dk1"/>
+    </cs:fontRef>
+    <cs:spPr>
+      <a:solidFill>
+        <a:schemeClr val="dk1">
+          <a:lumMod val="75000"/>
+          <a:lumOff val="25000"/>
+        </a:schemeClr>
+      </a:solidFill>
+      <a:ln w="9525">
+        <a:solidFill>
+          <a:schemeClr val="dk1">
+            <a:lumMod val="65000"/>
+            <a:lumOff val="35000"/>
+          </a:schemeClr>
+        </a:solidFill>
+      </a:ln>
+    </cs:spPr>
+  </cs:downBar>
+  <cs:dropLine>
+    <cs:lnRef idx="0"/>
+    <cs:fillRef idx="0"/>
+    <cs:effectRef idx="0"/>
+    <cs:fontRef idx="minor">
+      <a:schemeClr val="dk1"/>
+    </cs:fontRef>
+    <cs:spPr>
+      <a:ln w="9525" cap="flat" cmpd="sng" algn="ctr">
+        <a:solidFill>
+          <a:schemeClr val="dk1">
+            <a:lumMod val="35000"/>
+            <a:lumOff val="65000"/>
+            <a:alpha val="33000"/>
+          </a:schemeClr>
+        </a:solidFill>
+        <a:round/>
+      </a:ln>
+    </cs:spPr>
+  </cs:dropLine>
+  <cs:errorBar>
+    <cs:lnRef idx="0"/>
+    <cs:fillRef idx="0"/>
+    <cs:effectRef idx="0"/>
+    <cs:fontRef idx="minor">
+      <a:schemeClr val="dk1"/>
+    </cs:fontRef>
+    <cs:spPr>
+      <a:ln w="9525">
+        <a:solidFill>
+          <a:schemeClr val="dk1">
+            <a:lumMod val="65000"/>
+            <a:lumOff val="35000"/>
+          </a:schemeClr>
+        </a:solidFill>
+      </a:ln>
+    </cs:spPr>
+  </cs:errorBar>
+  <cs:floor>
+    <cs:lnRef idx="0"/>
+    <cs:fillRef idx="0"/>
+    <cs:effectRef idx="0"/>
+    <cs:fontRef idx="minor">
+      <a:schemeClr val="dk1"/>
+    </cs:fontRef>
+  </cs:floor>
+  <cs:gridlineMajor>
+    <cs:lnRef idx="0"/>
+    <cs:fillRef idx="0"/>
+    <cs:effectRef idx="0"/>
+    <cs:fontRef idx="minor">
+      <a:schemeClr val="dk1"/>
+    </cs:fontRef>
+    <cs:spPr>
+      <a:ln>
+        <a:solidFill>
+          <a:schemeClr val="dk1">
+            <a:lumMod val="15000"/>
+            <a:lumOff val="85000"/>
+          </a:schemeClr>
+        </a:solidFill>
+      </a:ln>
+    </cs:spPr>
+  </cs:gridlineMajor>
+  <cs:gridlineMinor>
+    <cs:lnRef idx="0"/>
+    <cs:fillRef idx="0"/>
+    <cs:effectRef idx="0"/>
+    <cs:fontRef idx="minor">
+      <a:schemeClr val="dk1"/>
+    </cs:fontRef>
+    <cs:spPr>
+      <a:ln>
+        <a:solidFill>
+          <a:schemeClr val="dk1">
+            <a:lumMod val="5000"/>
+            <a:lumOff val="95000"/>
+          </a:schemeClr>
+        </a:solidFill>
+      </a:ln>
+    </cs:spPr>
+  </cs:gridlineMinor>
+  <cs:hiLoLine>
+    <cs:lnRef idx="0"/>
+    <cs:fillRef idx="0"/>
+    <cs:effectRef idx="0"/>
+    <cs:fontRef idx="minor">
+      <a:schemeClr val="dk1"/>
+    </cs:fontRef>
+    <cs:spPr>
+      <a:ln w="9525">
+        <a:solidFill>
+          <a:schemeClr val="dk1">
+            <a:lumMod val="35000"/>
+            <a:lumOff val="65000"/>
+          </a:schemeClr>
+        </a:solidFill>
+      </a:ln>
+    </cs:spPr>
+  </cs:hiLoLine>
+  <cs:leaderLine>
+    <cs:lnRef idx="0"/>
+    <cs:fillRef idx="0"/>
+    <cs:effectRef idx="0"/>
+    <cs:fontRef idx="minor">
+      <a:schemeClr val="dk1"/>
+    </cs:fontRef>
+    <cs:spPr>
+      <a:ln w="9525">
+        <a:solidFill>
+          <a:schemeClr val="dk1">
+            <a:lumMod val="35000"/>
+            <a:lumOff val="65000"/>
+          </a:schemeClr>
+        </a:solidFill>
+      </a:ln>
+    </cs:spPr>
+  </cs:leaderLine>
+  <cs:legend>
+    <cs:lnRef idx="0"/>
+    <cs:fillRef idx="0"/>
+    <cs:effectRef idx="0"/>
+    <cs:fontRef idx="minor">
+      <a:schemeClr val="dk1">
+        <a:lumMod val="65000"/>
+        <a:lumOff val="35000"/>
+      </a:schemeClr>
+    </cs:fontRef>
+    <cs:defRPr sz="1197" kern="1200"/>
+  </cs:legend>
+  <cs:plotArea>
+    <cs:lnRef idx="0"/>
+    <cs:fillRef idx="0"/>
+    <cs:effectRef idx="0"/>
+    <cs:fontRef idx="minor">
+      <a:schemeClr val="dk1"/>
+    </cs:fontRef>
+    <cs:spPr>
+      <a:gradFill>
+        <a:gsLst>
+          <a:gs pos="100000">
+            <a:schemeClr val="lt1">
+              <a:lumMod val="95000"/>
+            </a:schemeClr>
+          </a:gs>
+          <a:gs pos="0">
+            <a:schemeClr val="lt1"/>
+          </a:gs>
+        </a:gsLst>
+        <a:lin ang="5400000" scaled="0"/>
+      </a:gradFill>
+    </cs:spPr>
+  </cs:plotArea>
+  <cs:plotArea3D>
+    <cs:lnRef idx="0"/>
+    <cs:fillRef idx="0"/>
+    <cs:effectRef idx="0"/>
+    <cs:fontRef idx="minor">
+      <a:schemeClr val="dk1"/>
+    </cs:fontRef>
+  </cs:plotArea3D>
+  <cs:seriesAxis>
+    <cs:lnRef idx="0"/>
+    <cs:fillRef idx="0"/>
+    <cs:effectRef idx="0"/>
+    <cs:fontRef idx="minor">
+      <a:schemeClr val="dk1">
+        <a:lumMod val="65000"/>
+        <a:lumOff val="35000"/>
+      </a:schemeClr>
+    </cs:fontRef>
+    <cs:spPr>
+      <a:ln w="9525" cap="flat" cmpd="sng" algn="ctr">
+        <a:solidFill>
+          <a:schemeClr val="dk1">
+            <a:lumMod val="15000"/>
+            <a:lumOff val="85000"/>
+          </a:schemeClr>
+        </a:solidFill>
+        <a:round/>
+      </a:ln>
+    </cs:spPr>
+    <cs:defRPr sz="1197" kern="1200"/>
+  </cs:seriesAxis>
+  <cs:seriesLine>
+    <cs:lnRef idx="0"/>
+    <cs:fillRef idx="0"/>
+    <cs:effectRef idx="0"/>
+    <cs:fontRef idx="minor">
+      <a:schemeClr val="dk1"/>
+    </cs:fontRef>
+    <cs:spPr>
+      <a:ln w="9525">
+        <a:solidFill>
+          <a:schemeClr val="dk1">
+            <a:lumMod val="35000"/>
+            <a:lumOff val="65000"/>
+          </a:schemeClr>
+        </a:solidFill>
+        <a:prstDash val="dash"/>
+      </a:ln>
+    </cs:spPr>
+  </cs:seriesLine>
+  <cs:title>
+    <cs:lnRef idx="0"/>
+    <cs:fillRef idx="0"/>
+    <cs:effectRef idx="0"/>
+    <cs:fontRef idx="minor">
+      <a:schemeClr val="dk1">
+        <a:lumMod val="50000"/>
+        <a:lumOff val="50000"/>
+      </a:schemeClr>
+    </cs:fontRef>
+    <cs:defRPr sz="1862" kern="1200" cap="none" spc="20" baseline="0"/>
+  </cs:title>
+  <cs:trendline>
+    <cs:lnRef idx="0">
+      <cs:styleClr val="auto"/>
+    </cs:lnRef>
+    <cs:fillRef idx="0"/>
+    <cs:effectRef idx="0"/>
+    <cs:fontRef idx="minor">
+      <a:schemeClr val="dk1"/>
+    </cs:fontRef>
+    <cs:spPr>
+      <a:ln w="9525" cap="rnd">
+        <a:solidFill>
+          <a:schemeClr val="phClr"/>
+        </a:solidFill>
+      </a:ln>
+    </cs:spPr>
+  </cs:trendline>
+  <cs:trendlineLabel>
+    <cs:lnRef idx="0"/>
+    <cs:fillRef idx="0"/>
+    <cs:effectRef idx="0"/>
+    <cs:fontRef idx="minor">
+      <a:schemeClr val="dk1">
+        <a:lumMod val="65000"/>
+        <a:lumOff val="35000"/>
+      </a:schemeClr>
+    </cs:fontRef>
+    <cs:defRPr sz="1197" kern="1200"/>
+  </cs:trendlineLabel>
+  <cs:upBar>
+    <cs:lnRef idx="0"/>
+    <cs:fillRef idx="0"/>
+    <cs:effectRef idx="0"/>
+    <cs:fontRef idx="minor">
+      <a:schemeClr val="dk1"/>
+    </cs:fontRef>
+    <cs:spPr>
+      <a:solidFill>
+        <a:schemeClr val="lt1"/>
+      </a:solidFill>
+      <a:ln w="9525">
+        <a:solidFill>
+          <a:schemeClr val="dk1">
+            <a:lumMod val="65000"/>
+            <a:lumOff val="35000"/>
+          </a:schemeClr>
+        </a:solidFill>
+      </a:ln>
+    </cs:spPr>
+  </cs:upBar>
+  <cs:valueAxis>
+    <cs:lnRef idx="0"/>
+    <cs:fillRef idx="0"/>
+    <cs:effectRef idx="0"/>
+    <cs:fontRef idx="minor">
+      <a:schemeClr val="dk1">
+        <a:lumMod val="65000"/>
+        <a:lumOff val="35000"/>
+      </a:schemeClr>
+    </cs:fontRef>
+    <cs:defRPr sz="1197" kern="1200" spc="20" baseline="0"/>
+  </cs:valueAxis>
+  <cs:wall>
+    <cs:lnRef idx="0"/>
+    <cs:fillRef idx="0"/>
+    <cs:effectRef idx="0"/>
+    <cs:fontRef idx="minor">
+      <a:schemeClr val="dk1"/>
+    </cs:fontRef>
+  </cs:wall>
+</cs:chartStyle>
+</file>
+
 <file path=ppt/charts/style4.xml><?xml version="1.0" encoding="utf-8"?>
 <cs:chartStyle xmlns:cs="http://schemas.microsoft.com/office/drawing/2012/chartStyle" xmlns:a="http://schemas.openxmlformats.org/drawingml/2006/main" id="230">
   <cs:axisTitle>
@@ -40848,7 +43405,7 @@
           <a:p>
             <a:fld id="{C4012A2F-6FA9-4D5E-8CA7-6ABDF1F07521}" type="datetimeFigureOut">
               <a:rPr kumimoji="1" lang="ja-JP" altLang="en-US" smtClean="0"/>
-              <a:t>2017/12/18</a:t>
+              <a:t>2017/12/19</a:t>
             </a:fld>
             <a:endParaRPr kumimoji="1" lang="ja-JP" altLang="en-US"/>
           </a:p>
@@ -41439,10 +43996,9 @@
               <a:t>7:15</a:t>
             </a:r>
             <a:r>
-              <a:rPr kumimoji="1" lang="ja-JP" altLang="en-US"/>
+              <a:rPr kumimoji="1" lang="ja-JP" altLang="en-US" dirty="0"/>
               <a:t>まで</a:t>
             </a:r>
-            <a:endParaRPr kumimoji="1" lang="ja-JP" altLang="en-US"/>
           </a:p>
         </p:txBody>
       </p:sp>
@@ -41756,7 +44312,7 @@
           <a:p>
             <a:fld id="{78ABE3C1-DBE1-495D-B57B-2849774B866A}" type="datetimeFigureOut">
               <a:rPr lang="en-US" dirty="0"/>
-              <a:t>12/18/2017</a:t>
+              <a:t>12/19/2017</a:t>
             </a:fld>
             <a:endParaRPr lang="en-US" dirty="0"/>
           </a:p>
@@ -42165,7 +44721,7 @@
           <a:p>
             <a:fld id="{446C117F-5CCF-4837-BE5F-2B92066CAFAF}" type="datetimeFigureOut">
               <a:rPr lang="en-US" dirty="0"/>
-              <a:t>12/18/2017</a:t>
+              <a:t>12/19/2017</a:t>
             </a:fld>
             <a:endParaRPr lang="en-US" dirty="0"/>
           </a:p>
@@ -42496,7 +45052,7 @@
           <a:p>
             <a:fld id="{84EB90BD-B6CE-46B7-997F-7313B992CCDC}" type="datetimeFigureOut">
               <a:rPr lang="en-US" dirty="0"/>
-              <a:t>12/18/2017</a:t>
+              <a:t>12/19/2017</a:t>
             </a:fld>
             <a:endParaRPr lang="en-US" dirty="0"/>
           </a:p>
@@ -42896,7 +45452,7 @@
           <a:p>
             <a:fld id="{CDB9D11F-B188-461D-B23F-39381795C052}" type="datetimeFigureOut">
               <a:rPr lang="en-US" dirty="0"/>
-              <a:t>12/18/2017</a:t>
+              <a:t>12/19/2017</a:t>
             </a:fld>
             <a:endParaRPr lang="en-US" dirty="0"/>
           </a:p>
@@ -43459,7 +46015,7 @@
           <a:p>
             <a:fld id="{52E6D8D9-55A2-4063-B0F3-121F44549695}" type="datetimeFigureOut">
               <a:rPr lang="en-US" dirty="0"/>
-              <a:t>12/18/2017</a:t>
+              <a:t>12/19/2017</a:t>
             </a:fld>
             <a:endParaRPr lang="en-US" dirty="0"/>
           </a:p>
@@ -44135,7 +46691,7 @@
           <a:p>
             <a:fld id="{D4B24536-994D-4021-A283-9F449C0DB509}" type="datetimeFigureOut">
               <a:rPr lang="en-US" dirty="0"/>
-              <a:t>12/18/2017</a:t>
+              <a:t>12/19/2017</a:t>
             </a:fld>
             <a:endParaRPr lang="en-US" dirty="0"/>
           </a:p>
@@ -45043,7 +47599,7 @@
           <a:p>
             <a:fld id="{3CBBBB78-C96F-47B7-AB17-D852CA960AC9}" type="datetimeFigureOut">
               <a:rPr lang="en-US" dirty="0"/>
-              <a:t>12/18/2017</a:t>
+              <a:t>12/19/2017</a:t>
             </a:fld>
             <a:endParaRPr lang="en-US" dirty="0"/>
           </a:p>
@@ -45351,7 +47907,7 @@
           <a:p>
             <a:fld id="{1FA3F48C-C7C6-4055-9F49-3777875E72AE}" type="datetimeFigureOut">
               <a:rPr lang="en-US" dirty="0"/>
-              <a:t>12/18/2017</a:t>
+              <a:t>12/19/2017</a:t>
             </a:fld>
             <a:endParaRPr lang="en-US" dirty="0"/>
           </a:p>
@@ -45610,7 +48166,7 @@
           <a:p>
             <a:fld id="{6178E61D-D431-422C-9764-11DAFE33AB63}" type="datetimeFigureOut">
               <a:rPr lang="en-US" dirty="0"/>
-              <a:t>12/18/2017</a:t>
+              <a:t>12/19/2017</a:t>
             </a:fld>
             <a:endParaRPr lang="en-US" dirty="0"/>
           </a:p>
@@ -45929,7 +48485,7 @@
           <a:p>
             <a:fld id="{12DE42F4-6EEF-4EF7-8ED4-2208F0F89A08}" type="datetimeFigureOut">
               <a:rPr lang="en-US" dirty="0"/>
-              <a:t>12/18/2017</a:t>
+              <a:t>12/19/2017</a:t>
             </a:fld>
             <a:endParaRPr lang="en-US" dirty="0"/>
           </a:p>
@@ -46313,7 +48869,7 @@
           <a:p>
             <a:fld id="{30578ACC-22D6-47C1-A373-4FD133E34F3C}" type="datetimeFigureOut">
               <a:rPr lang="en-US" dirty="0"/>
-              <a:t>12/18/2017</a:t>
+              <a:t>12/19/2017</a:t>
             </a:fld>
             <a:endParaRPr lang="en-US" dirty="0"/>
           </a:p>
@@ -46684,7 +49240,7 @@
           <a:p>
             <a:fld id="{4E5A6C69-6797-4E8A-BF37-F2C3751466E9}" type="datetimeFigureOut">
               <a:rPr lang="en-US" dirty="0"/>
-              <a:t>12/18/2017</a:t>
+              <a:t>12/19/2017</a:t>
             </a:fld>
             <a:endParaRPr lang="en-US" dirty="0"/>
           </a:p>
@@ -47185,7 +49741,7 @@
           <a:p>
             <a:fld id="{D82014A1-A632-4878-A0D3-F52BA7563730}" type="datetimeFigureOut">
               <a:rPr lang="en-US" dirty="0"/>
-              <a:t>12/18/2017</a:t>
+              <a:t>12/19/2017</a:t>
             </a:fld>
             <a:endParaRPr lang="en-US" dirty="0"/>
           </a:p>
@@ -47437,7 +49993,7 @@
           <a:p>
             <a:fld id="{CE99F462-093F-4566-844B-4C71F2739DA5}" type="datetimeFigureOut">
               <a:rPr lang="en-US" dirty="0"/>
-              <a:t>12/18/2017</a:t>
+              <a:t>12/19/2017</a:t>
             </a:fld>
             <a:endParaRPr lang="en-US" dirty="0"/>
           </a:p>
@@ -47595,7 +50151,7 @@
           <a:p>
             <a:fld id="{3D24A7AC-904D-4781-85BA-7D10C17ED021}" type="datetimeFigureOut">
               <a:rPr lang="en-US" dirty="0"/>
-              <a:t>12/18/2017</a:t>
+              <a:t>12/19/2017</a:t>
             </a:fld>
             <a:endParaRPr lang="en-US" dirty="0"/>
           </a:p>
@@ -47980,7 +50536,7 @@
           <a:p>
             <a:fld id="{E331444B-B92B-4E27-8C94-BB93EAF5CB18}" type="datetimeFigureOut">
               <a:rPr lang="en-US" dirty="0"/>
-              <a:t>12/18/2017</a:t>
+              <a:t>12/19/2017</a:t>
             </a:fld>
             <a:endParaRPr lang="en-US" dirty="0"/>
           </a:p>
@@ -48384,7 +50940,7 @@
           <a:p>
             <a:fld id="{363EFA5E-FA76-400D-B3DC-F0BA90E6D107}" type="datetimeFigureOut">
               <a:rPr lang="en-US" dirty="0"/>
-              <a:t>12/18/2017</a:t>
+              <a:t>12/19/2017</a:t>
             </a:fld>
             <a:endParaRPr lang="en-US" dirty="0"/>
           </a:p>
@@ -48623,7 +51179,7 @@
           <a:p>
             <a:fld id="{9D6E9DEC-419B-4CC5-A080-3B06BD5A8291}" type="datetimeFigureOut">
               <a:rPr lang="en-US" dirty="0"/>
-              <a:t>12/18/2017</a:t>
+              <a:t>12/19/2017</a:t>
             </a:fld>
             <a:endParaRPr lang="en-US" dirty="0"/>
           </a:p>
@@ -52326,54 +54882,6 @@
           </a:p>
         </p:txBody>
       </p:sp>
-      <p:graphicFrame>
-        <p:nvGraphicFramePr>
-          <p:cNvPr id="4" name="Chart 3"/>
-          <p:cNvGraphicFramePr>
-            <a:graphicFrameLocks/>
-          </p:cNvGraphicFramePr>
-          <p:nvPr>
-            <p:extLst>
-              <p:ext uri="{D42A27DB-BD31-4B8C-83A1-F6EECF244321}">
-                <p14:modId xmlns:p14="http://schemas.microsoft.com/office/powerpoint/2010/main" val="440413172"/>
-              </p:ext>
-            </p:extLst>
-          </p:nvPr>
-        </p:nvGraphicFramePr>
-        <p:xfrm>
-          <a:off x="407580" y="2206255"/>
-          <a:ext cx="5466908" cy="3280145"/>
-        </p:xfrm>
-        <a:graphic>
-          <a:graphicData uri="http://schemas.openxmlformats.org/drawingml/2006/chart">
-            <c:chart xmlns:c="http://schemas.openxmlformats.org/drawingml/2006/chart" xmlns:r="http://schemas.openxmlformats.org/officeDocument/2006/relationships" r:id="rId2"/>
-          </a:graphicData>
-        </a:graphic>
-      </p:graphicFrame>
-      <p:graphicFrame>
-        <p:nvGraphicFramePr>
-          <p:cNvPr id="5" name="Chart 4"/>
-          <p:cNvGraphicFramePr>
-            <a:graphicFrameLocks/>
-          </p:cNvGraphicFramePr>
-          <p:nvPr>
-            <p:extLst>
-              <p:ext uri="{D42A27DB-BD31-4B8C-83A1-F6EECF244321}">
-                <p14:modId xmlns:p14="http://schemas.microsoft.com/office/powerpoint/2010/main" val="3286947325"/>
-              </p:ext>
-            </p:extLst>
-          </p:nvPr>
-        </p:nvGraphicFramePr>
-        <p:xfrm>
-          <a:off x="5874488" y="2206254"/>
-          <a:ext cx="5466908" cy="3280145"/>
-        </p:xfrm>
-        <a:graphic>
-          <a:graphicData uri="http://schemas.openxmlformats.org/drawingml/2006/chart">
-            <c:chart xmlns:c="http://schemas.openxmlformats.org/drawingml/2006/chart" xmlns:r="http://schemas.openxmlformats.org/officeDocument/2006/relationships" r:id="rId3"/>
-          </a:graphicData>
-        </a:graphic>
-      </p:graphicFrame>
       <p:sp>
         <p:nvSpPr>
           <p:cNvPr id="6" name="TextBox 5"/>
@@ -52399,11 +54907,59 @@
             <a:pPr algn="ctr"/>
             <a:r>
               <a:rPr kumimoji="1" lang="ja-JP" altLang="en-US" sz="4800" dirty="0"/>
-              <a:t>打点のほうが特徴的ぃ！！</a:t>
+              <a:t>打点のほうが特徴的！！</a:t>
             </a:r>
           </a:p>
         </p:txBody>
       </p:sp>
+      <p:graphicFrame>
+        <p:nvGraphicFramePr>
+          <p:cNvPr id="7" name="Chart 6"/>
+          <p:cNvGraphicFramePr>
+            <a:graphicFrameLocks/>
+          </p:cNvGraphicFramePr>
+          <p:nvPr>
+            <p:extLst>
+              <p:ext uri="{D42A27DB-BD31-4B8C-83A1-F6EECF244321}">
+                <p14:modId xmlns:p14="http://schemas.microsoft.com/office/powerpoint/2010/main" val="1901738993"/>
+              </p:ext>
+            </p:extLst>
+          </p:nvPr>
+        </p:nvGraphicFramePr>
+        <p:xfrm>
+          <a:off x="363855" y="2097646"/>
+          <a:ext cx="5771970" cy="3463182"/>
+        </p:xfrm>
+        <a:graphic>
+          <a:graphicData uri="http://schemas.openxmlformats.org/drawingml/2006/chart">
+            <c:chart xmlns:c="http://schemas.openxmlformats.org/drawingml/2006/chart" xmlns:r="http://schemas.openxmlformats.org/officeDocument/2006/relationships" r:id="rId2"/>
+          </a:graphicData>
+        </a:graphic>
+      </p:graphicFrame>
+      <p:graphicFrame>
+        <p:nvGraphicFramePr>
+          <p:cNvPr id="8" name="Chart 7"/>
+          <p:cNvGraphicFramePr>
+            <a:graphicFrameLocks/>
+          </p:cNvGraphicFramePr>
+          <p:nvPr>
+            <p:extLst>
+              <p:ext uri="{D42A27DB-BD31-4B8C-83A1-F6EECF244321}">
+                <p14:modId xmlns:p14="http://schemas.microsoft.com/office/powerpoint/2010/main" val="1072689795"/>
+              </p:ext>
+            </p:extLst>
+          </p:nvPr>
+        </p:nvGraphicFramePr>
+        <p:xfrm>
+          <a:off x="6135825" y="2097646"/>
+          <a:ext cx="5771970" cy="3463182"/>
+        </p:xfrm>
+        <a:graphic>
+          <a:graphicData uri="http://schemas.openxmlformats.org/drawingml/2006/chart">
+            <c:chart xmlns:c="http://schemas.openxmlformats.org/drawingml/2006/chart" xmlns:r="http://schemas.openxmlformats.org/officeDocument/2006/relationships" r:id="rId3"/>
+          </a:graphicData>
+        </a:graphic>
+      </p:graphicFrame>
     </p:spTree>
     <p:extLst>
       <p:ext uri="{BB962C8B-B14F-4D97-AF65-F5344CB8AC3E}">
@@ -52447,20 +55003,13 @@
         <p:spPr/>
         <p:txBody>
           <a:bodyPr>
-            <a:normAutofit fontScale="90000"/>
+            <a:normAutofit/>
           </a:bodyPr>
           <a:lstStyle/>
           <a:p>
             <a:r>
-              <a:rPr kumimoji="1" lang="ja-JP" altLang="en-US" dirty="0"/>
-              <a:t>個人成績ではなく、チームの打線の評価指標として</a:t>
-            </a:r>
-            <a:br>
-              <a:rPr kumimoji="1" lang="en-US" altLang="ja-JP" dirty="0"/>
-            </a:br>
-            <a:r>
               <a:rPr lang="ja-JP" altLang="en-US" dirty="0"/>
-              <a:t>あえて「打点」に注目してみました。</a:t>
+              <a:t>まとめ</a:t>
             </a:r>
             <a:endParaRPr kumimoji="1" lang="ja-JP" altLang="en-US" dirty="0"/>
           </a:p>
@@ -52468,14 +55017,14 @@
       </p:sp>
       <p:sp>
         <p:nvSpPr>
-          <p:cNvPr id="8" name="TextBox 7"/>
+          <p:cNvPr id="3" name="TextBox 2"/>
           <p:cNvSpPr txBox="1"/>
           <p:nvPr/>
         </p:nvSpPr>
         <p:spPr>
           <a:xfrm>
-            <a:off x="4423143" y="3399080"/>
-            <a:ext cx="2775098" cy="1569660"/>
+            <a:off x="959555" y="2291645"/>
+            <a:ext cx="10272889" cy="3477875"/>
           </a:xfrm>
           <a:prstGeom prst="rect">
             <a:avLst/>
@@ -52488,10 +55037,53 @@
           </a:bodyPr>
           <a:lstStyle/>
           <a:p>
-            <a:pPr algn="ctr"/>
+            <a:pPr marL="285750" indent="-285750">
+              <a:buFont typeface="Arial" panose="020B0604020202020204" pitchFamily="34" charset="0"/>
+              <a:buChar char="•"/>
+            </a:pPr>
             <a:r>
-              <a:rPr kumimoji="1" lang="ja-JP" altLang="en-US" sz="9600" dirty="0"/>
-              <a:t>終</a:t>
+              <a:rPr kumimoji="1" lang="en-US" altLang="ja-JP" sz="4400" dirty="0"/>
+              <a:t>2</a:t>
+            </a:r>
+            <a:r>
+              <a:rPr kumimoji="1" lang="ja-JP" altLang="en-US" sz="4400" dirty="0"/>
+              <a:t>番ペゲーロは異常</a:t>
+            </a:r>
+            <a:endParaRPr kumimoji="1" lang="en-US" altLang="ja-JP" sz="4400" dirty="0"/>
+          </a:p>
+          <a:p>
+            <a:pPr marL="285750" indent="-285750">
+              <a:buFont typeface="Arial" panose="020B0604020202020204" pitchFamily="34" charset="0"/>
+              <a:buChar char="•"/>
+            </a:pPr>
+            <a:endParaRPr kumimoji="1" lang="en-US" altLang="ja-JP" sz="4400" dirty="0"/>
+          </a:p>
+          <a:p>
+            <a:pPr marL="285750" indent="-285750">
+              <a:buFont typeface="Arial" panose="020B0604020202020204" pitchFamily="34" charset="0"/>
+              <a:buChar char="•"/>
+            </a:pPr>
+            <a:r>
+              <a:rPr kumimoji="1" lang="ja-JP" altLang="en-US" sz="4400" dirty="0"/>
+              <a:t>中日は燃えドラ打線</a:t>
+            </a:r>
+            <a:endParaRPr kumimoji="1" lang="en-US" altLang="ja-JP" sz="4400" dirty="0"/>
+          </a:p>
+          <a:p>
+            <a:pPr marL="285750" indent="-285750">
+              <a:buFont typeface="Arial" panose="020B0604020202020204" pitchFamily="34" charset="0"/>
+              <a:buChar char="•"/>
+            </a:pPr>
+            <a:endParaRPr kumimoji="1" lang="en-US" altLang="ja-JP" sz="4400" dirty="0"/>
+          </a:p>
+          <a:p>
+            <a:pPr marL="285750" indent="-285750">
+              <a:buFont typeface="Arial" panose="020B0604020202020204" pitchFamily="34" charset="0"/>
+              <a:buChar char="•"/>
+            </a:pPr>
+            <a:r>
+              <a:rPr kumimoji="1" lang="ja-JP" altLang="en-US" sz="4400" dirty="0"/>
+              <a:t>「打点」は打線の評価指標として使えそう</a:t>
             </a:r>
           </a:p>
         </p:txBody>
@@ -52780,12 +55372,25 @@
             <p:ph idx="1"/>
           </p:nvPr>
         </p:nvSpPr>
-        <p:spPr/>
+        <p:spPr>
+          <a:xfrm>
+            <a:off x="680321" y="3657673"/>
+            <a:ext cx="9613861" cy="1727127"/>
+          </a:xfrm>
+        </p:spPr>
         <p:txBody>
-          <a:bodyPr/>
+          <a:bodyPr>
+            <a:normAutofit/>
+          </a:bodyPr>
           <a:lstStyle/>
           <a:p>
-            <a:endParaRPr kumimoji="1" lang="ja-JP" altLang="en-US"/>
+            <a:pPr marL="0" indent="0" algn="ctr">
+              <a:buNone/>
+            </a:pPr>
+            <a:r>
+              <a:rPr kumimoji="1" lang="ja-JP" altLang="en-US" sz="9600" dirty="0"/>
+              <a:t>終</a:t>
+            </a:r>
           </a:p>
         </p:txBody>
       </p:sp>
@@ -53358,10 +55963,7 @@
           <a:bodyPr/>
           <a:lstStyle/>
           <a:p>
-            <a:r>
-              <a:rPr kumimoji="1" lang="ja-JP" altLang="en-US" dirty="0"/>
-              <a:t>選手紹介</a:t>
-            </a:r>
+            <a:endParaRPr kumimoji="1" lang="ja-JP" altLang="en-US" dirty="0"/>
           </a:p>
         </p:txBody>
       </p:sp>
@@ -53375,73 +55977,33 @@
             <p:ph idx="1"/>
           </p:nvPr>
         </p:nvSpPr>
-        <p:spPr/>
+        <p:spPr>
+          <a:xfrm>
+            <a:off x="759343" y="3793140"/>
+            <a:ext cx="9613861" cy="993349"/>
+          </a:xfrm>
+        </p:spPr>
         <p:txBody>
           <a:bodyPr>
             <a:normAutofit/>
           </a:bodyPr>
           <a:lstStyle/>
           <a:p>
-            <a:r>
-              <a:rPr kumimoji="1" lang="ja-JP" altLang="en-US" dirty="0"/>
-              <a:t>渡邉太一 </a:t>
-            </a:r>
-            <a:r>
-              <a:rPr kumimoji="1" lang="en-US" altLang="ja-JP" dirty="0"/>
-              <a:t>(@taichiw0424)</a:t>
-            </a:r>
-            <a:endParaRPr lang="en-US" altLang="ja-JP" dirty="0"/>
-          </a:p>
-          <a:p>
-            <a:pPr marL="0" indent="0">
+            <a:pPr marL="0" indent="0" algn="ctr">
               <a:buNone/>
             </a:pPr>
-            <a:endParaRPr kumimoji="1" lang="en-US" altLang="ja-JP" dirty="0"/>
-          </a:p>
-          <a:p>
             <a:r>
-              <a:rPr lang="ja-JP" altLang="en-US" dirty="0"/>
-              <a:t>本職：　</a:t>
+              <a:rPr lang="ja-JP" altLang="en-US" sz="6000" dirty="0"/>
+              <a:t>没スライド</a:t>
             </a:r>
-            <a:r>
-              <a:rPr lang="en-US" altLang="ja-JP" dirty="0"/>
-              <a:t>Web</a:t>
-            </a:r>
-            <a:r>
-              <a:rPr lang="ja-JP" altLang="en-US" dirty="0"/>
-              <a:t>サービスのエンジニア（</a:t>
-            </a:r>
-            <a:r>
-              <a:rPr lang="en-US" altLang="ja-JP" dirty="0"/>
-              <a:t>Java</a:t>
-            </a:r>
-            <a:r>
-              <a:rPr lang="ja-JP" altLang="en-US" dirty="0"/>
-              <a:t>）</a:t>
-            </a:r>
-            <a:endParaRPr lang="en-US" altLang="ja-JP" dirty="0"/>
-          </a:p>
-          <a:p>
-            <a:r>
-              <a:rPr kumimoji="1" lang="ja-JP" altLang="en-US" dirty="0"/>
-              <a:t>赤い</a:t>
-            </a:r>
-            <a:r>
-              <a:rPr kumimoji="1" lang="en-US" altLang="ja-JP" dirty="0"/>
-              <a:t>R</a:t>
-            </a:r>
-            <a:r>
-              <a:rPr kumimoji="1" lang="ja-JP" altLang="en-US" dirty="0"/>
-              <a:t>で旅行サイトやってます。遠征の際にはぜひご利用ください！</a:t>
-            </a:r>
-            <a:endParaRPr kumimoji="1" lang="en-US" altLang="ja-JP" dirty="0"/>
+            <a:endParaRPr kumimoji="1" lang="ja-JP" altLang="en-US" sz="6000" dirty="0"/>
           </a:p>
         </p:txBody>
       </p:sp>
     </p:spTree>
     <p:extLst>
       <p:ext uri="{BB962C8B-B14F-4D97-AF65-F5344CB8AC3E}">
-        <p14:creationId xmlns:p14="http://schemas.microsoft.com/office/powerpoint/2010/main" val="1676833128"/>
+        <p14:creationId xmlns:p14="http://schemas.microsoft.com/office/powerpoint/2010/main" val="597560303"/>
       </p:ext>
     </p:extLst>
   </p:cSld>
@@ -53452,91 +56014,6 @@
 </file>
 
 <file path=ppt/slides/slide25.xml><?xml version="1.0" encoding="utf-8"?>
-<p:sld xmlns:a="http://schemas.openxmlformats.org/drawingml/2006/main" xmlns:r="http://schemas.openxmlformats.org/officeDocument/2006/relationships" xmlns:p="http://schemas.openxmlformats.org/presentationml/2006/main">
-  <p:cSld>
-    <p:spTree>
-      <p:nvGrpSpPr>
-        <p:cNvPr id="1" name=""/>
-        <p:cNvGrpSpPr/>
-        <p:nvPr/>
-      </p:nvGrpSpPr>
-      <p:grpSpPr>
-        <a:xfrm>
-          <a:off x="0" y="0"/>
-          <a:ext cx="0" cy="0"/>
-          <a:chOff x="0" y="0"/>
-          <a:chExt cx="0" cy="0"/>
-        </a:xfrm>
-      </p:grpSpPr>
-      <p:sp>
-        <p:nvSpPr>
-          <p:cNvPr id="2" name="Title 1"/>
-          <p:cNvSpPr>
-            <a:spLocks noGrp="1"/>
-          </p:cNvSpPr>
-          <p:nvPr>
-            <p:ph type="title"/>
-          </p:nvPr>
-        </p:nvSpPr>
-        <p:spPr/>
-        <p:txBody>
-          <a:bodyPr/>
-          <a:lstStyle/>
-          <a:p>
-            <a:r>
-              <a:rPr lang="ja-JP" altLang="en-US" dirty="0"/>
-              <a:t>典型的</a:t>
-            </a:r>
-            <a:r>
-              <a:rPr lang="en-US" altLang="ja-JP" dirty="0"/>
-              <a:t>…</a:t>
-            </a:r>
-            <a:r>
-              <a:rPr lang="ja-JP" altLang="en-US" dirty="0"/>
-              <a:t>？</a:t>
-            </a:r>
-            <a:endParaRPr kumimoji="1" lang="ja-JP" altLang="en-US" dirty="0"/>
-          </a:p>
-        </p:txBody>
-      </p:sp>
-      <p:graphicFrame>
-        <p:nvGraphicFramePr>
-          <p:cNvPr id="4" name="Chart 3"/>
-          <p:cNvGraphicFramePr>
-            <a:graphicFrameLocks/>
-          </p:cNvGraphicFramePr>
-          <p:nvPr>
-            <p:extLst>
-              <p:ext uri="{D42A27DB-BD31-4B8C-83A1-F6EECF244321}">
-                <p14:modId xmlns:p14="http://schemas.microsoft.com/office/powerpoint/2010/main" val="2635381328"/>
-              </p:ext>
-            </p:extLst>
-          </p:nvPr>
-        </p:nvGraphicFramePr>
-        <p:xfrm>
-          <a:off x="680321" y="1981646"/>
-          <a:ext cx="11098248" cy="4788056"/>
-        </p:xfrm>
-        <a:graphic>
-          <a:graphicData uri="http://schemas.openxmlformats.org/drawingml/2006/chart">
-            <c:chart xmlns:c="http://schemas.openxmlformats.org/drawingml/2006/chart" xmlns:r="http://schemas.openxmlformats.org/officeDocument/2006/relationships" r:id="rId2"/>
-          </a:graphicData>
-        </a:graphic>
-      </p:graphicFrame>
-    </p:spTree>
-    <p:extLst>
-      <p:ext uri="{BB962C8B-B14F-4D97-AF65-F5344CB8AC3E}">
-        <p14:creationId xmlns:p14="http://schemas.microsoft.com/office/powerpoint/2010/main" val="1728060099"/>
-      </p:ext>
-    </p:extLst>
-  </p:cSld>
-  <p:clrMapOvr>
-    <a:masterClrMapping/>
-  </p:clrMapOvr>
-</p:sld>
-</file>
-
-<file path=ppt/slides/slide26.xml><?xml version="1.0" encoding="utf-8"?>
 <p:sld xmlns:a="http://schemas.openxmlformats.org/drawingml/2006/main" xmlns:r="http://schemas.openxmlformats.org/officeDocument/2006/relationships" xmlns:p="http://schemas.openxmlformats.org/presentationml/2006/main">
   <p:cSld>
     <p:spTree>
@@ -54698,7 +57175,7 @@
 </p:sld>
 </file>
 
-<file path=ppt/slides/slide27.xml><?xml version="1.0" encoding="utf-8"?>
+<file path=ppt/slides/slide26.xml><?xml version="1.0" encoding="utf-8"?>
 <p:sld xmlns:a="http://schemas.openxmlformats.org/drawingml/2006/main" xmlns:r="http://schemas.openxmlformats.org/officeDocument/2006/relationships" xmlns:p="http://schemas.openxmlformats.org/presentationml/2006/main">
   <p:cSld>
     <p:spTree>
@@ -56723,6 +59200,159 @@
     <p:extLst>
       <p:ext uri="{BB962C8B-B14F-4D97-AF65-F5344CB8AC3E}">
         <p14:creationId xmlns:p14="http://schemas.microsoft.com/office/powerpoint/2010/main" val="3190643464"/>
+      </p:ext>
+    </p:extLst>
+  </p:cSld>
+  <p:clrMapOvr>
+    <a:masterClrMapping/>
+  </p:clrMapOvr>
+</p:sld>
+</file>
+
+<file path=ppt/slides/slide27.xml><?xml version="1.0" encoding="utf-8"?>
+<p:sld xmlns:a="http://schemas.openxmlformats.org/drawingml/2006/main" xmlns:r="http://schemas.openxmlformats.org/officeDocument/2006/relationships" xmlns:p="http://schemas.openxmlformats.org/presentationml/2006/main">
+  <p:cSld>
+    <p:spTree>
+      <p:nvGrpSpPr>
+        <p:cNvPr id="1" name=""/>
+        <p:cNvGrpSpPr/>
+        <p:nvPr/>
+      </p:nvGrpSpPr>
+      <p:grpSpPr>
+        <a:xfrm>
+          <a:off x="0" y="0"/>
+          <a:ext cx="0" cy="0"/>
+          <a:chOff x="0" y="0"/>
+          <a:chExt cx="0" cy="0"/>
+        </a:xfrm>
+      </p:grpSpPr>
+      <p:sp>
+        <p:nvSpPr>
+          <p:cNvPr id="2" name="Title 1"/>
+          <p:cNvSpPr>
+            <a:spLocks noGrp="1"/>
+          </p:cNvSpPr>
+          <p:nvPr>
+            <p:ph type="title"/>
+          </p:nvPr>
+        </p:nvSpPr>
+        <p:spPr/>
+        <p:txBody>
+          <a:bodyPr/>
+          <a:lstStyle/>
+          <a:p>
+            <a:r>
+              <a:rPr kumimoji="1" lang="en-US" altLang="ja-JP" dirty="0"/>
+              <a:t>OPS</a:t>
+            </a:r>
+            <a:endParaRPr kumimoji="1" lang="ja-JP" altLang="en-US" dirty="0"/>
+          </a:p>
+        </p:txBody>
+      </p:sp>
+      <p:graphicFrame>
+        <p:nvGraphicFramePr>
+          <p:cNvPr id="4" name="Chart 3"/>
+          <p:cNvGraphicFramePr>
+            <a:graphicFrameLocks/>
+          </p:cNvGraphicFramePr>
+          <p:nvPr>
+            <p:extLst>
+              <p:ext uri="{D42A27DB-BD31-4B8C-83A1-F6EECF244321}">
+                <p14:modId xmlns:p14="http://schemas.microsoft.com/office/powerpoint/2010/main" val="4090858433"/>
+              </p:ext>
+            </p:extLst>
+          </p:nvPr>
+        </p:nvGraphicFramePr>
+        <p:xfrm>
+          <a:off x="915250" y="2057399"/>
+          <a:ext cx="9874670" cy="4710935"/>
+        </p:xfrm>
+        <a:graphic>
+          <a:graphicData uri="http://schemas.openxmlformats.org/drawingml/2006/chart">
+            <c:chart xmlns:c="http://schemas.openxmlformats.org/drawingml/2006/chart" xmlns:r="http://schemas.openxmlformats.org/officeDocument/2006/relationships" r:id="rId2"/>
+          </a:graphicData>
+        </a:graphic>
+      </p:graphicFrame>
+    </p:spTree>
+    <p:extLst>
+      <p:ext uri="{BB962C8B-B14F-4D97-AF65-F5344CB8AC3E}">
+        <p14:creationId xmlns:p14="http://schemas.microsoft.com/office/powerpoint/2010/main" val="945790243"/>
+      </p:ext>
+    </p:extLst>
+  </p:cSld>
+  <p:clrMapOvr>
+    <a:masterClrMapping/>
+  </p:clrMapOvr>
+</p:sld>
+</file>
+
+<file path=ppt/slides/slide28.xml><?xml version="1.0" encoding="utf-8"?>
+<p:sld xmlns:a="http://schemas.openxmlformats.org/drawingml/2006/main" xmlns:r="http://schemas.openxmlformats.org/officeDocument/2006/relationships" xmlns:p="http://schemas.openxmlformats.org/presentationml/2006/main">
+  <p:cSld>
+    <p:spTree>
+      <p:nvGrpSpPr>
+        <p:cNvPr id="1" name=""/>
+        <p:cNvGrpSpPr/>
+        <p:nvPr/>
+      </p:nvGrpSpPr>
+      <p:grpSpPr>
+        <a:xfrm>
+          <a:off x="0" y="0"/>
+          <a:ext cx="0" cy="0"/>
+          <a:chOff x="0" y="0"/>
+          <a:chExt cx="0" cy="0"/>
+        </a:xfrm>
+      </p:grpSpPr>
+      <p:sp>
+        <p:nvSpPr>
+          <p:cNvPr id="2" name="Title 1"/>
+          <p:cNvSpPr>
+            <a:spLocks noGrp="1"/>
+          </p:cNvSpPr>
+          <p:nvPr>
+            <p:ph type="title"/>
+          </p:nvPr>
+        </p:nvSpPr>
+        <p:spPr/>
+        <p:txBody>
+          <a:bodyPr/>
+          <a:lstStyle/>
+          <a:p>
+            <a:r>
+              <a:rPr kumimoji="1" lang="ja-JP" altLang="en-US" dirty="0"/>
+              <a:t>長打率</a:t>
+            </a:r>
+          </a:p>
+        </p:txBody>
+      </p:sp>
+      <p:graphicFrame>
+        <p:nvGraphicFramePr>
+          <p:cNvPr id="4" name="Chart 3"/>
+          <p:cNvGraphicFramePr>
+            <a:graphicFrameLocks/>
+          </p:cNvGraphicFramePr>
+          <p:nvPr>
+            <p:extLst>
+              <p:ext uri="{D42A27DB-BD31-4B8C-83A1-F6EECF244321}">
+                <p14:modId xmlns:p14="http://schemas.microsoft.com/office/powerpoint/2010/main" val="3142137530"/>
+              </p:ext>
+            </p:extLst>
+          </p:nvPr>
+        </p:nvGraphicFramePr>
+        <p:xfrm>
+          <a:off x="915250" y="2057400"/>
+          <a:ext cx="9874670" cy="4710934"/>
+        </p:xfrm>
+        <a:graphic>
+          <a:graphicData uri="http://schemas.openxmlformats.org/drawingml/2006/chart">
+            <c:chart xmlns:c="http://schemas.openxmlformats.org/drawingml/2006/chart" xmlns:r="http://schemas.openxmlformats.org/officeDocument/2006/relationships" r:id="rId2"/>
+          </a:graphicData>
+        </a:graphic>
+      </p:graphicFrame>
+    </p:spTree>
+    <p:extLst>
+      <p:ext uri="{BB962C8B-B14F-4D97-AF65-F5344CB8AC3E}">
+        <p14:creationId xmlns:p14="http://schemas.microsoft.com/office/powerpoint/2010/main" val="2824591437"/>
       </p:ext>
     </p:extLst>
   </p:cSld>
